--- a/langsadl.pptx
+++ b/langsadl.pptx
@@ -7,6 +7,13 @@
   <p:sldIdLst>
     <p:sldId id="256" r:id="rId2"/>
     <p:sldId id="257" r:id="rId3"/>
+    <p:sldId id="258" r:id="rId4"/>
+    <p:sldId id="259" r:id="rId5"/>
+    <p:sldId id="260" r:id="rId6"/>
+    <p:sldId id="261" r:id="rId7"/>
+    <p:sldId id="262" r:id="rId8"/>
+    <p:sldId id="263" r:id="rId9"/>
+    <p:sldId id="264" r:id="rId10"/>
   </p:sldIdLst>
   <p:sldSz cx="12192000" cy="6858000"/>
   <p:notesSz cx="6858000" cy="9144000"/>
@@ -163,7 +170,7 @@
           <a:noFill/>
           <a:extLst>
             <a:ext uri="{909E8E84-426E-40dd-AFC4-6F175D3DCCD1}">
-              <a14:hiddenFill xmlns:a14="http://schemas.microsoft.com/office/drawing/2010/main" xmlns="">
+              <a14:hiddenFill xmlns="" xmlns:a14="http://schemas.microsoft.com/office/drawing/2010/main">
                 <a:solidFill>
                   <a:srgbClr val="FFFFFF"/>
                 </a:solidFill>
@@ -223,7 +230,7 @@
             </a:ln>
             <a:extLst>
               <a:ext uri="{91240B29-F687-4f45-9708-019B960494DF}">
-                <a14:hiddenLine xmlns:a14="http://schemas.microsoft.com/office/drawing/2010/main" xmlns="" w="9525">
+                <a14:hiddenLine xmlns="" xmlns:a14="http://schemas.microsoft.com/office/drawing/2010/main" w="9525">
                   <a:solidFill>
                     <a:srgbClr val="000000"/>
                   </a:solidFill>
@@ -313,7 +320,7 @@
             </a:ln>
             <a:extLst>
               <a:ext uri="{91240B29-F687-4f45-9708-019B960494DF}">
-                <a14:hiddenLine xmlns:a14="http://schemas.microsoft.com/office/drawing/2010/main" xmlns="" w="9525">
+                <a14:hiddenLine xmlns="" xmlns:a14="http://schemas.microsoft.com/office/drawing/2010/main" w="9525">
                   <a:solidFill>
                     <a:srgbClr val="000000"/>
                   </a:solidFill>
@@ -403,7 +410,7 @@
             </a:ln>
             <a:extLst>
               <a:ext uri="{91240B29-F687-4f45-9708-019B960494DF}">
-                <a14:hiddenLine xmlns:a14="http://schemas.microsoft.com/office/drawing/2010/main" xmlns="" w="9525">
+                <a14:hiddenLine xmlns="" xmlns:a14="http://schemas.microsoft.com/office/drawing/2010/main" w="9525">
                   <a:solidFill>
                     <a:srgbClr val="000000"/>
                   </a:solidFill>
@@ -437,7 +444,7 @@
             </a:ln>
             <a:extLst>
               <a:ext uri="{91240B29-F687-4f45-9708-019B960494DF}">
-                <a14:hiddenLine xmlns:a14="http://schemas.microsoft.com/office/drawing/2010/main" xmlns="" w="9525">
+                <a14:hiddenLine xmlns="" xmlns:a14="http://schemas.microsoft.com/office/drawing/2010/main" w="9525">
                   <a:solidFill>
                     <a:srgbClr val="000000"/>
                   </a:solidFill>
@@ -527,7 +534,7 @@
             </a:ln>
             <a:extLst>
               <a:ext uri="{91240B29-F687-4f45-9708-019B960494DF}">
-                <a14:hiddenLine xmlns:a14="http://schemas.microsoft.com/office/drawing/2010/main" xmlns="" w="9525">
+                <a14:hiddenLine xmlns="" xmlns:a14="http://schemas.microsoft.com/office/drawing/2010/main" w="9525">
                   <a:solidFill>
                     <a:srgbClr val="000000"/>
                   </a:solidFill>
@@ -589,7 +596,7 @@
             </a:ln>
             <a:extLst>
               <a:ext uri="{91240B29-F687-4f45-9708-019B960494DF}">
-                <a14:hiddenLine xmlns:a14="http://schemas.microsoft.com/office/drawing/2010/main" xmlns="" w="9525">
+                <a14:hiddenLine xmlns="" xmlns:a14="http://schemas.microsoft.com/office/drawing/2010/main" w="9525">
                   <a:solidFill>
                     <a:srgbClr val="000000"/>
                   </a:solidFill>
@@ -651,7 +658,7 @@
             </a:ln>
             <a:extLst>
               <a:ext uri="{91240B29-F687-4f45-9708-019B960494DF}">
-                <a14:hiddenLine xmlns:a14="http://schemas.microsoft.com/office/drawing/2010/main" xmlns="" w="9525">
+                <a14:hiddenLine xmlns="" xmlns:a14="http://schemas.microsoft.com/office/drawing/2010/main" w="9525">
                   <a:solidFill>
                     <a:srgbClr val="000000"/>
                   </a:solidFill>
@@ -741,7 +748,7 @@
             </a:ln>
             <a:extLst>
               <a:ext uri="{91240B29-F687-4f45-9708-019B960494DF}">
-                <a14:hiddenLine xmlns:a14="http://schemas.microsoft.com/office/drawing/2010/main" xmlns="" w="9525">
+                <a14:hiddenLine xmlns="" xmlns:a14="http://schemas.microsoft.com/office/drawing/2010/main" w="9525">
                   <a:solidFill>
                     <a:srgbClr val="000000"/>
                   </a:solidFill>
@@ -803,7 +810,7 @@
             </a:ln>
             <a:extLst>
               <a:ext uri="{91240B29-F687-4f45-9708-019B960494DF}">
-                <a14:hiddenLine xmlns:a14="http://schemas.microsoft.com/office/drawing/2010/main" xmlns="" w="9525">
+                <a14:hiddenLine xmlns="" xmlns:a14="http://schemas.microsoft.com/office/drawing/2010/main" w="9525">
                   <a:solidFill>
                     <a:srgbClr val="000000"/>
                   </a:solidFill>
@@ -865,7 +872,7 @@
             </a:ln>
             <a:extLst>
               <a:ext uri="{91240B29-F687-4f45-9708-019B960494DF}">
-                <a14:hiddenLine xmlns:a14="http://schemas.microsoft.com/office/drawing/2010/main" xmlns="" w="9525">
+                <a14:hiddenLine xmlns="" xmlns:a14="http://schemas.microsoft.com/office/drawing/2010/main" w="9525">
                   <a:solidFill>
                     <a:srgbClr val="000000"/>
                   </a:solidFill>
@@ -955,7 +962,7 @@
             </a:ln>
             <a:extLst>
               <a:ext uri="{91240B29-F687-4f45-9708-019B960494DF}">
-                <a14:hiddenLine xmlns:a14="http://schemas.microsoft.com/office/drawing/2010/main" xmlns="" w="9525">
+                <a14:hiddenLine xmlns="" xmlns:a14="http://schemas.microsoft.com/office/drawing/2010/main" w="9525">
                   <a:solidFill>
                     <a:srgbClr val="000000"/>
                   </a:solidFill>
@@ -1045,7 +1052,7 @@
             </a:ln>
             <a:extLst>
               <a:ext uri="{91240B29-F687-4f45-9708-019B960494DF}">
-                <a14:hiddenLine xmlns:a14="http://schemas.microsoft.com/office/drawing/2010/main" xmlns="" w="9525">
+                <a14:hiddenLine xmlns="" xmlns:a14="http://schemas.microsoft.com/office/drawing/2010/main" w="9525">
                   <a:solidFill>
                     <a:srgbClr val="000000"/>
                   </a:solidFill>
@@ -1107,7 +1114,7 @@
             </a:ln>
             <a:extLst>
               <a:ext uri="{91240B29-F687-4f45-9708-019B960494DF}">
-                <a14:hiddenLine xmlns:a14="http://schemas.microsoft.com/office/drawing/2010/main" xmlns="" w="9525">
+                <a14:hiddenLine xmlns="" xmlns:a14="http://schemas.microsoft.com/office/drawing/2010/main" w="9525">
                   <a:solidFill>
                     <a:srgbClr val="000000"/>
                   </a:solidFill>
@@ -1217,7 +1224,7 @@
             </a:ln>
             <a:extLst>
               <a:ext uri="{91240B29-F687-4f45-9708-019B960494DF}">
-                <a14:hiddenLine xmlns:a14="http://schemas.microsoft.com/office/drawing/2010/main" xmlns="" w="9525">
+                <a14:hiddenLine xmlns="" xmlns:a14="http://schemas.microsoft.com/office/drawing/2010/main" w="9525">
                   <a:solidFill>
                     <a:srgbClr val="000000"/>
                   </a:solidFill>
@@ -1279,7 +1286,7 @@
             </a:ln>
             <a:extLst>
               <a:ext uri="{91240B29-F687-4f45-9708-019B960494DF}">
-                <a14:hiddenLine xmlns:a14="http://schemas.microsoft.com/office/drawing/2010/main" xmlns="" w="9525">
+                <a14:hiddenLine xmlns="" xmlns:a14="http://schemas.microsoft.com/office/drawing/2010/main" w="9525">
                   <a:solidFill>
                     <a:srgbClr val="000000"/>
                   </a:solidFill>
@@ -1369,7 +1376,7 @@
             </a:ln>
             <a:extLst>
               <a:ext uri="{91240B29-F687-4f45-9708-019B960494DF}">
-                <a14:hiddenLine xmlns:a14="http://schemas.microsoft.com/office/drawing/2010/main" xmlns="" w="9525">
+                <a14:hiddenLine xmlns="" xmlns:a14="http://schemas.microsoft.com/office/drawing/2010/main" w="9525">
                   <a:solidFill>
                     <a:srgbClr val="000000"/>
                   </a:solidFill>
@@ -1459,7 +1466,7 @@
             </a:ln>
             <a:extLst>
               <a:ext uri="{91240B29-F687-4f45-9708-019B960494DF}">
-                <a14:hiddenLine xmlns:a14="http://schemas.microsoft.com/office/drawing/2010/main" xmlns="" w="9525">
+                <a14:hiddenLine xmlns="" xmlns:a14="http://schemas.microsoft.com/office/drawing/2010/main" w="9525">
                   <a:solidFill>
                     <a:srgbClr val="000000"/>
                   </a:solidFill>
@@ -1521,7 +1528,7 @@
             </a:ln>
             <a:extLst>
               <a:ext uri="{91240B29-F687-4f45-9708-019B960494DF}">
-                <a14:hiddenLine xmlns:a14="http://schemas.microsoft.com/office/drawing/2010/main" xmlns="" w="9525">
+                <a14:hiddenLine xmlns="" xmlns:a14="http://schemas.microsoft.com/office/drawing/2010/main" w="9525">
                   <a:solidFill>
                     <a:srgbClr val="000000"/>
                   </a:solidFill>
@@ -1611,7 +1618,7 @@
             </a:ln>
             <a:extLst>
               <a:ext uri="{91240B29-F687-4f45-9708-019B960494DF}">
-                <a14:hiddenLine xmlns:a14="http://schemas.microsoft.com/office/drawing/2010/main" xmlns="" w="9525">
+                <a14:hiddenLine xmlns="" xmlns:a14="http://schemas.microsoft.com/office/drawing/2010/main" w="9525">
                   <a:solidFill>
                     <a:srgbClr val="000000"/>
                   </a:solidFill>
@@ -1701,7 +1708,7 @@
             </a:ln>
             <a:extLst>
               <a:ext uri="{91240B29-F687-4f45-9708-019B960494DF}">
-                <a14:hiddenLine xmlns:a14="http://schemas.microsoft.com/office/drawing/2010/main" xmlns="" w="9525">
+                <a14:hiddenLine xmlns="" xmlns:a14="http://schemas.microsoft.com/office/drawing/2010/main" w="9525">
                   <a:solidFill>
                     <a:srgbClr val="000000"/>
                   </a:solidFill>
@@ -1757,7 +1764,7 @@
             </a:ln>
             <a:extLst>
               <a:ext uri="{91240B29-F687-4f45-9708-019B960494DF}">
-                <a14:hiddenLine xmlns:a14="http://schemas.microsoft.com/office/drawing/2010/main" xmlns="" w="9525">
+                <a14:hiddenLine xmlns="" xmlns:a14="http://schemas.microsoft.com/office/drawing/2010/main" w="9525">
                   <a:solidFill>
                     <a:srgbClr val="000000"/>
                   </a:solidFill>
@@ -1847,7 +1854,7 @@
             </a:ln>
             <a:extLst>
               <a:ext uri="{91240B29-F687-4f45-9708-019B960494DF}">
-                <a14:hiddenLine xmlns:a14="http://schemas.microsoft.com/office/drawing/2010/main" xmlns="" w="9525">
+                <a14:hiddenLine xmlns="" xmlns:a14="http://schemas.microsoft.com/office/drawing/2010/main" w="9525">
                   <a:solidFill>
                     <a:srgbClr val="000000"/>
                   </a:solidFill>
@@ -1903,7 +1910,7 @@
             </a:ln>
             <a:extLst>
               <a:ext uri="{91240B29-F687-4f45-9708-019B960494DF}">
-                <a14:hiddenLine xmlns:a14="http://schemas.microsoft.com/office/drawing/2010/main" xmlns="" w="9525">
+                <a14:hiddenLine xmlns="" xmlns:a14="http://schemas.microsoft.com/office/drawing/2010/main" w="9525">
                   <a:solidFill>
                     <a:srgbClr val="000000"/>
                   </a:solidFill>
@@ -1993,7 +2000,7 @@
             </a:ln>
             <a:extLst>
               <a:ext uri="{91240B29-F687-4f45-9708-019B960494DF}">
-                <a14:hiddenLine xmlns:a14="http://schemas.microsoft.com/office/drawing/2010/main" xmlns="" w="9525">
+                <a14:hiddenLine xmlns="" xmlns:a14="http://schemas.microsoft.com/office/drawing/2010/main" w="9525">
                   <a:solidFill>
                     <a:srgbClr val="000000"/>
                   </a:solidFill>
@@ -2061,7 +2068,7 @@
             </a:ln>
             <a:extLst>
               <a:ext uri="{91240B29-F687-4f45-9708-019B960494DF}">
-                <a14:hiddenLine xmlns:a14="http://schemas.microsoft.com/office/drawing/2010/main" xmlns="" w="9525">
+                <a14:hiddenLine xmlns="" xmlns:a14="http://schemas.microsoft.com/office/drawing/2010/main" w="9525">
                   <a:solidFill>
                     <a:srgbClr val="000000"/>
                   </a:solidFill>
@@ -2151,7 +2158,7 @@
             </a:ln>
             <a:extLst>
               <a:ext uri="{91240B29-F687-4f45-9708-019B960494DF}">
-                <a14:hiddenLine xmlns:a14="http://schemas.microsoft.com/office/drawing/2010/main" xmlns="" w="9525">
+                <a14:hiddenLine xmlns="" xmlns:a14="http://schemas.microsoft.com/office/drawing/2010/main" w="9525">
                   <a:solidFill>
                     <a:srgbClr val="000000"/>
                   </a:solidFill>
@@ -2219,7 +2226,7 @@
             </a:ln>
             <a:extLst>
               <a:ext uri="{91240B29-F687-4f45-9708-019B960494DF}">
-                <a14:hiddenLine xmlns:a14="http://schemas.microsoft.com/office/drawing/2010/main" xmlns="" w="9525">
+                <a14:hiddenLine xmlns="" xmlns:a14="http://schemas.microsoft.com/office/drawing/2010/main" w="9525">
                   <a:solidFill>
                     <a:srgbClr val="000000"/>
                   </a:solidFill>
@@ -2309,7 +2316,7 @@
             </a:ln>
             <a:extLst>
               <a:ext uri="{91240B29-F687-4f45-9708-019B960494DF}">
-                <a14:hiddenLine xmlns:a14="http://schemas.microsoft.com/office/drawing/2010/main" xmlns="" w="9525">
+                <a14:hiddenLine xmlns="" xmlns:a14="http://schemas.microsoft.com/office/drawing/2010/main" w="9525">
                   <a:solidFill>
                     <a:srgbClr val="000000"/>
                   </a:solidFill>
@@ -2343,7 +2350,7 @@
             </a:ln>
             <a:extLst>
               <a:ext uri="{91240B29-F687-4f45-9708-019B960494DF}">
-                <a14:hiddenLine xmlns:a14="http://schemas.microsoft.com/office/drawing/2010/main" xmlns="" w="9525">
+                <a14:hiddenLine xmlns="" xmlns:a14="http://schemas.microsoft.com/office/drawing/2010/main" w="9525">
                   <a:solidFill>
                     <a:srgbClr val="000000"/>
                   </a:solidFill>
@@ -2433,7 +2440,7 @@
             </a:ln>
             <a:extLst>
               <a:ext uri="{91240B29-F687-4f45-9708-019B960494DF}">
-                <a14:hiddenLine xmlns:a14="http://schemas.microsoft.com/office/drawing/2010/main" xmlns="" w="9525">
+                <a14:hiddenLine xmlns="" xmlns:a14="http://schemas.microsoft.com/office/drawing/2010/main" w="9525">
                   <a:solidFill>
                     <a:srgbClr val="000000"/>
                   </a:solidFill>
@@ -2495,7 +2502,7 @@
             </a:ln>
             <a:extLst>
               <a:ext uri="{91240B29-F687-4f45-9708-019B960494DF}">
-                <a14:hiddenLine xmlns:a14="http://schemas.microsoft.com/office/drawing/2010/main" xmlns="" w="9525">
+                <a14:hiddenLine xmlns="" xmlns:a14="http://schemas.microsoft.com/office/drawing/2010/main" w="9525">
                   <a:solidFill>
                     <a:srgbClr val="000000"/>
                   </a:solidFill>
@@ -2557,7 +2564,7 @@
             </a:ln>
             <a:extLst>
               <a:ext uri="{91240B29-F687-4f45-9708-019B960494DF}">
-                <a14:hiddenLine xmlns:a14="http://schemas.microsoft.com/office/drawing/2010/main" xmlns="" w="9525">
+                <a14:hiddenLine xmlns="" xmlns:a14="http://schemas.microsoft.com/office/drawing/2010/main" w="9525">
                   <a:solidFill>
                     <a:srgbClr val="000000"/>
                   </a:solidFill>
@@ -2647,7 +2654,7 @@
             </a:ln>
             <a:extLst>
               <a:ext uri="{91240B29-F687-4f45-9708-019B960494DF}">
-                <a14:hiddenLine xmlns:a14="http://schemas.microsoft.com/office/drawing/2010/main" xmlns="" w="9525">
+                <a14:hiddenLine xmlns="" xmlns:a14="http://schemas.microsoft.com/office/drawing/2010/main" w="9525">
                   <a:solidFill>
                     <a:srgbClr val="000000"/>
                   </a:solidFill>
@@ -2715,7 +2722,7 @@
             </a:ln>
             <a:extLst>
               <a:ext uri="{91240B29-F687-4f45-9708-019B960494DF}">
-                <a14:hiddenLine xmlns:a14="http://schemas.microsoft.com/office/drawing/2010/main" xmlns="" w="9525">
+                <a14:hiddenLine xmlns="" xmlns:a14="http://schemas.microsoft.com/office/drawing/2010/main" w="9525">
                   <a:solidFill>
                     <a:srgbClr val="000000"/>
                   </a:solidFill>
@@ -2777,7 +2784,7 @@
             </a:ln>
             <a:extLst>
               <a:ext uri="{91240B29-F687-4f45-9708-019B960494DF}">
-                <a14:hiddenLine xmlns:a14="http://schemas.microsoft.com/office/drawing/2010/main" xmlns="" w="9525">
+                <a14:hiddenLine xmlns="" xmlns:a14="http://schemas.microsoft.com/office/drawing/2010/main" w="9525">
                   <a:solidFill>
                     <a:srgbClr val="000000"/>
                   </a:solidFill>
@@ -2867,7 +2874,7 @@
             </a:ln>
             <a:extLst>
               <a:ext uri="{91240B29-F687-4f45-9708-019B960494DF}">
-                <a14:hiddenLine xmlns:a14="http://schemas.microsoft.com/office/drawing/2010/main" xmlns="" w="9525">
+                <a14:hiddenLine xmlns="" xmlns:a14="http://schemas.microsoft.com/office/drawing/2010/main" w="9525">
                   <a:solidFill>
                     <a:srgbClr val="000000"/>
                   </a:solidFill>
@@ -2929,7 +2936,7 @@
             </a:ln>
             <a:extLst>
               <a:ext uri="{91240B29-F687-4f45-9708-019B960494DF}">
-                <a14:hiddenLine xmlns:a14="http://schemas.microsoft.com/office/drawing/2010/main" xmlns="" w="9525">
+                <a14:hiddenLine xmlns="" xmlns:a14="http://schemas.microsoft.com/office/drawing/2010/main" w="9525">
                   <a:solidFill>
                     <a:srgbClr val="000000"/>
                   </a:solidFill>
@@ -3019,7 +3026,7 @@
             </a:ln>
             <a:extLst>
               <a:ext uri="{91240B29-F687-4f45-9708-019B960494DF}">
-                <a14:hiddenLine xmlns:a14="http://schemas.microsoft.com/office/drawing/2010/main" xmlns="" w="9525">
+                <a14:hiddenLine xmlns="" xmlns:a14="http://schemas.microsoft.com/office/drawing/2010/main" w="9525">
                   <a:solidFill>
                     <a:srgbClr val="000000"/>
                   </a:solidFill>
@@ -3081,7 +3088,7 @@
             </a:ln>
             <a:extLst>
               <a:ext uri="{91240B29-F687-4f45-9708-019B960494DF}">
-                <a14:hiddenLine xmlns:a14="http://schemas.microsoft.com/office/drawing/2010/main" xmlns="" w="9525">
+                <a14:hiddenLine xmlns="" xmlns:a14="http://schemas.microsoft.com/office/drawing/2010/main" w="9525">
                   <a:solidFill>
                     <a:srgbClr val="000000"/>
                   </a:solidFill>
@@ -3171,7 +3178,7 @@
             </a:ln>
             <a:extLst>
               <a:ext uri="{91240B29-F687-4f45-9708-019B960494DF}">
-                <a14:hiddenLine xmlns:a14="http://schemas.microsoft.com/office/drawing/2010/main" xmlns="" w="9525">
+                <a14:hiddenLine xmlns="" xmlns:a14="http://schemas.microsoft.com/office/drawing/2010/main" w="9525">
                   <a:solidFill>
                     <a:srgbClr val="000000"/>
                   </a:solidFill>
@@ -3205,7 +3212,7 @@
             </a:ln>
             <a:extLst>
               <a:ext uri="{91240B29-F687-4f45-9708-019B960494DF}">
-                <a14:hiddenLine xmlns:a14="http://schemas.microsoft.com/office/drawing/2010/main" xmlns="" w="9525">
+                <a14:hiddenLine xmlns="" xmlns:a14="http://schemas.microsoft.com/office/drawing/2010/main" w="9525">
                   <a:solidFill>
                     <a:srgbClr val="000000"/>
                   </a:solidFill>
@@ -3270,7 +3277,7 @@
             </a:ln>
             <a:extLst>
               <a:ext uri="{91240B29-F687-4f45-9708-019B960494DF}">
-                <a14:hiddenLine xmlns:a14="http://schemas.microsoft.com/office/drawing/2010/main" xmlns="" w="9525">
+                <a14:hiddenLine xmlns="" xmlns:a14="http://schemas.microsoft.com/office/drawing/2010/main" w="9525">
                   <a:solidFill>
                     <a:srgbClr val="000000"/>
                   </a:solidFill>
@@ -3360,7 +3367,7 @@
             </a:ln>
             <a:extLst>
               <a:ext uri="{91240B29-F687-4f45-9708-019B960494DF}">
-                <a14:hiddenLine xmlns:a14="http://schemas.microsoft.com/office/drawing/2010/main" xmlns="" w="9525">
+                <a14:hiddenLine xmlns="" xmlns:a14="http://schemas.microsoft.com/office/drawing/2010/main" w="9525">
                   <a:solidFill>
                     <a:srgbClr val="000000"/>
                   </a:solidFill>
@@ -3422,7 +3429,7 @@
             </a:ln>
             <a:extLst>
               <a:ext uri="{91240B29-F687-4f45-9708-019B960494DF}">
-                <a14:hiddenLine xmlns:a14="http://schemas.microsoft.com/office/drawing/2010/main" xmlns="" w="9525">
+                <a14:hiddenLine xmlns="" xmlns:a14="http://schemas.microsoft.com/office/drawing/2010/main" w="9525">
                   <a:solidFill>
                     <a:srgbClr val="000000"/>
                   </a:solidFill>
@@ -3512,7 +3519,7 @@
             </a:ln>
             <a:extLst>
               <a:ext uri="{91240B29-F687-4f45-9708-019B960494DF}">
-                <a14:hiddenLine xmlns:a14="http://schemas.microsoft.com/office/drawing/2010/main" xmlns="" w="9525">
+                <a14:hiddenLine xmlns="" xmlns:a14="http://schemas.microsoft.com/office/drawing/2010/main" w="9525">
                   <a:solidFill>
                     <a:srgbClr val="000000"/>
                   </a:solidFill>
@@ -3602,7 +3609,7 @@
             </a:ln>
             <a:extLst>
               <a:ext uri="{91240B29-F687-4f45-9708-019B960494DF}">
-                <a14:hiddenLine xmlns:a14="http://schemas.microsoft.com/office/drawing/2010/main" xmlns="" w="9525">
+                <a14:hiddenLine xmlns="" xmlns:a14="http://schemas.microsoft.com/office/drawing/2010/main" w="9525">
                   <a:solidFill>
                     <a:srgbClr val="000000"/>
                   </a:solidFill>
@@ -3667,7 +3674,7 @@
             </a:ln>
             <a:extLst>
               <a:ext uri="{91240B29-F687-4f45-9708-019B960494DF}">
-                <a14:hiddenLine xmlns:a14="http://schemas.microsoft.com/office/drawing/2010/main" xmlns="" w="9525">
+                <a14:hiddenLine xmlns="" xmlns:a14="http://schemas.microsoft.com/office/drawing/2010/main" w="9525">
                   <a:solidFill>
                     <a:srgbClr val="000000"/>
                   </a:solidFill>
@@ -3729,7 +3736,7 @@
             </a:ln>
             <a:extLst>
               <a:ext uri="{91240B29-F687-4f45-9708-019B960494DF}">
-                <a14:hiddenLine xmlns:a14="http://schemas.microsoft.com/office/drawing/2010/main" xmlns="" w="9525">
+                <a14:hiddenLine xmlns="" xmlns:a14="http://schemas.microsoft.com/office/drawing/2010/main" w="9525">
                   <a:solidFill>
                     <a:srgbClr val="000000"/>
                   </a:solidFill>
@@ -3819,7 +3826,7 @@
             </a:ln>
             <a:extLst>
               <a:ext uri="{91240B29-F687-4f45-9708-019B960494DF}">
-                <a14:hiddenLine xmlns:a14="http://schemas.microsoft.com/office/drawing/2010/main" xmlns="" w="9525">
+                <a14:hiddenLine xmlns="" xmlns:a14="http://schemas.microsoft.com/office/drawing/2010/main" w="9525">
                   <a:solidFill>
                     <a:srgbClr val="000000"/>
                   </a:solidFill>
@@ -3909,7 +3916,7 @@
             </a:ln>
             <a:extLst>
               <a:ext uri="{91240B29-F687-4f45-9708-019B960494DF}">
-                <a14:hiddenLine xmlns:a14="http://schemas.microsoft.com/office/drawing/2010/main" xmlns="" w="9525">
+                <a14:hiddenLine xmlns="" xmlns:a14="http://schemas.microsoft.com/office/drawing/2010/main" w="9525">
                   <a:solidFill>
                     <a:srgbClr val="000000"/>
                   </a:solidFill>
@@ -3971,7 +3978,7 @@
             </a:ln>
             <a:extLst>
               <a:ext uri="{91240B29-F687-4f45-9708-019B960494DF}">
-                <a14:hiddenLine xmlns:a14="http://schemas.microsoft.com/office/drawing/2010/main" xmlns="" w="9525">
+                <a14:hiddenLine xmlns="" xmlns:a14="http://schemas.microsoft.com/office/drawing/2010/main" w="9525">
                   <a:solidFill>
                     <a:srgbClr val="000000"/>
                   </a:solidFill>
@@ -4091,7 +4098,7 @@
             </a:ln>
             <a:extLst>
               <a:ext uri="{91240B29-F687-4f45-9708-019B960494DF}">
-                <a14:hiddenLine xmlns:a14="http://schemas.microsoft.com/office/drawing/2010/main" xmlns="" w="9525">
+                <a14:hiddenLine xmlns="" xmlns:a14="http://schemas.microsoft.com/office/drawing/2010/main" w="9525">
                   <a:solidFill>
                     <a:srgbClr val="000000"/>
                   </a:solidFill>
@@ -4159,7 +4166,7 @@
             </a:ln>
             <a:extLst>
               <a:ext uri="{91240B29-F687-4f45-9708-019B960494DF}">
-                <a14:hiddenLine xmlns:a14="http://schemas.microsoft.com/office/drawing/2010/main" xmlns="" w="9525">
+                <a14:hiddenLine xmlns="" xmlns:a14="http://schemas.microsoft.com/office/drawing/2010/main" w="9525">
                   <a:solidFill>
                     <a:srgbClr val="000000"/>
                   </a:solidFill>
@@ -4249,7 +4256,7 @@
             </a:ln>
             <a:extLst>
               <a:ext uri="{91240B29-F687-4f45-9708-019B960494DF}">
-                <a14:hiddenLine xmlns:a14="http://schemas.microsoft.com/office/drawing/2010/main" xmlns="" w="9525">
+                <a14:hiddenLine xmlns="" xmlns:a14="http://schemas.microsoft.com/office/drawing/2010/main" w="9525">
                   <a:solidFill>
                     <a:srgbClr val="000000"/>
                   </a:solidFill>
@@ -4389,7 +4396,7 @@
           <a:p>
             <a:fld id="{DBFB03AA-6361-4CA4-9C2A-B9A8C3B8A834}" type="datetimeFigureOut">
               <a:rPr lang="cs-CZ" smtClean="0"/>
-              <a:t>14.01.2023</a:t>
+              <a:t>15.01.2023</a:t>
             </a:fld>
             <a:endParaRPr lang="cs-CZ"/>
           </a:p>
@@ -4656,7 +4663,7 @@
           <a:p>
             <a:fld id="{DBFB03AA-6361-4CA4-9C2A-B9A8C3B8A834}" type="datetimeFigureOut">
               <a:rPr lang="cs-CZ" smtClean="0"/>
-              <a:t>14.01.2023</a:t>
+              <a:t>15.01.2023</a:t>
             </a:fld>
             <a:endParaRPr lang="cs-CZ"/>
           </a:p>
@@ -4852,7 +4859,7 @@
           <a:p>
             <a:fld id="{DBFB03AA-6361-4CA4-9C2A-B9A8C3B8A834}" type="datetimeFigureOut">
               <a:rPr lang="cs-CZ" smtClean="0"/>
-              <a:t>14.01.2023</a:t>
+              <a:t>15.01.2023</a:t>
             </a:fld>
             <a:endParaRPr lang="cs-CZ"/>
           </a:p>
@@ -5115,7 +5122,7 @@
           <a:p>
             <a:fld id="{DBFB03AA-6361-4CA4-9C2A-B9A8C3B8A834}" type="datetimeFigureOut">
               <a:rPr lang="cs-CZ" smtClean="0"/>
-              <a:t>14.01.2023</a:t>
+              <a:t>15.01.2023</a:t>
             </a:fld>
             <a:endParaRPr lang="cs-CZ"/>
           </a:p>
@@ -5549,7 +5556,7 @@
           <a:p>
             <a:fld id="{DBFB03AA-6361-4CA4-9C2A-B9A8C3B8A834}" type="datetimeFigureOut">
               <a:rPr lang="cs-CZ" smtClean="0"/>
-              <a:t>14.01.2023</a:t>
+              <a:t>15.01.2023</a:t>
             </a:fld>
             <a:endParaRPr lang="cs-CZ"/>
           </a:p>
@@ -6095,7 +6102,7 @@
           <a:p>
             <a:fld id="{DBFB03AA-6361-4CA4-9C2A-B9A8C3B8A834}" type="datetimeFigureOut">
               <a:rPr lang="cs-CZ" smtClean="0"/>
-              <a:t>14.01.2023</a:t>
+              <a:t>15.01.2023</a:t>
             </a:fld>
             <a:endParaRPr lang="cs-CZ"/>
           </a:p>
@@ -6815,7 +6822,7 @@
           <a:p>
             <a:fld id="{DBFB03AA-6361-4CA4-9C2A-B9A8C3B8A834}" type="datetimeFigureOut">
               <a:rPr lang="cs-CZ" smtClean="0"/>
-              <a:t>14.01.2023</a:t>
+              <a:t>15.01.2023</a:t>
             </a:fld>
             <a:endParaRPr lang="cs-CZ"/>
           </a:p>
@@ -6985,7 +6992,7 @@
           <a:p>
             <a:fld id="{DBFB03AA-6361-4CA4-9C2A-B9A8C3B8A834}" type="datetimeFigureOut">
               <a:rPr lang="cs-CZ" smtClean="0"/>
-              <a:t>14.01.2023</a:t>
+              <a:t>15.01.2023</a:t>
             </a:fld>
             <a:endParaRPr lang="cs-CZ"/>
           </a:p>
@@ -7165,7 +7172,7 @@
           <a:p>
             <a:fld id="{DBFB03AA-6361-4CA4-9C2A-B9A8C3B8A834}" type="datetimeFigureOut">
               <a:rPr lang="cs-CZ" smtClean="0"/>
-              <a:t>14.01.2023</a:t>
+              <a:t>15.01.2023</a:t>
             </a:fld>
             <a:endParaRPr lang="cs-CZ"/>
           </a:p>
@@ -7335,7 +7342,7 @@
           <a:p>
             <a:fld id="{DBFB03AA-6361-4CA4-9C2A-B9A8C3B8A834}" type="datetimeFigureOut">
               <a:rPr lang="cs-CZ" smtClean="0"/>
-              <a:t>14.01.2023</a:t>
+              <a:t>15.01.2023</a:t>
             </a:fld>
             <a:endParaRPr lang="cs-CZ"/>
           </a:p>
@@ -7585,7 +7592,7 @@
           <a:p>
             <a:fld id="{DBFB03AA-6361-4CA4-9C2A-B9A8C3B8A834}" type="datetimeFigureOut">
               <a:rPr lang="cs-CZ" smtClean="0"/>
-              <a:t>14.01.2023</a:t>
+              <a:t>15.01.2023</a:t>
             </a:fld>
             <a:endParaRPr lang="cs-CZ"/>
           </a:p>
@@ -7817,7 +7824,7 @@
           <a:p>
             <a:fld id="{DBFB03AA-6361-4CA4-9C2A-B9A8C3B8A834}" type="datetimeFigureOut">
               <a:rPr lang="cs-CZ" smtClean="0"/>
-              <a:t>14.01.2023</a:t>
+              <a:t>15.01.2023</a:t>
             </a:fld>
             <a:endParaRPr lang="cs-CZ"/>
           </a:p>
@@ -8198,7 +8205,7 @@
           <a:p>
             <a:fld id="{DBFB03AA-6361-4CA4-9C2A-B9A8C3B8A834}" type="datetimeFigureOut">
               <a:rPr lang="cs-CZ" smtClean="0"/>
-              <a:t>14.01.2023</a:t>
+              <a:t>15.01.2023</a:t>
             </a:fld>
             <a:endParaRPr lang="cs-CZ"/>
           </a:p>
@@ -8316,7 +8323,7 @@
           <a:p>
             <a:fld id="{DBFB03AA-6361-4CA4-9C2A-B9A8C3B8A834}" type="datetimeFigureOut">
               <a:rPr lang="cs-CZ" smtClean="0"/>
-              <a:t>14.01.2023</a:t>
+              <a:t>15.01.2023</a:t>
             </a:fld>
             <a:endParaRPr lang="cs-CZ"/>
           </a:p>
@@ -8411,7 +8418,7 @@
           <a:p>
             <a:fld id="{DBFB03AA-6361-4CA4-9C2A-B9A8C3B8A834}" type="datetimeFigureOut">
               <a:rPr lang="cs-CZ" smtClean="0"/>
-              <a:t>14.01.2023</a:t>
+              <a:t>15.01.2023</a:t>
             </a:fld>
             <a:endParaRPr lang="cs-CZ"/>
           </a:p>
@@ -8660,7 +8667,7 @@
           <a:p>
             <a:fld id="{DBFB03AA-6361-4CA4-9C2A-B9A8C3B8A834}" type="datetimeFigureOut">
               <a:rPr lang="cs-CZ" smtClean="0"/>
-              <a:t>14.01.2023</a:t>
+              <a:t>15.01.2023</a:t>
             </a:fld>
             <a:endParaRPr lang="cs-CZ"/>
           </a:p>
@@ -8940,7 +8947,7 @@
           <a:p>
             <a:fld id="{DBFB03AA-6361-4CA4-9C2A-B9A8C3B8A834}" type="datetimeFigureOut">
               <a:rPr lang="cs-CZ" smtClean="0"/>
-              <a:t>14.01.2023</a:t>
+              <a:t>15.01.2023</a:t>
             </a:fld>
             <a:endParaRPr lang="cs-CZ"/>
           </a:p>
@@ -9056,7 +9063,7 @@
           <a:noFill/>
           <a:extLst>
             <a:ext uri="{909E8E84-426E-40dd-AFC4-6F175D3DCCD1}">
-              <a14:hiddenFill xmlns:a14="http://schemas.microsoft.com/office/drawing/2010/main" xmlns="">
+              <a14:hiddenFill xmlns="" xmlns:a14="http://schemas.microsoft.com/office/drawing/2010/main">
                 <a:solidFill>
                   <a:srgbClr val="FFFFFF"/>
                 </a:solidFill>
@@ -9130,7 +9137,7 @@
               </a:ln>
               <a:extLst>
                 <a:ext uri="{91240B29-F687-4f45-9708-019B960494DF}">
-                  <a14:hiddenLine xmlns:a14="http://schemas.microsoft.com/office/drawing/2010/main" xmlns="" w="9525">
+                  <a14:hiddenLine xmlns="" xmlns:a14="http://schemas.microsoft.com/office/drawing/2010/main" w="9525">
                     <a:solidFill>
                       <a:srgbClr val="000000"/>
                     </a:solidFill>
@@ -9220,7 +9227,7 @@
               </a:ln>
               <a:extLst>
                 <a:ext uri="{91240B29-F687-4f45-9708-019B960494DF}">
-                  <a14:hiddenLine xmlns:a14="http://schemas.microsoft.com/office/drawing/2010/main" xmlns="" w="9525">
+                  <a14:hiddenLine xmlns="" xmlns:a14="http://schemas.microsoft.com/office/drawing/2010/main" w="9525">
                     <a:solidFill>
                       <a:srgbClr val="000000"/>
                     </a:solidFill>
@@ -9310,7 +9317,7 @@
               </a:ln>
               <a:extLst>
                 <a:ext uri="{91240B29-F687-4f45-9708-019B960494DF}">
-                  <a14:hiddenLine xmlns:a14="http://schemas.microsoft.com/office/drawing/2010/main" xmlns="" w="9525">
+                  <a14:hiddenLine xmlns="" xmlns:a14="http://schemas.microsoft.com/office/drawing/2010/main" w="9525">
                     <a:solidFill>
                       <a:srgbClr val="000000"/>
                     </a:solidFill>
@@ -9372,7 +9379,7 @@
               </a:ln>
               <a:extLst>
                 <a:ext uri="{91240B29-F687-4f45-9708-019B960494DF}">
-                  <a14:hiddenLine xmlns:a14="http://schemas.microsoft.com/office/drawing/2010/main" xmlns="" w="9525">
+                  <a14:hiddenLine xmlns="" xmlns:a14="http://schemas.microsoft.com/office/drawing/2010/main" w="9525">
                     <a:solidFill>
                       <a:srgbClr val="000000"/>
                     </a:solidFill>
@@ -9462,7 +9469,7 @@
               </a:ln>
               <a:extLst>
                 <a:ext uri="{91240B29-F687-4f45-9708-019B960494DF}">
-                  <a14:hiddenLine xmlns:a14="http://schemas.microsoft.com/office/drawing/2010/main" xmlns="" w="9525">
+                  <a14:hiddenLine xmlns="" xmlns:a14="http://schemas.microsoft.com/office/drawing/2010/main" w="9525">
                     <a:solidFill>
                       <a:srgbClr val="000000"/>
                     </a:solidFill>
@@ -9524,7 +9531,7 @@
               </a:ln>
               <a:extLst>
                 <a:ext uri="{91240B29-F687-4f45-9708-019B960494DF}">
-                  <a14:hiddenLine xmlns:a14="http://schemas.microsoft.com/office/drawing/2010/main" xmlns="" w="9525">
+                  <a14:hiddenLine xmlns="" xmlns:a14="http://schemas.microsoft.com/office/drawing/2010/main" w="9525">
                     <a:solidFill>
                       <a:srgbClr val="000000"/>
                     </a:solidFill>
@@ -9586,7 +9593,7 @@
               </a:ln>
               <a:extLst>
                 <a:ext uri="{91240B29-F687-4f45-9708-019B960494DF}">
-                  <a14:hiddenLine xmlns:a14="http://schemas.microsoft.com/office/drawing/2010/main" xmlns="" w="9525">
+                  <a14:hiddenLine xmlns="" xmlns:a14="http://schemas.microsoft.com/office/drawing/2010/main" w="9525">
                     <a:solidFill>
                       <a:srgbClr val="000000"/>
                     </a:solidFill>
@@ -9676,7 +9683,7 @@
               </a:ln>
               <a:extLst>
                 <a:ext uri="{91240B29-F687-4f45-9708-019B960494DF}">
-                  <a14:hiddenLine xmlns:a14="http://schemas.microsoft.com/office/drawing/2010/main" xmlns="" w="9525">
+                  <a14:hiddenLine xmlns="" xmlns:a14="http://schemas.microsoft.com/office/drawing/2010/main" w="9525">
                     <a:solidFill>
                       <a:srgbClr val="000000"/>
                     </a:solidFill>
@@ -9766,7 +9773,7 @@
               </a:ln>
               <a:extLst>
                 <a:ext uri="{91240B29-F687-4f45-9708-019B960494DF}">
-                  <a14:hiddenLine xmlns:a14="http://schemas.microsoft.com/office/drawing/2010/main" xmlns="" w="9525">
+                  <a14:hiddenLine xmlns="" xmlns:a14="http://schemas.microsoft.com/office/drawing/2010/main" w="9525">
                     <a:solidFill>
                       <a:srgbClr val="000000"/>
                     </a:solidFill>
@@ -9828,7 +9835,7 @@
               </a:ln>
               <a:extLst>
                 <a:ext uri="{91240B29-F687-4f45-9708-019B960494DF}">
-                  <a14:hiddenLine xmlns:a14="http://schemas.microsoft.com/office/drawing/2010/main" xmlns="" w="9525">
+                  <a14:hiddenLine xmlns="" xmlns:a14="http://schemas.microsoft.com/office/drawing/2010/main" w="9525">
                     <a:solidFill>
                       <a:srgbClr val="000000"/>
                     </a:solidFill>
@@ -9938,7 +9945,7 @@
               </a:ln>
               <a:extLst>
                 <a:ext uri="{91240B29-F687-4f45-9708-019B960494DF}">
-                  <a14:hiddenLine xmlns:a14="http://schemas.microsoft.com/office/drawing/2010/main" xmlns="" w="9525">
+                  <a14:hiddenLine xmlns="" xmlns:a14="http://schemas.microsoft.com/office/drawing/2010/main" w="9525">
                     <a:solidFill>
                       <a:srgbClr val="000000"/>
                     </a:solidFill>
@@ -10022,7 +10029,7 @@
               </a:ln>
               <a:extLst>
                 <a:ext uri="{91240B29-F687-4f45-9708-019B960494DF}">
-                  <a14:hiddenLine xmlns:a14="http://schemas.microsoft.com/office/drawing/2010/main" xmlns="" w="9525">
+                  <a14:hiddenLine xmlns="" xmlns:a14="http://schemas.microsoft.com/office/drawing/2010/main" w="9525">
                     <a:solidFill>
                       <a:srgbClr val="000000"/>
                     </a:solidFill>
@@ -10084,7 +10091,7 @@
               </a:ln>
               <a:extLst>
                 <a:ext uri="{91240B29-F687-4f45-9708-019B960494DF}">
-                  <a14:hiddenLine xmlns:a14="http://schemas.microsoft.com/office/drawing/2010/main" xmlns="" w="9525">
+                  <a14:hiddenLine xmlns="" xmlns:a14="http://schemas.microsoft.com/office/drawing/2010/main" w="9525">
                     <a:solidFill>
                       <a:srgbClr val="000000"/>
                     </a:solidFill>
@@ -10146,7 +10153,7 @@
               </a:ln>
               <a:extLst>
                 <a:ext uri="{91240B29-F687-4f45-9708-019B960494DF}">
-                  <a14:hiddenLine xmlns:a14="http://schemas.microsoft.com/office/drawing/2010/main" xmlns="" w="9525">
+                  <a14:hiddenLine xmlns="" xmlns:a14="http://schemas.microsoft.com/office/drawing/2010/main" w="9525">
                     <a:solidFill>
                       <a:srgbClr val="000000"/>
                     </a:solidFill>
@@ -10236,7 +10243,7 @@
               </a:ln>
               <a:extLst>
                 <a:ext uri="{91240B29-F687-4f45-9708-019B960494DF}">
-                  <a14:hiddenLine xmlns:a14="http://schemas.microsoft.com/office/drawing/2010/main" xmlns="" w="9525">
+                  <a14:hiddenLine xmlns="" xmlns:a14="http://schemas.microsoft.com/office/drawing/2010/main" w="9525">
                     <a:solidFill>
                       <a:srgbClr val="000000"/>
                     </a:solidFill>
@@ -10270,7 +10277,7 @@
               </a:ln>
               <a:extLst>
                 <a:ext uri="{91240B29-F687-4f45-9708-019B960494DF}">
-                  <a14:hiddenLine xmlns:a14="http://schemas.microsoft.com/office/drawing/2010/main" xmlns="" w="9525">
+                  <a14:hiddenLine xmlns="" xmlns:a14="http://schemas.microsoft.com/office/drawing/2010/main" w="9525">
                     <a:solidFill>
                       <a:srgbClr val="000000"/>
                     </a:solidFill>
@@ -10335,7 +10342,7 @@
               </a:ln>
               <a:extLst>
                 <a:ext uri="{91240B29-F687-4f45-9708-019B960494DF}">
-                  <a14:hiddenLine xmlns:a14="http://schemas.microsoft.com/office/drawing/2010/main" xmlns="" w="9525">
+                  <a14:hiddenLine xmlns="" xmlns:a14="http://schemas.microsoft.com/office/drawing/2010/main" w="9525">
                     <a:solidFill>
                       <a:srgbClr val="000000"/>
                     </a:solidFill>
@@ -10425,7 +10432,7 @@
               </a:ln>
               <a:extLst>
                 <a:ext uri="{91240B29-F687-4f45-9708-019B960494DF}">
-                  <a14:hiddenLine xmlns:a14="http://schemas.microsoft.com/office/drawing/2010/main" xmlns="" w="9525">
+                  <a14:hiddenLine xmlns="" xmlns:a14="http://schemas.microsoft.com/office/drawing/2010/main" w="9525">
                     <a:solidFill>
                       <a:srgbClr val="000000"/>
                     </a:solidFill>
@@ -10487,7 +10494,7 @@
               </a:ln>
               <a:extLst>
                 <a:ext uri="{91240B29-F687-4f45-9708-019B960494DF}">
-                  <a14:hiddenLine xmlns:a14="http://schemas.microsoft.com/office/drawing/2010/main" xmlns="" w="9525">
+                  <a14:hiddenLine xmlns="" xmlns:a14="http://schemas.microsoft.com/office/drawing/2010/main" w="9525">
                     <a:solidFill>
                       <a:srgbClr val="000000"/>
                     </a:solidFill>
@@ -10577,7 +10584,7 @@
               </a:ln>
               <a:extLst>
                 <a:ext uri="{91240B29-F687-4f45-9708-019B960494DF}">
-                  <a14:hiddenLine xmlns:a14="http://schemas.microsoft.com/office/drawing/2010/main" xmlns="" w="9525">
+                  <a14:hiddenLine xmlns="" xmlns:a14="http://schemas.microsoft.com/office/drawing/2010/main" w="9525">
                     <a:solidFill>
                       <a:srgbClr val="000000"/>
                     </a:solidFill>
@@ -10642,7 +10649,7 @@
               </a:ln>
               <a:extLst>
                 <a:ext uri="{91240B29-F687-4f45-9708-019B960494DF}">
-                  <a14:hiddenLine xmlns:a14="http://schemas.microsoft.com/office/drawing/2010/main" xmlns="" w="9525">
+                  <a14:hiddenLine xmlns="" xmlns:a14="http://schemas.microsoft.com/office/drawing/2010/main" w="9525">
                     <a:solidFill>
                       <a:srgbClr val="000000"/>
                     </a:solidFill>
@@ -10704,7 +10711,7 @@
               </a:ln>
               <a:extLst>
                 <a:ext uri="{91240B29-F687-4f45-9708-019B960494DF}">
-                  <a14:hiddenLine xmlns:a14="http://schemas.microsoft.com/office/drawing/2010/main" xmlns="" w="9525">
+                  <a14:hiddenLine xmlns="" xmlns:a14="http://schemas.microsoft.com/office/drawing/2010/main" w="9525">
                     <a:solidFill>
                       <a:srgbClr val="000000"/>
                     </a:solidFill>
@@ -10794,7 +10801,7 @@
               </a:ln>
               <a:extLst>
                 <a:ext uri="{91240B29-F687-4f45-9708-019B960494DF}">
-                  <a14:hiddenLine xmlns:a14="http://schemas.microsoft.com/office/drawing/2010/main" xmlns="" w="9525">
+                  <a14:hiddenLine xmlns="" xmlns:a14="http://schemas.microsoft.com/office/drawing/2010/main" w="9525">
                     <a:solidFill>
                       <a:srgbClr val="000000"/>
                     </a:solidFill>
@@ -10884,7 +10891,7 @@
               </a:ln>
               <a:extLst>
                 <a:ext uri="{91240B29-F687-4f45-9708-019B960494DF}">
-                  <a14:hiddenLine xmlns:a14="http://schemas.microsoft.com/office/drawing/2010/main" xmlns="" w="9525">
+                  <a14:hiddenLine xmlns="" xmlns:a14="http://schemas.microsoft.com/office/drawing/2010/main" w="9525">
                     <a:solidFill>
                       <a:srgbClr val="000000"/>
                     </a:solidFill>
@@ -10949,7 +10956,7 @@
               </a:ln>
               <a:extLst>
                 <a:ext uri="{91240B29-F687-4f45-9708-019B960494DF}">
-                  <a14:hiddenLine xmlns:a14="http://schemas.microsoft.com/office/drawing/2010/main" xmlns="" w="9525">
+                  <a14:hiddenLine xmlns="" xmlns:a14="http://schemas.microsoft.com/office/drawing/2010/main" w="9525">
                     <a:solidFill>
                       <a:srgbClr val="000000"/>
                     </a:solidFill>
@@ -11069,7 +11076,7 @@
               </a:ln>
               <a:extLst>
                 <a:ext uri="{91240B29-F687-4f45-9708-019B960494DF}">
-                  <a14:hiddenLine xmlns:a14="http://schemas.microsoft.com/office/drawing/2010/main" xmlns="" w="9525">
+                  <a14:hiddenLine xmlns="" xmlns:a14="http://schemas.microsoft.com/office/drawing/2010/main" w="9525">
                     <a:solidFill>
                       <a:srgbClr val="000000"/>
                     </a:solidFill>
@@ -11167,7 +11174,7 @@
               </a:ln>
               <a:extLst>
                 <a:ext uri="{91240B29-F687-4f45-9708-019B960494DF}">
-                  <a14:hiddenLine xmlns:a14="http://schemas.microsoft.com/office/drawing/2010/main" xmlns="" w="9525">
+                  <a14:hiddenLine xmlns="" xmlns:a14="http://schemas.microsoft.com/office/drawing/2010/main" w="9525">
                     <a:solidFill>
                       <a:srgbClr val="000000"/>
                     </a:solidFill>
@@ -11282,7 +11289,7 @@
               </a:ln>
               <a:extLst>
                 <a:ext uri="{91240B29-F687-4f45-9708-019B960494DF}">
-                  <a14:hiddenLine xmlns:a14="http://schemas.microsoft.com/office/drawing/2010/main" xmlns="" w="9525">
+                  <a14:hiddenLine xmlns="" xmlns:a14="http://schemas.microsoft.com/office/drawing/2010/main" w="9525">
                     <a:solidFill>
                       <a:srgbClr val="000000"/>
                     </a:solidFill>
@@ -11372,7 +11379,7 @@
               </a:ln>
               <a:extLst>
                 <a:ext uri="{91240B29-F687-4f45-9708-019B960494DF}">
-                  <a14:hiddenLine xmlns:a14="http://schemas.microsoft.com/office/drawing/2010/main" xmlns="" w="9525">
+                  <a14:hiddenLine xmlns="" xmlns:a14="http://schemas.microsoft.com/office/drawing/2010/main" w="9525">
                     <a:solidFill>
                       <a:srgbClr val="000000"/>
                     </a:solidFill>
@@ -11437,7 +11444,7 @@
               </a:ln>
               <a:extLst>
                 <a:ext uri="{91240B29-F687-4f45-9708-019B960494DF}">
-                  <a14:hiddenLine xmlns:a14="http://schemas.microsoft.com/office/drawing/2010/main" xmlns="" w="9525">
+                  <a14:hiddenLine xmlns="" xmlns:a14="http://schemas.microsoft.com/office/drawing/2010/main" w="9525">
                     <a:solidFill>
                       <a:srgbClr val="000000"/>
                     </a:solidFill>
@@ -11527,7 +11534,7 @@
               </a:ln>
               <a:extLst>
                 <a:ext uri="{91240B29-F687-4f45-9708-019B960494DF}">
-                  <a14:hiddenLine xmlns:a14="http://schemas.microsoft.com/office/drawing/2010/main" xmlns="" w="9525">
+                  <a14:hiddenLine xmlns="" xmlns:a14="http://schemas.microsoft.com/office/drawing/2010/main" w="9525">
                     <a:solidFill>
                       <a:srgbClr val="000000"/>
                     </a:solidFill>
@@ -11595,7 +11602,7 @@
               </a:ln>
               <a:extLst>
                 <a:ext uri="{91240B29-F687-4f45-9708-019B960494DF}">
-                  <a14:hiddenLine xmlns:a14="http://schemas.microsoft.com/office/drawing/2010/main" xmlns="" w="9525">
+                  <a14:hiddenLine xmlns="" xmlns:a14="http://schemas.microsoft.com/office/drawing/2010/main" w="9525">
                     <a:solidFill>
                       <a:srgbClr val="000000"/>
                     </a:solidFill>
@@ -11685,7 +11692,7 @@
               </a:ln>
               <a:extLst>
                 <a:ext uri="{91240B29-F687-4f45-9708-019B960494DF}">
-                  <a14:hiddenLine xmlns:a14="http://schemas.microsoft.com/office/drawing/2010/main" xmlns="" w="9525">
+                  <a14:hiddenLine xmlns="" xmlns:a14="http://schemas.microsoft.com/office/drawing/2010/main" w="9525">
                     <a:solidFill>
                       <a:srgbClr val="000000"/>
                     </a:solidFill>
@@ -11753,7 +11760,7 @@
               </a:ln>
               <a:extLst>
                 <a:ext uri="{91240B29-F687-4f45-9708-019B960494DF}">
-                  <a14:hiddenLine xmlns:a14="http://schemas.microsoft.com/office/drawing/2010/main" xmlns="" w="9525">
+                  <a14:hiddenLine xmlns="" xmlns:a14="http://schemas.microsoft.com/office/drawing/2010/main" w="9525">
                     <a:solidFill>
                       <a:srgbClr val="000000"/>
                     </a:solidFill>
@@ -11843,7 +11850,7 @@
               </a:ln>
               <a:extLst>
                 <a:ext uri="{91240B29-F687-4f45-9708-019B960494DF}">
-                  <a14:hiddenLine xmlns:a14="http://schemas.microsoft.com/office/drawing/2010/main" xmlns="" w="9525">
+                  <a14:hiddenLine xmlns="" xmlns:a14="http://schemas.microsoft.com/office/drawing/2010/main" w="9525">
                     <a:solidFill>
                       <a:srgbClr val="000000"/>
                     </a:solidFill>
@@ -11877,7 +11884,7 @@
               </a:ln>
               <a:extLst>
                 <a:ext uri="{91240B29-F687-4f45-9708-019B960494DF}">
-                  <a14:hiddenLine xmlns:a14="http://schemas.microsoft.com/office/drawing/2010/main" xmlns="" w="9525">
+                  <a14:hiddenLine xmlns="" xmlns:a14="http://schemas.microsoft.com/office/drawing/2010/main" w="9525">
                     <a:solidFill>
                       <a:srgbClr val="000000"/>
                     </a:solidFill>
@@ -12017,7 +12024,7 @@
           <a:p>
             <a:fld id="{DBFB03AA-6361-4CA4-9C2A-B9A8C3B8A834}" type="datetimeFigureOut">
               <a:rPr lang="cs-CZ" smtClean="0"/>
-              <a:t>14.01.2023</a:t>
+              <a:t>15.01.2023</a:t>
             </a:fld>
             <a:endParaRPr lang="cs-CZ"/>
           </a:p>
@@ -12637,6 +12644,1019 @@
 </p:sld>
 </file>
 
+<file path=ppt/slides/slide3.xml><?xml version="1.0" encoding="utf-8"?>
+<p:sld xmlns:a="http://schemas.openxmlformats.org/drawingml/2006/main" xmlns:r="http://schemas.openxmlformats.org/officeDocument/2006/relationships" xmlns:p="http://schemas.openxmlformats.org/presentationml/2006/main">
+  <p:cSld>
+    <p:bg>
+      <p:bgPr>
+        <a:solidFill>
+          <a:srgbClr val="23268F"/>
+        </a:solidFill>
+        <a:effectLst/>
+      </p:bgPr>
+    </p:bg>
+    <p:spTree>
+      <p:nvGrpSpPr>
+        <p:cNvPr id="1" name=""/>
+        <p:cNvGrpSpPr/>
+        <p:nvPr/>
+      </p:nvGrpSpPr>
+      <p:grpSpPr>
+        <a:xfrm>
+          <a:off x="0" y="0"/>
+          <a:ext cx="0" cy="0"/>
+          <a:chOff x="0" y="0"/>
+          <a:chExt cx="0" cy="0"/>
+        </a:xfrm>
+      </p:grpSpPr>
+      <p:sp>
+        <p:nvSpPr>
+          <p:cNvPr id="2" name="Nadpis 1">
+            <a:extLst>
+              <a:ext uri="{FF2B5EF4-FFF2-40B4-BE49-F238E27FC236}">
+                <a16:creationId xmlns:a16="http://schemas.microsoft.com/office/drawing/2014/main" id="{29CB99E5-9986-576C-8894-71192D74DD8C}"/>
+              </a:ext>
+            </a:extLst>
+          </p:cNvPr>
+          <p:cNvSpPr>
+            <a:spLocks noGrp="1"/>
+          </p:cNvSpPr>
+          <p:nvPr>
+            <p:ph type="ctrTitle"/>
+          </p:nvPr>
+        </p:nvSpPr>
+        <p:spPr>
+          <a:xfrm>
+            <a:off x="1302036" y="100036"/>
+            <a:ext cx="6082903" cy="1498174"/>
+          </a:xfrm>
+        </p:spPr>
+        <p:txBody>
+          <a:bodyPr>
+            <a:normAutofit/>
+          </a:bodyPr>
+          <a:lstStyle/>
+          <a:p>
+            <a:pPr algn="ctr"/>
+            <a:r>
+              <a:rPr lang="cs-CZ" sz="3200" b="1" dirty="0">
+                <a:solidFill>
+                  <a:srgbClr val="FEFAC2"/>
+                </a:solidFill>
+                <a:latin typeface="Arial" panose="020B0604020202020204" pitchFamily="34" charset="0"/>
+                <a:cs typeface="Arial" panose="020B0604020202020204" pitchFamily="34" charset="0"/>
+              </a:rPr>
+              <a:t>Co je internet věcí? (I</a:t>
+            </a:r>
+            <a:r>
+              <a:rPr lang="cs-CZ" sz="2000" b="1" dirty="0">
+                <a:solidFill>
+                  <a:srgbClr val="FEFAC2"/>
+                </a:solidFill>
+                <a:latin typeface="Arial" panose="020B0604020202020204" pitchFamily="34" charset="0"/>
+                <a:cs typeface="Arial" panose="020B0604020202020204" pitchFamily="34" charset="0"/>
+              </a:rPr>
+              <a:t>o</a:t>
+            </a:r>
+            <a:r>
+              <a:rPr lang="cs-CZ" sz="3200" b="1" dirty="0">
+                <a:solidFill>
+                  <a:srgbClr val="FEFAC2"/>
+                </a:solidFill>
+                <a:latin typeface="Arial" panose="020B0604020202020204" pitchFamily="34" charset="0"/>
+                <a:cs typeface="Arial" panose="020B0604020202020204" pitchFamily="34" charset="0"/>
+              </a:rPr>
+              <a:t>t)</a:t>
+            </a:r>
+          </a:p>
+        </p:txBody>
+      </p:sp>
+      <p:sp>
+        <p:nvSpPr>
+          <p:cNvPr id="3" name="Podnadpis 2">
+            <a:extLst>
+              <a:ext uri="{FF2B5EF4-FFF2-40B4-BE49-F238E27FC236}">
+                <a16:creationId xmlns:a16="http://schemas.microsoft.com/office/drawing/2014/main" id="{40BDE16B-3EE9-6453-FB6A-C1A83B805F10}"/>
+              </a:ext>
+            </a:extLst>
+          </p:cNvPr>
+          <p:cNvSpPr>
+            <a:spLocks noGrp="1"/>
+          </p:cNvSpPr>
+          <p:nvPr>
+            <p:ph type="subTitle" idx="1"/>
+          </p:nvPr>
+        </p:nvSpPr>
+        <p:spPr>
+          <a:xfrm>
+            <a:off x="2868101" y="4403755"/>
+            <a:ext cx="8791575" cy="1655762"/>
+          </a:xfrm>
+        </p:spPr>
+        <p:txBody>
+          <a:bodyPr/>
+          <a:lstStyle/>
+          <a:p>
+            <a:endParaRPr lang="cs-CZ" dirty="0"/>
+          </a:p>
+        </p:txBody>
+      </p:sp>
+      <p:sp>
+        <p:nvSpPr>
+          <p:cNvPr id="6" name="TextovéPole 5">
+            <a:extLst>
+              <a:ext uri="{FF2B5EF4-FFF2-40B4-BE49-F238E27FC236}">
+                <a16:creationId xmlns:a16="http://schemas.microsoft.com/office/drawing/2014/main" id="{B8C7B958-6D12-E1F7-7F7E-13C07775535C}"/>
+              </a:ext>
+            </a:extLst>
+          </p:cNvPr>
+          <p:cNvSpPr txBox="1"/>
+          <p:nvPr/>
+        </p:nvSpPr>
+        <p:spPr>
+          <a:xfrm>
+            <a:off x="2027208" y="2225615"/>
+            <a:ext cx="6193766" cy="1200329"/>
+          </a:xfrm>
+          <a:prstGeom prst="rect">
+            <a:avLst/>
+          </a:prstGeom>
+          <a:noFill/>
+        </p:spPr>
+        <p:txBody>
+          <a:bodyPr wrap="square" rtlCol="0">
+            <a:spAutoFit/>
+          </a:bodyPr>
+          <a:lstStyle/>
+          <a:p>
+            <a:r>
+              <a:rPr lang="cs-CZ" sz="2400" dirty="0">
+                <a:latin typeface="Arial" panose="020B0604020202020204" pitchFamily="34" charset="0"/>
+                <a:cs typeface="Arial" panose="020B0604020202020204" pitchFamily="34" charset="0"/>
+              </a:rPr>
+              <a:t>Všechna elektronická zařízení, která dokážou pomocí sítě mezi sebou komunikovat bez asistence člověka.</a:t>
+            </a:r>
+          </a:p>
+        </p:txBody>
+      </p:sp>
+      <p:sp>
+        <p:nvSpPr>
+          <p:cNvPr id="7" name="TextovéPole 6">
+            <a:extLst>
+              <a:ext uri="{FF2B5EF4-FFF2-40B4-BE49-F238E27FC236}">
+                <a16:creationId xmlns:a16="http://schemas.microsoft.com/office/drawing/2014/main" id="{7410F2E9-30E3-2549-E7A1-E8555FF61CF2}"/>
+              </a:ext>
+            </a:extLst>
+          </p:cNvPr>
+          <p:cNvSpPr txBox="1"/>
+          <p:nvPr/>
+        </p:nvSpPr>
+        <p:spPr>
+          <a:xfrm>
+            <a:off x="2057218" y="3695851"/>
+            <a:ext cx="3925018" cy="369332"/>
+          </a:xfrm>
+          <a:prstGeom prst="rect">
+            <a:avLst/>
+          </a:prstGeom>
+          <a:noFill/>
+        </p:spPr>
+        <p:txBody>
+          <a:bodyPr wrap="square" rtlCol="0">
+            <a:spAutoFit/>
+          </a:bodyPr>
+          <a:lstStyle/>
+          <a:p>
+            <a:r>
+              <a:rPr lang="cs-CZ" dirty="0">
+                <a:latin typeface="Arial" panose="020B0604020202020204" pitchFamily="34" charset="0"/>
+                <a:cs typeface="Arial" panose="020B0604020202020204" pitchFamily="34" charset="0"/>
+              </a:rPr>
+              <a:t>  </a:t>
+            </a:r>
+          </a:p>
+        </p:txBody>
+      </p:sp>
+      <p:sp>
+        <p:nvSpPr>
+          <p:cNvPr id="9" name="TextovéPole 8">
+            <a:extLst>
+              <a:ext uri="{FF2B5EF4-FFF2-40B4-BE49-F238E27FC236}">
+                <a16:creationId xmlns:a16="http://schemas.microsoft.com/office/drawing/2014/main" id="{01BD18C5-5DF2-AF71-85E3-DDF813EFD125}"/>
+              </a:ext>
+            </a:extLst>
+          </p:cNvPr>
+          <p:cNvSpPr txBox="1"/>
+          <p:nvPr/>
+        </p:nvSpPr>
+        <p:spPr>
+          <a:xfrm>
+            <a:off x="2057218" y="4065183"/>
+            <a:ext cx="5249356" cy="830997"/>
+          </a:xfrm>
+          <a:prstGeom prst="rect">
+            <a:avLst/>
+          </a:prstGeom>
+          <a:noFill/>
+        </p:spPr>
+        <p:txBody>
+          <a:bodyPr wrap="square" rtlCol="0">
+            <a:spAutoFit/>
+          </a:bodyPr>
+          <a:lstStyle/>
+          <a:p>
+            <a:r>
+              <a:rPr lang="cs-CZ" sz="2400" dirty="0">
+                <a:latin typeface="Arial" panose="020B0604020202020204" pitchFamily="34" charset="0"/>
+                <a:cs typeface="Arial" panose="020B0604020202020204" pitchFamily="34" charset="0"/>
+              </a:rPr>
+              <a:t>Cílem je usnadnění života. Automatizace </a:t>
+            </a:r>
+          </a:p>
+        </p:txBody>
+      </p:sp>
+    </p:spTree>
+    <p:extLst>
+      <p:ext uri="{BB962C8B-B14F-4D97-AF65-F5344CB8AC3E}">
+        <p14:creationId xmlns:p14="http://schemas.microsoft.com/office/powerpoint/2010/main" val="2111250254"/>
+      </p:ext>
+    </p:extLst>
+  </p:cSld>
+  <p:clrMapOvr>
+    <a:masterClrMapping/>
+  </p:clrMapOvr>
+</p:sld>
+</file>
+
+<file path=ppt/slides/slide4.xml><?xml version="1.0" encoding="utf-8"?>
+<p:sld xmlns:a="http://schemas.openxmlformats.org/drawingml/2006/main" xmlns:r="http://schemas.openxmlformats.org/officeDocument/2006/relationships" xmlns:p="http://schemas.openxmlformats.org/presentationml/2006/main">
+  <p:cSld>
+    <p:bg>
+      <p:bgPr>
+        <a:solidFill>
+          <a:srgbClr val="23268F"/>
+        </a:solidFill>
+        <a:effectLst/>
+      </p:bgPr>
+    </p:bg>
+    <p:spTree>
+      <p:nvGrpSpPr>
+        <p:cNvPr id="1" name=""/>
+        <p:cNvGrpSpPr/>
+        <p:nvPr/>
+      </p:nvGrpSpPr>
+      <p:grpSpPr>
+        <a:xfrm>
+          <a:off x="0" y="0"/>
+          <a:ext cx="0" cy="0"/>
+          <a:chOff x="0" y="0"/>
+          <a:chExt cx="0" cy="0"/>
+        </a:xfrm>
+      </p:grpSpPr>
+      <p:sp>
+        <p:nvSpPr>
+          <p:cNvPr id="2" name="Nadpis 1">
+            <a:extLst>
+              <a:ext uri="{FF2B5EF4-FFF2-40B4-BE49-F238E27FC236}">
+                <a16:creationId xmlns:a16="http://schemas.microsoft.com/office/drawing/2014/main" id="{29CB99E5-9986-576C-8894-71192D74DD8C}"/>
+              </a:ext>
+            </a:extLst>
+          </p:cNvPr>
+          <p:cNvSpPr>
+            <a:spLocks noGrp="1"/>
+          </p:cNvSpPr>
+          <p:nvPr>
+            <p:ph type="ctrTitle"/>
+          </p:nvPr>
+        </p:nvSpPr>
+        <p:spPr>
+          <a:xfrm>
+            <a:off x="2811658" y="1312862"/>
+            <a:ext cx="6082903" cy="1498174"/>
+          </a:xfrm>
+        </p:spPr>
+        <p:txBody>
+          <a:bodyPr>
+            <a:normAutofit/>
+          </a:bodyPr>
+          <a:lstStyle/>
+          <a:p>
+            <a:pPr algn="ctr"/>
+            <a:endParaRPr lang="cs-CZ" sz="4000" b="1" dirty="0">
+              <a:solidFill>
+                <a:srgbClr val="FEFAC2"/>
+              </a:solidFill>
+              <a:latin typeface="Arial" panose="020B0604020202020204" pitchFamily="34" charset="0"/>
+              <a:cs typeface="Arial" panose="020B0604020202020204" pitchFamily="34" charset="0"/>
+            </a:endParaRPr>
+          </a:p>
+        </p:txBody>
+      </p:sp>
+      <p:sp>
+        <p:nvSpPr>
+          <p:cNvPr id="3" name="Podnadpis 2">
+            <a:extLst>
+              <a:ext uri="{FF2B5EF4-FFF2-40B4-BE49-F238E27FC236}">
+                <a16:creationId xmlns:a16="http://schemas.microsoft.com/office/drawing/2014/main" id="{40BDE16B-3EE9-6453-FB6A-C1A83B805F10}"/>
+              </a:ext>
+            </a:extLst>
+          </p:cNvPr>
+          <p:cNvSpPr>
+            <a:spLocks noGrp="1"/>
+          </p:cNvSpPr>
+          <p:nvPr>
+            <p:ph type="subTitle" idx="1"/>
+          </p:nvPr>
+        </p:nvSpPr>
+        <p:spPr>
+          <a:xfrm>
+            <a:off x="4067173" y="3687763"/>
+            <a:ext cx="8791575" cy="1655762"/>
+          </a:xfrm>
+        </p:spPr>
+        <p:txBody>
+          <a:bodyPr/>
+          <a:lstStyle/>
+          <a:p>
+            <a:endParaRPr lang="cs-CZ" dirty="0"/>
+          </a:p>
+        </p:txBody>
+      </p:sp>
+    </p:spTree>
+    <p:extLst>
+      <p:ext uri="{BB962C8B-B14F-4D97-AF65-F5344CB8AC3E}">
+        <p14:creationId xmlns:p14="http://schemas.microsoft.com/office/powerpoint/2010/main" val="914366573"/>
+      </p:ext>
+    </p:extLst>
+  </p:cSld>
+  <p:clrMapOvr>
+    <a:masterClrMapping/>
+  </p:clrMapOvr>
+</p:sld>
+</file>
+
+<file path=ppt/slides/slide5.xml><?xml version="1.0" encoding="utf-8"?>
+<p:sld xmlns:a="http://schemas.openxmlformats.org/drawingml/2006/main" xmlns:r="http://schemas.openxmlformats.org/officeDocument/2006/relationships" xmlns:p="http://schemas.openxmlformats.org/presentationml/2006/main">
+  <p:cSld>
+    <p:bg>
+      <p:bgPr>
+        <a:solidFill>
+          <a:srgbClr val="23268F"/>
+        </a:solidFill>
+        <a:effectLst/>
+      </p:bgPr>
+    </p:bg>
+    <p:spTree>
+      <p:nvGrpSpPr>
+        <p:cNvPr id="1" name=""/>
+        <p:cNvGrpSpPr/>
+        <p:nvPr/>
+      </p:nvGrpSpPr>
+      <p:grpSpPr>
+        <a:xfrm>
+          <a:off x="0" y="0"/>
+          <a:ext cx="0" cy="0"/>
+          <a:chOff x="0" y="0"/>
+          <a:chExt cx="0" cy="0"/>
+        </a:xfrm>
+      </p:grpSpPr>
+      <p:sp>
+        <p:nvSpPr>
+          <p:cNvPr id="2" name="Nadpis 1">
+            <a:extLst>
+              <a:ext uri="{FF2B5EF4-FFF2-40B4-BE49-F238E27FC236}">
+                <a16:creationId xmlns:a16="http://schemas.microsoft.com/office/drawing/2014/main" id="{29CB99E5-9986-576C-8894-71192D74DD8C}"/>
+              </a:ext>
+            </a:extLst>
+          </p:cNvPr>
+          <p:cNvSpPr>
+            <a:spLocks noGrp="1"/>
+          </p:cNvSpPr>
+          <p:nvPr>
+            <p:ph type="ctrTitle"/>
+          </p:nvPr>
+        </p:nvSpPr>
+        <p:spPr>
+          <a:xfrm>
+            <a:off x="2811658" y="1312862"/>
+            <a:ext cx="6082903" cy="1498174"/>
+          </a:xfrm>
+        </p:spPr>
+        <p:txBody>
+          <a:bodyPr>
+            <a:normAutofit/>
+          </a:bodyPr>
+          <a:lstStyle/>
+          <a:p>
+            <a:pPr algn="ctr"/>
+            <a:endParaRPr lang="cs-CZ" sz="4000" b="1" dirty="0">
+              <a:solidFill>
+                <a:srgbClr val="FEFAC2"/>
+              </a:solidFill>
+              <a:latin typeface="Arial" panose="020B0604020202020204" pitchFamily="34" charset="0"/>
+              <a:cs typeface="Arial" panose="020B0604020202020204" pitchFamily="34" charset="0"/>
+            </a:endParaRPr>
+          </a:p>
+        </p:txBody>
+      </p:sp>
+      <p:sp>
+        <p:nvSpPr>
+          <p:cNvPr id="3" name="Podnadpis 2">
+            <a:extLst>
+              <a:ext uri="{FF2B5EF4-FFF2-40B4-BE49-F238E27FC236}">
+                <a16:creationId xmlns:a16="http://schemas.microsoft.com/office/drawing/2014/main" id="{40BDE16B-3EE9-6453-FB6A-C1A83B805F10}"/>
+              </a:ext>
+            </a:extLst>
+          </p:cNvPr>
+          <p:cNvSpPr>
+            <a:spLocks noGrp="1"/>
+          </p:cNvSpPr>
+          <p:nvPr>
+            <p:ph type="subTitle" idx="1"/>
+          </p:nvPr>
+        </p:nvSpPr>
+        <p:spPr>
+          <a:xfrm>
+            <a:off x="4067173" y="3687763"/>
+            <a:ext cx="8791575" cy="1655762"/>
+          </a:xfrm>
+        </p:spPr>
+        <p:txBody>
+          <a:bodyPr/>
+          <a:lstStyle/>
+          <a:p>
+            <a:endParaRPr lang="cs-CZ" dirty="0"/>
+          </a:p>
+        </p:txBody>
+      </p:sp>
+    </p:spTree>
+    <p:extLst>
+      <p:ext uri="{BB962C8B-B14F-4D97-AF65-F5344CB8AC3E}">
+        <p14:creationId xmlns:p14="http://schemas.microsoft.com/office/powerpoint/2010/main" val="3827974101"/>
+      </p:ext>
+    </p:extLst>
+  </p:cSld>
+  <p:clrMapOvr>
+    <a:masterClrMapping/>
+  </p:clrMapOvr>
+</p:sld>
+</file>
+
+<file path=ppt/slides/slide6.xml><?xml version="1.0" encoding="utf-8"?>
+<p:sld xmlns:a="http://schemas.openxmlformats.org/drawingml/2006/main" xmlns:r="http://schemas.openxmlformats.org/officeDocument/2006/relationships" xmlns:p="http://schemas.openxmlformats.org/presentationml/2006/main">
+  <p:cSld>
+    <p:bg>
+      <p:bgPr>
+        <a:solidFill>
+          <a:srgbClr val="23268F"/>
+        </a:solidFill>
+        <a:effectLst/>
+      </p:bgPr>
+    </p:bg>
+    <p:spTree>
+      <p:nvGrpSpPr>
+        <p:cNvPr id="1" name=""/>
+        <p:cNvGrpSpPr/>
+        <p:nvPr/>
+      </p:nvGrpSpPr>
+      <p:grpSpPr>
+        <a:xfrm>
+          <a:off x="0" y="0"/>
+          <a:ext cx="0" cy="0"/>
+          <a:chOff x="0" y="0"/>
+          <a:chExt cx="0" cy="0"/>
+        </a:xfrm>
+      </p:grpSpPr>
+      <p:sp>
+        <p:nvSpPr>
+          <p:cNvPr id="2" name="Nadpis 1">
+            <a:extLst>
+              <a:ext uri="{FF2B5EF4-FFF2-40B4-BE49-F238E27FC236}">
+                <a16:creationId xmlns:a16="http://schemas.microsoft.com/office/drawing/2014/main" id="{29CB99E5-9986-576C-8894-71192D74DD8C}"/>
+              </a:ext>
+            </a:extLst>
+          </p:cNvPr>
+          <p:cNvSpPr>
+            <a:spLocks noGrp="1"/>
+          </p:cNvSpPr>
+          <p:nvPr>
+            <p:ph type="ctrTitle"/>
+          </p:nvPr>
+        </p:nvSpPr>
+        <p:spPr>
+          <a:xfrm>
+            <a:off x="2811658" y="1312862"/>
+            <a:ext cx="6082903" cy="1498174"/>
+          </a:xfrm>
+        </p:spPr>
+        <p:txBody>
+          <a:bodyPr>
+            <a:normAutofit/>
+          </a:bodyPr>
+          <a:lstStyle/>
+          <a:p>
+            <a:pPr algn="ctr"/>
+            <a:endParaRPr lang="cs-CZ" sz="4000" b="1" dirty="0">
+              <a:solidFill>
+                <a:srgbClr val="FEFAC2"/>
+              </a:solidFill>
+              <a:latin typeface="Arial" panose="020B0604020202020204" pitchFamily="34" charset="0"/>
+              <a:cs typeface="Arial" panose="020B0604020202020204" pitchFamily="34" charset="0"/>
+            </a:endParaRPr>
+          </a:p>
+        </p:txBody>
+      </p:sp>
+      <p:sp>
+        <p:nvSpPr>
+          <p:cNvPr id="3" name="Podnadpis 2">
+            <a:extLst>
+              <a:ext uri="{FF2B5EF4-FFF2-40B4-BE49-F238E27FC236}">
+                <a16:creationId xmlns:a16="http://schemas.microsoft.com/office/drawing/2014/main" id="{40BDE16B-3EE9-6453-FB6A-C1A83B805F10}"/>
+              </a:ext>
+            </a:extLst>
+          </p:cNvPr>
+          <p:cNvSpPr>
+            <a:spLocks noGrp="1"/>
+          </p:cNvSpPr>
+          <p:nvPr>
+            <p:ph type="subTitle" idx="1"/>
+          </p:nvPr>
+        </p:nvSpPr>
+        <p:spPr>
+          <a:xfrm>
+            <a:off x="4067173" y="3687763"/>
+            <a:ext cx="8791575" cy="1655762"/>
+          </a:xfrm>
+        </p:spPr>
+        <p:txBody>
+          <a:bodyPr/>
+          <a:lstStyle/>
+          <a:p>
+            <a:endParaRPr lang="cs-CZ" dirty="0"/>
+          </a:p>
+        </p:txBody>
+      </p:sp>
+    </p:spTree>
+    <p:extLst>
+      <p:ext uri="{BB962C8B-B14F-4D97-AF65-F5344CB8AC3E}">
+        <p14:creationId xmlns:p14="http://schemas.microsoft.com/office/powerpoint/2010/main" val="2887409316"/>
+      </p:ext>
+    </p:extLst>
+  </p:cSld>
+  <p:clrMapOvr>
+    <a:masterClrMapping/>
+  </p:clrMapOvr>
+</p:sld>
+</file>
+
+<file path=ppt/slides/slide7.xml><?xml version="1.0" encoding="utf-8"?>
+<p:sld xmlns:a="http://schemas.openxmlformats.org/drawingml/2006/main" xmlns:r="http://schemas.openxmlformats.org/officeDocument/2006/relationships" xmlns:p="http://schemas.openxmlformats.org/presentationml/2006/main">
+  <p:cSld>
+    <p:bg>
+      <p:bgPr>
+        <a:solidFill>
+          <a:srgbClr val="23268F"/>
+        </a:solidFill>
+        <a:effectLst/>
+      </p:bgPr>
+    </p:bg>
+    <p:spTree>
+      <p:nvGrpSpPr>
+        <p:cNvPr id="1" name=""/>
+        <p:cNvGrpSpPr/>
+        <p:nvPr/>
+      </p:nvGrpSpPr>
+      <p:grpSpPr>
+        <a:xfrm>
+          <a:off x="0" y="0"/>
+          <a:ext cx="0" cy="0"/>
+          <a:chOff x="0" y="0"/>
+          <a:chExt cx="0" cy="0"/>
+        </a:xfrm>
+      </p:grpSpPr>
+      <p:sp>
+        <p:nvSpPr>
+          <p:cNvPr id="2" name="Nadpis 1">
+            <a:extLst>
+              <a:ext uri="{FF2B5EF4-FFF2-40B4-BE49-F238E27FC236}">
+                <a16:creationId xmlns:a16="http://schemas.microsoft.com/office/drawing/2014/main" id="{29CB99E5-9986-576C-8894-71192D74DD8C}"/>
+              </a:ext>
+            </a:extLst>
+          </p:cNvPr>
+          <p:cNvSpPr>
+            <a:spLocks noGrp="1"/>
+          </p:cNvSpPr>
+          <p:nvPr>
+            <p:ph type="ctrTitle"/>
+          </p:nvPr>
+        </p:nvSpPr>
+        <p:spPr>
+          <a:xfrm>
+            <a:off x="2811658" y="1312862"/>
+            <a:ext cx="6082903" cy="1498174"/>
+          </a:xfrm>
+        </p:spPr>
+        <p:txBody>
+          <a:bodyPr>
+            <a:normAutofit/>
+          </a:bodyPr>
+          <a:lstStyle/>
+          <a:p>
+            <a:pPr algn="ctr"/>
+            <a:endParaRPr lang="cs-CZ" sz="4000" b="1" dirty="0">
+              <a:solidFill>
+                <a:srgbClr val="FEFAC2"/>
+              </a:solidFill>
+              <a:latin typeface="Arial" panose="020B0604020202020204" pitchFamily="34" charset="0"/>
+              <a:cs typeface="Arial" panose="020B0604020202020204" pitchFamily="34" charset="0"/>
+            </a:endParaRPr>
+          </a:p>
+        </p:txBody>
+      </p:sp>
+      <p:sp>
+        <p:nvSpPr>
+          <p:cNvPr id="3" name="Podnadpis 2">
+            <a:extLst>
+              <a:ext uri="{FF2B5EF4-FFF2-40B4-BE49-F238E27FC236}">
+                <a16:creationId xmlns:a16="http://schemas.microsoft.com/office/drawing/2014/main" id="{40BDE16B-3EE9-6453-FB6A-C1A83B805F10}"/>
+              </a:ext>
+            </a:extLst>
+          </p:cNvPr>
+          <p:cNvSpPr>
+            <a:spLocks noGrp="1"/>
+          </p:cNvSpPr>
+          <p:nvPr>
+            <p:ph type="subTitle" idx="1"/>
+          </p:nvPr>
+        </p:nvSpPr>
+        <p:spPr>
+          <a:xfrm>
+            <a:off x="4067173" y="3687763"/>
+            <a:ext cx="8791575" cy="1655762"/>
+          </a:xfrm>
+        </p:spPr>
+        <p:txBody>
+          <a:bodyPr/>
+          <a:lstStyle/>
+          <a:p>
+            <a:endParaRPr lang="cs-CZ" dirty="0"/>
+          </a:p>
+        </p:txBody>
+      </p:sp>
+    </p:spTree>
+    <p:extLst>
+      <p:ext uri="{BB962C8B-B14F-4D97-AF65-F5344CB8AC3E}">
+        <p14:creationId xmlns:p14="http://schemas.microsoft.com/office/powerpoint/2010/main" val="3231277303"/>
+      </p:ext>
+    </p:extLst>
+  </p:cSld>
+  <p:clrMapOvr>
+    <a:masterClrMapping/>
+  </p:clrMapOvr>
+</p:sld>
+</file>
+
+<file path=ppt/slides/slide8.xml><?xml version="1.0" encoding="utf-8"?>
+<p:sld xmlns:a="http://schemas.openxmlformats.org/drawingml/2006/main" xmlns:r="http://schemas.openxmlformats.org/officeDocument/2006/relationships" xmlns:p="http://schemas.openxmlformats.org/presentationml/2006/main">
+  <p:cSld>
+    <p:bg>
+      <p:bgPr>
+        <a:solidFill>
+          <a:srgbClr val="23268F"/>
+        </a:solidFill>
+        <a:effectLst/>
+      </p:bgPr>
+    </p:bg>
+    <p:spTree>
+      <p:nvGrpSpPr>
+        <p:cNvPr id="1" name=""/>
+        <p:cNvGrpSpPr/>
+        <p:nvPr/>
+      </p:nvGrpSpPr>
+      <p:grpSpPr>
+        <a:xfrm>
+          <a:off x="0" y="0"/>
+          <a:ext cx="0" cy="0"/>
+          <a:chOff x="0" y="0"/>
+          <a:chExt cx="0" cy="0"/>
+        </a:xfrm>
+      </p:grpSpPr>
+      <p:sp>
+        <p:nvSpPr>
+          <p:cNvPr id="2" name="Nadpis 1">
+            <a:extLst>
+              <a:ext uri="{FF2B5EF4-FFF2-40B4-BE49-F238E27FC236}">
+                <a16:creationId xmlns:a16="http://schemas.microsoft.com/office/drawing/2014/main" id="{29CB99E5-9986-576C-8894-71192D74DD8C}"/>
+              </a:ext>
+            </a:extLst>
+          </p:cNvPr>
+          <p:cNvSpPr>
+            <a:spLocks noGrp="1"/>
+          </p:cNvSpPr>
+          <p:nvPr>
+            <p:ph type="ctrTitle"/>
+          </p:nvPr>
+        </p:nvSpPr>
+        <p:spPr>
+          <a:xfrm>
+            <a:off x="2811658" y="1312862"/>
+            <a:ext cx="6082903" cy="1498174"/>
+          </a:xfrm>
+        </p:spPr>
+        <p:txBody>
+          <a:bodyPr>
+            <a:normAutofit/>
+          </a:bodyPr>
+          <a:lstStyle/>
+          <a:p>
+            <a:pPr algn="ctr"/>
+            <a:endParaRPr lang="cs-CZ" sz="4000" b="1" dirty="0">
+              <a:solidFill>
+                <a:srgbClr val="FEFAC2"/>
+              </a:solidFill>
+              <a:latin typeface="Arial" panose="020B0604020202020204" pitchFamily="34" charset="0"/>
+              <a:cs typeface="Arial" panose="020B0604020202020204" pitchFamily="34" charset="0"/>
+            </a:endParaRPr>
+          </a:p>
+        </p:txBody>
+      </p:sp>
+      <p:sp>
+        <p:nvSpPr>
+          <p:cNvPr id="3" name="Podnadpis 2">
+            <a:extLst>
+              <a:ext uri="{FF2B5EF4-FFF2-40B4-BE49-F238E27FC236}">
+                <a16:creationId xmlns:a16="http://schemas.microsoft.com/office/drawing/2014/main" id="{40BDE16B-3EE9-6453-FB6A-C1A83B805F10}"/>
+              </a:ext>
+            </a:extLst>
+          </p:cNvPr>
+          <p:cNvSpPr>
+            <a:spLocks noGrp="1"/>
+          </p:cNvSpPr>
+          <p:nvPr>
+            <p:ph type="subTitle" idx="1"/>
+          </p:nvPr>
+        </p:nvSpPr>
+        <p:spPr>
+          <a:xfrm>
+            <a:off x="4067173" y="3687763"/>
+            <a:ext cx="8791575" cy="1655762"/>
+          </a:xfrm>
+        </p:spPr>
+        <p:txBody>
+          <a:bodyPr/>
+          <a:lstStyle/>
+          <a:p>
+            <a:endParaRPr lang="cs-CZ" dirty="0"/>
+          </a:p>
+        </p:txBody>
+      </p:sp>
+    </p:spTree>
+    <p:extLst>
+      <p:ext uri="{BB962C8B-B14F-4D97-AF65-F5344CB8AC3E}">
+        <p14:creationId xmlns:p14="http://schemas.microsoft.com/office/powerpoint/2010/main" val="1279449404"/>
+      </p:ext>
+    </p:extLst>
+  </p:cSld>
+  <p:clrMapOvr>
+    <a:masterClrMapping/>
+  </p:clrMapOvr>
+</p:sld>
+</file>
+
+<file path=ppt/slides/slide9.xml><?xml version="1.0" encoding="utf-8"?>
+<p:sld xmlns:a="http://schemas.openxmlformats.org/drawingml/2006/main" xmlns:r="http://schemas.openxmlformats.org/officeDocument/2006/relationships" xmlns:p="http://schemas.openxmlformats.org/presentationml/2006/main">
+  <p:cSld>
+    <p:bg>
+      <p:bgPr>
+        <a:solidFill>
+          <a:srgbClr val="23268F"/>
+        </a:solidFill>
+        <a:effectLst/>
+      </p:bgPr>
+    </p:bg>
+    <p:spTree>
+      <p:nvGrpSpPr>
+        <p:cNvPr id="1" name=""/>
+        <p:cNvGrpSpPr/>
+        <p:nvPr/>
+      </p:nvGrpSpPr>
+      <p:grpSpPr>
+        <a:xfrm>
+          <a:off x="0" y="0"/>
+          <a:ext cx="0" cy="0"/>
+          <a:chOff x="0" y="0"/>
+          <a:chExt cx="0" cy="0"/>
+        </a:xfrm>
+      </p:grpSpPr>
+      <p:sp>
+        <p:nvSpPr>
+          <p:cNvPr id="2" name="Nadpis 1">
+            <a:extLst>
+              <a:ext uri="{FF2B5EF4-FFF2-40B4-BE49-F238E27FC236}">
+                <a16:creationId xmlns:a16="http://schemas.microsoft.com/office/drawing/2014/main" id="{29CB99E5-9986-576C-8894-71192D74DD8C}"/>
+              </a:ext>
+            </a:extLst>
+          </p:cNvPr>
+          <p:cNvSpPr>
+            <a:spLocks noGrp="1"/>
+          </p:cNvSpPr>
+          <p:nvPr>
+            <p:ph type="ctrTitle"/>
+          </p:nvPr>
+        </p:nvSpPr>
+        <p:spPr>
+          <a:xfrm>
+            <a:off x="1064904" y="122418"/>
+            <a:ext cx="6004538" cy="1507976"/>
+          </a:xfrm>
+        </p:spPr>
+        <p:txBody>
+          <a:bodyPr>
+            <a:normAutofit/>
+          </a:bodyPr>
+          <a:lstStyle/>
+          <a:p>
+            <a:pPr algn="ctr"/>
+            <a:r>
+              <a:rPr lang="cs-CZ" sz="3200" b="1" dirty="0">
+                <a:solidFill>
+                  <a:srgbClr val="FEFAC2"/>
+                </a:solidFill>
+                <a:latin typeface="Arial" panose="020B0604020202020204" pitchFamily="34" charset="0"/>
+                <a:cs typeface="Arial" panose="020B0604020202020204" pitchFamily="34" charset="0"/>
+              </a:rPr>
+              <a:t>Citace literatury:</a:t>
+            </a:r>
+          </a:p>
+        </p:txBody>
+      </p:sp>
+      <p:sp>
+        <p:nvSpPr>
+          <p:cNvPr id="3" name="Podnadpis 2">
+            <a:extLst>
+              <a:ext uri="{FF2B5EF4-FFF2-40B4-BE49-F238E27FC236}">
+                <a16:creationId xmlns:a16="http://schemas.microsoft.com/office/drawing/2014/main" id="{40BDE16B-3EE9-6453-FB6A-C1A83B805F10}"/>
+              </a:ext>
+            </a:extLst>
+          </p:cNvPr>
+          <p:cNvSpPr>
+            <a:spLocks noGrp="1"/>
+          </p:cNvSpPr>
+          <p:nvPr>
+            <p:ph type="subTitle" idx="1"/>
+          </p:nvPr>
+        </p:nvSpPr>
+        <p:spPr>
+          <a:xfrm>
+            <a:off x="1712163" y="2549075"/>
+            <a:ext cx="8208216" cy="2212705"/>
+          </a:xfrm>
+        </p:spPr>
+        <p:txBody>
+          <a:bodyPr>
+            <a:normAutofit/>
+          </a:bodyPr>
+          <a:lstStyle/>
+          <a:p>
+            <a:r>
+              <a:rPr lang="cs-CZ" sz="1400" b="0" i="0" dirty="0">
+                <a:solidFill>
+                  <a:srgbClr val="212529"/>
+                </a:solidFill>
+                <a:effectLst/>
+                <a:latin typeface="Open Sans" panose="020B0606030504020204" pitchFamily="34" charset="0"/>
+              </a:rPr>
+              <a:t>Internet věcí. In: </a:t>
+            </a:r>
+            <a:r>
+              <a:rPr lang="cs-CZ" sz="1400" b="0" i="1" dirty="0">
+                <a:solidFill>
+                  <a:srgbClr val="212529"/>
+                </a:solidFill>
+                <a:effectLst/>
+                <a:latin typeface="Open Sans" panose="020B0606030504020204" pitchFamily="34" charset="0"/>
+              </a:rPr>
+              <a:t>Wikipedia: </a:t>
+            </a:r>
+            <a:r>
+              <a:rPr lang="cs-CZ" sz="1400" b="0" i="1" dirty="0" err="1">
+                <a:solidFill>
+                  <a:srgbClr val="212529"/>
+                </a:solidFill>
+                <a:effectLst/>
+                <a:latin typeface="Open Sans" panose="020B0606030504020204" pitchFamily="34" charset="0"/>
+              </a:rPr>
+              <a:t>the</a:t>
+            </a:r>
+            <a:r>
+              <a:rPr lang="cs-CZ" sz="1400" b="0" i="1" dirty="0">
+                <a:solidFill>
+                  <a:srgbClr val="212529"/>
+                </a:solidFill>
+                <a:effectLst/>
+                <a:latin typeface="Open Sans" panose="020B0606030504020204" pitchFamily="34" charset="0"/>
+              </a:rPr>
+              <a:t> free </a:t>
+            </a:r>
+            <a:r>
+              <a:rPr lang="cs-CZ" sz="1400" b="0" i="1" dirty="0" err="1">
+                <a:solidFill>
+                  <a:srgbClr val="212529"/>
+                </a:solidFill>
+                <a:effectLst/>
+                <a:latin typeface="Open Sans" panose="020B0606030504020204" pitchFamily="34" charset="0"/>
+              </a:rPr>
+              <a:t>encyclopedia</a:t>
+            </a:r>
+            <a:r>
+              <a:rPr lang="cs-CZ" sz="1400" b="0" i="0" dirty="0">
+                <a:solidFill>
+                  <a:srgbClr val="212529"/>
+                </a:solidFill>
+                <a:effectLst/>
+                <a:latin typeface="Open Sans" panose="020B0606030504020204" pitchFamily="34" charset="0"/>
+              </a:rPr>
+              <a:t> [online]. San Francisco (CA): </a:t>
+            </a:r>
+            <a:r>
+              <a:rPr lang="cs-CZ" sz="1400" b="0" i="0" dirty="0" err="1">
+                <a:solidFill>
+                  <a:srgbClr val="212529"/>
+                </a:solidFill>
+                <a:effectLst/>
+                <a:latin typeface="Open Sans" panose="020B0606030504020204" pitchFamily="34" charset="0"/>
+              </a:rPr>
+              <a:t>Wikimedia</a:t>
+            </a:r>
+            <a:r>
+              <a:rPr lang="cs-CZ" sz="1400" b="0" i="0" dirty="0">
+                <a:solidFill>
+                  <a:srgbClr val="212529"/>
+                </a:solidFill>
+                <a:effectLst/>
+                <a:latin typeface="Open Sans" panose="020B0606030504020204" pitchFamily="34" charset="0"/>
+              </a:rPr>
+              <a:t> </a:t>
+            </a:r>
+            <a:r>
+              <a:rPr lang="cs-CZ" sz="1400" b="0" i="0" dirty="0" err="1">
+                <a:solidFill>
+                  <a:srgbClr val="212529"/>
+                </a:solidFill>
+                <a:effectLst/>
+                <a:latin typeface="Open Sans" panose="020B0606030504020204" pitchFamily="34" charset="0"/>
+              </a:rPr>
+              <a:t>Foundation</a:t>
+            </a:r>
+            <a:r>
+              <a:rPr lang="cs-CZ" sz="1400" b="0" i="0" dirty="0">
+                <a:solidFill>
+                  <a:srgbClr val="212529"/>
+                </a:solidFill>
+                <a:effectLst/>
+                <a:latin typeface="Open Sans" panose="020B0606030504020204" pitchFamily="34" charset="0"/>
+              </a:rPr>
+              <a:t>, 2001-, 8.5. 2022 [cit. 2023-01-15]. Dostupné z: https://cs.wikipedia.org/wiki/Internet_v%C4%9Bc%C3%AD</a:t>
+            </a:r>
+          </a:p>
+          <a:p>
+            <a:r>
+              <a:rPr lang="cs-CZ" sz="1200" b="0" i="1" dirty="0">
+                <a:solidFill>
+                  <a:srgbClr val="212529"/>
+                </a:solidFill>
+                <a:effectLst/>
+                <a:latin typeface="Open Sans" panose="020B0606030504020204" pitchFamily="34" charset="0"/>
+              </a:rPr>
+              <a:t>Internet věcí</a:t>
+            </a:r>
+            <a:r>
+              <a:rPr lang="cs-CZ" sz="1200" b="0" i="0" dirty="0">
+                <a:solidFill>
+                  <a:srgbClr val="212529"/>
+                </a:solidFill>
+                <a:effectLst/>
+                <a:latin typeface="Open Sans" panose="020B0606030504020204" pitchFamily="34" charset="0"/>
+              </a:rPr>
+              <a:t> [online]. 2017. České vysoké učení technické v Praze Fakulta elektrotechnická: České vysoké učení technické v Praze Fakulta elektrotechnická, 2017 [cit. 2023-01-15]. ISBN 978-80-01-06231-9. Dostupné z: https://upcommons.upc.edu/bitstream/handle/2117/112248/LM08_F_CZ.pdf;jsessionid=08CF27DEAD8A719D30C0BE9CAC9642ED?sequence=1</a:t>
+            </a:r>
+            <a:endParaRPr lang="cs-CZ" sz="1400" dirty="0"/>
+          </a:p>
+        </p:txBody>
+      </p:sp>
+    </p:spTree>
+    <p:extLst>
+      <p:ext uri="{BB962C8B-B14F-4D97-AF65-F5344CB8AC3E}">
+        <p14:creationId xmlns:p14="http://schemas.microsoft.com/office/powerpoint/2010/main" val="1295130196"/>
+      </p:ext>
+    </p:extLst>
+  </p:cSld>
+  <p:clrMapOvr>
+    <a:masterClrMapping/>
+  </p:clrMapOvr>
+</p:sld>
+</file>
+
 <file path=ppt/theme/theme1.xml><?xml version="1.0" encoding="utf-8"?>
 <a:theme xmlns:a="http://schemas.openxmlformats.org/drawingml/2006/main" name="Obvod">
   <a:themeElements>

--- a/langsadl.pptx
+++ b/langsadl.pptx
@@ -170,7 +170,7 @@
           <a:noFill/>
           <a:extLst>
             <a:ext uri="{909E8E84-426E-40dd-AFC4-6F175D3DCCD1}">
-              <a14:hiddenFill xmlns="" xmlns:a14="http://schemas.microsoft.com/office/drawing/2010/main">
+              <a14:hiddenFill xmlns:a14="http://schemas.microsoft.com/office/drawing/2010/main" xmlns="">
                 <a:solidFill>
                   <a:srgbClr val="FFFFFF"/>
                 </a:solidFill>
@@ -230,7 +230,7 @@
             </a:ln>
             <a:extLst>
               <a:ext uri="{91240B29-F687-4f45-9708-019B960494DF}">
-                <a14:hiddenLine xmlns="" xmlns:a14="http://schemas.microsoft.com/office/drawing/2010/main" w="9525">
+                <a14:hiddenLine xmlns:a14="http://schemas.microsoft.com/office/drawing/2010/main" xmlns="" w="9525">
                   <a:solidFill>
                     <a:srgbClr val="000000"/>
                   </a:solidFill>
@@ -320,7 +320,7 @@
             </a:ln>
             <a:extLst>
               <a:ext uri="{91240B29-F687-4f45-9708-019B960494DF}">
-                <a14:hiddenLine xmlns="" xmlns:a14="http://schemas.microsoft.com/office/drawing/2010/main" w="9525">
+                <a14:hiddenLine xmlns:a14="http://schemas.microsoft.com/office/drawing/2010/main" xmlns="" w="9525">
                   <a:solidFill>
                     <a:srgbClr val="000000"/>
                   </a:solidFill>
@@ -410,7 +410,7 @@
             </a:ln>
             <a:extLst>
               <a:ext uri="{91240B29-F687-4f45-9708-019B960494DF}">
-                <a14:hiddenLine xmlns="" xmlns:a14="http://schemas.microsoft.com/office/drawing/2010/main" w="9525">
+                <a14:hiddenLine xmlns:a14="http://schemas.microsoft.com/office/drawing/2010/main" xmlns="" w="9525">
                   <a:solidFill>
                     <a:srgbClr val="000000"/>
                   </a:solidFill>
@@ -444,7 +444,7 @@
             </a:ln>
             <a:extLst>
               <a:ext uri="{91240B29-F687-4f45-9708-019B960494DF}">
-                <a14:hiddenLine xmlns="" xmlns:a14="http://schemas.microsoft.com/office/drawing/2010/main" w="9525">
+                <a14:hiddenLine xmlns:a14="http://schemas.microsoft.com/office/drawing/2010/main" xmlns="" w="9525">
                   <a:solidFill>
                     <a:srgbClr val="000000"/>
                   </a:solidFill>
@@ -534,7 +534,7 @@
             </a:ln>
             <a:extLst>
               <a:ext uri="{91240B29-F687-4f45-9708-019B960494DF}">
-                <a14:hiddenLine xmlns="" xmlns:a14="http://schemas.microsoft.com/office/drawing/2010/main" w="9525">
+                <a14:hiddenLine xmlns:a14="http://schemas.microsoft.com/office/drawing/2010/main" xmlns="" w="9525">
                   <a:solidFill>
                     <a:srgbClr val="000000"/>
                   </a:solidFill>
@@ -596,7 +596,7 @@
             </a:ln>
             <a:extLst>
               <a:ext uri="{91240B29-F687-4f45-9708-019B960494DF}">
-                <a14:hiddenLine xmlns="" xmlns:a14="http://schemas.microsoft.com/office/drawing/2010/main" w="9525">
+                <a14:hiddenLine xmlns:a14="http://schemas.microsoft.com/office/drawing/2010/main" xmlns="" w="9525">
                   <a:solidFill>
                     <a:srgbClr val="000000"/>
                   </a:solidFill>
@@ -658,7 +658,7 @@
             </a:ln>
             <a:extLst>
               <a:ext uri="{91240B29-F687-4f45-9708-019B960494DF}">
-                <a14:hiddenLine xmlns="" xmlns:a14="http://schemas.microsoft.com/office/drawing/2010/main" w="9525">
+                <a14:hiddenLine xmlns:a14="http://schemas.microsoft.com/office/drawing/2010/main" xmlns="" w="9525">
                   <a:solidFill>
                     <a:srgbClr val="000000"/>
                   </a:solidFill>
@@ -748,7 +748,7 @@
             </a:ln>
             <a:extLst>
               <a:ext uri="{91240B29-F687-4f45-9708-019B960494DF}">
-                <a14:hiddenLine xmlns="" xmlns:a14="http://schemas.microsoft.com/office/drawing/2010/main" w="9525">
+                <a14:hiddenLine xmlns:a14="http://schemas.microsoft.com/office/drawing/2010/main" xmlns="" w="9525">
                   <a:solidFill>
                     <a:srgbClr val="000000"/>
                   </a:solidFill>
@@ -810,7 +810,7 @@
             </a:ln>
             <a:extLst>
               <a:ext uri="{91240B29-F687-4f45-9708-019B960494DF}">
-                <a14:hiddenLine xmlns="" xmlns:a14="http://schemas.microsoft.com/office/drawing/2010/main" w="9525">
+                <a14:hiddenLine xmlns:a14="http://schemas.microsoft.com/office/drawing/2010/main" xmlns="" w="9525">
                   <a:solidFill>
                     <a:srgbClr val="000000"/>
                   </a:solidFill>
@@ -872,7 +872,7 @@
             </a:ln>
             <a:extLst>
               <a:ext uri="{91240B29-F687-4f45-9708-019B960494DF}">
-                <a14:hiddenLine xmlns="" xmlns:a14="http://schemas.microsoft.com/office/drawing/2010/main" w="9525">
+                <a14:hiddenLine xmlns:a14="http://schemas.microsoft.com/office/drawing/2010/main" xmlns="" w="9525">
                   <a:solidFill>
                     <a:srgbClr val="000000"/>
                   </a:solidFill>
@@ -962,7 +962,7 @@
             </a:ln>
             <a:extLst>
               <a:ext uri="{91240B29-F687-4f45-9708-019B960494DF}">
-                <a14:hiddenLine xmlns="" xmlns:a14="http://schemas.microsoft.com/office/drawing/2010/main" w="9525">
+                <a14:hiddenLine xmlns:a14="http://schemas.microsoft.com/office/drawing/2010/main" xmlns="" w="9525">
                   <a:solidFill>
                     <a:srgbClr val="000000"/>
                   </a:solidFill>
@@ -1052,7 +1052,7 @@
             </a:ln>
             <a:extLst>
               <a:ext uri="{91240B29-F687-4f45-9708-019B960494DF}">
-                <a14:hiddenLine xmlns="" xmlns:a14="http://schemas.microsoft.com/office/drawing/2010/main" w="9525">
+                <a14:hiddenLine xmlns:a14="http://schemas.microsoft.com/office/drawing/2010/main" xmlns="" w="9525">
                   <a:solidFill>
                     <a:srgbClr val="000000"/>
                   </a:solidFill>
@@ -1114,7 +1114,7 @@
             </a:ln>
             <a:extLst>
               <a:ext uri="{91240B29-F687-4f45-9708-019B960494DF}">
-                <a14:hiddenLine xmlns="" xmlns:a14="http://schemas.microsoft.com/office/drawing/2010/main" w="9525">
+                <a14:hiddenLine xmlns:a14="http://schemas.microsoft.com/office/drawing/2010/main" xmlns="" w="9525">
                   <a:solidFill>
                     <a:srgbClr val="000000"/>
                   </a:solidFill>
@@ -1224,7 +1224,7 @@
             </a:ln>
             <a:extLst>
               <a:ext uri="{91240B29-F687-4f45-9708-019B960494DF}">
-                <a14:hiddenLine xmlns="" xmlns:a14="http://schemas.microsoft.com/office/drawing/2010/main" w="9525">
+                <a14:hiddenLine xmlns:a14="http://schemas.microsoft.com/office/drawing/2010/main" xmlns="" w="9525">
                   <a:solidFill>
                     <a:srgbClr val="000000"/>
                   </a:solidFill>
@@ -1286,7 +1286,7 @@
             </a:ln>
             <a:extLst>
               <a:ext uri="{91240B29-F687-4f45-9708-019B960494DF}">
-                <a14:hiddenLine xmlns="" xmlns:a14="http://schemas.microsoft.com/office/drawing/2010/main" w="9525">
+                <a14:hiddenLine xmlns:a14="http://schemas.microsoft.com/office/drawing/2010/main" xmlns="" w="9525">
                   <a:solidFill>
                     <a:srgbClr val="000000"/>
                   </a:solidFill>
@@ -1376,7 +1376,7 @@
             </a:ln>
             <a:extLst>
               <a:ext uri="{91240B29-F687-4f45-9708-019B960494DF}">
-                <a14:hiddenLine xmlns="" xmlns:a14="http://schemas.microsoft.com/office/drawing/2010/main" w="9525">
+                <a14:hiddenLine xmlns:a14="http://schemas.microsoft.com/office/drawing/2010/main" xmlns="" w="9525">
                   <a:solidFill>
                     <a:srgbClr val="000000"/>
                   </a:solidFill>
@@ -1466,7 +1466,7 @@
             </a:ln>
             <a:extLst>
               <a:ext uri="{91240B29-F687-4f45-9708-019B960494DF}">
-                <a14:hiddenLine xmlns="" xmlns:a14="http://schemas.microsoft.com/office/drawing/2010/main" w="9525">
+                <a14:hiddenLine xmlns:a14="http://schemas.microsoft.com/office/drawing/2010/main" xmlns="" w="9525">
                   <a:solidFill>
                     <a:srgbClr val="000000"/>
                   </a:solidFill>
@@ -1528,7 +1528,7 @@
             </a:ln>
             <a:extLst>
               <a:ext uri="{91240B29-F687-4f45-9708-019B960494DF}">
-                <a14:hiddenLine xmlns="" xmlns:a14="http://schemas.microsoft.com/office/drawing/2010/main" w="9525">
+                <a14:hiddenLine xmlns:a14="http://schemas.microsoft.com/office/drawing/2010/main" xmlns="" w="9525">
                   <a:solidFill>
                     <a:srgbClr val="000000"/>
                   </a:solidFill>
@@ -1618,7 +1618,7 @@
             </a:ln>
             <a:extLst>
               <a:ext uri="{91240B29-F687-4f45-9708-019B960494DF}">
-                <a14:hiddenLine xmlns="" xmlns:a14="http://schemas.microsoft.com/office/drawing/2010/main" w="9525">
+                <a14:hiddenLine xmlns:a14="http://schemas.microsoft.com/office/drawing/2010/main" xmlns="" w="9525">
                   <a:solidFill>
                     <a:srgbClr val="000000"/>
                   </a:solidFill>
@@ -1708,7 +1708,7 @@
             </a:ln>
             <a:extLst>
               <a:ext uri="{91240B29-F687-4f45-9708-019B960494DF}">
-                <a14:hiddenLine xmlns="" xmlns:a14="http://schemas.microsoft.com/office/drawing/2010/main" w="9525">
+                <a14:hiddenLine xmlns:a14="http://schemas.microsoft.com/office/drawing/2010/main" xmlns="" w="9525">
                   <a:solidFill>
                     <a:srgbClr val="000000"/>
                   </a:solidFill>
@@ -1764,7 +1764,7 @@
             </a:ln>
             <a:extLst>
               <a:ext uri="{91240B29-F687-4f45-9708-019B960494DF}">
-                <a14:hiddenLine xmlns="" xmlns:a14="http://schemas.microsoft.com/office/drawing/2010/main" w="9525">
+                <a14:hiddenLine xmlns:a14="http://schemas.microsoft.com/office/drawing/2010/main" xmlns="" w="9525">
                   <a:solidFill>
                     <a:srgbClr val="000000"/>
                   </a:solidFill>
@@ -1854,7 +1854,7 @@
             </a:ln>
             <a:extLst>
               <a:ext uri="{91240B29-F687-4f45-9708-019B960494DF}">
-                <a14:hiddenLine xmlns="" xmlns:a14="http://schemas.microsoft.com/office/drawing/2010/main" w="9525">
+                <a14:hiddenLine xmlns:a14="http://schemas.microsoft.com/office/drawing/2010/main" xmlns="" w="9525">
                   <a:solidFill>
                     <a:srgbClr val="000000"/>
                   </a:solidFill>
@@ -1910,7 +1910,7 @@
             </a:ln>
             <a:extLst>
               <a:ext uri="{91240B29-F687-4f45-9708-019B960494DF}">
-                <a14:hiddenLine xmlns="" xmlns:a14="http://schemas.microsoft.com/office/drawing/2010/main" w="9525">
+                <a14:hiddenLine xmlns:a14="http://schemas.microsoft.com/office/drawing/2010/main" xmlns="" w="9525">
                   <a:solidFill>
                     <a:srgbClr val="000000"/>
                   </a:solidFill>
@@ -2000,7 +2000,7 @@
             </a:ln>
             <a:extLst>
               <a:ext uri="{91240B29-F687-4f45-9708-019B960494DF}">
-                <a14:hiddenLine xmlns="" xmlns:a14="http://schemas.microsoft.com/office/drawing/2010/main" w="9525">
+                <a14:hiddenLine xmlns:a14="http://schemas.microsoft.com/office/drawing/2010/main" xmlns="" w="9525">
                   <a:solidFill>
                     <a:srgbClr val="000000"/>
                   </a:solidFill>
@@ -2068,7 +2068,7 @@
             </a:ln>
             <a:extLst>
               <a:ext uri="{91240B29-F687-4f45-9708-019B960494DF}">
-                <a14:hiddenLine xmlns="" xmlns:a14="http://schemas.microsoft.com/office/drawing/2010/main" w="9525">
+                <a14:hiddenLine xmlns:a14="http://schemas.microsoft.com/office/drawing/2010/main" xmlns="" w="9525">
                   <a:solidFill>
                     <a:srgbClr val="000000"/>
                   </a:solidFill>
@@ -2158,7 +2158,7 @@
             </a:ln>
             <a:extLst>
               <a:ext uri="{91240B29-F687-4f45-9708-019B960494DF}">
-                <a14:hiddenLine xmlns="" xmlns:a14="http://schemas.microsoft.com/office/drawing/2010/main" w="9525">
+                <a14:hiddenLine xmlns:a14="http://schemas.microsoft.com/office/drawing/2010/main" xmlns="" w="9525">
                   <a:solidFill>
                     <a:srgbClr val="000000"/>
                   </a:solidFill>
@@ -2226,7 +2226,7 @@
             </a:ln>
             <a:extLst>
               <a:ext uri="{91240B29-F687-4f45-9708-019B960494DF}">
-                <a14:hiddenLine xmlns="" xmlns:a14="http://schemas.microsoft.com/office/drawing/2010/main" w="9525">
+                <a14:hiddenLine xmlns:a14="http://schemas.microsoft.com/office/drawing/2010/main" xmlns="" w="9525">
                   <a:solidFill>
                     <a:srgbClr val="000000"/>
                   </a:solidFill>
@@ -2316,7 +2316,7 @@
             </a:ln>
             <a:extLst>
               <a:ext uri="{91240B29-F687-4f45-9708-019B960494DF}">
-                <a14:hiddenLine xmlns="" xmlns:a14="http://schemas.microsoft.com/office/drawing/2010/main" w="9525">
+                <a14:hiddenLine xmlns:a14="http://schemas.microsoft.com/office/drawing/2010/main" xmlns="" w="9525">
                   <a:solidFill>
                     <a:srgbClr val="000000"/>
                   </a:solidFill>
@@ -2350,7 +2350,7 @@
             </a:ln>
             <a:extLst>
               <a:ext uri="{91240B29-F687-4f45-9708-019B960494DF}">
-                <a14:hiddenLine xmlns="" xmlns:a14="http://schemas.microsoft.com/office/drawing/2010/main" w="9525">
+                <a14:hiddenLine xmlns:a14="http://schemas.microsoft.com/office/drawing/2010/main" xmlns="" w="9525">
                   <a:solidFill>
                     <a:srgbClr val="000000"/>
                   </a:solidFill>
@@ -2440,7 +2440,7 @@
             </a:ln>
             <a:extLst>
               <a:ext uri="{91240B29-F687-4f45-9708-019B960494DF}">
-                <a14:hiddenLine xmlns="" xmlns:a14="http://schemas.microsoft.com/office/drawing/2010/main" w="9525">
+                <a14:hiddenLine xmlns:a14="http://schemas.microsoft.com/office/drawing/2010/main" xmlns="" w="9525">
                   <a:solidFill>
                     <a:srgbClr val="000000"/>
                   </a:solidFill>
@@ -2502,7 +2502,7 @@
             </a:ln>
             <a:extLst>
               <a:ext uri="{91240B29-F687-4f45-9708-019B960494DF}">
-                <a14:hiddenLine xmlns="" xmlns:a14="http://schemas.microsoft.com/office/drawing/2010/main" w="9525">
+                <a14:hiddenLine xmlns:a14="http://schemas.microsoft.com/office/drawing/2010/main" xmlns="" w="9525">
                   <a:solidFill>
                     <a:srgbClr val="000000"/>
                   </a:solidFill>
@@ -2564,7 +2564,7 @@
             </a:ln>
             <a:extLst>
               <a:ext uri="{91240B29-F687-4f45-9708-019B960494DF}">
-                <a14:hiddenLine xmlns="" xmlns:a14="http://schemas.microsoft.com/office/drawing/2010/main" w="9525">
+                <a14:hiddenLine xmlns:a14="http://schemas.microsoft.com/office/drawing/2010/main" xmlns="" w="9525">
                   <a:solidFill>
                     <a:srgbClr val="000000"/>
                   </a:solidFill>
@@ -2654,7 +2654,7 @@
             </a:ln>
             <a:extLst>
               <a:ext uri="{91240B29-F687-4f45-9708-019B960494DF}">
-                <a14:hiddenLine xmlns="" xmlns:a14="http://schemas.microsoft.com/office/drawing/2010/main" w="9525">
+                <a14:hiddenLine xmlns:a14="http://schemas.microsoft.com/office/drawing/2010/main" xmlns="" w="9525">
                   <a:solidFill>
                     <a:srgbClr val="000000"/>
                   </a:solidFill>
@@ -2722,7 +2722,7 @@
             </a:ln>
             <a:extLst>
               <a:ext uri="{91240B29-F687-4f45-9708-019B960494DF}">
-                <a14:hiddenLine xmlns="" xmlns:a14="http://schemas.microsoft.com/office/drawing/2010/main" w="9525">
+                <a14:hiddenLine xmlns:a14="http://schemas.microsoft.com/office/drawing/2010/main" xmlns="" w="9525">
                   <a:solidFill>
                     <a:srgbClr val="000000"/>
                   </a:solidFill>
@@ -2784,7 +2784,7 @@
             </a:ln>
             <a:extLst>
               <a:ext uri="{91240B29-F687-4f45-9708-019B960494DF}">
-                <a14:hiddenLine xmlns="" xmlns:a14="http://schemas.microsoft.com/office/drawing/2010/main" w="9525">
+                <a14:hiddenLine xmlns:a14="http://schemas.microsoft.com/office/drawing/2010/main" xmlns="" w="9525">
                   <a:solidFill>
                     <a:srgbClr val="000000"/>
                   </a:solidFill>
@@ -2874,7 +2874,7 @@
             </a:ln>
             <a:extLst>
               <a:ext uri="{91240B29-F687-4f45-9708-019B960494DF}">
-                <a14:hiddenLine xmlns="" xmlns:a14="http://schemas.microsoft.com/office/drawing/2010/main" w="9525">
+                <a14:hiddenLine xmlns:a14="http://schemas.microsoft.com/office/drawing/2010/main" xmlns="" w="9525">
                   <a:solidFill>
                     <a:srgbClr val="000000"/>
                   </a:solidFill>
@@ -2936,7 +2936,7 @@
             </a:ln>
             <a:extLst>
               <a:ext uri="{91240B29-F687-4f45-9708-019B960494DF}">
-                <a14:hiddenLine xmlns="" xmlns:a14="http://schemas.microsoft.com/office/drawing/2010/main" w="9525">
+                <a14:hiddenLine xmlns:a14="http://schemas.microsoft.com/office/drawing/2010/main" xmlns="" w="9525">
                   <a:solidFill>
                     <a:srgbClr val="000000"/>
                   </a:solidFill>
@@ -3026,7 +3026,7 @@
             </a:ln>
             <a:extLst>
               <a:ext uri="{91240B29-F687-4f45-9708-019B960494DF}">
-                <a14:hiddenLine xmlns="" xmlns:a14="http://schemas.microsoft.com/office/drawing/2010/main" w="9525">
+                <a14:hiddenLine xmlns:a14="http://schemas.microsoft.com/office/drawing/2010/main" xmlns="" w="9525">
                   <a:solidFill>
                     <a:srgbClr val="000000"/>
                   </a:solidFill>
@@ -3088,7 +3088,7 @@
             </a:ln>
             <a:extLst>
               <a:ext uri="{91240B29-F687-4f45-9708-019B960494DF}">
-                <a14:hiddenLine xmlns="" xmlns:a14="http://schemas.microsoft.com/office/drawing/2010/main" w="9525">
+                <a14:hiddenLine xmlns:a14="http://schemas.microsoft.com/office/drawing/2010/main" xmlns="" w="9525">
                   <a:solidFill>
                     <a:srgbClr val="000000"/>
                   </a:solidFill>
@@ -3178,7 +3178,7 @@
             </a:ln>
             <a:extLst>
               <a:ext uri="{91240B29-F687-4f45-9708-019B960494DF}">
-                <a14:hiddenLine xmlns="" xmlns:a14="http://schemas.microsoft.com/office/drawing/2010/main" w="9525">
+                <a14:hiddenLine xmlns:a14="http://schemas.microsoft.com/office/drawing/2010/main" xmlns="" w="9525">
                   <a:solidFill>
                     <a:srgbClr val="000000"/>
                   </a:solidFill>
@@ -3212,7 +3212,7 @@
             </a:ln>
             <a:extLst>
               <a:ext uri="{91240B29-F687-4f45-9708-019B960494DF}">
-                <a14:hiddenLine xmlns="" xmlns:a14="http://schemas.microsoft.com/office/drawing/2010/main" w="9525">
+                <a14:hiddenLine xmlns:a14="http://schemas.microsoft.com/office/drawing/2010/main" xmlns="" w="9525">
                   <a:solidFill>
                     <a:srgbClr val="000000"/>
                   </a:solidFill>
@@ -3277,7 +3277,7 @@
             </a:ln>
             <a:extLst>
               <a:ext uri="{91240B29-F687-4f45-9708-019B960494DF}">
-                <a14:hiddenLine xmlns="" xmlns:a14="http://schemas.microsoft.com/office/drawing/2010/main" w="9525">
+                <a14:hiddenLine xmlns:a14="http://schemas.microsoft.com/office/drawing/2010/main" xmlns="" w="9525">
                   <a:solidFill>
                     <a:srgbClr val="000000"/>
                   </a:solidFill>
@@ -3367,7 +3367,7 @@
             </a:ln>
             <a:extLst>
               <a:ext uri="{91240B29-F687-4f45-9708-019B960494DF}">
-                <a14:hiddenLine xmlns="" xmlns:a14="http://schemas.microsoft.com/office/drawing/2010/main" w="9525">
+                <a14:hiddenLine xmlns:a14="http://schemas.microsoft.com/office/drawing/2010/main" xmlns="" w="9525">
                   <a:solidFill>
                     <a:srgbClr val="000000"/>
                   </a:solidFill>
@@ -3429,7 +3429,7 @@
             </a:ln>
             <a:extLst>
               <a:ext uri="{91240B29-F687-4f45-9708-019B960494DF}">
-                <a14:hiddenLine xmlns="" xmlns:a14="http://schemas.microsoft.com/office/drawing/2010/main" w="9525">
+                <a14:hiddenLine xmlns:a14="http://schemas.microsoft.com/office/drawing/2010/main" xmlns="" w="9525">
                   <a:solidFill>
                     <a:srgbClr val="000000"/>
                   </a:solidFill>
@@ -3519,7 +3519,7 @@
             </a:ln>
             <a:extLst>
               <a:ext uri="{91240B29-F687-4f45-9708-019B960494DF}">
-                <a14:hiddenLine xmlns="" xmlns:a14="http://schemas.microsoft.com/office/drawing/2010/main" w="9525">
+                <a14:hiddenLine xmlns:a14="http://schemas.microsoft.com/office/drawing/2010/main" xmlns="" w="9525">
                   <a:solidFill>
                     <a:srgbClr val="000000"/>
                   </a:solidFill>
@@ -3609,7 +3609,7 @@
             </a:ln>
             <a:extLst>
               <a:ext uri="{91240B29-F687-4f45-9708-019B960494DF}">
-                <a14:hiddenLine xmlns="" xmlns:a14="http://schemas.microsoft.com/office/drawing/2010/main" w="9525">
+                <a14:hiddenLine xmlns:a14="http://schemas.microsoft.com/office/drawing/2010/main" xmlns="" w="9525">
                   <a:solidFill>
                     <a:srgbClr val="000000"/>
                   </a:solidFill>
@@ -3674,7 +3674,7 @@
             </a:ln>
             <a:extLst>
               <a:ext uri="{91240B29-F687-4f45-9708-019B960494DF}">
-                <a14:hiddenLine xmlns="" xmlns:a14="http://schemas.microsoft.com/office/drawing/2010/main" w="9525">
+                <a14:hiddenLine xmlns:a14="http://schemas.microsoft.com/office/drawing/2010/main" xmlns="" w="9525">
                   <a:solidFill>
                     <a:srgbClr val="000000"/>
                   </a:solidFill>
@@ -3736,7 +3736,7 @@
             </a:ln>
             <a:extLst>
               <a:ext uri="{91240B29-F687-4f45-9708-019B960494DF}">
-                <a14:hiddenLine xmlns="" xmlns:a14="http://schemas.microsoft.com/office/drawing/2010/main" w="9525">
+                <a14:hiddenLine xmlns:a14="http://schemas.microsoft.com/office/drawing/2010/main" xmlns="" w="9525">
                   <a:solidFill>
                     <a:srgbClr val="000000"/>
                   </a:solidFill>
@@ -3826,7 +3826,7 @@
             </a:ln>
             <a:extLst>
               <a:ext uri="{91240B29-F687-4f45-9708-019B960494DF}">
-                <a14:hiddenLine xmlns="" xmlns:a14="http://schemas.microsoft.com/office/drawing/2010/main" w="9525">
+                <a14:hiddenLine xmlns:a14="http://schemas.microsoft.com/office/drawing/2010/main" xmlns="" w="9525">
                   <a:solidFill>
                     <a:srgbClr val="000000"/>
                   </a:solidFill>
@@ -3916,7 +3916,7 @@
             </a:ln>
             <a:extLst>
               <a:ext uri="{91240B29-F687-4f45-9708-019B960494DF}">
-                <a14:hiddenLine xmlns="" xmlns:a14="http://schemas.microsoft.com/office/drawing/2010/main" w="9525">
+                <a14:hiddenLine xmlns:a14="http://schemas.microsoft.com/office/drawing/2010/main" xmlns="" w="9525">
                   <a:solidFill>
                     <a:srgbClr val="000000"/>
                   </a:solidFill>
@@ -3978,7 +3978,7 @@
             </a:ln>
             <a:extLst>
               <a:ext uri="{91240B29-F687-4f45-9708-019B960494DF}">
-                <a14:hiddenLine xmlns="" xmlns:a14="http://schemas.microsoft.com/office/drawing/2010/main" w="9525">
+                <a14:hiddenLine xmlns:a14="http://schemas.microsoft.com/office/drawing/2010/main" xmlns="" w="9525">
                   <a:solidFill>
                     <a:srgbClr val="000000"/>
                   </a:solidFill>
@@ -4098,7 +4098,7 @@
             </a:ln>
             <a:extLst>
               <a:ext uri="{91240B29-F687-4f45-9708-019B960494DF}">
-                <a14:hiddenLine xmlns="" xmlns:a14="http://schemas.microsoft.com/office/drawing/2010/main" w="9525">
+                <a14:hiddenLine xmlns:a14="http://schemas.microsoft.com/office/drawing/2010/main" xmlns="" w="9525">
                   <a:solidFill>
                     <a:srgbClr val="000000"/>
                   </a:solidFill>
@@ -4166,7 +4166,7 @@
             </a:ln>
             <a:extLst>
               <a:ext uri="{91240B29-F687-4f45-9708-019B960494DF}">
-                <a14:hiddenLine xmlns="" xmlns:a14="http://schemas.microsoft.com/office/drawing/2010/main" w="9525">
+                <a14:hiddenLine xmlns:a14="http://schemas.microsoft.com/office/drawing/2010/main" xmlns="" w="9525">
                   <a:solidFill>
                     <a:srgbClr val="000000"/>
                   </a:solidFill>
@@ -4256,7 +4256,7 @@
             </a:ln>
             <a:extLst>
               <a:ext uri="{91240B29-F687-4f45-9708-019B960494DF}">
-                <a14:hiddenLine xmlns="" xmlns:a14="http://schemas.microsoft.com/office/drawing/2010/main" w="9525">
+                <a14:hiddenLine xmlns:a14="http://schemas.microsoft.com/office/drawing/2010/main" xmlns="" w="9525">
                   <a:solidFill>
                     <a:srgbClr val="000000"/>
                   </a:solidFill>
@@ -4396,7 +4396,7 @@
           <a:p>
             <a:fld id="{DBFB03AA-6361-4CA4-9C2A-B9A8C3B8A834}" type="datetimeFigureOut">
               <a:rPr lang="cs-CZ" smtClean="0"/>
-              <a:t>15.01.2023</a:t>
+              <a:t>16.01.2023</a:t>
             </a:fld>
             <a:endParaRPr lang="cs-CZ"/>
           </a:p>
@@ -4663,7 +4663,7 @@
           <a:p>
             <a:fld id="{DBFB03AA-6361-4CA4-9C2A-B9A8C3B8A834}" type="datetimeFigureOut">
               <a:rPr lang="cs-CZ" smtClean="0"/>
-              <a:t>15.01.2023</a:t>
+              <a:t>16.01.2023</a:t>
             </a:fld>
             <a:endParaRPr lang="cs-CZ"/>
           </a:p>
@@ -4859,7 +4859,7 @@
           <a:p>
             <a:fld id="{DBFB03AA-6361-4CA4-9C2A-B9A8C3B8A834}" type="datetimeFigureOut">
               <a:rPr lang="cs-CZ" smtClean="0"/>
-              <a:t>15.01.2023</a:t>
+              <a:t>16.01.2023</a:t>
             </a:fld>
             <a:endParaRPr lang="cs-CZ"/>
           </a:p>
@@ -5122,7 +5122,7 @@
           <a:p>
             <a:fld id="{DBFB03AA-6361-4CA4-9C2A-B9A8C3B8A834}" type="datetimeFigureOut">
               <a:rPr lang="cs-CZ" smtClean="0"/>
-              <a:t>15.01.2023</a:t>
+              <a:t>16.01.2023</a:t>
             </a:fld>
             <a:endParaRPr lang="cs-CZ"/>
           </a:p>
@@ -5556,7 +5556,7 @@
           <a:p>
             <a:fld id="{DBFB03AA-6361-4CA4-9C2A-B9A8C3B8A834}" type="datetimeFigureOut">
               <a:rPr lang="cs-CZ" smtClean="0"/>
-              <a:t>15.01.2023</a:t>
+              <a:t>16.01.2023</a:t>
             </a:fld>
             <a:endParaRPr lang="cs-CZ"/>
           </a:p>
@@ -6102,7 +6102,7 @@
           <a:p>
             <a:fld id="{DBFB03AA-6361-4CA4-9C2A-B9A8C3B8A834}" type="datetimeFigureOut">
               <a:rPr lang="cs-CZ" smtClean="0"/>
-              <a:t>15.01.2023</a:t>
+              <a:t>16.01.2023</a:t>
             </a:fld>
             <a:endParaRPr lang="cs-CZ"/>
           </a:p>
@@ -6822,7 +6822,7 @@
           <a:p>
             <a:fld id="{DBFB03AA-6361-4CA4-9C2A-B9A8C3B8A834}" type="datetimeFigureOut">
               <a:rPr lang="cs-CZ" smtClean="0"/>
-              <a:t>15.01.2023</a:t>
+              <a:t>16.01.2023</a:t>
             </a:fld>
             <a:endParaRPr lang="cs-CZ"/>
           </a:p>
@@ -6992,7 +6992,7 @@
           <a:p>
             <a:fld id="{DBFB03AA-6361-4CA4-9C2A-B9A8C3B8A834}" type="datetimeFigureOut">
               <a:rPr lang="cs-CZ" smtClean="0"/>
-              <a:t>15.01.2023</a:t>
+              <a:t>16.01.2023</a:t>
             </a:fld>
             <a:endParaRPr lang="cs-CZ"/>
           </a:p>
@@ -7172,7 +7172,7 @@
           <a:p>
             <a:fld id="{DBFB03AA-6361-4CA4-9C2A-B9A8C3B8A834}" type="datetimeFigureOut">
               <a:rPr lang="cs-CZ" smtClean="0"/>
-              <a:t>15.01.2023</a:t>
+              <a:t>16.01.2023</a:t>
             </a:fld>
             <a:endParaRPr lang="cs-CZ"/>
           </a:p>
@@ -7342,7 +7342,7 @@
           <a:p>
             <a:fld id="{DBFB03AA-6361-4CA4-9C2A-B9A8C3B8A834}" type="datetimeFigureOut">
               <a:rPr lang="cs-CZ" smtClean="0"/>
-              <a:t>15.01.2023</a:t>
+              <a:t>16.01.2023</a:t>
             </a:fld>
             <a:endParaRPr lang="cs-CZ"/>
           </a:p>
@@ -7592,7 +7592,7 @@
           <a:p>
             <a:fld id="{DBFB03AA-6361-4CA4-9C2A-B9A8C3B8A834}" type="datetimeFigureOut">
               <a:rPr lang="cs-CZ" smtClean="0"/>
-              <a:t>15.01.2023</a:t>
+              <a:t>16.01.2023</a:t>
             </a:fld>
             <a:endParaRPr lang="cs-CZ"/>
           </a:p>
@@ -7824,7 +7824,7 @@
           <a:p>
             <a:fld id="{DBFB03AA-6361-4CA4-9C2A-B9A8C3B8A834}" type="datetimeFigureOut">
               <a:rPr lang="cs-CZ" smtClean="0"/>
-              <a:t>15.01.2023</a:t>
+              <a:t>16.01.2023</a:t>
             </a:fld>
             <a:endParaRPr lang="cs-CZ"/>
           </a:p>
@@ -8205,7 +8205,7 @@
           <a:p>
             <a:fld id="{DBFB03AA-6361-4CA4-9C2A-B9A8C3B8A834}" type="datetimeFigureOut">
               <a:rPr lang="cs-CZ" smtClean="0"/>
-              <a:t>15.01.2023</a:t>
+              <a:t>16.01.2023</a:t>
             </a:fld>
             <a:endParaRPr lang="cs-CZ"/>
           </a:p>
@@ -8323,7 +8323,7 @@
           <a:p>
             <a:fld id="{DBFB03AA-6361-4CA4-9C2A-B9A8C3B8A834}" type="datetimeFigureOut">
               <a:rPr lang="cs-CZ" smtClean="0"/>
-              <a:t>15.01.2023</a:t>
+              <a:t>16.01.2023</a:t>
             </a:fld>
             <a:endParaRPr lang="cs-CZ"/>
           </a:p>
@@ -8418,7 +8418,7 @@
           <a:p>
             <a:fld id="{DBFB03AA-6361-4CA4-9C2A-B9A8C3B8A834}" type="datetimeFigureOut">
               <a:rPr lang="cs-CZ" smtClean="0"/>
-              <a:t>15.01.2023</a:t>
+              <a:t>16.01.2023</a:t>
             </a:fld>
             <a:endParaRPr lang="cs-CZ"/>
           </a:p>
@@ -8667,7 +8667,7 @@
           <a:p>
             <a:fld id="{DBFB03AA-6361-4CA4-9C2A-B9A8C3B8A834}" type="datetimeFigureOut">
               <a:rPr lang="cs-CZ" smtClean="0"/>
-              <a:t>15.01.2023</a:t>
+              <a:t>16.01.2023</a:t>
             </a:fld>
             <a:endParaRPr lang="cs-CZ"/>
           </a:p>
@@ -8947,7 +8947,7 @@
           <a:p>
             <a:fld id="{DBFB03AA-6361-4CA4-9C2A-B9A8C3B8A834}" type="datetimeFigureOut">
               <a:rPr lang="cs-CZ" smtClean="0"/>
-              <a:t>15.01.2023</a:t>
+              <a:t>16.01.2023</a:t>
             </a:fld>
             <a:endParaRPr lang="cs-CZ"/>
           </a:p>
@@ -9063,7 +9063,7 @@
           <a:noFill/>
           <a:extLst>
             <a:ext uri="{909E8E84-426E-40dd-AFC4-6F175D3DCCD1}">
-              <a14:hiddenFill xmlns="" xmlns:a14="http://schemas.microsoft.com/office/drawing/2010/main">
+              <a14:hiddenFill xmlns:a14="http://schemas.microsoft.com/office/drawing/2010/main" xmlns="">
                 <a:solidFill>
                   <a:srgbClr val="FFFFFF"/>
                 </a:solidFill>
@@ -9137,7 +9137,7 @@
               </a:ln>
               <a:extLst>
                 <a:ext uri="{91240B29-F687-4f45-9708-019B960494DF}">
-                  <a14:hiddenLine xmlns="" xmlns:a14="http://schemas.microsoft.com/office/drawing/2010/main" w="9525">
+                  <a14:hiddenLine xmlns:a14="http://schemas.microsoft.com/office/drawing/2010/main" xmlns="" w="9525">
                     <a:solidFill>
                       <a:srgbClr val="000000"/>
                     </a:solidFill>
@@ -9227,7 +9227,7 @@
               </a:ln>
               <a:extLst>
                 <a:ext uri="{91240B29-F687-4f45-9708-019B960494DF}">
-                  <a14:hiddenLine xmlns="" xmlns:a14="http://schemas.microsoft.com/office/drawing/2010/main" w="9525">
+                  <a14:hiddenLine xmlns:a14="http://schemas.microsoft.com/office/drawing/2010/main" xmlns="" w="9525">
                     <a:solidFill>
                       <a:srgbClr val="000000"/>
                     </a:solidFill>
@@ -9317,7 +9317,7 @@
               </a:ln>
               <a:extLst>
                 <a:ext uri="{91240B29-F687-4f45-9708-019B960494DF}">
-                  <a14:hiddenLine xmlns="" xmlns:a14="http://schemas.microsoft.com/office/drawing/2010/main" w="9525">
+                  <a14:hiddenLine xmlns:a14="http://schemas.microsoft.com/office/drawing/2010/main" xmlns="" w="9525">
                     <a:solidFill>
                       <a:srgbClr val="000000"/>
                     </a:solidFill>
@@ -9379,7 +9379,7 @@
               </a:ln>
               <a:extLst>
                 <a:ext uri="{91240B29-F687-4f45-9708-019B960494DF}">
-                  <a14:hiddenLine xmlns="" xmlns:a14="http://schemas.microsoft.com/office/drawing/2010/main" w="9525">
+                  <a14:hiddenLine xmlns:a14="http://schemas.microsoft.com/office/drawing/2010/main" xmlns="" w="9525">
                     <a:solidFill>
                       <a:srgbClr val="000000"/>
                     </a:solidFill>
@@ -9469,7 +9469,7 @@
               </a:ln>
               <a:extLst>
                 <a:ext uri="{91240B29-F687-4f45-9708-019B960494DF}">
-                  <a14:hiddenLine xmlns="" xmlns:a14="http://schemas.microsoft.com/office/drawing/2010/main" w="9525">
+                  <a14:hiddenLine xmlns:a14="http://schemas.microsoft.com/office/drawing/2010/main" xmlns="" w="9525">
                     <a:solidFill>
                       <a:srgbClr val="000000"/>
                     </a:solidFill>
@@ -9531,7 +9531,7 @@
               </a:ln>
               <a:extLst>
                 <a:ext uri="{91240B29-F687-4f45-9708-019B960494DF}">
-                  <a14:hiddenLine xmlns="" xmlns:a14="http://schemas.microsoft.com/office/drawing/2010/main" w="9525">
+                  <a14:hiddenLine xmlns:a14="http://schemas.microsoft.com/office/drawing/2010/main" xmlns="" w="9525">
                     <a:solidFill>
                       <a:srgbClr val="000000"/>
                     </a:solidFill>
@@ -9593,7 +9593,7 @@
               </a:ln>
               <a:extLst>
                 <a:ext uri="{91240B29-F687-4f45-9708-019B960494DF}">
-                  <a14:hiddenLine xmlns="" xmlns:a14="http://schemas.microsoft.com/office/drawing/2010/main" w="9525">
+                  <a14:hiddenLine xmlns:a14="http://schemas.microsoft.com/office/drawing/2010/main" xmlns="" w="9525">
                     <a:solidFill>
                       <a:srgbClr val="000000"/>
                     </a:solidFill>
@@ -9683,7 +9683,7 @@
               </a:ln>
               <a:extLst>
                 <a:ext uri="{91240B29-F687-4f45-9708-019B960494DF}">
-                  <a14:hiddenLine xmlns="" xmlns:a14="http://schemas.microsoft.com/office/drawing/2010/main" w="9525">
+                  <a14:hiddenLine xmlns:a14="http://schemas.microsoft.com/office/drawing/2010/main" xmlns="" w="9525">
                     <a:solidFill>
                       <a:srgbClr val="000000"/>
                     </a:solidFill>
@@ -9773,7 +9773,7 @@
               </a:ln>
               <a:extLst>
                 <a:ext uri="{91240B29-F687-4f45-9708-019B960494DF}">
-                  <a14:hiddenLine xmlns="" xmlns:a14="http://schemas.microsoft.com/office/drawing/2010/main" w="9525">
+                  <a14:hiddenLine xmlns:a14="http://schemas.microsoft.com/office/drawing/2010/main" xmlns="" w="9525">
                     <a:solidFill>
                       <a:srgbClr val="000000"/>
                     </a:solidFill>
@@ -9835,7 +9835,7 @@
               </a:ln>
               <a:extLst>
                 <a:ext uri="{91240B29-F687-4f45-9708-019B960494DF}">
-                  <a14:hiddenLine xmlns="" xmlns:a14="http://schemas.microsoft.com/office/drawing/2010/main" w="9525">
+                  <a14:hiddenLine xmlns:a14="http://schemas.microsoft.com/office/drawing/2010/main" xmlns="" w="9525">
                     <a:solidFill>
                       <a:srgbClr val="000000"/>
                     </a:solidFill>
@@ -9945,7 +9945,7 @@
               </a:ln>
               <a:extLst>
                 <a:ext uri="{91240B29-F687-4f45-9708-019B960494DF}">
-                  <a14:hiddenLine xmlns="" xmlns:a14="http://schemas.microsoft.com/office/drawing/2010/main" w="9525">
+                  <a14:hiddenLine xmlns:a14="http://schemas.microsoft.com/office/drawing/2010/main" xmlns="" w="9525">
                     <a:solidFill>
                       <a:srgbClr val="000000"/>
                     </a:solidFill>
@@ -10029,7 +10029,7 @@
               </a:ln>
               <a:extLst>
                 <a:ext uri="{91240B29-F687-4f45-9708-019B960494DF}">
-                  <a14:hiddenLine xmlns="" xmlns:a14="http://schemas.microsoft.com/office/drawing/2010/main" w="9525">
+                  <a14:hiddenLine xmlns:a14="http://schemas.microsoft.com/office/drawing/2010/main" xmlns="" w="9525">
                     <a:solidFill>
                       <a:srgbClr val="000000"/>
                     </a:solidFill>
@@ -10091,7 +10091,7 @@
               </a:ln>
               <a:extLst>
                 <a:ext uri="{91240B29-F687-4f45-9708-019B960494DF}">
-                  <a14:hiddenLine xmlns="" xmlns:a14="http://schemas.microsoft.com/office/drawing/2010/main" w="9525">
+                  <a14:hiddenLine xmlns:a14="http://schemas.microsoft.com/office/drawing/2010/main" xmlns="" w="9525">
                     <a:solidFill>
                       <a:srgbClr val="000000"/>
                     </a:solidFill>
@@ -10153,7 +10153,7 @@
               </a:ln>
               <a:extLst>
                 <a:ext uri="{91240B29-F687-4f45-9708-019B960494DF}">
-                  <a14:hiddenLine xmlns="" xmlns:a14="http://schemas.microsoft.com/office/drawing/2010/main" w="9525">
+                  <a14:hiddenLine xmlns:a14="http://schemas.microsoft.com/office/drawing/2010/main" xmlns="" w="9525">
                     <a:solidFill>
                       <a:srgbClr val="000000"/>
                     </a:solidFill>
@@ -10243,7 +10243,7 @@
               </a:ln>
               <a:extLst>
                 <a:ext uri="{91240B29-F687-4f45-9708-019B960494DF}">
-                  <a14:hiddenLine xmlns="" xmlns:a14="http://schemas.microsoft.com/office/drawing/2010/main" w="9525">
+                  <a14:hiddenLine xmlns:a14="http://schemas.microsoft.com/office/drawing/2010/main" xmlns="" w="9525">
                     <a:solidFill>
                       <a:srgbClr val="000000"/>
                     </a:solidFill>
@@ -10277,7 +10277,7 @@
               </a:ln>
               <a:extLst>
                 <a:ext uri="{91240B29-F687-4f45-9708-019B960494DF}">
-                  <a14:hiddenLine xmlns="" xmlns:a14="http://schemas.microsoft.com/office/drawing/2010/main" w="9525">
+                  <a14:hiddenLine xmlns:a14="http://schemas.microsoft.com/office/drawing/2010/main" xmlns="" w="9525">
                     <a:solidFill>
                       <a:srgbClr val="000000"/>
                     </a:solidFill>
@@ -10342,7 +10342,7 @@
               </a:ln>
               <a:extLst>
                 <a:ext uri="{91240B29-F687-4f45-9708-019B960494DF}">
-                  <a14:hiddenLine xmlns="" xmlns:a14="http://schemas.microsoft.com/office/drawing/2010/main" w="9525">
+                  <a14:hiddenLine xmlns:a14="http://schemas.microsoft.com/office/drawing/2010/main" xmlns="" w="9525">
                     <a:solidFill>
                       <a:srgbClr val="000000"/>
                     </a:solidFill>
@@ -10432,7 +10432,7 @@
               </a:ln>
               <a:extLst>
                 <a:ext uri="{91240B29-F687-4f45-9708-019B960494DF}">
-                  <a14:hiddenLine xmlns="" xmlns:a14="http://schemas.microsoft.com/office/drawing/2010/main" w="9525">
+                  <a14:hiddenLine xmlns:a14="http://schemas.microsoft.com/office/drawing/2010/main" xmlns="" w="9525">
                     <a:solidFill>
                       <a:srgbClr val="000000"/>
                     </a:solidFill>
@@ -10494,7 +10494,7 @@
               </a:ln>
               <a:extLst>
                 <a:ext uri="{91240B29-F687-4f45-9708-019B960494DF}">
-                  <a14:hiddenLine xmlns="" xmlns:a14="http://schemas.microsoft.com/office/drawing/2010/main" w="9525">
+                  <a14:hiddenLine xmlns:a14="http://schemas.microsoft.com/office/drawing/2010/main" xmlns="" w="9525">
                     <a:solidFill>
                       <a:srgbClr val="000000"/>
                     </a:solidFill>
@@ -10584,7 +10584,7 @@
               </a:ln>
               <a:extLst>
                 <a:ext uri="{91240B29-F687-4f45-9708-019B960494DF}">
-                  <a14:hiddenLine xmlns="" xmlns:a14="http://schemas.microsoft.com/office/drawing/2010/main" w="9525">
+                  <a14:hiddenLine xmlns:a14="http://schemas.microsoft.com/office/drawing/2010/main" xmlns="" w="9525">
                     <a:solidFill>
                       <a:srgbClr val="000000"/>
                     </a:solidFill>
@@ -10649,7 +10649,7 @@
               </a:ln>
               <a:extLst>
                 <a:ext uri="{91240B29-F687-4f45-9708-019B960494DF}">
-                  <a14:hiddenLine xmlns="" xmlns:a14="http://schemas.microsoft.com/office/drawing/2010/main" w="9525">
+                  <a14:hiddenLine xmlns:a14="http://schemas.microsoft.com/office/drawing/2010/main" xmlns="" w="9525">
                     <a:solidFill>
                       <a:srgbClr val="000000"/>
                     </a:solidFill>
@@ -10711,7 +10711,7 @@
               </a:ln>
               <a:extLst>
                 <a:ext uri="{91240B29-F687-4f45-9708-019B960494DF}">
-                  <a14:hiddenLine xmlns="" xmlns:a14="http://schemas.microsoft.com/office/drawing/2010/main" w="9525">
+                  <a14:hiddenLine xmlns:a14="http://schemas.microsoft.com/office/drawing/2010/main" xmlns="" w="9525">
                     <a:solidFill>
                       <a:srgbClr val="000000"/>
                     </a:solidFill>
@@ -10801,7 +10801,7 @@
               </a:ln>
               <a:extLst>
                 <a:ext uri="{91240B29-F687-4f45-9708-019B960494DF}">
-                  <a14:hiddenLine xmlns="" xmlns:a14="http://schemas.microsoft.com/office/drawing/2010/main" w="9525">
+                  <a14:hiddenLine xmlns:a14="http://schemas.microsoft.com/office/drawing/2010/main" xmlns="" w="9525">
                     <a:solidFill>
                       <a:srgbClr val="000000"/>
                     </a:solidFill>
@@ -10891,7 +10891,7 @@
               </a:ln>
               <a:extLst>
                 <a:ext uri="{91240B29-F687-4f45-9708-019B960494DF}">
-                  <a14:hiddenLine xmlns="" xmlns:a14="http://schemas.microsoft.com/office/drawing/2010/main" w="9525">
+                  <a14:hiddenLine xmlns:a14="http://schemas.microsoft.com/office/drawing/2010/main" xmlns="" w="9525">
                     <a:solidFill>
                       <a:srgbClr val="000000"/>
                     </a:solidFill>
@@ -10956,7 +10956,7 @@
               </a:ln>
               <a:extLst>
                 <a:ext uri="{91240B29-F687-4f45-9708-019B960494DF}">
-                  <a14:hiddenLine xmlns="" xmlns:a14="http://schemas.microsoft.com/office/drawing/2010/main" w="9525">
+                  <a14:hiddenLine xmlns:a14="http://schemas.microsoft.com/office/drawing/2010/main" xmlns="" w="9525">
                     <a:solidFill>
                       <a:srgbClr val="000000"/>
                     </a:solidFill>
@@ -11076,7 +11076,7 @@
               </a:ln>
               <a:extLst>
                 <a:ext uri="{91240B29-F687-4f45-9708-019B960494DF}">
-                  <a14:hiddenLine xmlns="" xmlns:a14="http://schemas.microsoft.com/office/drawing/2010/main" w="9525">
+                  <a14:hiddenLine xmlns:a14="http://schemas.microsoft.com/office/drawing/2010/main" xmlns="" w="9525">
                     <a:solidFill>
                       <a:srgbClr val="000000"/>
                     </a:solidFill>
@@ -11174,7 +11174,7 @@
               </a:ln>
               <a:extLst>
                 <a:ext uri="{91240B29-F687-4f45-9708-019B960494DF}">
-                  <a14:hiddenLine xmlns="" xmlns:a14="http://schemas.microsoft.com/office/drawing/2010/main" w="9525">
+                  <a14:hiddenLine xmlns:a14="http://schemas.microsoft.com/office/drawing/2010/main" xmlns="" w="9525">
                     <a:solidFill>
                       <a:srgbClr val="000000"/>
                     </a:solidFill>
@@ -11289,7 +11289,7 @@
               </a:ln>
               <a:extLst>
                 <a:ext uri="{91240B29-F687-4f45-9708-019B960494DF}">
-                  <a14:hiddenLine xmlns="" xmlns:a14="http://schemas.microsoft.com/office/drawing/2010/main" w="9525">
+                  <a14:hiddenLine xmlns:a14="http://schemas.microsoft.com/office/drawing/2010/main" xmlns="" w="9525">
                     <a:solidFill>
                       <a:srgbClr val="000000"/>
                     </a:solidFill>
@@ -11379,7 +11379,7 @@
               </a:ln>
               <a:extLst>
                 <a:ext uri="{91240B29-F687-4f45-9708-019B960494DF}">
-                  <a14:hiddenLine xmlns="" xmlns:a14="http://schemas.microsoft.com/office/drawing/2010/main" w="9525">
+                  <a14:hiddenLine xmlns:a14="http://schemas.microsoft.com/office/drawing/2010/main" xmlns="" w="9525">
                     <a:solidFill>
                       <a:srgbClr val="000000"/>
                     </a:solidFill>
@@ -11444,7 +11444,7 @@
               </a:ln>
               <a:extLst>
                 <a:ext uri="{91240B29-F687-4f45-9708-019B960494DF}">
-                  <a14:hiddenLine xmlns="" xmlns:a14="http://schemas.microsoft.com/office/drawing/2010/main" w="9525">
+                  <a14:hiddenLine xmlns:a14="http://schemas.microsoft.com/office/drawing/2010/main" xmlns="" w="9525">
                     <a:solidFill>
                       <a:srgbClr val="000000"/>
                     </a:solidFill>
@@ -11534,7 +11534,7 @@
               </a:ln>
               <a:extLst>
                 <a:ext uri="{91240B29-F687-4f45-9708-019B960494DF}">
-                  <a14:hiddenLine xmlns="" xmlns:a14="http://schemas.microsoft.com/office/drawing/2010/main" w="9525">
+                  <a14:hiddenLine xmlns:a14="http://schemas.microsoft.com/office/drawing/2010/main" xmlns="" w="9525">
                     <a:solidFill>
                       <a:srgbClr val="000000"/>
                     </a:solidFill>
@@ -11602,7 +11602,7 @@
               </a:ln>
               <a:extLst>
                 <a:ext uri="{91240B29-F687-4f45-9708-019B960494DF}">
-                  <a14:hiddenLine xmlns="" xmlns:a14="http://schemas.microsoft.com/office/drawing/2010/main" w="9525">
+                  <a14:hiddenLine xmlns:a14="http://schemas.microsoft.com/office/drawing/2010/main" xmlns="" w="9525">
                     <a:solidFill>
                       <a:srgbClr val="000000"/>
                     </a:solidFill>
@@ -11692,7 +11692,7 @@
               </a:ln>
               <a:extLst>
                 <a:ext uri="{91240B29-F687-4f45-9708-019B960494DF}">
-                  <a14:hiddenLine xmlns="" xmlns:a14="http://schemas.microsoft.com/office/drawing/2010/main" w="9525">
+                  <a14:hiddenLine xmlns:a14="http://schemas.microsoft.com/office/drawing/2010/main" xmlns="" w="9525">
                     <a:solidFill>
                       <a:srgbClr val="000000"/>
                     </a:solidFill>
@@ -11760,7 +11760,7 @@
               </a:ln>
               <a:extLst>
                 <a:ext uri="{91240B29-F687-4f45-9708-019B960494DF}">
-                  <a14:hiddenLine xmlns="" xmlns:a14="http://schemas.microsoft.com/office/drawing/2010/main" w="9525">
+                  <a14:hiddenLine xmlns:a14="http://schemas.microsoft.com/office/drawing/2010/main" xmlns="" w="9525">
                     <a:solidFill>
                       <a:srgbClr val="000000"/>
                     </a:solidFill>
@@ -11850,7 +11850,7 @@
               </a:ln>
               <a:extLst>
                 <a:ext uri="{91240B29-F687-4f45-9708-019B960494DF}">
-                  <a14:hiddenLine xmlns="" xmlns:a14="http://schemas.microsoft.com/office/drawing/2010/main" w="9525">
+                  <a14:hiddenLine xmlns:a14="http://schemas.microsoft.com/office/drawing/2010/main" xmlns="" w="9525">
                     <a:solidFill>
                       <a:srgbClr val="000000"/>
                     </a:solidFill>
@@ -11884,7 +11884,7 @@
               </a:ln>
               <a:extLst>
                 <a:ext uri="{91240B29-F687-4f45-9708-019B960494DF}">
-                  <a14:hiddenLine xmlns="" xmlns:a14="http://schemas.microsoft.com/office/drawing/2010/main" w="9525">
+                  <a14:hiddenLine xmlns:a14="http://schemas.microsoft.com/office/drawing/2010/main" xmlns="" w="9525">
                     <a:solidFill>
                       <a:srgbClr val="000000"/>
                     </a:solidFill>
@@ -12024,7 +12024,7 @@
           <a:p>
             <a:fld id="{DBFB03AA-6361-4CA4-9C2A-B9A8C3B8A834}" type="datetimeFigureOut">
               <a:rPr lang="cs-CZ" smtClean="0"/>
-              <a:t>15.01.2023</a:t>
+              <a:t>16.01.2023</a:t>
             </a:fld>
             <a:endParaRPr lang="cs-CZ"/>
           </a:p>
@@ -12687,7 +12687,7 @@
         </p:nvSpPr>
         <p:spPr>
           <a:xfrm>
-            <a:off x="1302036" y="100036"/>
+            <a:off x="1640444" y="88202"/>
             <a:ext cx="6082903" cy="1498174"/>
           </a:xfrm>
         </p:spPr>
@@ -12931,7 +12931,7 @@
         </p:nvSpPr>
         <p:spPr>
           <a:xfrm>
-            <a:off x="2811658" y="1312862"/>
+            <a:off x="775824" y="441593"/>
             <a:ext cx="6082903" cy="1498174"/>
           </a:xfrm>
         </p:spPr>
@@ -12942,13 +12942,36 @@
           <a:lstStyle/>
           <a:p>
             <a:pPr algn="ctr"/>
-            <a:endParaRPr lang="cs-CZ" sz="4000" b="1" dirty="0">
-              <a:solidFill>
-                <a:srgbClr val="FEFAC2"/>
-              </a:solidFill>
-              <a:latin typeface="Arial" panose="020B0604020202020204" pitchFamily="34" charset="0"/>
-              <a:cs typeface="Arial" panose="020B0604020202020204" pitchFamily="34" charset="0"/>
-            </a:endParaRPr>
+            <a:r>
+              <a:rPr lang="cs-CZ" sz="3200" b="1" dirty="0">
+                <a:solidFill>
+                  <a:srgbClr val="FEFAC2"/>
+                </a:solidFill>
+                <a:latin typeface="Arial" panose="020B0604020202020204" pitchFamily="34" charset="0"/>
+                <a:cs typeface="Arial" panose="020B0604020202020204" pitchFamily="34" charset="0"/>
+              </a:rPr>
+              <a:t>Jak funguje I</a:t>
+            </a:r>
+            <a:r>
+              <a:rPr lang="cs-CZ" sz="2000" b="1" dirty="0">
+                <a:solidFill>
+                  <a:srgbClr val="FEFAC2"/>
+                </a:solidFill>
+                <a:latin typeface="Arial" panose="020B0604020202020204" pitchFamily="34" charset="0"/>
+                <a:cs typeface="Arial" panose="020B0604020202020204" pitchFamily="34" charset="0"/>
+              </a:rPr>
+              <a:t>o</a:t>
+            </a:r>
+            <a:r>
+              <a:rPr lang="cs-CZ" sz="3200" b="1" dirty="0">
+                <a:solidFill>
+                  <a:srgbClr val="FEFAC2"/>
+                </a:solidFill>
+                <a:latin typeface="Arial" panose="020B0604020202020204" pitchFamily="34" charset="0"/>
+                <a:cs typeface="Arial" panose="020B0604020202020204" pitchFamily="34" charset="0"/>
+              </a:rPr>
+              <a:t>t?</a:t>
+            </a:r>
           </a:p>
         </p:txBody>
       </p:sp>
@@ -12970,7 +12993,7 @@
         </p:nvSpPr>
         <p:spPr>
           <a:xfrm>
-            <a:off x="4067173" y="3687763"/>
+            <a:off x="1832931" y="2601119"/>
             <a:ext cx="8791575" cy="1655762"/>
           </a:xfrm>
         </p:spPr>
@@ -12979,6 +13002,73 @@
           <a:lstStyle/>
           <a:p>
             <a:endParaRPr lang="cs-CZ" dirty="0"/>
+          </a:p>
+        </p:txBody>
+      </p:sp>
+      <p:sp>
+        <p:nvSpPr>
+          <p:cNvPr id="4" name="TextovéPole 3">
+            <a:extLst>
+              <a:ext uri="{FF2B5EF4-FFF2-40B4-BE49-F238E27FC236}">
+                <a16:creationId xmlns:a16="http://schemas.microsoft.com/office/drawing/2014/main" id="{7786A9CE-F619-6533-F4AB-DCF28CA52EF1}"/>
+              </a:ext>
+            </a:extLst>
+          </p:cNvPr>
+          <p:cNvSpPr txBox="1"/>
+          <p:nvPr/>
+        </p:nvSpPr>
+        <p:spPr>
+          <a:xfrm>
+            <a:off x="1837425" y="2812211"/>
+            <a:ext cx="6245525" cy="1938992"/>
+          </a:xfrm>
+          <a:prstGeom prst="rect">
+            <a:avLst/>
+          </a:prstGeom>
+          <a:noFill/>
+        </p:spPr>
+        <p:txBody>
+          <a:bodyPr wrap="square" rtlCol="0">
+            <a:spAutoFit/>
+          </a:bodyPr>
+          <a:lstStyle/>
+          <a:p>
+            <a:r>
+              <a:rPr lang="cs-CZ" sz="2400" dirty="0">
+                <a:latin typeface="Arial" panose="020B0604020202020204" pitchFamily="34" charset="0"/>
+                <a:cs typeface="Arial" panose="020B0604020202020204" pitchFamily="34" charset="0"/>
+              </a:rPr>
+              <a:t>Obsahuje software, senzory, určitou síťovou konektivitu (Wi-Fi, </a:t>
+            </a:r>
+            <a:r>
+              <a:rPr lang="cs-CZ" sz="2400" dirty="0" err="1">
+                <a:latin typeface="Arial" panose="020B0604020202020204" pitchFamily="34" charset="0"/>
+                <a:cs typeface="Arial" panose="020B0604020202020204" pitchFamily="34" charset="0"/>
+              </a:rPr>
+              <a:t>BlueTooth</a:t>
+            </a:r>
+            <a:r>
+              <a:rPr lang="cs-CZ" sz="2400" dirty="0">
+                <a:latin typeface="Arial" panose="020B0604020202020204" pitchFamily="34" charset="0"/>
+                <a:cs typeface="Arial" panose="020B0604020202020204" pitchFamily="34" charset="0"/>
+              </a:rPr>
+              <a:t>, USB,…)</a:t>
+            </a:r>
+          </a:p>
+          <a:p>
+            <a:endParaRPr lang="cs-CZ" sz="2400" dirty="0">
+              <a:latin typeface="Arial" panose="020B0604020202020204" pitchFamily="34" charset="0"/>
+              <a:cs typeface="Arial" panose="020B0604020202020204" pitchFamily="34" charset="0"/>
+            </a:endParaRPr>
+          </a:p>
+          <a:p>
+            <a:r>
+              <a:rPr lang="cs-CZ" sz="2400" dirty="0">
+                <a:latin typeface="Arial" panose="020B0604020202020204" pitchFamily="34" charset="0"/>
+                <a:cs typeface="Arial" panose="020B0604020202020204" pitchFamily="34" charset="0"/>
+              </a:rPr>
+              <a:t>Pomocí konektivity komunikace mezi spárovanými zařízeními.  </a:t>
+            </a:r>
           </a:p>
         </p:txBody>
       </p:sp>
@@ -13038,7 +13128,7 @@
         </p:nvSpPr>
         <p:spPr>
           <a:xfrm>
-            <a:off x="2811658" y="1312862"/>
+            <a:off x="1103627" y="105164"/>
             <a:ext cx="6082903" cy="1498174"/>
           </a:xfrm>
         </p:spPr>
@@ -13049,13 +13139,16 @@
           <a:lstStyle/>
           <a:p>
             <a:pPr algn="ctr"/>
-            <a:endParaRPr lang="cs-CZ" sz="4000" b="1" dirty="0">
-              <a:solidFill>
-                <a:srgbClr val="FEFAC2"/>
-              </a:solidFill>
-              <a:latin typeface="Arial" panose="020B0604020202020204" pitchFamily="34" charset="0"/>
-              <a:cs typeface="Arial" panose="020B0604020202020204" pitchFamily="34" charset="0"/>
-            </a:endParaRPr>
+            <a:r>
+              <a:rPr lang="cs-CZ" sz="3200" b="1" dirty="0">
+                <a:solidFill>
+                  <a:srgbClr val="FEFAC2"/>
+                </a:solidFill>
+                <a:latin typeface="Arial" panose="020B0604020202020204" pitchFamily="34" charset="0"/>
+                <a:cs typeface="Arial" panose="020B0604020202020204" pitchFamily="34" charset="0"/>
+              </a:rPr>
+              <a:t>Příklady a využití:</a:t>
+            </a:r>
           </a:p>
         </p:txBody>
       </p:sp>
@@ -13077,7 +13170,7 @@
         </p:nvSpPr>
         <p:spPr>
           <a:xfrm>
-            <a:off x="4067173" y="3687763"/>
+            <a:off x="4084425" y="4835076"/>
             <a:ext cx="8791575" cy="1655762"/>
           </a:xfrm>
         </p:spPr>
@@ -13086,6 +13179,231 @@
           <a:lstStyle/>
           <a:p>
             <a:endParaRPr lang="cs-CZ" dirty="0"/>
+          </a:p>
+        </p:txBody>
+      </p:sp>
+      <p:sp>
+        <p:nvSpPr>
+          <p:cNvPr id="5" name="TextovéPole 4">
+            <a:extLst>
+              <a:ext uri="{FF2B5EF4-FFF2-40B4-BE49-F238E27FC236}">
+                <a16:creationId xmlns:a16="http://schemas.microsoft.com/office/drawing/2014/main" id="{9621ED40-9E16-7A3B-D787-20634E294FC3}"/>
+              </a:ext>
+            </a:extLst>
+          </p:cNvPr>
+          <p:cNvSpPr txBox="1"/>
+          <p:nvPr/>
+        </p:nvSpPr>
+        <p:spPr>
+          <a:xfrm>
+            <a:off x="1933043" y="2013638"/>
+            <a:ext cx="4752428" cy="5262979"/>
+          </a:xfrm>
+          <a:prstGeom prst="rect">
+            <a:avLst/>
+          </a:prstGeom>
+          <a:noFill/>
+        </p:spPr>
+        <p:txBody>
+          <a:bodyPr wrap="square" rtlCol="0">
+            <a:spAutoFit/>
+          </a:bodyPr>
+          <a:lstStyle/>
+          <a:p>
+            <a:r>
+              <a:rPr lang="cs-CZ" sz="2400" dirty="0">
+                <a:latin typeface="Arial" panose="020B0604020202020204" pitchFamily="34" charset="0"/>
+                <a:cs typeface="Arial" panose="020B0604020202020204" pitchFamily="34" charset="0"/>
+              </a:rPr>
+              <a:t>Cílem zlepšení života a </a:t>
+            </a:r>
+            <a:r>
+              <a:rPr lang="cs-CZ" sz="2400" dirty="0" err="1">
+                <a:latin typeface="Arial" panose="020B0604020202020204" pitchFamily="34" charset="0"/>
+                <a:cs typeface="Arial" panose="020B0604020202020204" pitchFamily="34" charset="0"/>
+              </a:rPr>
+              <a:t>zeefektivnění</a:t>
+            </a:r>
+            <a:r>
+              <a:rPr lang="cs-CZ" sz="2400" dirty="0">
+                <a:latin typeface="Arial" panose="020B0604020202020204" pitchFamily="34" charset="0"/>
+                <a:cs typeface="Arial" panose="020B0604020202020204" pitchFamily="34" charset="0"/>
+              </a:rPr>
+              <a:t> běžné činnosti.</a:t>
+            </a:r>
+          </a:p>
+          <a:p>
+            <a:endParaRPr lang="cs-CZ" sz="2400" dirty="0">
+              <a:latin typeface="Arial" panose="020B0604020202020204" pitchFamily="34" charset="0"/>
+              <a:cs typeface="Arial" panose="020B0604020202020204" pitchFamily="34" charset="0"/>
+            </a:endParaRPr>
+          </a:p>
+          <a:p>
+            <a:r>
+              <a:rPr lang="cs-CZ" sz="2400" dirty="0">
+                <a:latin typeface="Arial" panose="020B0604020202020204" pitchFamily="34" charset="0"/>
+                <a:cs typeface="Arial" panose="020B0604020202020204" pitchFamily="34" charset="0"/>
+              </a:rPr>
+              <a:t>Např.</a:t>
+            </a:r>
+          </a:p>
+          <a:p>
+            <a:r>
+              <a:rPr lang="cs-CZ" sz="2400" dirty="0">
+                <a:latin typeface="Arial" panose="020B0604020202020204" pitchFamily="34" charset="0"/>
+                <a:cs typeface="Arial" panose="020B0604020202020204" pitchFamily="34" charset="0"/>
+              </a:rPr>
+              <a:t>Zákaznický servis                                                </a:t>
+            </a:r>
+          </a:p>
+          <a:p>
+            <a:endParaRPr lang="cs-CZ" sz="2400" dirty="0">
+              <a:latin typeface="Arial" panose="020B0604020202020204" pitchFamily="34" charset="0"/>
+              <a:cs typeface="Arial" panose="020B0604020202020204" pitchFamily="34" charset="0"/>
+            </a:endParaRPr>
+          </a:p>
+          <a:p>
+            <a:r>
+              <a:rPr lang="cs-CZ" sz="2400" dirty="0">
+                <a:latin typeface="Arial" panose="020B0604020202020204" pitchFamily="34" charset="0"/>
+                <a:cs typeface="Arial" panose="020B0604020202020204" pitchFamily="34" charset="0"/>
+              </a:rPr>
+              <a:t>Konzumní elektronika </a:t>
+            </a:r>
+          </a:p>
+          <a:p>
+            <a:endParaRPr lang="cs-CZ" sz="2400" dirty="0">
+              <a:latin typeface="Arial" panose="020B0604020202020204" pitchFamily="34" charset="0"/>
+              <a:cs typeface="Arial" panose="020B0604020202020204" pitchFamily="34" charset="0"/>
+            </a:endParaRPr>
+          </a:p>
+          <a:p>
+            <a:r>
+              <a:rPr lang="cs-CZ" sz="2400" dirty="0">
+                <a:latin typeface="Arial" panose="020B0604020202020204" pitchFamily="34" charset="0"/>
+                <a:cs typeface="Arial" panose="020B0604020202020204" pitchFamily="34" charset="0"/>
+              </a:rPr>
+              <a:t>Zdravotnictví </a:t>
+            </a:r>
+          </a:p>
+          <a:p>
+            <a:endParaRPr lang="cs-CZ" sz="2400" dirty="0">
+              <a:latin typeface="Arial" panose="020B0604020202020204" pitchFamily="34" charset="0"/>
+              <a:cs typeface="Arial" panose="020B0604020202020204" pitchFamily="34" charset="0"/>
+            </a:endParaRPr>
+          </a:p>
+          <a:p>
+            <a:r>
+              <a:rPr lang="cs-CZ" sz="2400" dirty="0">
+                <a:latin typeface="Arial" panose="020B0604020202020204" pitchFamily="34" charset="0"/>
+                <a:cs typeface="Arial" panose="020B0604020202020204" pitchFamily="34" charset="0"/>
+              </a:rPr>
+              <a:t> </a:t>
+            </a:r>
+          </a:p>
+          <a:p>
+            <a:endParaRPr lang="cs-CZ" sz="2400" dirty="0">
+              <a:latin typeface="Arial" panose="020B0604020202020204" pitchFamily="34" charset="0"/>
+              <a:cs typeface="Arial" panose="020B0604020202020204" pitchFamily="34" charset="0"/>
+            </a:endParaRPr>
+          </a:p>
+          <a:p>
+            <a:endParaRPr lang="cs-CZ" sz="2400" dirty="0">
+              <a:latin typeface="Arial" panose="020B0604020202020204" pitchFamily="34" charset="0"/>
+              <a:cs typeface="Arial" panose="020B0604020202020204" pitchFamily="34" charset="0"/>
+            </a:endParaRPr>
+          </a:p>
+          <a:p>
+            <a:endParaRPr lang="cs-CZ" sz="2400" dirty="0">
+              <a:latin typeface="Arial" panose="020B0604020202020204" pitchFamily="34" charset="0"/>
+              <a:cs typeface="Arial" panose="020B0604020202020204" pitchFamily="34" charset="0"/>
+            </a:endParaRPr>
+          </a:p>
+        </p:txBody>
+      </p:sp>
+      <p:sp>
+        <p:nvSpPr>
+          <p:cNvPr id="6" name="TextovéPole 5">
+            <a:extLst>
+              <a:ext uri="{FF2B5EF4-FFF2-40B4-BE49-F238E27FC236}">
+                <a16:creationId xmlns:a16="http://schemas.microsoft.com/office/drawing/2014/main" id="{9F6CD40B-E763-1EE9-5E0C-C701C5F2B33E}"/>
+              </a:ext>
+            </a:extLst>
+          </p:cNvPr>
+          <p:cNvSpPr txBox="1"/>
+          <p:nvPr/>
+        </p:nvSpPr>
+        <p:spPr>
+          <a:xfrm>
+            <a:off x="6685471" y="3455280"/>
+            <a:ext cx="4408098" cy="2677656"/>
+          </a:xfrm>
+          <a:prstGeom prst="rect">
+            <a:avLst/>
+          </a:prstGeom>
+          <a:noFill/>
+        </p:spPr>
+        <p:txBody>
+          <a:bodyPr wrap="square" rtlCol="0">
+            <a:spAutoFit/>
+          </a:bodyPr>
+          <a:lstStyle/>
+          <a:p>
+            <a:r>
+              <a:rPr lang="cs-CZ" sz="2400" dirty="0">
+                <a:latin typeface="Arial" panose="020B0604020202020204" pitchFamily="34" charset="0"/>
+                <a:cs typeface="Arial" panose="020B0604020202020204" pitchFamily="34" charset="0"/>
+              </a:rPr>
+              <a:t>Průmysl </a:t>
+            </a:r>
+          </a:p>
+          <a:p>
+            <a:endParaRPr lang="cs-CZ" sz="2400" dirty="0">
+              <a:latin typeface="Arial" panose="020B0604020202020204" pitchFamily="34" charset="0"/>
+              <a:cs typeface="Arial" panose="020B0604020202020204" pitchFamily="34" charset="0"/>
+            </a:endParaRPr>
+          </a:p>
+          <a:p>
+            <a:r>
+              <a:rPr lang="cs-CZ" sz="2400" dirty="0">
+                <a:latin typeface="Arial" panose="020B0604020202020204" pitchFamily="34" charset="0"/>
+                <a:cs typeface="Arial" panose="020B0604020202020204" pitchFamily="34" charset="0"/>
+              </a:rPr>
+              <a:t>Automobily </a:t>
+            </a:r>
+          </a:p>
+          <a:p>
+            <a:endParaRPr lang="cs-CZ" sz="2400" dirty="0">
+              <a:latin typeface="Arial" panose="020B0604020202020204" pitchFamily="34" charset="0"/>
+              <a:cs typeface="Arial" panose="020B0604020202020204" pitchFamily="34" charset="0"/>
+            </a:endParaRPr>
+          </a:p>
+          <a:p>
+            <a:r>
+              <a:rPr lang="cs-CZ" sz="2400" dirty="0">
+                <a:latin typeface="Arial" panose="020B0604020202020204" pitchFamily="34" charset="0"/>
+                <a:cs typeface="Arial" panose="020B0604020202020204" pitchFamily="34" charset="0"/>
+              </a:rPr>
+              <a:t>Finančnictví</a:t>
+            </a:r>
+          </a:p>
+          <a:p>
+            <a:r>
+              <a:rPr lang="cs-CZ" sz="2400" dirty="0">
+                <a:latin typeface="Arial" panose="020B0604020202020204" pitchFamily="34" charset="0"/>
+                <a:cs typeface="Arial" panose="020B0604020202020204" pitchFamily="34" charset="0"/>
+              </a:rPr>
+              <a:t>…</a:t>
+            </a:r>
+          </a:p>
+          <a:p>
+            <a:r>
+              <a:rPr lang="cs-CZ" sz="2400" dirty="0">
+                <a:latin typeface="Arial" panose="020B0604020202020204" pitchFamily="34" charset="0"/>
+                <a:cs typeface="Arial" panose="020B0604020202020204" pitchFamily="34" charset="0"/>
+              </a:rPr>
+              <a:t> </a:t>
+            </a:r>
           </a:p>
         </p:txBody>
       </p:sp>
@@ -13145,7 +13463,7 @@
         </p:nvSpPr>
         <p:spPr>
           <a:xfrm>
-            <a:off x="2811658" y="1312862"/>
+            <a:off x="266865" y="105164"/>
             <a:ext cx="6082903" cy="1498174"/>
           </a:xfrm>
         </p:spPr>
@@ -13156,13 +13474,16 @@
           <a:lstStyle/>
           <a:p>
             <a:pPr algn="ctr"/>
-            <a:endParaRPr lang="cs-CZ" sz="4000" b="1" dirty="0">
-              <a:solidFill>
-                <a:srgbClr val="FEFAC2"/>
-              </a:solidFill>
-              <a:latin typeface="Arial" panose="020B0604020202020204" pitchFamily="34" charset="0"/>
-              <a:cs typeface="Arial" panose="020B0604020202020204" pitchFamily="34" charset="0"/>
-            </a:endParaRPr>
+            <a:r>
+              <a:rPr lang="cs-CZ" sz="3200" b="1" dirty="0">
+                <a:solidFill>
+                  <a:srgbClr val="FEFAC2"/>
+                </a:solidFill>
+                <a:latin typeface="Arial" panose="020B0604020202020204" pitchFamily="34" charset="0"/>
+                <a:cs typeface="Arial" panose="020B0604020202020204" pitchFamily="34" charset="0"/>
+              </a:rPr>
+              <a:t>Nevýhody:</a:t>
+            </a:r>
           </a:p>
         </p:txBody>
       </p:sp>
@@ -13193,6 +13514,190 @@
           <a:lstStyle/>
           <a:p>
             <a:endParaRPr lang="cs-CZ" dirty="0"/>
+          </a:p>
+        </p:txBody>
+      </p:sp>
+      <p:sp>
+        <p:nvSpPr>
+          <p:cNvPr id="4" name="TextovéPole 3">
+            <a:extLst>
+              <a:ext uri="{FF2B5EF4-FFF2-40B4-BE49-F238E27FC236}">
+                <a16:creationId xmlns:a16="http://schemas.microsoft.com/office/drawing/2014/main" id="{BBC1352D-FD90-C1BD-37C4-DEE71193082B}"/>
+              </a:ext>
+            </a:extLst>
+          </p:cNvPr>
+          <p:cNvSpPr txBox="1"/>
+          <p:nvPr/>
+        </p:nvSpPr>
+        <p:spPr>
+          <a:xfrm>
+            <a:off x="1979580" y="2234241"/>
+            <a:ext cx="4175185" cy="4893647"/>
+          </a:xfrm>
+          <a:prstGeom prst="rect">
+            <a:avLst/>
+          </a:prstGeom>
+          <a:noFill/>
+        </p:spPr>
+        <p:txBody>
+          <a:bodyPr wrap="square" rtlCol="0">
+            <a:spAutoFit/>
+          </a:bodyPr>
+          <a:lstStyle/>
+          <a:p>
+            <a:r>
+              <a:rPr lang="cs-CZ" sz="2400" dirty="0">
+                <a:latin typeface="Arial" panose="020B0604020202020204" pitchFamily="34" charset="0"/>
+                <a:cs typeface="Arial" panose="020B0604020202020204" pitchFamily="34" charset="0"/>
+              </a:rPr>
+              <a:t>Např.</a:t>
+            </a:r>
+          </a:p>
+          <a:p>
+            <a:r>
+              <a:rPr lang="cs-CZ" sz="2400" dirty="0">
+                <a:latin typeface="Arial" panose="020B0604020202020204" pitchFamily="34" charset="0"/>
+                <a:cs typeface="Arial" panose="020B0604020202020204" pitchFamily="34" charset="0"/>
+              </a:rPr>
+              <a:t>Zneužití dat:</a:t>
+            </a:r>
+          </a:p>
+          <a:p>
+            <a:r>
+              <a:rPr lang="cs-CZ" sz="2400" dirty="0">
+                <a:latin typeface="Arial" panose="020B0604020202020204" pitchFamily="34" charset="0"/>
+                <a:cs typeface="Arial" panose="020B0604020202020204" pitchFamily="34" charset="0"/>
+              </a:rPr>
+              <a:t>Ztráta či odcizení chytrých hodinek</a:t>
+            </a:r>
+          </a:p>
+          <a:p>
+            <a:endParaRPr lang="cs-CZ" sz="2400" dirty="0">
+              <a:latin typeface="Arial" panose="020B0604020202020204" pitchFamily="34" charset="0"/>
+              <a:cs typeface="Arial" panose="020B0604020202020204" pitchFamily="34" charset="0"/>
+            </a:endParaRPr>
+          </a:p>
+          <a:p>
+            <a:r>
+              <a:rPr lang="cs-CZ" sz="2400" dirty="0">
+                <a:latin typeface="Arial" panose="020B0604020202020204" pitchFamily="34" charset="0"/>
+                <a:cs typeface="Arial" panose="020B0604020202020204" pitchFamily="34" charset="0"/>
+              </a:rPr>
+              <a:t>Prostor </a:t>
+            </a:r>
+            <a:r>
+              <a:rPr lang="cs-CZ" sz="2400" dirty="0" err="1">
+                <a:latin typeface="Arial" panose="020B0604020202020204" pitchFamily="34" charset="0"/>
+                <a:cs typeface="Arial" panose="020B0604020202020204" pitchFamily="34" charset="0"/>
+              </a:rPr>
+              <a:t>hackrům</a:t>
+            </a:r>
+            <a:r>
+              <a:rPr lang="cs-CZ" sz="2400" dirty="0">
+                <a:latin typeface="Arial" panose="020B0604020202020204" pitchFamily="34" charset="0"/>
+                <a:cs typeface="Arial" panose="020B0604020202020204" pitchFamily="34" charset="0"/>
+              </a:rPr>
+              <a:t>:</a:t>
+            </a:r>
+          </a:p>
+          <a:p>
+            <a:r>
+              <a:rPr lang="cs-CZ" sz="2400" dirty="0">
+                <a:latin typeface="Arial" panose="020B0604020202020204" pitchFamily="34" charset="0"/>
+                <a:cs typeface="Arial" panose="020B0604020202020204" pitchFamily="34" charset="0"/>
+              </a:rPr>
+              <a:t>Vykradení domu s </a:t>
+            </a:r>
+            <a:r>
+              <a:rPr lang="cs-CZ" sz="2400" dirty="0" err="1">
+                <a:latin typeface="Arial" panose="020B0604020202020204" pitchFamily="34" charset="0"/>
+                <a:cs typeface="Arial" panose="020B0604020202020204" pitchFamily="34" charset="0"/>
+              </a:rPr>
+              <a:t>IoT</a:t>
+            </a:r>
+            <a:r>
+              <a:rPr lang="cs-CZ" sz="2400" dirty="0">
+                <a:latin typeface="Arial" panose="020B0604020202020204" pitchFamily="34" charset="0"/>
+                <a:cs typeface="Arial" panose="020B0604020202020204" pitchFamily="34" charset="0"/>
+              </a:rPr>
+              <a:t>- zasílání informací o domu </a:t>
+            </a:r>
+            <a:r>
+              <a:rPr lang="cs-CZ" sz="2400" dirty="0" err="1">
+                <a:latin typeface="Arial" panose="020B0604020202020204" pitchFamily="34" charset="0"/>
+                <a:cs typeface="Arial" panose="020B0604020202020204" pitchFamily="34" charset="0"/>
+              </a:rPr>
+              <a:t>hackrovi</a:t>
+            </a:r>
+            <a:endParaRPr lang="cs-CZ" sz="2400" dirty="0">
+              <a:latin typeface="Arial" panose="020B0604020202020204" pitchFamily="34" charset="0"/>
+              <a:cs typeface="Arial" panose="020B0604020202020204" pitchFamily="34" charset="0"/>
+            </a:endParaRPr>
+          </a:p>
+          <a:p>
+            <a:endParaRPr lang="cs-CZ" sz="2400" dirty="0">
+              <a:latin typeface="Arial" panose="020B0604020202020204" pitchFamily="34" charset="0"/>
+              <a:cs typeface="Arial" panose="020B0604020202020204" pitchFamily="34" charset="0"/>
+            </a:endParaRPr>
+          </a:p>
+          <a:p>
+            <a:endParaRPr lang="cs-CZ" sz="2400" dirty="0">
+              <a:latin typeface="Arial" panose="020B0604020202020204" pitchFamily="34" charset="0"/>
+              <a:cs typeface="Arial" panose="020B0604020202020204" pitchFamily="34" charset="0"/>
+            </a:endParaRPr>
+          </a:p>
+          <a:p>
+            <a:endParaRPr lang="cs-CZ" sz="2400" dirty="0">
+              <a:latin typeface="Arial" panose="020B0604020202020204" pitchFamily="34" charset="0"/>
+              <a:cs typeface="Arial" panose="020B0604020202020204" pitchFamily="34" charset="0"/>
+            </a:endParaRPr>
+          </a:p>
+          <a:p>
+            <a:r>
+              <a:rPr lang="cs-CZ" sz="2400" dirty="0">
+                <a:latin typeface="Arial" panose="020B0604020202020204" pitchFamily="34" charset="0"/>
+                <a:cs typeface="Arial" panose="020B0604020202020204" pitchFamily="34" charset="0"/>
+              </a:rPr>
+              <a:t> </a:t>
+            </a:r>
+          </a:p>
+        </p:txBody>
+      </p:sp>
+      <p:sp>
+        <p:nvSpPr>
+          <p:cNvPr id="5" name="TextovéPole 4">
+            <a:extLst>
+              <a:ext uri="{FF2B5EF4-FFF2-40B4-BE49-F238E27FC236}">
+                <a16:creationId xmlns:a16="http://schemas.microsoft.com/office/drawing/2014/main" id="{C5FA6D0F-27B3-F749-E1FC-6A5FEE2F5C1A}"/>
+              </a:ext>
+            </a:extLst>
+          </p:cNvPr>
+          <p:cNvSpPr txBox="1"/>
+          <p:nvPr/>
+        </p:nvSpPr>
+        <p:spPr>
+          <a:xfrm>
+            <a:off x="6987396" y="3315315"/>
+            <a:ext cx="3390182" cy="1200329"/>
+          </a:xfrm>
+          <a:prstGeom prst="rect">
+            <a:avLst/>
+          </a:prstGeom>
+          <a:noFill/>
+        </p:spPr>
+        <p:txBody>
+          <a:bodyPr wrap="square" rtlCol="0">
+            <a:spAutoFit/>
+          </a:bodyPr>
+          <a:lstStyle/>
+          <a:p>
+            <a:r>
+              <a:rPr lang="cs-CZ" sz="2400" dirty="0">
+                <a:latin typeface="Arial" panose="020B0604020202020204" pitchFamily="34" charset="0"/>
+                <a:cs typeface="Arial" panose="020B0604020202020204" pitchFamily="34" charset="0"/>
+              </a:rPr>
+              <a:t>Udržování aktuálního OS- mnohdy řeší mezery v zabezpečení</a:t>
+            </a:r>
           </a:p>
         </p:txBody>
       </p:sp>
@@ -13252,7 +13757,7 @@
         </p:nvSpPr>
         <p:spPr>
           <a:xfrm>
-            <a:off x="2811658" y="1312862"/>
+            <a:off x="439394" y="79285"/>
             <a:ext cx="6082903" cy="1498174"/>
           </a:xfrm>
         </p:spPr>
@@ -13263,13 +13768,36 @@
           <a:lstStyle/>
           <a:p>
             <a:pPr algn="ctr"/>
-            <a:endParaRPr lang="cs-CZ" sz="4000" b="1" dirty="0">
-              <a:solidFill>
-                <a:srgbClr val="FEFAC2"/>
-              </a:solidFill>
-              <a:latin typeface="Arial" panose="020B0604020202020204" pitchFamily="34" charset="0"/>
-              <a:cs typeface="Arial" panose="020B0604020202020204" pitchFamily="34" charset="0"/>
-            </a:endParaRPr>
+            <a:r>
+              <a:rPr lang="cs-CZ" sz="3200" b="1" dirty="0">
+                <a:solidFill>
+                  <a:srgbClr val="FEFAC2"/>
+                </a:solidFill>
+                <a:latin typeface="Arial" panose="020B0604020202020204" pitchFamily="34" charset="0"/>
+                <a:cs typeface="Arial" panose="020B0604020202020204" pitchFamily="34" charset="0"/>
+              </a:rPr>
+              <a:t>Příklady I</a:t>
+            </a:r>
+            <a:r>
+              <a:rPr lang="cs-CZ" sz="2000" b="1" dirty="0">
+                <a:solidFill>
+                  <a:srgbClr val="FEFAC2"/>
+                </a:solidFill>
+                <a:latin typeface="Arial" panose="020B0604020202020204" pitchFamily="34" charset="0"/>
+                <a:cs typeface="Arial" panose="020B0604020202020204" pitchFamily="34" charset="0"/>
+              </a:rPr>
+              <a:t>o</a:t>
+            </a:r>
+            <a:r>
+              <a:rPr lang="cs-CZ" sz="3200" b="1" dirty="0">
+                <a:solidFill>
+                  <a:srgbClr val="FEFAC2"/>
+                </a:solidFill>
+                <a:latin typeface="Arial" panose="020B0604020202020204" pitchFamily="34" charset="0"/>
+                <a:cs typeface="Arial" panose="020B0604020202020204" pitchFamily="34" charset="0"/>
+              </a:rPr>
+              <a:t>t:</a:t>
+            </a:r>
           </a:p>
         </p:txBody>
       </p:sp>
@@ -13300,6 +13828,71 @@
           <a:lstStyle/>
           <a:p>
             <a:endParaRPr lang="cs-CZ" dirty="0"/>
+          </a:p>
+        </p:txBody>
+      </p:sp>
+      <p:sp>
+        <p:nvSpPr>
+          <p:cNvPr id="4" name="TextovéPole 3">
+            <a:extLst>
+              <a:ext uri="{FF2B5EF4-FFF2-40B4-BE49-F238E27FC236}">
+                <a16:creationId xmlns:a16="http://schemas.microsoft.com/office/drawing/2014/main" id="{70623EBF-FDDF-DB05-F808-E5C39A5DA9AE}"/>
+              </a:ext>
+            </a:extLst>
+          </p:cNvPr>
+          <p:cNvSpPr txBox="1"/>
+          <p:nvPr/>
+        </p:nvSpPr>
+        <p:spPr>
+          <a:xfrm>
+            <a:off x="1967550" y="2007094"/>
+            <a:ext cx="4554747" cy="2308324"/>
+          </a:xfrm>
+          <a:prstGeom prst="rect">
+            <a:avLst/>
+          </a:prstGeom>
+          <a:noFill/>
+        </p:spPr>
+        <p:txBody>
+          <a:bodyPr wrap="square" rtlCol="0">
+            <a:spAutoFit/>
+          </a:bodyPr>
+          <a:lstStyle/>
+          <a:p>
+            <a:r>
+              <a:rPr lang="cs-CZ" sz="2400" dirty="0">
+                <a:latin typeface="Arial" panose="020B0604020202020204" pitchFamily="34" charset="0"/>
+                <a:cs typeface="Arial" panose="020B0604020202020204" pitchFamily="34" charset="0"/>
+              </a:rPr>
+              <a:t>Pračky, kávovary, chytré náramky, hodinky, GPS čipy,…</a:t>
+            </a:r>
+          </a:p>
+          <a:p>
+            <a:endParaRPr lang="cs-CZ" sz="2400" dirty="0">
+              <a:latin typeface="Arial" panose="020B0604020202020204" pitchFamily="34" charset="0"/>
+              <a:cs typeface="Arial" panose="020B0604020202020204" pitchFamily="34" charset="0"/>
+            </a:endParaRPr>
+          </a:p>
+          <a:p>
+            <a:r>
+              <a:rPr lang="cs-CZ" sz="2400" dirty="0">
+                <a:latin typeface="Arial" panose="020B0604020202020204" pitchFamily="34" charset="0"/>
+                <a:cs typeface="Arial" panose="020B0604020202020204" pitchFamily="34" charset="0"/>
+              </a:rPr>
+              <a:t>Hlasoví asistenti</a:t>
+            </a:r>
+          </a:p>
+          <a:p>
+            <a:endParaRPr lang="cs-CZ" sz="2400" dirty="0">
+              <a:latin typeface="Arial" panose="020B0604020202020204" pitchFamily="34" charset="0"/>
+              <a:cs typeface="Arial" panose="020B0604020202020204" pitchFamily="34" charset="0"/>
+            </a:endParaRPr>
+          </a:p>
+          <a:p>
+            <a:endParaRPr lang="cs-CZ" sz="2400" dirty="0">
+              <a:latin typeface="Arial" panose="020B0604020202020204" pitchFamily="34" charset="0"/>
+              <a:cs typeface="Arial" panose="020B0604020202020204" pitchFamily="34" charset="0"/>
+            </a:endParaRPr>
           </a:p>
         </p:txBody>
       </p:sp>
@@ -13359,7 +13952,7 @@
         </p:nvSpPr>
         <p:spPr>
           <a:xfrm>
-            <a:off x="2811658" y="1312862"/>
+            <a:off x="767198" y="122417"/>
             <a:ext cx="6082903" cy="1498174"/>
           </a:xfrm>
         </p:spPr>
@@ -13370,13 +13963,36 @@
           <a:lstStyle/>
           <a:p>
             <a:pPr algn="ctr"/>
-            <a:endParaRPr lang="cs-CZ" sz="4000" b="1" dirty="0">
-              <a:solidFill>
-                <a:srgbClr val="FEFAC2"/>
-              </a:solidFill>
-              <a:latin typeface="Arial" panose="020B0604020202020204" pitchFamily="34" charset="0"/>
-              <a:cs typeface="Arial" panose="020B0604020202020204" pitchFamily="34" charset="0"/>
-            </a:endParaRPr>
+            <a:r>
+              <a:rPr lang="cs-CZ" sz="3200" b="1" dirty="0">
+                <a:solidFill>
+                  <a:srgbClr val="FEFAC2"/>
+                </a:solidFill>
+                <a:latin typeface="Arial" panose="020B0604020202020204" pitchFamily="34" charset="0"/>
+                <a:cs typeface="Arial" panose="020B0604020202020204" pitchFamily="34" charset="0"/>
+              </a:rPr>
+              <a:t>Budoucnost I</a:t>
+            </a:r>
+            <a:r>
+              <a:rPr lang="cs-CZ" sz="2000" b="1" dirty="0">
+                <a:solidFill>
+                  <a:srgbClr val="FEFAC2"/>
+                </a:solidFill>
+                <a:latin typeface="Arial" panose="020B0604020202020204" pitchFamily="34" charset="0"/>
+                <a:cs typeface="Arial" panose="020B0604020202020204" pitchFamily="34" charset="0"/>
+              </a:rPr>
+              <a:t>o</a:t>
+            </a:r>
+            <a:r>
+              <a:rPr lang="cs-CZ" sz="3200" b="1" dirty="0">
+                <a:solidFill>
+                  <a:srgbClr val="FEFAC2"/>
+                </a:solidFill>
+                <a:latin typeface="Arial" panose="020B0604020202020204" pitchFamily="34" charset="0"/>
+                <a:cs typeface="Arial" panose="020B0604020202020204" pitchFamily="34" charset="0"/>
+              </a:rPr>
+              <a:t>t:</a:t>
+            </a:r>
           </a:p>
         </p:txBody>
       </p:sp>
@@ -13407,6 +14023,94 @@
           <a:lstStyle/>
           <a:p>
             <a:endParaRPr lang="cs-CZ" dirty="0"/>
+          </a:p>
+        </p:txBody>
+      </p:sp>
+      <p:sp>
+        <p:nvSpPr>
+          <p:cNvPr id="4" name="TextovéPole 3">
+            <a:extLst>
+              <a:ext uri="{FF2B5EF4-FFF2-40B4-BE49-F238E27FC236}">
+                <a16:creationId xmlns:a16="http://schemas.microsoft.com/office/drawing/2014/main" id="{97B33B09-C71B-1489-01D6-46555C62E1CC}"/>
+              </a:ext>
+            </a:extLst>
+          </p:cNvPr>
+          <p:cNvSpPr txBox="1"/>
+          <p:nvPr/>
+        </p:nvSpPr>
+        <p:spPr>
+          <a:xfrm>
+            <a:off x="2018581" y="2216989"/>
+            <a:ext cx="5098211" cy="1938992"/>
+          </a:xfrm>
+          <a:prstGeom prst="rect">
+            <a:avLst/>
+          </a:prstGeom>
+          <a:noFill/>
+        </p:spPr>
+        <p:txBody>
+          <a:bodyPr wrap="square" rtlCol="0">
+            <a:spAutoFit/>
+          </a:bodyPr>
+          <a:lstStyle/>
+          <a:p>
+            <a:r>
+              <a:rPr lang="cs-CZ" sz="2400" dirty="0">
+                <a:latin typeface="Arial" panose="020B0604020202020204" pitchFamily="34" charset="0"/>
+                <a:cs typeface="Arial" panose="020B0604020202020204" pitchFamily="34" charset="0"/>
+              </a:rPr>
+              <a:t>Budoucnost je digitální a bezdrátová.</a:t>
+            </a:r>
+          </a:p>
+          <a:p>
+            <a:endParaRPr lang="cs-CZ" sz="2400" dirty="0">
+              <a:latin typeface="Arial" panose="020B0604020202020204" pitchFamily="34" charset="0"/>
+              <a:cs typeface="Arial" panose="020B0604020202020204" pitchFamily="34" charset="0"/>
+            </a:endParaRPr>
+          </a:p>
+          <a:p>
+            <a:r>
+              <a:rPr lang="cs-CZ" sz="2400" dirty="0" err="1">
+                <a:latin typeface="Arial" panose="020B0604020202020204" pitchFamily="34" charset="0"/>
+                <a:cs typeface="Arial" panose="020B0604020202020204" pitchFamily="34" charset="0"/>
+              </a:rPr>
+              <a:t>IoT</a:t>
+            </a:r>
+            <a:r>
+              <a:rPr lang="cs-CZ" sz="2400" dirty="0">
+                <a:latin typeface="Arial" panose="020B0604020202020204" pitchFamily="34" charset="0"/>
+                <a:cs typeface="Arial" panose="020B0604020202020204" pitchFamily="34" charset="0"/>
+              </a:rPr>
+              <a:t> </a:t>
+            </a:r>
+            <a:r>
+              <a:rPr lang="cs-CZ" sz="2400" dirty="0" err="1">
+                <a:latin typeface="Arial" panose="020B0604020202020204" pitchFamily="34" charset="0"/>
+                <a:cs typeface="Arial" panose="020B0604020202020204" pitchFamily="34" charset="0"/>
+              </a:rPr>
+              <a:t>SmartHome</a:t>
+            </a:r>
+            <a:r>
+              <a:rPr lang="cs-CZ" sz="2400" dirty="0">
+                <a:latin typeface="Arial" panose="020B0604020202020204" pitchFamily="34" charset="0"/>
+                <a:cs typeface="Arial" panose="020B0604020202020204" pitchFamily="34" charset="0"/>
+              </a:rPr>
+              <a:t> normou, postupně až ve </a:t>
+            </a:r>
+            <a:r>
+              <a:rPr lang="cs-CZ" sz="2400" dirty="0" err="1">
+                <a:latin typeface="Arial" panose="020B0604020202020204" pitchFamily="34" charset="0"/>
+                <a:cs typeface="Arial" panose="020B0604020202020204" pitchFamily="34" charset="0"/>
+              </a:rPr>
+              <a:t>SmartCities</a:t>
+            </a:r>
+            <a:r>
+              <a:rPr lang="cs-CZ" sz="2400" dirty="0">
+                <a:latin typeface="Arial" panose="020B0604020202020204" pitchFamily="34" charset="0"/>
+                <a:cs typeface="Arial" panose="020B0604020202020204" pitchFamily="34" charset="0"/>
+              </a:rPr>
+              <a:t>.</a:t>
+            </a:r>
           </a:p>
         </p:txBody>
       </p:sp>

--- a/langsadl.pptx
+++ b/langsadl.pptx
@@ -13,7 +13,13 @@
     <p:sldId id="261" r:id="rId7"/>
     <p:sldId id="262" r:id="rId8"/>
     <p:sldId id="263" r:id="rId9"/>
-    <p:sldId id="264" r:id="rId10"/>
+    <p:sldId id="265" r:id="rId10"/>
+    <p:sldId id="267" r:id="rId11"/>
+    <p:sldId id="266" r:id="rId12"/>
+    <p:sldId id="268" r:id="rId13"/>
+    <p:sldId id="269" r:id="rId14"/>
+    <p:sldId id="270" r:id="rId15"/>
+    <p:sldId id="264" r:id="rId16"/>
   </p:sldIdLst>
   <p:sldSz cx="12192000" cy="6858000"/>
   <p:notesSz cx="6858000" cy="9144000"/>
@@ -170,7 +176,7 @@
           <a:noFill/>
           <a:extLst>
             <a:ext uri="{909E8E84-426E-40dd-AFC4-6F175D3DCCD1}">
-              <a14:hiddenFill xmlns:a14="http://schemas.microsoft.com/office/drawing/2010/main" xmlns="">
+              <a14:hiddenFill xmlns="" xmlns:a14="http://schemas.microsoft.com/office/drawing/2010/main">
                 <a:solidFill>
                   <a:srgbClr val="FFFFFF"/>
                 </a:solidFill>
@@ -230,7 +236,7 @@
             </a:ln>
             <a:extLst>
               <a:ext uri="{91240B29-F687-4f45-9708-019B960494DF}">
-                <a14:hiddenLine xmlns:a14="http://schemas.microsoft.com/office/drawing/2010/main" xmlns="" w="9525">
+                <a14:hiddenLine xmlns="" xmlns:a14="http://schemas.microsoft.com/office/drawing/2010/main" w="9525">
                   <a:solidFill>
                     <a:srgbClr val="000000"/>
                   </a:solidFill>
@@ -320,7 +326,7 @@
             </a:ln>
             <a:extLst>
               <a:ext uri="{91240B29-F687-4f45-9708-019B960494DF}">
-                <a14:hiddenLine xmlns:a14="http://schemas.microsoft.com/office/drawing/2010/main" xmlns="" w="9525">
+                <a14:hiddenLine xmlns="" xmlns:a14="http://schemas.microsoft.com/office/drawing/2010/main" w="9525">
                   <a:solidFill>
                     <a:srgbClr val="000000"/>
                   </a:solidFill>
@@ -410,7 +416,7 @@
             </a:ln>
             <a:extLst>
               <a:ext uri="{91240B29-F687-4f45-9708-019B960494DF}">
-                <a14:hiddenLine xmlns:a14="http://schemas.microsoft.com/office/drawing/2010/main" xmlns="" w="9525">
+                <a14:hiddenLine xmlns="" xmlns:a14="http://schemas.microsoft.com/office/drawing/2010/main" w="9525">
                   <a:solidFill>
                     <a:srgbClr val="000000"/>
                   </a:solidFill>
@@ -444,7 +450,7 @@
             </a:ln>
             <a:extLst>
               <a:ext uri="{91240B29-F687-4f45-9708-019B960494DF}">
-                <a14:hiddenLine xmlns:a14="http://schemas.microsoft.com/office/drawing/2010/main" xmlns="" w="9525">
+                <a14:hiddenLine xmlns="" xmlns:a14="http://schemas.microsoft.com/office/drawing/2010/main" w="9525">
                   <a:solidFill>
                     <a:srgbClr val="000000"/>
                   </a:solidFill>
@@ -534,7 +540,7 @@
             </a:ln>
             <a:extLst>
               <a:ext uri="{91240B29-F687-4f45-9708-019B960494DF}">
-                <a14:hiddenLine xmlns:a14="http://schemas.microsoft.com/office/drawing/2010/main" xmlns="" w="9525">
+                <a14:hiddenLine xmlns="" xmlns:a14="http://schemas.microsoft.com/office/drawing/2010/main" w="9525">
                   <a:solidFill>
                     <a:srgbClr val="000000"/>
                   </a:solidFill>
@@ -596,7 +602,7 @@
             </a:ln>
             <a:extLst>
               <a:ext uri="{91240B29-F687-4f45-9708-019B960494DF}">
-                <a14:hiddenLine xmlns:a14="http://schemas.microsoft.com/office/drawing/2010/main" xmlns="" w="9525">
+                <a14:hiddenLine xmlns="" xmlns:a14="http://schemas.microsoft.com/office/drawing/2010/main" w="9525">
                   <a:solidFill>
                     <a:srgbClr val="000000"/>
                   </a:solidFill>
@@ -658,7 +664,7 @@
             </a:ln>
             <a:extLst>
               <a:ext uri="{91240B29-F687-4f45-9708-019B960494DF}">
-                <a14:hiddenLine xmlns:a14="http://schemas.microsoft.com/office/drawing/2010/main" xmlns="" w="9525">
+                <a14:hiddenLine xmlns="" xmlns:a14="http://schemas.microsoft.com/office/drawing/2010/main" w="9525">
                   <a:solidFill>
                     <a:srgbClr val="000000"/>
                   </a:solidFill>
@@ -748,7 +754,7 @@
             </a:ln>
             <a:extLst>
               <a:ext uri="{91240B29-F687-4f45-9708-019B960494DF}">
-                <a14:hiddenLine xmlns:a14="http://schemas.microsoft.com/office/drawing/2010/main" xmlns="" w="9525">
+                <a14:hiddenLine xmlns="" xmlns:a14="http://schemas.microsoft.com/office/drawing/2010/main" w="9525">
                   <a:solidFill>
                     <a:srgbClr val="000000"/>
                   </a:solidFill>
@@ -810,7 +816,7 @@
             </a:ln>
             <a:extLst>
               <a:ext uri="{91240B29-F687-4f45-9708-019B960494DF}">
-                <a14:hiddenLine xmlns:a14="http://schemas.microsoft.com/office/drawing/2010/main" xmlns="" w="9525">
+                <a14:hiddenLine xmlns="" xmlns:a14="http://schemas.microsoft.com/office/drawing/2010/main" w="9525">
                   <a:solidFill>
                     <a:srgbClr val="000000"/>
                   </a:solidFill>
@@ -872,7 +878,7 @@
             </a:ln>
             <a:extLst>
               <a:ext uri="{91240B29-F687-4f45-9708-019B960494DF}">
-                <a14:hiddenLine xmlns:a14="http://schemas.microsoft.com/office/drawing/2010/main" xmlns="" w="9525">
+                <a14:hiddenLine xmlns="" xmlns:a14="http://schemas.microsoft.com/office/drawing/2010/main" w="9525">
                   <a:solidFill>
                     <a:srgbClr val="000000"/>
                   </a:solidFill>
@@ -962,7 +968,7 @@
             </a:ln>
             <a:extLst>
               <a:ext uri="{91240B29-F687-4f45-9708-019B960494DF}">
-                <a14:hiddenLine xmlns:a14="http://schemas.microsoft.com/office/drawing/2010/main" xmlns="" w="9525">
+                <a14:hiddenLine xmlns="" xmlns:a14="http://schemas.microsoft.com/office/drawing/2010/main" w="9525">
                   <a:solidFill>
                     <a:srgbClr val="000000"/>
                   </a:solidFill>
@@ -1052,7 +1058,7 @@
             </a:ln>
             <a:extLst>
               <a:ext uri="{91240B29-F687-4f45-9708-019B960494DF}">
-                <a14:hiddenLine xmlns:a14="http://schemas.microsoft.com/office/drawing/2010/main" xmlns="" w="9525">
+                <a14:hiddenLine xmlns="" xmlns:a14="http://schemas.microsoft.com/office/drawing/2010/main" w="9525">
                   <a:solidFill>
                     <a:srgbClr val="000000"/>
                   </a:solidFill>
@@ -1114,7 +1120,7 @@
             </a:ln>
             <a:extLst>
               <a:ext uri="{91240B29-F687-4f45-9708-019B960494DF}">
-                <a14:hiddenLine xmlns:a14="http://schemas.microsoft.com/office/drawing/2010/main" xmlns="" w="9525">
+                <a14:hiddenLine xmlns="" xmlns:a14="http://schemas.microsoft.com/office/drawing/2010/main" w="9525">
                   <a:solidFill>
                     <a:srgbClr val="000000"/>
                   </a:solidFill>
@@ -1224,7 +1230,7 @@
             </a:ln>
             <a:extLst>
               <a:ext uri="{91240B29-F687-4f45-9708-019B960494DF}">
-                <a14:hiddenLine xmlns:a14="http://schemas.microsoft.com/office/drawing/2010/main" xmlns="" w="9525">
+                <a14:hiddenLine xmlns="" xmlns:a14="http://schemas.microsoft.com/office/drawing/2010/main" w="9525">
                   <a:solidFill>
                     <a:srgbClr val="000000"/>
                   </a:solidFill>
@@ -1286,7 +1292,7 @@
             </a:ln>
             <a:extLst>
               <a:ext uri="{91240B29-F687-4f45-9708-019B960494DF}">
-                <a14:hiddenLine xmlns:a14="http://schemas.microsoft.com/office/drawing/2010/main" xmlns="" w="9525">
+                <a14:hiddenLine xmlns="" xmlns:a14="http://schemas.microsoft.com/office/drawing/2010/main" w="9525">
                   <a:solidFill>
                     <a:srgbClr val="000000"/>
                   </a:solidFill>
@@ -1376,7 +1382,7 @@
             </a:ln>
             <a:extLst>
               <a:ext uri="{91240B29-F687-4f45-9708-019B960494DF}">
-                <a14:hiddenLine xmlns:a14="http://schemas.microsoft.com/office/drawing/2010/main" xmlns="" w="9525">
+                <a14:hiddenLine xmlns="" xmlns:a14="http://schemas.microsoft.com/office/drawing/2010/main" w="9525">
                   <a:solidFill>
                     <a:srgbClr val="000000"/>
                   </a:solidFill>
@@ -1466,7 +1472,7 @@
             </a:ln>
             <a:extLst>
               <a:ext uri="{91240B29-F687-4f45-9708-019B960494DF}">
-                <a14:hiddenLine xmlns:a14="http://schemas.microsoft.com/office/drawing/2010/main" xmlns="" w="9525">
+                <a14:hiddenLine xmlns="" xmlns:a14="http://schemas.microsoft.com/office/drawing/2010/main" w="9525">
                   <a:solidFill>
                     <a:srgbClr val="000000"/>
                   </a:solidFill>
@@ -1528,7 +1534,7 @@
             </a:ln>
             <a:extLst>
               <a:ext uri="{91240B29-F687-4f45-9708-019B960494DF}">
-                <a14:hiddenLine xmlns:a14="http://schemas.microsoft.com/office/drawing/2010/main" xmlns="" w="9525">
+                <a14:hiddenLine xmlns="" xmlns:a14="http://schemas.microsoft.com/office/drawing/2010/main" w="9525">
                   <a:solidFill>
                     <a:srgbClr val="000000"/>
                   </a:solidFill>
@@ -1618,7 +1624,7 @@
             </a:ln>
             <a:extLst>
               <a:ext uri="{91240B29-F687-4f45-9708-019B960494DF}">
-                <a14:hiddenLine xmlns:a14="http://schemas.microsoft.com/office/drawing/2010/main" xmlns="" w="9525">
+                <a14:hiddenLine xmlns="" xmlns:a14="http://schemas.microsoft.com/office/drawing/2010/main" w="9525">
                   <a:solidFill>
                     <a:srgbClr val="000000"/>
                   </a:solidFill>
@@ -1708,7 +1714,7 @@
             </a:ln>
             <a:extLst>
               <a:ext uri="{91240B29-F687-4f45-9708-019B960494DF}">
-                <a14:hiddenLine xmlns:a14="http://schemas.microsoft.com/office/drawing/2010/main" xmlns="" w="9525">
+                <a14:hiddenLine xmlns="" xmlns:a14="http://schemas.microsoft.com/office/drawing/2010/main" w="9525">
                   <a:solidFill>
                     <a:srgbClr val="000000"/>
                   </a:solidFill>
@@ -1764,7 +1770,7 @@
             </a:ln>
             <a:extLst>
               <a:ext uri="{91240B29-F687-4f45-9708-019B960494DF}">
-                <a14:hiddenLine xmlns:a14="http://schemas.microsoft.com/office/drawing/2010/main" xmlns="" w="9525">
+                <a14:hiddenLine xmlns="" xmlns:a14="http://schemas.microsoft.com/office/drawing/2010/main" w="9525">
                   <a:solidFill>
                     <a:srgbClr val="000000"/>
                   </a:solidFill>
@@ -1854,7 +1860,7 @@
             </a:ln>
             <a:extLst>
               <a:ext uri="{91240B29-F687-4f45-9708-019B960494DF}">
-                <a14:hiddenLine xmlns:a14="http://schemas.microsoft.com/office/drawing/2010/main" xmlns="" w="9525">
+                <a14:hiddenLine xmlns="" xmlns:a14="http://schemas.microsoft.com/office/drawing/2010/main" w="9525">
                   <a:solidFill>
                     <a:srgbClr val="000000"/>
                   </a:solidFill>
@@ -1910,7 +1916,7 @@
             </a:ln>
             <a:extLst>
               <a:ext uri="{91240B29-F687-4f45-9708-019B960494DF}">
-                <a14:hiddenLine xmlns:a14="http://schemas.microsoft.com/office/drawing/2010/main" xmlns="" w="9525">
+                <a14:hiddenLine xmlns="" xmlns:a14="http://schemas.microsoft.com/office/drawing/2010/main" w="9525">
                   <a:solidFill>
                     <a:srgbClr val="000000"/>
                   </a:solidFill>
@@ -2000,7 +2006,7 @@
             </a:ln>
             <a:extLst>
               <a:ext uri="{91240B29-F687-4f45-9708-019B960494DF}">
-                <a14:hiddenLine xmlns:a14="http://schemas.microsoft.com/office/drawing/2010/main" xmlns="" w="9525">
+                <a14:hiddenLine xmlns="" xmlns:a14="http://schemas.microsoft.com/office/drawing/2010/main" w="9525">
                   <a:solidFill>
                     <a:srgbClr val="000000"/>
                   </a:solidFill>
@@ -2068,7 +2074,7 @@
             </a:ln>
             <a:extLst>
               <a:ext uri="{91240B29-F687-4f45-9708-019B960494DF}">
-                <a14:hiddenLine xmlns:a14="http://schemas.microsoft.com/office/drawing/2010/main" xmlns="" w="9525">
+                <a14:hiddenLine xmlns="" xmlns:a14="http://schemas.microsoft.com/office/drawing/2010/main" w="9525">
                   <a:solidFill>
                     <a:srgbClr val="000000"/>
                   </a:solidFill>
@@ -2158,7 +2164,7 @@
             </a:ln>
             <a:extLst>
               <a:ext uri="{91240B29-F687-4f45-9708-019B960494DF}">
-                <a14:hiddenLine xmlns:a14="http://schemas.microsoft.com/office/drawing/2010/main" xmlns="" w="9525">
+                <a14:hiddenLine xmlns="" xmlns:a14="http://schemas.microsoft.com/office/drawing/2010/main" w="9525">
                   <a:solidFill>
                     <a:srgbClr val="000000"/>
                   </a:solidFill>
@@ -2226,7 +2232,7 @@
             </a:ln>
             <a:extLst>
               <a:ext uri="{91240B29-F687-4f45-9708-019B960494DF}">
-                <a14:hiddenLine xmlns:a14="http://schemas.microsoft.com/office/drawing/2010/main" xmlns="" w="9525">
+                <a14:hiddenLine xmlns="" xmlns:a14="http://schemas.microsoft.com/office/drawing/2010/main" w="9525">
                   <a:solidFill>
                     <a:srgbClr val="000000"/>
                   </a:solidFill>
@@ -2316,7 +2322,7 @@
             </a:ln>
             <a:extLst>
               <a:ext uri="{91240B29-F687-4f45-9708-019B960494DF}">
-                <a14:hiddenLine xmlns:a14="http://schemas.microsoft.com/office/drawing/2010/main" xmlns="" w="9525">
+                <a14:hiddenLine xmlns="" xmlns:a14="http://schemas.microsoft.com/office/drawing/2010/main" w="9525">
                   <a:solidFill>
                     <a:srgbClr val="000000"/>
                   </a:solidFill>
@@ -2350,7 +2356,7 @@
             </a:ln>
             <a:extLst>
               <a:ext uri="{91240B29-F687-4f45-9708-019B960494DF}">
-                <a14:hiddenLine xmlns:a14="http://schemas.microsoft.com/office/drawing/2010/main" xmlns="" w="9525">
+                <a14:hiddenLine xmlns="" xmlns:a14="http://schemas.microsoft.com/office/drawing/2010/main" w="9525">
                   <a:solidFill>
                     <a:srgbClr val="000000"/>
                   </a:solidFill>
@@ -2440,7 +2446,7 @@
             </a:ln>
             <a:extLst>
               <a:ext uri="{91240B29-F687-4f45-9708-019B960494DF}">
-                <a14:hiddenLine xmlns:a14="http://schemas.microsoft.com/office/drawing/2010/main" xmlns="" w="9525">
+                <a14:hiddenLine xmlns="" xmlns:a14="http://schemas.microsoft.com/office/drawing/2010/main" w="9525">
                   <a:solidFill>
                     <a:srgbClr val="000000"/>
                   </a:solidFill>
@@ -2502,7 +2508,7 @@
             </a:ln>
             <a:extLst>
               <a:ext uri="{91240B29-F687-4f45-9708-019B960494DF}">
-                <a14:hiddenLine xmlns:a14="http://schemas.microsoft.com/office/drawing/2010/main" xmlns="" w="9525">
+                <a14:hiddenLine xmlns="" xmlns:a14="http://schemas.microsoft.com/office/drawing/2010/main" w="9525">
                   <a:solidFill>
                     <a:srgbClr val="000000"/>
                   </a:solidFill>
@@ -2564,7 +2570,7 @@
             </a:ln>
             <a:extLst>
               <a:ext uri="{91240B29-F687-4f45-9708-019B960494DF}">
-                <a14:hiddenLine xmlns:a14="http://schemas.microsoft.com/office/drawing/2010/main" xmlns="" w="9525">
+                <a14:hiddenLine xmlns="" xmlns:a14="http://schemas.microsoft.com/office/drawing/2010/main" w="9525">
                   <a:solidFill>
                     <a:srgbClr val="000000"/>
                   </a:solidFill>
@@ -2654,7 +2660,7 @@
             </a:ln>
             <a:extLst>
               <a:ext uri="{91240B29-F687-4f45-9708-019B960494DF}">
-                <a14:hiddenLine xmlns:a14="http://schemas.microsoft.com/office/drawing/2010/main" xmlns="" w="9525">
+                <a14:hiddenLine xmlns="" xmlns:a14="http://schemas.microsoft.com/office/drawing/2010/main" w="9525">
                   <a:solidFill>
                     <a:srgbClr val="000000"/>
                   </a:solidFill>
@@ -2722,7 +2728,7 @@
             </a:ln>
             <a:extLst>
               <a:ext uri="{91240B29-F687-4f45-9708-019B960494DF}">
-                <a14:hiddenLine xmlns:a14="http://schemas.microsoft.com/office/drawing/2010/main" xmlns="" w="9525">
+                <a14:hiddenLine xmlns="" xmlns:a14="http://schemas.microsoft.com/office/drawing/2010/main" w="9525">
                   <a:solidFill>
                     <a:srgbClr val="000000"/>
                   </a:solidFill>
@@ -2784,7 +2790,7 @@
             </a:ln>
             <a:extLst>
               <a:ext uri="{91240B29-F687-4f45-9708-019B960494DF}">
-                <a14:hiddenLine xmlns:a14="http://schemas.microsoft.com/office/drawing/2010/main" xmlns="" w="9525">
+                <a14:hiddenLine xmlns="" xmlns:a14="http://schemas.microsoft.com/office/drawing/2010/main" w="9525">
                   <a:solidFill>
                     <a:srgbClr val="000000"/>
                   </a:solidFill>
@@ -2874,7 +2880,7 @@
             </a:ln>
             <a:extLst>
               <a:ext uri="{91240B29-F687-4f45-9708-019B960494DF}">
-                <a14:hiddenLine xmlns:a14="http://schemas.microsoft.com/office/drawing/2010/main" xmlns="" w="9525">
+                <a14:hiddenLine xmlns="" xmlns:a14="http://schemas.microsoft.com/office/drawing/2010/main" w="9525">
                   <a:solidFill>
                     <a:srgbClr val="000000"/>
                   </a:solidFill>
@@ -2936,7 +2942,7 @@
             </a:ln>
             <a:extLst>
               <a:ext uri="{91240B29-F687-4f45-9708-019B960494DF}">
-                <a14:hiddenLine xmlns:a14="http://schemas.microsoft.com/office/drawing/2010/main" xmlns="" w="9525">
+                <a14:hiddenLine xmlns="" xmlns:a14="http://schemas.microsoft.com/office/drawing/2010/main" w="9525">
                   <a:solidFill>
                     <a:srgbClr val="000000"/>
                   </a:solidFill>
@@ -3026,7 +3032,7 @@
             </a:ln>
             <a:extLst>
               <a:ext uri="{91240B29-F687-4f45-9708-019B960494DF}">
-                <a14:hiddenLine xmlns:a14="http://schemas.microsoft.com/office/drawing/2010/main" xmlns="" w="9525">
+                <a14:hiddenLine xmlns="" xmlns:a14="http://schemas.microsoft.com/office/drawing/2010/main" w="9525">
                   <a:solidFill>
                     <a:srgbClr val="000000"/>
                   </a:solidFill>
@@ -3088,7 +3094,7 @@
             </a:ln>
             <a:extLst>
               <a:ext uri="{91240B29-F687-4f45-9708-019B960494DF}">
-                <a14:hiddenLine xmlns:a14="http://schemas.microsoft.com/office/drawing/2010/main" xmlns="" w="9525">
+                <a14:hiddenLine xmlns="" xmlns:a14="http://schemas.microsoft.com/office/drawing/2010/main" w="9525">
                   <a:solidFill>
                     <a:srgbClr val="000000"/>
                   </a:solidFill>
@@ -3178,7 +3184,7 @@
             </a:ln>
             <a:extLst>
               <a:ext uri="{91240B29-F687-4f45-9708-019B960494DF}">
-                <a14:hiddenLine xmlns:a14="http://schemas.microsoft.com/office/drawing/2010/main" xmlns="" w="9525">
+                <a14:hiddenLine xmlns="" xmlns:a14="http://schemas.microsoft.com/office/drawing/2010/main" w="9525">
                   <a:solidFill>
                     <a:srgbClr val="000000"/>
                   </a:solidFill>
@@ -3212,7 +3218,7 @@
             </a:ln>
             <a:extLst>
               <a:ext uri="{91240B29-F687-4f45-9708-019B960494DF}">
-                <a14:hiddenLine xmlns:a14="http://schemas.microsoft.com/office/drawing/2010/main" xmlns="" w="9525">
+                <a14:hiddenLine xmlns="" xmlns:a14="http://schemas.microsoft.com/office/drawing/2010/main" w="9525">
                   <a:solidFill>
                     <a:srgbClr val="000000"/>
                   </a:solidFill>
@@ -3277,7 +3283,7 @@
             </a:ln>
             <a:extLst>
               <a:ext uri="{91240B29-F687-4f45-9708-019B960494DF}">
-                <a14:hiddenLine xmlns:a14="http://schemas.microsoft.com/office/drawing/2010/main" xmlns="" w="9525">
+                <a14:hiddenLine xmlns="" xmlns:a14="http://schemas.microsoft.com/office/drawing/2010/main" w="9525">
                   <a:solidFill>
                     <a:srgbClr val="000000"/>
                   </a:solidFill>
@@ -3367,7 +3373,7 @@
             </a:ln>
             <a:extLst>
               <a:ext uri="{91240B29-F687-4f45-9708-019B960494DF}">
-                <a14:hiddenLine xmlns:a14="http://schemas.microsoft.com/office/drawing/2010/main" xmlns="" w="9525">
+                <a14:hiddenLine xmlns="" xmlns:a14="http://schemas.microsoft.com/office/drawing/2010/main" w="9525">
                   <a:solidFill>
                     <a:srgbClr val="000000"/>
                   </a:solidFill>
@@ -3429,7 +3435,7 @@
             </a:ln>
             <a:extLst>
               <a:ext uri="{91240B29-F687-4f45-9708-019B960494DF}">
-                <a14:hiddenLine xmlns:a14="http://schemas.microsoft.com/office/drawing/2010/main" xmlns="" w="9525">
+                <a14:hiddenLine xmlns="" xmlns:a14="http://schemas.microsoft.com/office/drawing/2010/main" w="9525">
                   <a:solidFill>
                     <a:srgbClr val="000000"/>
                   </a:solidFill>
@@ -3519,7 +3525,7 @@
             </a:ln>
             <a:extLst>
               <a:ext uri="{91240B29-F687-4f45-9708-019B960494DF}">
-                <a14:hiddenLine xmlns:a14="http://schemas.microsoft.com/office/drawing/2010/main" xmlns="" w="9525">
+                <a14:hiddenLine xmlns="" xmlns:a14="http://schemas.microsoft.com/office/drawing/2010/main" w="9525">
                   <a:solidFill>
                     <a:srgbClr val="000000"/>
                   </a:solidFill>
@@ -3609,7 +3615,7 @@
             </a:ln>
             <a:extLst>
               <a:ext uri="{91240B29-F687-4f45-9708-019B960494DF}">
-                <a14:hiddenLine xmlns:a14="http://schemas.microsoft.com/office/drawing/2010/main" xmlns="" w="9525">
+                <a14:hiddenLine xmlns="" xmlns:a14="http://schemas.microsoft.com/office/drawing/2010/main" w="9525">
                   <a:solidFill>
                     <a:srgbClr val="000000"/>
                   </a:solidFill>
@@ -3674,7 +3680,7 @@
             </a:ln>
             <a:extLst>
               <a:ext uri="{91240B29-F687-4f45-9708-019B960494DF}">
-                <a14:hiddenLine xmlns:a14="http://schemas.microsoft.com/office/drawing/2010/main" xmlns="" w="9525">
+                <a14:hiddenLine xmlns="" xmlns:a14="http://schemas.microsoft.com/office/drawing/2010/main" w="9525">
                   <a:solidFill>
                     <a:srgbClr val="000000"/>
                   </a:solidFill>
@@ -3736,7 +3742,7 @@
             </a:ln>
             <a:extLst>
               <a:ext uri="{91240B29-F687-4f45-9708-019B960494DF}">
-                <a14:hiddenLine xmlns:a14="http://schemas.microsoft.com/office/drawing/2010/main" xmlns="" w="9525">
+                <a14:hiddenLine xmlns="" xmlns:a14="http://schemas.microsoft.com/office/drawing/2010/main" w="9525">
                   <a:solidFill>
                     <a:srgbClr val="000000"/>
                   </a:solidFill>
@@ -3826,7 +3832,7 @@
             </a:ln>
             <a:extLst>
               <a:ext uri="{91240B29-F687-4f45-9708-019B960494DF}">
-                <a14:hiddenLine xmlns:a14="http://schemas.microsoft.com/office/drawing/2010/main" xmlns="" w="9525">
+                <a14:hiddenLine xmlns="" xmlns:a14="http://schemas.microsoft.com/office/drawing/2010/main" w="9525">
                   <a:solidFill>
                     <a:srgbClr val="000000"/>
                   </a:solidFill>
@@ -3916,7 +3922,7 @@
             </a:ln>
             <a:extLst>
               <a:ext uri="{91240B29-F687-4f45-9708-019B960494DF}">
-                <a14:hiddenLine xmlns:a14="http://schemas.microsoft.com/office/drawing/2010/main" xmlns="" w="9525">
+                <a14:hiddenLine xmlns="" xmlns:a14="http://schemas.microsoft.com/office/drawing/2010/main" w="9525">
                   <a:solidFill>
                     <a:srgbClr val="000000"/>
                   </a:solidFill>
@@ -3978,7 +3984,7 @@
             </a:ln>
             <a:extLst>
               <a:ext uri="{91240B29-F687-4f45-9708-019B960494DF}">
-                <a14:hiddenLine xmlns:a14="http://schemas.microsoft.com/office/drawing/2010/main" xmlns="" w="9525">
+                <a14:hiddenLine xmlns="" xmlns:a14="http://schemas.microsoft.com/office/drawing/2010/main" w="9525">
                   <a:solidFill>
                     <a:srgbClr val="000000"/>
                   </a:solidFill>
@@ -4098,7 +4104,7 @@
             </a:ln>
             <a:extLst>
               <a:ext uri="{91240B29-F687-4f45-9708-019B960494DF}">
-                <a14:hiddenLine xmlns:a14="http://schemas.microsoft.com/office/drawing/2010/main" xmlns="" w="9525">
+                <a14:hiddenLine xmlns="" xmlns:a14="http://schemas.microsoft.com/office/drawing/2010/main" w="9525">
                   <a:solidFill>
                     <a:srgbClr val="000000"/>
                   </a:solidFill>
@@ -4166,7 +4172,7 @@
             </a:ln>
             <a:extLst>
               <a:ext uri="{91240B29-F687-4f45-9708-019B960494DF}">
-                <a14:hiddenLine xmlns:a14="http://schemas.microsoft.com/office/drawing/2010/main" xmlns="" w="9525">
+                <a14:hiddenLine xmlns="" xmlns:a14="http://schemas.microsoft.com/office/drawing/2010/main" w="9525">
                   <a:solidFill>
                     <a:srgbClr val="000000"/>
                   </a:solidFill>
@@ -4256,7 +4262,7 @@
             </a:ln>
             <a:extLst>
               <a:ext uri="{91240B29-F687-4f45-9708-019B960494DF}">
-                <a14:hiddenLine xmlns:a14="http://schemas.microsoft.com/office/drawing/2010/main" xmlns="" w="9525">
+                <a14:hiddenLine xmlns="" xmlns:a14="http://schemas.microsoft.com/office/drawing/2010/main" w="9525">
                   <a:solidFill>
                     <a:srgbClr val="000000"/>
                   </a:solidFill>
@@ -4396,7 +4402,7 @@
           <a:p>
             <a:fld id="{DBFB03AA-6361-4CA4-9C2A-B9A8C3B8A834}" type="datetimeFigureOut">
               <a:rPr lang="cs-CZ" smtClean="0"/>
-              <a:t>16.01.2023</a:t>
+              <a:t>17.01.2023</a:t>
             </a:fld>
             <a:endParaRPr lang="cs-CZ"/>
           </a:p>
@@ -4663,7 +4669,7 @@
           <a:p>
             <a:fld id="{DBFB03AA-6361-4CA4-9C2A-B9A8C3B8A834}" type="datetimeFigureOut">
               <a:rPr lang="cs-CZ" smtClean="0"/>
-              <a:t>16.01.2023</a:t>
+              <a:t>17.01.2023</a:t>
             </a:fld>
             <a:endParaRPr lang="cs-CZ"/>
           </a:p>
@@ -4859,7 +4865,7 @@
           <a:p>
             <a:fld id="{DBFB03AA-6361-4CA4-9C2A-B9A8C3B8A834}" type="datetimeFigureOut">
               <a:rPr lang="cs-CZ" smtClean="0"/>
-              <a:t>16.01.2023</a:t>
+              <a:t>17.01.2023</a:t>
             </a:fld>
             <a:endParaRPr lang="cs-CZ"/>
           </a:p>
@@ -5122,7 +5128,7 @@
           <a:p>
             <a:fld id="{DBFB03AA-6361-4CA4-9C2A-B9A8C3B8A834}" type="datetimeFigureOut">
               <a:rPr lang="cs-CZ" smtClean="0"/>
-              <a:t>16.01.2023</a:t>
+              <a:t>17.01.2023</a:t>
             </a:fld>
             <a:endParaRPr lang="cs-CZ"/>
           </a:p>
@@ -5556,7 +5562,7 @@
           <a:p>
             <a:fld id="{DBFB03AA-6361-4CA4-9C2A-B9A8C3B8A834}" type="datetimeFigureOut">
               <a:rPr lang="cs-CZ" smtClean="0"/>
-              <a:t>16.01.2023</a:t>
+              <a:t>17.01.2023</a:t>
             </a:fld>
             <a:endParaRPr lang="cs-CZ"/>
           </a:p>
@@ -6102,7 +6108,7 @@
           <a:p>
             <a:fld id="{DBFB03AA-6361-4CA4-9C2A-B9A8C3B8A834}" type="datetimeFigureOut">
               <a:rPr lang="cs-CZ" smtClean="0"/>
-              <a:t>16.01.2023</a:t>
+              <a:t>17.01.2023</a:t>
             </a:fld>
             <a:endParaRPr lang="cs-CZ"/>
           </a:p>
@@ -6822,7 +6828,7 @@
           <a:p>
             <a:fld id="{DBFB03AA-6361-4CA4-9C2A-B9A8C3B8A834}" type="datetimeFigureOut">
               <a:rPr lang="cs-CZ" smtClean="0"/>
-              <a:t>16.01.2023</a:t>
+              <a:t>17.01.2023</a:t>
             </a:fld>
             <a:endParaRPr lang="cs-CZ"/>
           </a:p>
@@ -6992,7 +6998,7 @@
           <a:p>
             <a:fld id="{DBFB03AA-6361-4CA4-9C2A-B9A8C3B8A834}" type="datetimeFigureOut">
               <a:rPr lang="cs-CZ" smtClean="0"/>
-              <a:t>16.01.2023</a:t>
+              <a:t>17.01.2023</a:t>
             </a:fld>
             <a:endParaRPr lang="cs-CZ"/>
           </a:p>
@@ -7172,7 +7178,7 @@
           <a:p>
             <a:fld id="{DBFB03AA-6361-4CA4-9C2A-B9A8C3B8A834}" type="datetimeFigureOut">
               <a:rPr lang="cs-CZ" smtClean="0"/>
-              <a:t>16.01.2023</a:t>
+              <a:t>17.01.2023</a:t>
             </a:fld>
             <a:endParaRPr lang="cs-CZ"/>
           </a:p>
@@ -7342,7 +7348,7 @@
           <a:p>
             <a:fld id="{DBFB03AA-6361-4CA4-9C2A-B9A8C3B8A834}" type="datetimeFigureOut">
               <a:rPr lang="cs-CZ" smtClean="0"/>
-              <a:t>16.01.2023</a:t>
+              <a:t>17.01.2023</a:t>
             </a:fld>
             <a:endParaRPr lang="cs-CZ"/>
           </a:p>
@@ -7592,7 +7598,7 @@
           <a:p>
             <a:fld id="{DBFB03AA-6361-4CA4-9C2A-B9A8C3B8A834}" type="datetimeFigureOut">
               <a:rPr lang="cs-CZ" smtClean="0"/>
-              <a:t>16.01.2023</a:t>
+              <a:t>17.01.2023</a:t>
             </a:fld>
             <a:endParaRPr lang="cs-CZ"/>
           </a:p>
@@ -7824,7 +7830,7 @@
           <a:p>
             <a:fld id="{DBFB03AA-6361-4CA4-9C2A-B9A8C3B8A834}" type="datetimeFigureOut">
               <a:rPr lang="cs-CZ" smtClean="0"/>
-              <a:t>16.01.2023</a:t>
+              <a:t>17.01.2023</a:t>
             </a:fld>
             <a:endParaRPr lang="cs-CZ"/>
           </a:p>
@@ -8205,7 +8211,7 @@
           <a:p>
             <a:fld id="{DBFB03AA-6361-4CA4-9C2A-B9A8C3B8A834}" type="datetimeFigureOut">
               <a:rPr lang="cs-CZ" smtClean="0"/>
-              <a:t>16.01.2023</a:t>
+              <a:t>17.01.2023</a:t>
             </a:fld>
             <a:endParaRPr lang="cs-CZ"/>
           </a:p>
@@ -8323,7 +8329,7 @@
           <a:p>
             <a:fld id="{DBFB03AA-6361-4CA4-9C2A-B9A8C3B8A834}" type="datetimeFigureOut">
               <a:rPr lang="cs-CZ" smtClean="0"/>
-              <a:t>16.01.2023</a:t>
+              <a:t>17.01.2023</a:t>
             </a:fld>
             <a:endParaRPr lang="cs-CZ"/>
           </a:p>
@@ -8418,7 +8424,7 @@
           <a:p>
             <a:fld id="{DBFB03AA-6361-4CA4-9C2A-B9A8C3B8A834}" type="datetimeFigureOut">
               <a:rPr lang="cs-CZ" smtClean="0"/>
-              <a:t>16.01.2023</a:t>
+              <a:t>17.01.2023</a:t>
             </a:fld>
             <a:endParaRPr lang="cs-CZ"/>
           </a:p>
@@ -8667,7 +8673,7 @@
           <a:p>
             <a:fld id="{DBFB03AA-6361-4CA4-9C2A-B9A8C3B8A834}" type="datetimeFigureOut">
               <a:rPr lang="cs-CZ" smtClean="0"/>
-              <a:t>16.01.2023</a:t>
+              <a:t>17.01.2023</a:t>
             </a:fld>
             <a:endParaRPr lang="cs-CZ"/>
           </a:p>
@@ -8947,7 +8953,7 @@
           <a:p>
             <a:fld id="{DBFB03AA-6361-4CA4-9C2A-B9A8C3B8A834}" type="datetimeFigureOut">
               <a:rPr lang="cs-CZ" smtClean="0"/>
-              <a:t>16.01.2023</a:t>
+              <a:t>17.01.2023</a:t>
             </a:fld>
             <a:endParaRPr lang="cs-CZ"/>
           </a:p>
@@ -9063,7 +9069,7 @@
           <a:noFill/>
           <a:extLst>
             <a:ext uri="{909E8E84-426E-40dd-AFC4-6F175D3DCCD1}">
-              <a14:hiddenFill xmlns:a14="http://schemas.microsoft.com/office/drawing/2010/main" xmlns="">
+              <a14:hiddenFill xmlns="" xmlns:a14="http://schemas.microsoft.com/office/drawing/2010/main">
                 <a:solidFill>
                   <a:srgbClr val="FFFFFF"/>
                 </a:solidFill>
@@ -9137,7 +9143,7 @@
               </a:ln>
               <a:extLst>
                 <a:ext uri="{91240B29-F687-4f45-9708-019B960494DF}">
-                  <a14:hiddenLine xmlns:a14="http://schemas.microsoft.com/office/drawing/2010/main" xmlns="" w="9525">
+                  <a14:hiddenLine xmlns="" xmlns:a14="http://schemas.microsoft.com/office/drawing/2010/main" w="9525">
                     <a:solidFill>
                       <a:srgbClr val="000000"/>
                     </a:solidFill>
@@ -9227,7 +9233,7 @@
               </a:ln>
               <a:extLst>
                 <a:ext uri="{91240B29-F687-4f45-9708-019B960494DF}">
-                  <a14:hiddenLine xmlns:a14="http://schemas.microsoft.com/office/drawing/2010/main" xmlns="" w="9525">
+                  <a14:hiddenLine xmlns="" xmlns:a14="http://schemas.microsoft.com/office/drawing/2010/main" w="9525">
                     <a:solidFill>
                       <a:srgbClr val="000000"/>
                     </a:solidFill>
@@ -9317,7 +9323,7 @@
               </a:ln>
               <a:extLst>
                 <a:ext uri="{91240B29-F687-4f45-9708-019B960494DF}">
-                  <a14:hiddenLine xmlns:a14="http://schemas.microsoft.com/office/drawing/2010/main" xmlns="" w="9525">
+                  <a14:hiddenLine xmlns="" xmlns:a14="http://schemas.microsoft.com/office/drawing/2010/main" w="9525">
                     <a:solidFill>
                       <a:srgbClr val="000000"/>
                     </a:solidFill>
@@ -9379,7 +9385,7 @@
               </a:ln>
               <a:extLst>
                 <a:ext uri="{91240B29-F687-4f45-9708-019B960494DF}">
-                  <a14:hiddenLine xmlns:a14="http://schemas.microsoft.com/office/drawing/2010/main" xmlns="" w="9525">
+                  <a14:hiddenLine xmlns="" xmlns:a14="http://schemas.microsoft.com/office/drawing/2010/main" w="9525">
                     <a:solidFill>
                       <a:srgbClr val="000000"/>
                     </a:solidFill>
@@ -9469,7 +9475,7 @@
               </a:ln>
               <a:extLst>
                 <a:ext uri="{91240B29-F687-4f45-9708-019B960494DF}">
-                  <a14:hiddenLine xmlns:a14="http://schemas.microsoft.com/office/drawing/2010/main" xmlns="" w="9525">
+                  <a14:hiddenLine xmlns="" xmlns:a14="http://schemas.microsoft.com/office/drawing/2010/main" w="9525">
                     <a:solidFill>
                       <a:srgbClr val="000000"/>
                     </a:solidFill>
@@ -9531,7 +9537,7 @@
               </a:ln>
               <a:extLst>
                 <a:ext uri="{91240B29-F687-4f45-9708-019B960494DF}">
-                  <a14:hiddenLine xmlns:a14="http://schemas.microsoft.com/office/drawing/2010/main" xmlns="" w="9525">
+                  <a14:hiddenLine xmlns="" xmlns:a14="http://schemas.microsoft.com/office/drawing/2010/main" w="9525">
                     <a:solidFill>
                       <a:srgbClr val="000000"/>
                     </a:solidFill>
@@ -9593,7 +9599,7 @@
               </a:ln>
               <a:extLst>
                 <a:ext uri="{91240B29-F687-4f45-9708-019B960494DF}">
-                  <a14:hiddenLine xmlns:a14="http://schemas.microsoft.com/office/drawing/2010/main" xmlns="" w="9525">
+                  <a14:hiddenLine xmlns="" xmlns:a14="http://schemas.microsoft.com/office/drawing/2010/main" w="9525">
                     <a:solidFill>
                       <a:srgbClr val="000000"/>
                     </a:solidFill>
@@ -9683,7 +9689,7 @@
               </a:ln>
               <a:extLst>
                 <a:ext uri="{91240B29-F687-4f45-9708-019B960494DF}">
-                  <a14:hiddenLine xmlns:a14="http://schemas.microsoft.com/office/drawing/2010/main" xmlns="" w="9525">
+                  <a14:hiddenLine xmlns="" xmlns:a14="http://schemas.microsoft.com/office/drawing/2010/main" w="9525">
                     <a:solidFill>
                       <a:srgbClr val="000000"/>
                     </a:solidFill>
@@ -9773,7 +9779,7 @@
               </a:ln>
               <a:extLst>
                 <a:ext uri="{91240B29-F687-4f45-9708-019B960494DF}">
-                  <a14:hiddenLine xmlns:a14="http://schemas.microsoft.com/office/drawing/2010/main" xmlns="" w="9525">
+                  <a14:hiddenLine xmlns="" xmlns:a14="http://schemas.microsoft.com/office/drawing/2010/main" w="9525">
                     <a:solidFill>
                       <a:srgbClr val="000000"/>
                     </a:solidFill>
@@ -9835,7 +9841,7 @@
               </a:ln>
               <a:extLst>
                 <a:ext uri="{91240B29-F687-4f45-9708-019B960494DF}">
-                  <a14:hiddenLine xmlns:a14="http://schemas.microsoft.com/office/drawing/2010/main" xmlns="" w="9525">
+                  <a14:hiddenLine xmlns="" xmlns:a14="http://schemas.microsoft.com/office/drawing/2010/main" w="9525">
                     <a:solidFill>
                       <a:srgbClr val="000000"/>
                     </a:solidFill>
@@ -9945,7 +9951,7 @@
               </a:ln>
               <a:extLst>
                 <a:ext uri="{91240B29-F687-4f45-9708-019B960494DF}">
-                  <a14:hiddenLine xmlns:a14="http://schemas.microsoft.com/office/drawing/2010/main" xmlns="" w="9525">
+                  <a14:hiddenLine xmlns="" xmlns:a14="http://schemas.microsoft.com/office/drawing/2010/main" w="9525">
                     <a:solidFill>
                       <a:srgbClr val="000000"/>
                     </a:solidFill>
@@ -10029,7 +10035,7 @@
               </a:ln>
               <a:extLst>
                 <a:ext uri="{91240B29-F687-4f45-9708-019B960494DF}">
-                  <a14:hiddenLine xmlns:a14="http://schemas.microsoft.com/office/drawing/2010/main" xmlns="" w="9525">
+                  <a14:hiddenLine xmlns="" xmlns:a14="http://schemas.microsoft.com/office/drawing/2010/main" w="9525">
                     <a:solidFill>
                       <a:srgbClr val="000000"/>
                     </a:solidFill>
@@ -10091,7 +10097,7 @@
               </a:ln>
               <a:extLst>
                 <a:ext uri="{91240B29-F687-4f45-9708-019B960494DF}">
-                  <a14:hiddenLine xmlns:a14="http://schemas.microsoft.com/office/drawing/2010/main" xmlns="" w="9525">
+                  <a14:hiddenLine xmlns="" xmlns:a14="http://schemas.microsoft.com/office/drawing/2010/main" w="9525">
                     <a:solidFill>
                       <a:srgbClr val="000000"/>
                     </a:solidFill>
@@ -10153,7 +10159,7 @@
               </a:ln>
               <a:extLst>
                 <a:ext uri="{91240B29-F687-4f45-9708-019B960494DF}">
-                  <a14:hiddenLine xmlns:a14="http://schemas.microsoft.com/office/drawing/2010/main" xmlns="" w="9525">
+                  <a14:hiddenLine xmlns="" xmlns:a14="http://schemas.microsoft.com/office/drawing/2010/main" w="9525">
                     <a:solidFill>
                       <a:srgbClr val="000000"/>
                     </a:solidFill>
@@ -10243,7 +10249,7 @@
               </a:ln>
               <a:extLst>
                 <a:ext uri="{91240B29-F687-4f45-9708-019B960494DF}">
-                  <a14:hiddenLine xmlns:a14="http://schemas.microsoft.com/office/drawing/2010/main" xmlns="" w="9525">
+                  <a14:hiddenLine xmlns="" xmlns:a14="http://schemas.microsoft.com/office/drawing/2010/main" w="9525">
                     <a:solidFill>
                       <a:srgbClr val="000000"/>
                     </a:solidFill>
@@ -10277,7 +10283,7 @@
               </a:ln>
               <a:extLst>
                 <a:ext uri="{91240B29-F687-4f45-9708-019B960494DF}">
-                  <a14:hiddenLine xmlns:a14="http://schemas.microsoft.com/office/drawing/2010/main" xmlns="" w="9525">
+                  <a14:hiddenLine xmlns="" xmlns:a14="http://schemas.microsoft.com/office/drawing/2010/main" w="9525">
                     <a:solidFill>
                       <a:srgbClr val="000000"/>
                     </a:solidFill>
@@ -10342,7 +10348,7 @@
               </a:ln>
               <a:extLst>
                 <a:ext uri="{91240B29-F687-4f45-9708-019B960494DF}">
-                  <a14:hiddenLine xmlns:a14="http://schemas.microsoft.com/office/drawing/2010/main" xmlns="" w="9525">
+                  <a14:hiddenLine xmlns="" xmlns:a14="http://schemas.microsoft.com/office/drawing/2010/main" w="9525">
                     <a:solidFill>
                       <a:srgbClr val="000000"/>
                     </a:solidFill>
@@ -10432,7 +10438,7 @@
               </a:ln>
               <a:extLst>
                 <a:ext uri="{91240B29-F687-4f45-9708-019B960494DF}">
-                  <a14:hiddenLine xmlns:a14="http://schemas.microsoft.com/office/drawing/2010/main" xmlns="" w="9525">
+                  <a14:hiddenLine xmlns="" xmlns:a14="http://schemas.microsoft.com/office/drawing/2010/main" w="9525">
                     <a:solidFill>
                       <a:srgbClr val="000000"/>
                     </a:solidFill>
@@ -10494,7 +10500,7 @@
               </a:ln>
               <a:extLst>
                 <a:ext uri="{91240B29-F687-4f45-9708-019B960494DF}">
-                  <a14:hiddenLine xmlns:a14="http://schemas.microsoft.com/office/drawing/2010/main" xmlns="" w="9525">
+                  <a14:hiddenLine xmlns="" xmlns:a14="http://schemas.microsoft.com/office/drawing/2010/main" w="9525">
                     <a:solidFill>
                       <a:srgbClr val="000000"/>
                     </a:solidFill>
@@ -10584,7 +10590,7 @@
               </a:ln>
               <a:extLst>
                 <a:ext uri="{91240B29-F687-4f45-9708-019B960494DF}">
-                  <a14:hiddenLine xmlns:a14="http://schemas.microsoft.com/office/drawing/2010/main" xmlns="" w="9525">
+                  <a14:hiddenLine xmlns="" xmlns:a14="http://schemas.microsoft.com/office/drawing/2010/main" w="9525">
                     <a:solidFill>
                       <a:srgbClr val="000000"/>
                     </a:solidFill>
@@ -10649,7 +10655,7 @@
               </a:ln>
               <a:extLst>
                 <a:ext uri="{91240B29-F687-4f45-9708-019B960494DF}">
-                  <a14:hiddenLine xmlns:a14="http://schemas.microsoft.com/office/drawing/2010/main" xmlns="" w="9525">
+                  <a14:hiddenLine xmlns="" xmlns:a14="http://schemas.microsoft.com/office/drawing/2010/main" w="9525">
                     <a:solidFill>
                       <a:srgbClr val="000000"/>
                     </a:solidFill>
@@ -10711,7 +10717,7 @@
               </a:ln>
               <a:extLst>
                 <a:ext uri="{91240B29-F687-4f45-9708-019B960494DF}">
-                  <a14:hiddenLine xmlns:a14="http://schemas.microsoft.com/office/drawing/2010/main" xmlns="" w="9525">
+                  <a14:hiddenLine xmlns="" xmlns:a14="http://schemas.microsoft.com/office/drawing/2010/main" w="9525">
                     <a:solidFill>
                       <a:srgbClr val="000000"/>
                     </a:solidFill>
@@ -10801,7 +10807,7 @@
               </a:ln>
               <a:extLst>
                 <a:ext uri="{91240B29-F687-4f45-9708-019B960494DF}">
-                  <a14:hiddenLine xmlns:a14="http://schemas.microsoft.com/office/drawing/2010/main" xmlns="" w="9525">
+                  <a14:hiddenLine xmlns="" xmlns:a14="http://schemas.microsoft.com/office/drawing/2010/main" w="9525">
                     <a:solidFill>
                       <a:srgbClr val="000000"/>
                     </a:solidFill>
@@ -10891,7 +10897,7 @@
               </a:ln>
               <a:extLst>
                 <a:ext uri="{91240B29-F687-4f45-9708-019B960494DF}">
-                  <a14:hiddenLine xmlns:a14="http://schemas.microsoft.com/office/drawing/2010/main" xmlns="" w="9525">
+                  <a14:hiddenLine xmlns="" xmlns:a14="http://schemas.microsoft.com/office/drawing/2010/main" w="9525">
                     <a:solidFill>
                       <a:srgbClr val="000000"/>
                     </a:solidFill>
@@ -10956,7 +10962,7 @@
               </a:ln>
               <a:extLst>
                 <a:ext uri="{91240B29-F687-4f45-9708-019B960494DF}">
-                  <a14:hiddenLine xmlns:a14="http://schemas.microsoft.com/office/drawing/2010/main" xmlns="" w="9525">
+                  <a14:hiddenLine xmlns="" xmlns:a14="http://schemas.microsoft.com/office/drawing/2010/main" w="9525">
                     <a:solidFill>
                       <a:srgbClr val="000000"/>
                     </a:solidFill>
@@ -11076,7 +11082,7 @@
               </a:ln>
               <a:extLst>
                 <a:ext uri="{91240B29-F687-4f45-9708-019B960494DF}">
-                  <a14:hiddenLine xmlns:a14="http://schemas.microsoft.com/office/drawing/2010/main" xmlns="" w="9525">
+                  <a14:hiddenLine xmlns="" xmlns:a14="http://schemas.microsoft.com/office/drawing/2010/main" w="9525">
                     <a:solidFill>
                       <a:srgbClr val="000000"/>
                     </a:solidFill>
@@ -11174,7 +11180,7 @@
               </a:ln>
               <a:extLst>
                 <a:ext uri="{91240B29-F687-4f45-9708-019B960494DF}">
-                  <a14:hiddenLine xmlns:a14="http://schemas.microsoft.com/office/drawing/2010/main" xmlns="" w="9525">
+                  <a14:hiddenLine xmlns="" xmlns:a14="http://schemas.microsoft.com/office/drawing/2010/main" w="9525">
                     <a:solidFill>
                       <a:srgbClr val="000000"/>
                     </a:solidFill>
@@ -11289,7 +11295,7 @@
               </a:ln>
               <a:extLst>
                 <a:ext uri="{91240B29-F687-4f45-9708-019B960494DF}">
-                  <a14:hiddenLine xmlns:a14="http://schemas.microsoft.com/office/drawing/2010/main" xmlns="" w="9525">
+                  <a14:hiddenLine xmlns="" xmlns:a14="http://schemas.microsoft.com/office/drawing/2010/main" w="9525">
                     <a:solidFill>
                       <a:srgbClr val="000000"/>
                     </a:solidFill>
@@ -11379,7 +11385,7 @@
               </a:ln>
               <a:extLst>
                 <a:ext uri="{91240B29-F687-4f45-9708-019B960494DF}">
-                  <a14:hiddenLine xmlns:a14="http://schemas.microsoft.com/office/drawing/2010/main" xmlns="" w="9525">
+                  <a14:hiddenLine xmlns="" xmlns:a14="http://schemas.microsoft.com/office/drawing/2010/main" w="9525">
                     <a:solidFill>
                       <a:srgbClr val="000000"/>
                     </a:solidFill>
@@ -11444,7 +11450,7 @@
               </a:ln>
               <a:extLst>
                 <a:ext uri="{91240B29-F687-4f45-9708-019B960494DF}">
-                  <a14:hiddenLine xmlns:a14="http://schemas.microsoft.com/office/drawing/2010/main" xmlns="" w="9525">
+                  <a14:hiddenLine xmlns="" xmlns:a14="http://schemas.microsoft.com/office/drawing/2010/main" w="9525">
                     <a:solidFill>
                       <a:srgbClr val="000000"/>
                     </a:solidFill>
@@ -11534,7 +11540,7 @@
               </a:ln>
               <a:extLst>
                 <a:ext uri="{91240B29-F687-4f45-9708-019B960494DF}">
-                  <a14:hiddenLine xmlns:a14="http://schemas.microsoft.com/office/drawing/2010/main" xmlns="" w="9525">
+                  <a14:hiddenLine xmlns="" xmlns:a14="http://schemas.microsoft.com/office/drawing/2010/main" w="9525">
                     <a:solidFill>
                       <a:srgbClr val="000000"/>
                     </a:solidFill>
@@ -11602,7 +11608,7 @@
               </a:ln>
               <a:extLst>
                 <a:ext uri="{91240B29-F687-4f45-9708-019B960494DF}">
-                  <a14:hiddenLine xmlns:a14="http://schemas.microsoft.com/office/drawing/2010/main" xmlns="" w="9525">
+                  <a14:hiddenLine xmlns="" xmlns:a14="http://schemas.microsoft.com/office/drawing/2010/main" w="9525">
                     <a:solidFill>
                       <a:srgbClr val="000000"/>
                     </a:solidFill>
@@ -11692,7 +11698,7 @@
               </a:ln>
               <a:extLst>
                 <a:ext uri="{91240B29-F687-4f45-9708-019B960494DF}">
-                  <a14:hiddenLine xmlns:a14="http://schemas.microsoft.com/office/drawing/2010/main" xmlns="" w="9525">
+                  <a14:hiddenLine xmlns="" xmlns:a14="http://schemas.microsoft.com/office/drawing/2010/main" w="9525">
                     <a:solidFill>
                       <a:srgbClr val="000000"/>
                     </a:solidFill>
@@ -11760,7 +11766,7 @@
               </a:ln>
               <a:extLst>
                 <a:ext uri="{91240B29-F687-4f45-9708-019B960494DF}">
-                  <a14:hiddenLine xmlns:a14="http://schemas.microsoft.com/office/drawing/2010/main" xmlns="" w="9525">
+                  <a14:hiddenLine xmlns="" xmlns:a14="http://schemas.microsoft.com/office/drawing/2010/main" w="9525">
                     <a:solidFill>
                       <a:srgbClr val="000000"/>
                     </a:solidFill>
@@ -11850,7 +11856,7 @@
               </a:ln>
               <a:extLst>
                 <a:ext uri="{91240B29-F687-4f45-9708-019B960494DF}">
-                  <a14:hiddenLine xmlns:a14="http://schemas.microsoft.com/office/drawing/2010/main" xmlns="" w="9525">
+                  <a14:hiddenLine xmlns="" xmlns:a14="http://schemas.microsoft.com/office/drawing/2010/main" w="9525">
                     <a:solidFill>
                       <a:srgbClr val="000000"/>
                     </a:solidFill>
@@ -11884,7 +11890,7 @@
               </a:ln>
               <a:extLst>
                 <a:ext uri="{91240B29-F687-4f45-9708-019B960494DF}">
-                  <a14:hiddenLine xmlns:a14="http://schemas.microsoft.com/office/drawing/2010/main" xmlns="" w="9525">
+                  <a14:hiddenLine xmlns="" xmlns:a14="http://schemas.microsoft.com/office/drawing/2010/main" w="9525">
                     <a:solidFill>
                       <a:srgbClr val="000000"/>
                     </a:solidFill>
@@ -12024,7 +12030,7 @@
           <a:p>
             <a:fld id="{DBFB03AA-6361-4CA4-9C2A-B9A8C3B8A834}" type="datetimeFigureOut">
               <a:rPr lang="cs-CZ" smtClean="0"/>
-              <a:t>16.01.2023</a:t>
+              <a:t>17.01.2023</a:t>
             </a:fld>
             <a:endParaRPr lang="cs-CZ"/>
           </a:p>
@@ -12537,6 +12543,1294 @@
 </p:sld>
 </file>
 
+<file path=ppt/slides/slide10.xml><?xml version="1.0" encoding="utf-8"?>
+<p:sld xmlns:a="http://schemas.openxmlformats.org/drawingml/2006/main" xmlns:r="http://schemas.openxmlformats.org/officeDocument/2006/relationships" xmlns:p="http://schemas.openxmlformats.org/presentationml/2006/main">
+  <p:cSld>
+    <p:bg>
+      <p:bgPr>
+        <a:solidFill>
+          <a:srgbClr val="23268F"/>
+        </a:solidFill>
+        <a:effectLst/>
+      </p:bgPr>
+    </p:bg>
+    <p:spTree>
+      <p:nvGrpSpPr>
+        <p:cNvPr id="1" name=""/>
+        <p:cNvGrpSpPr/>
+        <p:nvPr/>
+      </p:nvGrpSpPr>
+      <p:grpSpPr>
+        <a:xfrm>
+          <a:off x="0" y="0"/>
+          <a:ext cx="0" cy="0"/>
+          <a:chOff x="0" y="0"/>
+          <a:chExt cx="0" cy="0"/>
+        </a:xfrm>
+      </p:grpSpPr>
+      <p:sp>
+        <p:nvSpPr>
+          <p:cNvPr id="2" name="Nadpis 1">
+            <a:extLst>
+              <a:ext uri="{FF2B5EF4-FFF2-40B4-BE49-F238E27FC236}">
+                <a16:creationId xmlns:a16="http://schemas.microsoft.com/office/drawing/2014/main" id="{29CB99E5-9986-576C-8894-71192D74DD8C}"/>
+              </a:ext>
+            </a:extLst>
+          </p:cNvPr>
+          <p:cNvSpPr>
+            <a:spLocks noGrp="1"/>
+          </p:cNvSpPr>
+          <p:nvPr>
+            <p:ph type="ctrTitle"/>
+          </p:nvPr>
+        </p:nvSpPr>
+        <p:spPr>
+          <a:xfrm>
+            <a:off x="439394" y="87911"/>
+            <a:ext cx="6082903" cy="1498174"/>
+          </a:xfrm>
+        </p:spPr>
+        <p:txBody>
+          <a:bodyPr>
+            <a:normAutofit/>
+          </a:bodyPr>
+          <a:lstStyle/>
+          <a:p>
+            <a:pPr algn="ctr"/>
+            <a:r>
+              <a:rPr lang="cs-CZ" sz="3200" b="1" dirty="0">
+                <a:solidFill>
+                  <a:srgbClr val="FEFAC2"/>
+                </a:solidFill>
+                <a:latin typeface="Arial" panose="020B0604020202020204" pitchFamily="34" charset="0"/>
+                <a:cs typeface="Arial" panose="020B0604020202020204" pitchFamily="34" charset="0"/>
+              </a:rPr>
+              <a:t>Co je cílem?</a:t>
+            </a:r>
+          </a:p>
+        </p:txBody>
+      </p:sp>
+      <p:sp>
+        <p:nvSpPr>
+          <p:cNvPr id="3" name="Podnadpis 2">
+            <a:extLst>
+              <a:ext uri="{FF2B5EF4-FFF2-40B4-BE49-F238E27FC236}">
+                <a16:creationId xmlns:a16="http://schemas.microsoft.com/office/drawing/2014/main" id="{40BDE16B-3EE9-6453-FB6A-C1A83B805F10}"/>
+              </a:ext>
+            </a:extLst>
+          </p:cNvPr>
+          <p:cNvSpPr>
+            <a:spLocks noGrp="1"/>
+          </p:cNvSpPr>
+          <p:nvPr>
+            <p:ph type="subTitle" idx="1"/>
+          </p:nvPr>
+        </p:nvSpPr>
+        <p:spPr>
+          <a:xfrm>
+            <a:off x="4067173" y="3687763"/>
+            <a:ext cx="8791575" cy="1655762"/>
+          </a:xfrm>
+        </p:spPr>
+        <p:txBody>
+          <a:bodyPr/>
+          <a:lstStyle/>
+          <a:p>
+            <a:endParaRPr lang="cs-CZ" dirty="0"/>
+          </a:p>
+        </p:txBody>
+      </p:sp>
+      <p:sp>
+        <p:nvSpPr>
+          <p:cNvPr id="5" name="TextovéPole 4">
+            <a:extLst>
+              <a:ext uri="{FF2B5EF4-FFF2-40B4-BE49-F238E27FC236}">
+                <a16:creationId xmlns:a16="http://schemas.microsoft.com/office/drawing/2014/main" id="{2D3B6C45-FDF8-6CBB-0EE1-833B543C58C5}"/>
+              </a:ext>
+            </a:extLst>
+          </p:cNvPr>
+          <p:cNvSpPr txBox="1"/>
+          <p:nvPr/>
+        </p:nvSpPr>
+        <p:spPr>
+          <a:xfrm>
+            <a:off x="1880557" y="2334905"/>
+            <a:ext cx="9730598" cy="3046988"/>
+          </a:xfrm>
+          <a:prstGeom prst="rect">
+            <a:avLst/>
+          </a:prstGeom>
+          <a:noFill/>
+        </p:spPr>
+        <p:txBody>
+          <a:bodyPr wrap="square" rtlCol="0">
+            <a:spAutoFit/>
+          </a:bodyPr>
+          <a:lstStyle/>
+          <a:p>
+            <a:r>
+              <a:rPr lang="cs-CZ" sz="2400" dirty="0">
+                <a:latin typeface="Arial" panose="020B0604020202020204" pitchFamily="34" charset="0"/>
+                <a:cs typeface="Arial" panose="020B0604020202020204" pitchFamily="34" charset="0"/>
+              </a:rPr>
+              <a:t>Příjemné podmínky pro život </a:t>
+            </a:r>
+          </a:p>
+          <a:p>
+            <a:r>
+              <a:rPr lang="cs-CZ" sz="2400" dirty="0">
+                <a:latin typeface="Arial" panose="020B0604020202020204" pitchFamily="34" charset="0"/>
+                <a:cs typeface="Arial" panose="020B0604020202020204" pitchFamily="34" charset="0"/>
+              </a:rPr>
+              <a:t>místních obyvatel.</a:t>
+            </a:r>
+          </a:p>
+          <a:p>
+            <a:endParaRPr lang="cs-CZ" sz="2400" dirty="0">
+              <a:latin typeface="Arial" panose="020B0604020202020204" pitchFamily="34" charset="0"/>
+              <a:cs typeface="Arial" panose="020B0604020202020204" pitchFamily="34" charset="0"/>
+            </a:endParaRPr>
+          </a:p>
+          <a:p>
+            <a:r>
+              <a:rPr lang="cs-CZ" sz="2400" dirty="0">
+                <a:latin typeface="Arial" panose="020B0604020202020204" pitchFamily="34" charset="0"/>
+                <a:cs typeface="Arial" panose="020B0604020202020204" pitchFamily="34" charset="0"/>
+              </a:rPr>
+              <a:t>Doprava a parkování                        Odpadové hospodářství                          </a:t>
+            </a:r>
+          </a:p>
+          <a:p>
+            <a:endParaRPr lang="cs-CZ" sz="2400" dirty="0">
+              <a:latin typeface="Arial" panose="020B0604020202020204" pitchFamily="34" charset="0"/>
+              <a:cs typeface="Arial" panose="020B0604020202020204" pitchFamily="34" charset="0"/>
+            </a:endParaRPr>
+          </a:p>
+          <a:p>
+            <a:r>
+              <a:rPr lang="cs-CZ" sz="2400" dirty="0">
+                <a:latin typeface="Arial" panose="020B0604020202020204" pitchFamily="34" charset="0"/>
+                <a:cs typeface="Arial" panose="020B0604020202020204" pitchFamily="34" charset="0"/>
+              </a:rPr>
+              <a:t>Energie                                             Rozšíření městské zeleně</a:t>
+            </a:r>
+          </a:p>
+          <a:p>
+            <a:endParaRPr lang="cs-CZ" sz="2400" dirty="0">
+              <a:latin typeface="Arial" panose="020B0604020202020204" pitchFamily="34" charset="0"/>
+              <a:cs typeface="Arial" panose="020B0604020202020204" pitchFamily="34" charset="0"/>
+            </a:endParaRPr>
+          </a:p>
+          <a:p>
+            <a:r>
+              <a:rPr lang="cs-CZ" sz="2400" dirty="0">
+                <a:latin typeface="Arial" panose="020B0604020202020204" pitchFamily="34" charset="0"/>
+                <a:cs typeface="Arial" panose="020B0604020202020204" pitchFamily="34" charset="0"/>
+              </a:rPr>
+              <a:t>Veřejné osvětlení                              Lepší úroveň služeb pro občany</a:t>
+            </a:r>
+          </a:p>
+        </p:txBody>
+      </p:sp>
+    </p:spTree>
+    <p:extLst>
+      <p:ext uri="{BB962C8B-B14F-4D97-AF65-F5344CB8AC3E}">
+        <p14:creationId xmlns:p14="http://schemas.microsoft.com/office/powerpoint/2010/main" val="3927950764"/>
+      </p:ext>
+    </p:extLst>
+  </p:cSld>
+  <p:clrMapOvr>
+    <a:masterClrMapping/>
+  </p:clrMapOvr>
+</p:sld>
+</file>
+
+<file path=ppt/slides/slide11.xml><?xml version="1.0" encoding="utf-8"?>
+<p:sld xmlns:a="http://schemas.openxmlformats.org/drawingml/2006/main" xmlns:r="http://schemas.openxmlformats.org/officeDocument/2006/relationships" xmlns:p="http://schemas.openxmlformats.org/presentationml/2006/main">
+  <p:cSld>
+    <p:bg>
+      <p:bgPr>
+        <a:solidFill>
+          <a:srgbClr val="23268F"/>
+        </a:solidFill>
+        <a:effectLst/>
+      </p:bgPr>
+    </p:bg>
+    <p:spTree>
+      <p:nvGrpSpPr>
+        <p:cNvPr id="1" name=""/>
+        <p:cNvGrpSpPr/>
+        <p:nvPr/>
+      </p:nvGrpSpPr>
+      <p:grpSpPr>
+        <a:xfrm>
+          <a:off x="0" y="0"/>
+          <a:ext cx="0" cy="0"/>
+          <a:chOff x="0" y="0"/>
+          <a:chExt cx="0" cy="0"/>
+        </a:xfrm>
+      </p:grpSpPr>
+      <p:sp>
+        <p:nvSpPr>
+          <p:cNvPr id="2" name="Nadpis 1">
+            <a:extLst>
+              <a:ext uri="{FF2B5EF4-FFF2-40B4-BE49-F238E27FC236}">
+                <a16:creationId xmlns:a16="http://schemas.microsoft.com/office/drawing/2014/main" id="{29CB99E5-9986-576C-8894-71192D74DD8C}"/>
+              </a:ext>
+            </a:extLst>
+          </p:cNvPr>
+          <p:cNvSpPr>
+            <a:spLocks noGrp="1"/>
+          </p:cNvSpPr>
+          <p:nvPr>
+            <p:ph type="ctrTitle"/>
+          </p:nvPr>
+        </p:nvSpPr>
+        <p:spPr>
+          <a:xfrm>
+            <a:off x="1025721" y="105164"/>
+            <a:ext cx="6082903" cy="1498174"/>
+          </a:xfrm>
+        </p:spPr>
+        <p:txBody>
+          <a:bodyPr>
+            <a:normAutofit/>
+          </a:bodyPr>
+          <a:lstStyle/>
+          <a:p>
+            <a:pPr algn="ctr"/>
+            <a:r>
+              <a:rPr lang="cs-CZ" sz="3200" b="1" dirty="0">
+                <a:solidFill>
+                  <a:srgbClr val="FEFAC2"/>
+                </a:solidFill>
+                <a:latin typeface="Arial" panose="020B0604020202020204" pitchFamily="34" charset="0"/>
+                <a:cs typeface="Arial" panose="020B0604020202020204" pitchFamily="34" charset="0"/>
+              </a:rPr>
+              <a:t>Bezemisní doprava</a:t>
+            </a:r>
+          </a:p>
+        </p:txBody>
+      </p:sp>
+      <p:sp>
+        <p:nvSpPr>
+          <p:cNvPr id="3" name="Podnadpis 2">
+            <a:extLst>
+              <a:ext uri="{FF2B5EF4-FFF2-40B4-BE49-F238E27FC236}">
+                <a16:creationId xmlns:a16="http://schemas.microsoft.com/office/drawing/2014/main" id="{40BDE16B-3EE9-6453-FB6A-C1A83B805F10}"/>
+              </a:ext>
+            </a:extLst>
+          </p:cNvPr>
+          <p:cNvSpPr>
+            <a:spLocks noGrp="1"/>
+          </p:cNvSpPr>
+          <p:nvPr>
+            <p:ph type="subTitle" idx="1"/>
+          </p:nvPr>
+        </p:nvSpPr>
+        <p:spPr>
+          <a:xfrm>
+            <a:off x="4067173" y="3687763"/>
+            <a:ext cx="8791575" cy="1655762"/>
+          </a:xfrm>
+        </p:spPr>
+        <p:txBody>
+          <a:bodyPr/>
+          <a:lstStyle/>
+          <a:p>
+            <a:endParaRPr lang="cs-CZ" dirty="0"/>
+          </a:p>
+        </p:txBody>
+      </p:sp>
+      <p:sp>
+        <p:nvSpPr>
+          <p:cNvPr id="5" name="TextovéPole 4">
+            <a:extLst>
+              <a:ext uri="{FF2B5EF4-FFF2-40B4-BE49-F238E27FC236}">
+                <a16:creationId xmlns:a16="http://schemas.microsoft.com/office/drawing/2014/main" id="{4BF4A5E9-4CF6-CA43-49DF-8A5789A7F865}"/>
+              </a:ext>
+            </a:extLst>
+          </p:cNvPr>
+          <p:cNvSpPr txBox="1"/>
+          <p:nvPr/>
+        </p:nvSpPr>
+        <p:spPr>
+          <a:xfrm>
+            <a:off x="1958196" y="2579298"/>
+            <a:ext cx="5546785" cy="4154984"/>
+          </a:xfrm>
+          <a:prstGeom prst="rect">
+            <a:avLst/>
+          </a:prstGeom>
+          <a:noFill/>
+        </p:spPr>
+        <p:txBody>
+          <a:bodyPr wrap="square" rtlCol="0">
+            <a:spAutoFit/>
+          </a:bodyPr>
+          <a:lstStyle/>
+          <a:p>
+            <a:r>
+              <a:rPr lang="cs-CZ" sz="2400" dirty="0">
+                <a:latin typeface="Arial" panose="020B0604020202020204" pitchFamily="34" charset="0"/>
+                <a:cs typeface="Arial" panose="020B0604020202020204" pitchFamily="34" charset="0"/>
+              </a:rPr>
+              <a:t>Využití elektromobility. Současně u tramvají a trolejbusů.</a:t>
+            </a:r>
+          </a:p>
+          <a:p>
+            <a:endParaRPr lang="cs-CZ" sz="2400" dirty="0">
+              <a:latin typeface="Arial" panose="020B0604020202020204" pitchFamily="34" charset="0"/>
+              <a:cs typeface="Arial" panose="020B0604020202020204" pitchFamily="34" charset="0"/>
+            </a:endParaRPr>
+          </a:p>
+          <a:p>
+            <a:r>
+              <a:rPr lang="cs-CZ" sz="2400" dirty="0">
+                <a:latin typeface="Arial" panose="020B0604020202020204" pitchFamily="34" charset="0"/>
+                <a:cs typeface="Arial" panose="020B0604020202020204" pitchFamily="34" charset="0"/>
+              </a:rPr>
+              <a:t>Chytrá města o krok dále:</a:t>
+            </a:r>
+          </a:p>
+          <a:p>
+            <a:r>
+              <a:rPr lang="cs-CZ" sz="2400" dirty="0">
+                <a:latin typeface="Arial" panose="020B0604020202020204" pitchFamily="34" charset="0"/>
+                <a:cs typeface="Arial" panose="020B0604020202020204" pitchFamily="34" charset="0"/>
+              </a:rPr>
+              <a:t>Z hromadné dopravy na individuální dopravu.</a:t>
+            </a:r>
+          </a:p>
+          <a:p>
+            <a:endParaRPr lang="cs-CZ" sz="2400" dirty="0">
+              <a:latin typeface="Arial" panose="020B0604020202020204" pitchFamily="34" charset="0"/>
+              <a:cs typeface="Arial" panose="020B0604020202020204" pitchFamily="34" charset="0"/>
+            </a:endParaRPr>
+          </a:p>
+          <a:p>
+            <a:r>
+              <a:rPr lang="cs-CZ" sz="2400" dirty="0">
+                <a:latin typeface="Arial" panose="020B0604020202020204" pitchFamily="34" charset="0"/>
+                <a:cs typeface="Arial" panose="020B0604020202020204" pitchFamily="34" charset="0"/>
+              </a:rPr>
+              <a:t>Elektrický pohon:</a:t>
+            </a:r>
+          </a:p>
+          <a:p>
+            <a:r>
+              <a:rPr lang="cs-CZ" sz="2400" dirty="0">
+                <a:latin typeface="Arial" panose="020B0604020202020204" pitchFamily="34" charset="0"/>
+                <a:cs typeface="Arial" panose="020B0604020202020204" pitchFamily="34" charset="0"/>
+              </a:rPr>
+              <a:t>Žádné emise, nízká hlučnost</a:t>
+            </a:r>
+          </a:p>
+          <a:p>
+            <a:endParaRPr lang="cs-CZ" sz="2400" dirty="0">
+              <a:latin typeface="Arial" panose="020B0604020202020204" pitchFamily="34" charset="0"/>
+              <a:cs typeface="Arial" panose="020B0604020202020204" pitchFamily="34" charset="0"/>
+            </a:endParaRPr>
+          </a:p>
+          <a:p>
+            <a:endParaRPr lang="cs-CZ" sz="2400" dirty="0">
+              <a:latin typeface="Arial" panose="020B0604020202020204" pitchFamily="34" charset="0"/>
+              <a:cs typeface="Arial" panose="020B0604020202020204" pitchFamily="34" charset="0"/>
+            </a:endParaRPr>
+          </a:p>
+        </p:txBody>
+      </p:sp>
+      <p:sp>
+        <p:nvSpPr>
+          <p:cNvPr id="6" name="TextovéPole 5">
+            <a:extLst>
+              <a:ext uri="{FF2B5EF4-FFF2-40B4-BE49-F238E27FC236}">
+                <a16:creationId xmlns:a16="http://schemas.microsoft.com/office/drawing/2014/main" id="{832B8495-FB3F-4139-B1AD-F86D1F9D8F6E}"/>
+              </a:ext>
+            </a:extLst>
+          </p:cNvPr>
+          <p:cNvSpPr txBox="1"/>
+          <p:nvPr/>
+        </p:nvSpPr>
+        <p:spPr>
+          <a:xfrm>
+            <a:off x="8108830" y="3677662"/>
+            <a:ext cx="3131389" cy="1200329"/>
+          </a:xfrm>
+          <a:prstGeom prst="rect">
+            <a:avLst/>
+          </a:prstGeom>
+          <a:noFill/>
+        </p:spPr>
+        <p:txBody>
+          <a:bodyPr wrap="square" rtlCol="0">
+            <a:spAutoFit/>
+          </a:bodyPr>
+          <a:lstStyle/>
+          <a:p>
+            <a:r>
+              <a:rPr lang="cs-CZ" sz="2400" dirty="0">
+                <a:latin typeface="Arial" panose="020B0604020202020204" pitchFamily="34" charset="0"/>
+                <a:cs typeface="Arial" panose="020B0604020202020204" pitchFamily="34" charset="0"/>
+              </a:rPr>
+              <a:t>CNG pohon:</a:t>
+            </a:r>
+          </a:p>
+          <a:p>
+            <a:endParaRPr lang="cs-CZ" sz="2400" dirty="0">
+              <a:latin typeface="Arial" panose="020B0604020202020204" pitchFamily="34" charset="0"/>
+              <a:cs typeface="Arial" panose="020B0604020202020204" pitchFamily="34" charset="0"/>
+            </a:endParaRPr>
+          </a:p>
+          <a:p>
+            <a:r>
+              <a:rPr lang="cs-CZ" sz="2400" dirty="0">
+                <a:latin typeface="Arial" panose="020B0604020202020204" pitchFamily="34" charset="0"/>
+                <a:cs typeface="Arial" panose="020B0604020202020204" pitchFamily="34" charset="0"/>
+              </a:rPr>
+              <a:t>Stlačený zemní plyn</a:t>
+            </a:r>
+          </a:p>
+        </p:txBody>
+      </p:sp>
+    </p:spTree>
+    <p:extLst>
+      <p:ext uri="{BB962C8B-B14F-4D97-AF65-F5344CB8AC3E}">
+        <p14:creationId xmlns:p14="http://schemas.microsoft.com/office/powerpoint/2010/main" val="1733353592"/>
+      </p:ext>
+    </p:extLst>
+  </p:cSld>
+  <p:clrMapOvr>
+    <a:masterClrMapping/>
+  </p:clrMapOvr>
+</p:sld>
+</file>
+
+<file path=ppt/slides/slide12.xml><?xml version="1.0" encoding="utf-8"?>
+<p:sld xmlns:a="http://schemas.openxmlformats.org/drawingml/2006/main" xmlns:r="http://schemas.openxmlformats.org/officeDocument/2006/relationships" xmlns:p="http://schemas.openxmlformats.org/presentationml/2006/main">
+  <p:cSld>
+    <p:bg>
+      <p:bgPr>
+        <a:solidFill>
+          <a:srgbClr val="23268F"/>
+        </a:solidFill>
+        <a:effectLst/>
+      </p:bgPr>
+    </p:bg>
+    <p:spTree>
+      <p:nvGrpSpPr>
+        <p:cNvPr id="1" name=""/>
+        <p:cNvGrpSpPr/>
+        <p:nvPr/>
+      </p:nvGrpSpPr>
+      <p:grpSpPr>
+        <a:xfrm>
+          <a:off x="0" y="0"/>
+          <a:ext cx="0" cy="0"/>
+          <a:chOff x="0" y="0"/>
+          <a:chExt cx="0" cy="0"/>
+        </a:xfrm>
+      </p:grpSpPr>
+      <p:sp>
+        <p:nvSpPr>
+          <p:cNvPr id="2" name="Nadpis 1">
+            <a:extLst>
+              <a:ext uri="{FF2B5EF4-FFF2-40B4-BE49-F238E27FC236}">
+                <a16:creationId xmlns:a16="http://schemas.microsoft.com/office/drawing/2014/main" id="{29CB99E5-9986-576C-8894-71192D74DD8C}"/>
+              </a:ext>
+            </a:extLst>
+          </p:cNvPr>
+          <p:cNvSpPr>
+            <a:spLocks noGrp="1"/>
+          </p:cNvSpPr>
+          <p:nvPr>
+            <p:ph type="ctrTitle"/>
+          </p:nvPr>
+        </p:nvSpPr>
+        <p:spPr>
+          <a:xfrm>
+            <a:off x="1440058" y="0"/>
+            <a:ext cx="7402017" cy="1498174"/>
+          </a:xfrm>
+        </p:spPr>
+        <p:txBody>
+          <a:bodyPr>
+            <a:normAutofit/>
+          </a:bodyPr>
+          <a:lstStyle/>
+          <a:p>
+            <a:pPr algn="ctr"/>
+            <a:r>
+              <a:rPr lang="cs-CZ" sz="2400" b="1" dirty="0">
+                <a:solidFill>
+                  <a:srgbClr val="FEFAC2"/>
+                </a:solidFill>
+                <a:latin typeface="Arial" panose="020B0604020202020204" pitchFamily="34" charset="0"/>
+                <a:cs typeface="Arial" panose="020B0604020202020204" pitchFamily="34" charset="0"/>
+              </a:rPr>
+              <a:t>Další Využití obnovitelných zdrojů</a:t>
+            </a:r>
+          </a:p>
+        </p:txBody>
+      </p:sp>
+      <p:sp>
+        <p:nvSpPr>
+          <p:cNvPr id="3" name="Podnadpis 2">
+            <a:extLst>
+              <a:ext uri="{FF2B5EF4-FFF2-40B4-BE49-F238E27FC236}">
+                <a16:creationId xmlns:a16="http://schemas.microsoft.com/office/drawing/2014/main" id="{40BDE16B-3EE9-6453-FB6A-C1A83B805F10}"/>
+              </a:ext>
+            </a:extLst>
+          </p:cNvPr>
+          <p:cNvSpPr>
+            <a:spLocks noGrp="1"/>
+          </p:cNvSpPr>
+          <p:nvPr>
+            <p:ph type="subTitle" idx="1"/>
+          </p:nvPr>
+        </p:nvSpPr>
+        <p:spPr>
+          <a:xfrm>
+            <a:off x="4067173" y="3687763"/>
+            <a:ext cx="8791575" cy="1655762"/>
+          </a:xfrm>
+        </p:spPr>
+        <p:txBody>
+          <a:bodyPr/>
+          <a:lstStyle/>
+          <a:p>
+            <a:endParaRPr lang="cs-CZ" dirty="0"/>
+          </a:p>
+        </p:txBody>
+      </p:sp>
+      <p:sp>
+        <p:nvSpPr>
+          <p:cNvPr id="5" name="TextovéPole 4">
+            <a:extLst>
+              <a:ext uri="{FF2B5EF4-FFF2-40B4-BE49-F238E27FC236}">
+                <a16:creationId xmlns:a16="http://schemas.microsoft.com/office/drawing/2014/main" id="{E9826D7E-F93C-2991-D822-7D719BC12361}"/>
+              </a:ext>
+            </a:extLst>
+          </p:cNvPr>
+          <p:cNvSpPr txBox="1"/>
+          <p:nvPr/>
+        </p:nvSpPr>
+        <p:spPr>
+          <a:xfrm>
+            <a:off x="1915064" y="1931447"/>
+            <a:ext cx="6927011" cy="1938992"/>
+          </a:xfrm>
+          <a:prstGeom prst="rect">
+            <a:avLst/>
+          </a:prstGeom>
+          <a:noFill/>
+        </p:spPr>
+        <p:txBody>
+          <a:bodyPr wrap="square" rtlCol="0">
+            <a:spAutoFit/>
+          </a:bodyPr>
+          <a:lstStyle/>
+          <a:p>
+            <a:r>
+              <a:rPr lang="cs-CZ" sz="2400" dirty="0">
+                <a:latin typeface="Arial" panose="020B0604020202020204" pitchFamily="34" charset="0"/>
+                <a:cs typeface="Arial" panose="020B0604020202020204" pitchFamily="34" charset="0"/>
+              </a:rPr>
+              <a:t>Fotovoltaické panely</a:t>
+            </a:r>
+          </a:p>
+          <a:p>
+            <a:endParaRPr lang="cs-CZ" sz="2400" dirty="0">
+              <a:latin typeface="Arial" panose="020B0604020202020204" pitchFamily="34" charset="0"/>
+              <a:cs typeface="Arial" panose="020B0604020202020204" pitchFamily="34" charset="0"/>
+            </a:endParaRPr>
+          </a:p>
+          <a:p>
+            <a:r>
+              <a:rPr lang="cs-CZ" sz="2400" dirty="0">
+                <a:latin typeface="Arial" panose="020B0604020202020204" pitchFamily="34" charset="0"/>
+                <a:cs typeface="Arial" panose="020B0604020202020204" pitchFamily="34" charset="0"/>
+              </a:rPr>
+              <a:t>Tepelná čerpadla</a:t>
+            </a:r>
+          </a:p>
+          <a:p>
+            <a:endParaRPr lang="cs-CZ" sz="2400" dirty="0">
+              <a:latin typeface="Arial" panose="020B0604020202020204" pitchFamily="34" charset="0"/>
+              <a:cs typeface="Arial" panose="020B0604020202020204" pitchFamily="34" charset="0"/>
+            </a:endParaRPr>
+          </a:p>
+          <a:p>
+            <a:r>
+              <a:rPr lang="cs-CZ" sz="2400" dirty="0">
+                <a:latin typeface="Arial" panose="020B0604020202020204" pitchFamily="34" charset="0"/>
+                <a:cs typeface="Arial" panose="020B0604020202020204" pitchFamily="34" charset="0"/>
+              </a:rPr>
+              <a:t>…</a:t>
+            </a:r>
+          </a:p>
+        </p:txBody>
+      </p:sp>
+    </p:spTree>
+    <p:extLst>
+      <p:ext uri="{BB962C8B-B14F-4D97-AF65-F5344CB8AC3E}">
+        <p14:creationId xmlns:p14="http://schemas.microsoft.com/office/powerpoint/2010/main" val="766029467"/>
+      </p:ext>
+    </p:extLst>
+  </p:cSld>
+  <p:clrMapOvr>
+    <a:masterClrMapping/>
+  </p:clrMapOvr>
+</p:sld>
+</file>
+
+<file path=ppt/slides/slide13.xml><?xml version="1.0" encoding="utf-8"?>
+<p:sld xmlns:a="http://schemas.openxmlformats.org/drawingml/2006/main" xmlns:r="http://schemas.openxmlformats.org/officeDocument/2006/relationships" xmlns:p="http://schemas.openxmlformats.org/presentationml/2006/main">
+  <p:cSld>
+    <p:bg>
+      <p:bgPr>
+        <a:solidFill>
+          <a:srgbClr val="23268F"/>
+        </a:solidFill>
+        <a:effectLst/>
+      </p:bgPr>
+    </p:bg>
+    <p:spTree>
+      <p:nvGrpSpPr>
+        <p:cNvPr id="1" name=""/>
+        <p:cNvGrpSpPr/>
+        <p:nvPr/>
+      </p:nvGrpSpPr>
+      <p:grpSpPr>
+        <a:xfrm>
+          <a:off x="0" y="0"/>
+          <a:ext cx="0" cy="0"/>
+          <a:chOff x="0" y="0"/>
+          <a:chExt cx="0" cy="0"/>
+        </a:xfrm>
+      </p:grpSpPr>
+      <p:sp>
+        <p:nvSpPr>
+          <p:cNvPr id="2" name="Nadpis 1">
+            <a:extLst>
+              <a:ext uri="{FF2B5EF4-FFF2-40B4-BE49-F238E27FC236}">
+                <a16:creationId xmlns:a16="http://schemas.microsoft.com/office/drawing/2014/main" id="{29CB99E5-9986-576C-8894-71192D74DD8C}"/>
+              </a:ext>
+            </a:extLst>
+          </p:cNvPr>
+          <p:cNvSpPr>
+            <a:spLocks noGrp="1"/>
+          </p:cNvSpPr>
+          <p:nvPr>
+            <p:ph type="ctrTitle"/>
+          </p:nvPr>
+        </p:nvSpPr>
+        <p:spPr>
+          <a:xfrm>
+            <a:off x="767198" y="122417"/>
+            <a:ext cx="6082903" cy="1498174"/>
+          </a:xfrm>
+        </p:spPr>
+        <p:txBody>
+          <a:bodyPr>
+            <a:normAutofit/>
+          </a:bodyPr>
+          <a:lstStyle/>
+          <a:p>
+            <a:pPr algn="ctr"/>
+            <a:r>
+              <a:rPr lang="cs-CZ" sz="3200" b="1" dirty="0">
+                <a:solidFill>
+                  <a:srgbClr val="FEFAC2"/>
+                </a:solidFill>
+                <a:latin typeface="Arial" panose="020B0604020202020204" pitchFamily="34" charset="0"/>
+                <a:cs typeface="Arial" panose="020B0604020202020204" pitchFamily="34" charset="0"/>
+              </a:rPr>
+              <a:t>Budoucnost I</a:t>
+            </a:r>
+            <a:r>
+              <a:rPr lang="cs-CZ" sz="2000" b="1" dirty="0">
+                <a:solidFill>
+                  <a:srgbClr val="FEFAC2"/>
+                </a:solidFill>
+                <a:latin typeface="Arial" panose="020B0604020202020204" pitchFamily="34" charset="0"/>
+                <a:cs typeface="Arial" panose="020B0604020202020204" pitchFamily="34" charset="0"/>
+              </a:rPr>
+              <a:t>o</a:t>
+            </a:r>
+            <a:r>
+              <a:rPr lang="cs-CZ" sz="3200" b="1" dirty="0">
+                <a:solidFill>
+                  <a:srgbClr val="FEFAC2"/>
+                </a:solidFill>
+                <a:latin typeface="Arial" panose="020B0604020202020204" pitchFamily="34" charset="0"/>
+                <a:cs typeface="Arial" panose="020B0604020202020204" pitchFamily="34" charset="0"/>
+              </a:rPr>
+              <a:t>t:</a:t>
+            </a:r>
+          </a:p>
+        </p:txBody>
+      </p:sp>
+      <p:sp>
+        <p:nvSpPr>
+          <p:cNvPr id="3" name="Podnadpis 2">
+            <a:extLst>
+              <a:ext uri="{FF2B5EF4-FFF2-40B4-BE49-F238E27FC236}">
+                <a16:creationId xmlns:a16="http://schemas.microsoft.com/office/drawing/2014/main" id="{40BDE16B-3EE9-6453-FB6A-C1A83B805F10}"/>
+              </a:ext>
+            </a:extLst>
+          </p:cNvPr>
+          <p:cNvSpPr>
+            <a:spLocks noGrp="1"/>
+          </p:cNvSpPr>
+          <p:nvPr>
+            <p:ph type="subTitle" idx="1"/>
+          </p:nvPr>
+        </p:nvSpPr>
+        <p:spPr>
+          <a:xfrm>
+            <a:off x="4067173" y="3687763"/>
+            <a:ext cx="8791575" cy="1655762"/>
+          </a:xfrm>
+        </p:spPr>
+        <p:txBody>
+          <a:bodyPr/>
+          <a:lstStyle/>
+          <a:p>
+            <a:endParaRPr lang="cs-CZ" dirty="0"/>
+          </a:p>
+        </p:txBody>
+      </p:sp>
+      <p:sp>
+        <p:nvSpPr>
+          <p:cNvPr id="4" name="TextovéPole 3">
+            <a:extLst>
+              <a:ext uri="{FF2B5EF4-FFF2-40B4-BE49-F238E27FC236}">
+                <a16:creationId xmlns:a16="http://schemas.microsoft.com/office/drawing/2014/main" id="{97B33B09-C71B-1489-01D6-46555C62E1CC}"/>
+              </a:ext>
+            </a:extLst>
+          </p:cNvPr>
+          <p:cNvSpPr txBox="1"/>
+          <p:nvPr/>
+        </p:nvSpPr>
+        <p:spPr>
+          <a:xfrm>
+            <a:off x="2018581" y="2216989"/>
+            <a:ext cx="5098211" cy="1938992"/>
+          </a:xfrm>
+          <a:prstGeom prst="rect">
+            <a:avLst/>
+          </a:prstGeom>
+          <a:noFill/>
+        </p:spPr>
+        <p:txBody>
+          <a:bodyPr wrap="square" rtlCol="0">
+            <a:spAutoFit/>
+          </a:bodyPr>
+          <a:lstStyle/>
+          <a:p>
+            <a:r>
+              <a:rPr lang="cs-CZ" sz="2400" dirty="0">
+                <a:latin typeface="Arial" panose="020B0604020202020204" pitchFamily="34" charset="0"/>
+                <a:cs typeface="Arial" panose="020B0604020202020204" pitchFamily="34" charset="0"/>
+              </a:rPr>
+              <a:t>Budoucnost je digitální a bezdrátová.</a:t>
+            </a:r>
+          </a:p>
+          <a:p>
+            <a:endParaRPr lang="cs-CZ" sz="2400" dirty="0">
+              <a:latin typeface="Arial" panose="020B0604020202020204" pitchFamily="34" charset="0"/>
+              <a:cs typeface="Arial" panose="020B0604020202020204" pitchFamily="34" charset="0"/>
+            </a:endParaRPr>
+          </a:p>
+          <a:p>
+            <a:r>
+              <a:rPr lang="cs-CZ" sz="2400" dirty="0" err="1">
+                <a:latin typeface="Arial" panose="020B0604020202020204" pitchFamily="34" charset="0"/>
+                <a:cs typeface="Arial" panose="020B0604020202020204" pitchFamily="34" charset="0"/>
+              </a:rPr>
+              <a:t>IoT</a:t>
+            </a:r>
+            <a:r>
+              <a:rPr lang="cs-CZ" sz="2400" dirty="0">
+                <a:latin typeface="Arial" panose="020B0604020202020204" pitchFamily="34" charset="0"/>
+                <a:cs typeface="Arial" panose="020B0604020202020204" pitchFamily="34" charset="0"/>
+              </a:rPr>
+              <a:t> </a:t>
+            </a:r>
+            <a:r>
+              <a:rPr lang="cs-CZ" sz="2400" dirty="0" err="1">
+                <a:latin typeface="Arial" panose="020B0604020202020204" pitchFamily="34" charset="0"/>
+                <a:cs typeface="Arial" panose="020B0604020202020204" pitchFamily="34" charset="0"/>
+              </a:rPr>
+              <a:t>SmartHome</a:t>
+            </a:r>
+            <a:r>
+              <a:rPr lang="cs-CZ" sz="2400" dirty="0">
+                <a:latin typeface="Arial" panose="020B0604020202020204" pitchFamily="34" charset="0"/>
+                <a:cs typeface="Arial" panose="020B0604020202020204" pitchFamily="34" charset="0"/>
+              </a:rPr>
+              <a:t> normou, postupně až ve </a:t>
+            </a:r>
+            <a:r>
+              <a:rPr lang="cs-CZ" sz="2400" dirty="0" err="1">
+                <a:latin typeface="Arial" panose="020B0604020202020204" pitchFamily="34" charset="0"/>
+                <a:cs typeface="Arial" panose="020B0604020202020204" pitchFamily="34" charset="0"/>
+              </a:rPr>
+              <a:t>SmartCities</a:t>
+            </a:r>
+            <a:r>
+              <a:rPr lang="cs-CZ" sz="2400" dirty="0">
+                <a:latin typeface="Arial" panose="020B0604020202020204" pitchFamily="34" charset="0"/>
+                <a:cs typeface="Arial" panose="020B0604020202020204" pitchFamily="34" charset="0"/>
+              </a:rPr>
+              <a:t>.</a:t>
+            </a:r>
+          </a:p>
+        </p:txBody>
+      </p:sp>
+    </p:spTree>
+    <p:extLst>
+      <p:ext uri="{BB962C8B-B14F-4D97-AF65-F5344CB8AC3E}">
+        <p14:creationId xmlns:p14="http://schemas.microsoft.com/office/powerpoint/2010/main" val="173324051"/>
+      </p:ext>
+    </p:extLst>
+  </p:cSld>
+  <p:clrMapOvr>
+    <a:masterClrMapping/>
+  </p:clrMapOvr>
+</p:sld>
+</file>
+
+<file path=ppt/slides/slide14.xml><?xml version="1.0" encoding="utf-8"?>
+<p:sld xmlns:a="http://schemas.openxmlformats.org/drawingml/2006/main" xmlns:r="http://schemas.openxmlformats.org/officeDocument/2006/relationships" xmlns:p="http://schemas.openxmlformats.org/presentationml/2006/main">
+  <p:cSld>
+    <p:bg>
+      <p:bgPr>
+        <a:solidFill>
+          <a:srgbClr val="23268F"/>
+        </a:solidFill>
+        <a:effectLst/>
+      </p:bgPr>
+    </p:bg>
+    <p:spTree>
+      <p:nvGrpSpPr>
+        <p:cNvPr id="1" name=""/>
+        <p:cNvGrpSpPr/>
+        <p:nvPr/>
+      </p:nvGrpSpPr>
+      <p:grpSpPr>
+        <a:xfrm>
+          <a:off x="0" y="0"/>
+          <a:ext cx="0" cy="0"/>
+          <a:chOff x="0" y="0"/>
+          <a:chExt cx="0" cy="0"/>
+        </a:xfrm>
+      </p:grpSpPr>
+      <p:sp>
+        <p:nvSpPr>
+          <p:cNvPr id="2" name="Nadpis 1">
+            <a:extLst>
+              <a:ext uri="{FF2B5EF4-FFF2-40B4-BE49-F238E27FC236}">
+                <a16:creationId xmlns:a16="http://schemas.microsoft.com/office/drawing/2014/main" id="{29CB99E5-9986-576C-8894-71192D74DD8C}"/>
+              </a:ext>
+            </a:extLst>
+          </p:cNvPr>
+          <p:cNvSpPr>
+            <a:spLocks noGrp="1"/>
+          </p:cNvSpPr>
+          <p:nvPr>
+            <p:ph type="ctrTitle"/>
+          </p:nvPr>
+        </p:nvSpPr>
+        <p:spPr>
+          <a:xfrm>
+            <a:off x="767198" y="122417"/>
+            <a:ext cx="6082903" cy="1498174"/>
+          </a:xfrm>
+        </p:spPr>
+        <p:txBody>
+          <a:bodyPr>
+            <a:normAutofit/>
+          </a:bodyPr>
+          <a:lstStyle/>
+          <a:p>
+            <a:pPr algn="ctr"/>
+            <a:r>
+              <a:rPr lang="cs-CZ" sz="3200" b="1" dirty="0">
+                <a:solidFill>
+                  <a:srgbClr val="FEFAC2"/>
+                </a:solidFill>
+                <a:latin typeface="Arial" panose="020B0604020202020204" pitchFamily="34" charset="0"/>
+                <a:cs typeface="Arial" panose="020B0604020202020204" pitchFamily="34" charset="0"/>
+              </a:rPr>
+              <a:t>Budoucnost I</a:t>
+            </a:r>
+            <a:r>
+              <a:rPr lang="cs-CZ" sz="2000" b="1" dirty="0">
+                <a:solidFill>
+                  <a:srgbClr val="FEFAC2"/>
+                </a:solidFill>
+                <a:latin typeface="Arial" panose="020B0604020202020204" pitchFamily="34" charset="0"/>
+                <a:cs typeface="Arial" panose="020B0604020202020204" pitchFamily="34" charset="0"/>
+              </a:rPr>
+              <a:t>o</a:t>
+            </a:r>
+            <a:r>
+              <a:rPr lang="cs-CZ" sz="3200" b="1" dirty="0">
+                <a:solidFill>
+                  <a:srgbClr val="FEFAC2"/>
+                </a:solidFill>
+                <a:latin typeface="Arial" panose="020B0604020202020204" pitchFamily="34" charset="0"/>
+                <a:cs typeface="Arial" panose="020B0604020202020204" pitchFamily="34" charset="0"/>
+              </a:rPr>
+              <a:t>t:</a:t>
+            </a:r>
+          </a:p>
+        </p:txBody>
+      </p:sp>
+      <p:sp>
+        <p:nvSpPr>
+          <p:cNvPr id="3" name="Podnadpis 2">
+            <a:extLst>
+              <a:ext uri="{FF2B5EF4-FFF2-40B4-BE49-F238E27FC236}">
+                <a16:creationId xmlns:a16="http://schemas.microsoft.com/office/drawing/2014/main" id="{40BDE16B-3EE9-6453-FB6A-C1A83B805F10}"/>
+              </a:ext>
+            </a:extLst>
+          </p:cNvPr>
+          <p:cNvSpPr>
+            <a:spLocks noGrp="1"/>
+          </p:cNvSpPr>
+          <p:nvPr>
+            <p:ph type="subTitle" idx="1"/>
+          </p:nvPr>
+        </p:nvSpPr>
+        <p:spPr>
+          <a:xfrm>
+            <a:off x="4067173" y="3687763"/>
+            <a:ext cx="8791575" cy="1655762"/>
+          </a:xfrm>
+        </p:spPr>
+        <p:txBody>
+          <a:bodyPr/>
+          <a:lstStyle/>
+          <a:p>
+            <a:endParaRPr lang="cs-CZ" dirty="0"/>
+          </a:p>
+        </p:txBody>
+      </p:sp>
+      <p:sp>
+        <p:nvSpPr>
+          <p:cNvPr id="4" name="TextovéPole 3">
+            <a:extLst>
+              <a:ext uri="{FF2B5EF4-FFF2-40B4-BE49-F238E27FC236}">
+                <a16:creationId xmlns:a16="http://schemas.microsoft.com/office/drawing/2014/main" id="{97B33B09-C71B-1489-01D6-46555C62E1CC}"/>
+              </a:ext>
+            </a:extLst>
+          </p:cNvPr>
+          <p:cNvSpPr txBox="1"/>
+          <p:nvPr/>
+        </p:nvSpPr>
+        <p:spPr>
+          <a:xfrm>
+            <a:off x="2018581" y="2216989"/>
+            <a:ext cx="5098211" cy="1938992"/>
+          </a:xfrm>
+          <a:prstGeom prst="rect">
+            <a:avLst/>
+          </a:prstGeom>
+          <a:noFill/>
+        </p:spPr>
+        <p:txBody>
+          <a:bodyPr wrap="square" rtlCol="0">
+            <a:spAutoFit/>
+          </a:bodyPr>
+          <a:lstStyle/>
+          <a:p>
+            <a:r>
+              <a:rPr lang="cs-CZ" sz="2400" dirty="0">
+                <a:latin typeface="Arial" panose="020B0604020202020204" pitchFamily="34" charset="0"/>
+                <a:cs typeface="Arial" panose="020B0604020202020204" pitchFamily="34" charset="0"/>
+              </a:rPr>
+              <a:t>Budoucnost je digitální a bezdrátová.</a:t>
+            </a:r>
+          </a:p>
+          <a:p>
+            <a:endParaRPr lang="cs-CZ" sz="2400" dirty="0">
+              <a:latin typeface="Arial" panose="020B0604020202020204" pitchFamily="34" charset="0"/>
+              <a:cs typeface="Arial" panose="020B0604020202020204" pitchFamily="34" charset="0"/>
+            </a:endParaRPr>
+          </a:p>
+          <a:p>
+            <a:r>
+              <a:rPr lang="cs-CZ" sz="2400" dirty="0" err="1">
+                <a:latin typeface="Arial" panose="020B0604020202020204" pitchFamily="34" charset="0"/>
+                <a:cs typeface="Arial" panose="020B0604020202020204" pitchFamily="34" charset="0"/>
+              </a:rPr>
+              <a:t>IoT</a:t>
+            </a:r>
+            <a:r>
+              <a:rPr lang="cs-CZ" sz="2400" dirty="0">
+                <a:latin typeface="Arial" panose="020B0604020202020204" pitchFamily="34" charset="0"/>
+                <a:cs typeface="Arial" panose="020B0604020202020204" pitchFamily="34" charset="0"/>
+              </a:rPr>
+              <a:t> </a:t>
+            </a:r>
+            <a:r>
+              <a:rPr lang="cs-CZ" sz="2400" dirty="0" err="1">
+                <a:latin typeface="Arial" panose="020B0604020202020204" pitchFamily="34" charset="0"/>
+                <a:cs typeface="Arial" panose="020B0604020202020204" pitchFamily="34" charset="0"/>
+              </a:rPr>
+              <a:t>SmartHome</a:t>
+            </a:r>
+            <a:r>
+              <a:rPr lang="cs-CZ" sz="2400" dirty="0">
+                <a:latin typeface="Arial" panose="020B0604020202020204" pitchFamily="34" charset="0"/>
+                <a:cs typeface="Arial" panose="020B0604020202020204" pitchFamily="34" charset="0"/>
+              </a:rPr>
+              <a:t> normou, postupně až ve </a:t>
+            </a:r>
+            <a:r>
+              <a:rPr lang="cs-CZ" sz="2400" dirty="0" err="1">
+                <a:latin typeface="Arial" panose="020B0604020202020204" pitchFamily="34" charset="0"/>
+                <a:cs typeface="Arial" panose="020B0604020202020204" pitchFamily="34" charset="0"/>
+              </a:rPr>
+              <a:t>SmartCities</a:t>
+            </a:r>
+            <a:r>
+              <a:rPr lang="cs-CZ" sz="2400" dirty="0">
+                <a:latin typeface="Arial" panose="020B0604020202020204" pitchFamily="34" charset="0"/>
+                <a:cs typeface="Arial" panose="020B0604020202020204" pitchFamily="34" charset="0"/>
+              </a:rPr>
+              <a:t>.</a:t>
+            </a:r>
+          </a:p>
+        </p:txBody>
+      </p:sp>
+    </p:spTree>
+    <p:extLst>
+      <p:ext uri="{BB962C8B-B14F-4D97-AF65-F5344CB8AC3E}">
+        <p14:creationId xmlns:p14="http://schemas.microsoft.com/office/powerpoint/2010/main" val="1424980246"/>
+      </p:ext>
+    </p:extLst>
+  </p:cSld>
+  <p:clrMapOvr>
+    <a:masterClrMapping/>
+  </p:clrMapOvr>
+</p:sld>
+</file>
+
+<file path=ppt/slides/slide15.xml><?xml version="1.0" encoding="utf-8"?>
+<p:sld xmlns:a="http://schemas.openxmlformats.org/drawingml/2006/main" xmlns:r="http://schemas.openxmlformats.org/officeDocument/2006/relationships" xmlns:p="http://schemas.openxmlformats.org/presentationml/2006/main">
+  <p:cSld>
+    <p:bg>
+      <p:bgPr>
+        <a:solidFill>
+          <a:srgbClr val="23268F"/>
+        </a:solidFill>
+        <a:effectLst/>
+      </p:bgPr>
+    </p:bg>
+    <p:spTree>
+      <p:nvGrpSpPr>
+        <p:cNvPr id="1" name=""/>
+        <p:cNvGrpSpPr/>
+        <p:nvPr/>
+      </p:nvGrpSpPr>
+      <p:grpSpPr>
+        <a:xfrm>
+          <a:off x="0" y="0"/>
+          <a:ext cx="0" cy="0"/>
+          <a:chOff x="0" y="0"/>
+          <a:chExt cx="0" cy="0"/>
+        </a:xfrm>
+      </p:grpSpPr>
+      <p:sp>
+        <p:nvSpPr>
+          <p:cNvPr id="2" name="Nadpis 1">
+            <a:extLst>
+              <a:ext uri="{FF2B5EF4-FFF2-40B4-BE49-F238E27FC236}">
+                <a16:creationId xmlns:a16="http://schemas.microsoft.com/office/drawing/2014/main" id="{29CB99E5-9986-576C-8894-71192D74DD8C}"/>
+              </a:ext>
+            </a:extLst>
+          </p:cNvPr>
+          <p:cNvSpPr>
+            <a:spLocks noGrp="1"/>
+          </p:cNvSpPr>
+          <p:nvPr>
+            <p:ph type="ctrTitle"/>
+          </p:nvPr>
+        </p:nvSpPr>
+        <p:spPr>
+          <a:xfrm>
+            <a:off x="1064904" y="122418"/>
+            <a:ext cx="6004538" cy="1507976"/>
+          </a:xfrm>
+        </p:spPr>
+        <p:txBody>
+          <a:bodyPr>
+            <a:normAutofit/>
+          </a:bodyPr>
+          <a:lstStyle/>
+          <a:p>
+            <a:pPr algn="ctr"/>
+            <a:r>
+              <a:rPr lang="cs-CZ" sz="3200" b="1" dirty="0">
+                <a:solidFill>
+                  <a:srgbClr val="FEFAC2"/>
+                </a:solidFill>
+                <a:latin typeface="Arial" panose="020B0604020202020204" pitchFamily="34" charset="0"/>
+                <a:cs typeface="Arial" panose="020B0604020202020204" pitchFamily="34" charset="0"/>
+              </a:rPr>
+              <a:t>Citace literatury:</a:t>
+            </a:r>
+          </a:p>
+        </p:txBody>
+      </p:sp>
+      <p:sp>
+        <p:nvSpPr>
+          <p:cNvPr id="3" name="Podnadpis 2">
+            <a:extLst>
+              <a:ext uri="{FF2B5EF4-FFF2-40B4-BE49-F238E27FC236}">
+                <a16:creationId xmlns:a16="http://schemas.microsoft.com/office/drawing/2014/main" id="{40BDE16B-3EE9-6453-FB6A-C1A83B805F10}"/>
+              </a:ext>
+            </a:extLst>
+          </p:cNvPr>
+          <p:cNvSpPr>
+            <a:spLocks noGrp="1"/>
+          </p:cNvSpPr>
+          <p:nvPr>
+            <p:ph type="subTitle" idx="1"/>
+          </p:nvPr>
+        </p:nvSpPr>
+        <p:spPr>
+          <a:xfrm>
+            <a:off x="1712163" y="2549075"/>
+            <a:ext cx="8208216" cy="2212705"/>
+          </a:xfrm>
+        </p:spPr>
+        <p:txBody>
+          <a:bodyPr>
+            <a:normAutofit/>
+          </a:bodyPr>
+          <a:lstStyle/>
+          <a:p>
+            <a:r>
+              <a:rPr lang="cs-CZ" sz="1400" b="0" i="0" dirty="0">
+                <a:solidFill>
+                  <a:srgbClr val="212529"/>
+                </a:solidFill>
+                <a:effectLst/>
+                <a:latin typeface="Open Sans" panose="020B0606030504020204" pitchFamily="34" charset="0"/>
+              </a:rPr>
+              <a:t>Internet věcí. In: </a:t>
+            </a:r>
+            <a:r>
+              <a:rPr lang="cs-CZ" sz="1400" b="0" i="1" dirty="0">
+                <a:solidFill>
+                  <a:srgbClr val="212529"/>
+                </a:solidFill>
+                <a:effectLst/>
+                <a:latin typeface="Open Sans" panose="020B0606030504020204" pitchFamily="34" charset="0"/>
+              </a:rPr>
+              <a:t>Wikipedia: </a:t>
+            </a:r>
+            <a:r>
+              <a:rPr lang="cs-CZ" sz="1400" b="0" i="1" dirty="0" err="1">
+                <a:solidFill>
+                  <a:srgbClr val="212529"/>
+                </a:solidFill>
+                <a:effectLst/>
+                <a:latin typeface="Open Sans" panose="020B0606030504020204" pitchFamily="34" charset="0"/>
+              </a:rPr>
+              <a:t>the</a:t>
+            </a:r>
+            <a:r>
+              <a:rPr lang="cs-CZ" sz="1400" b="0" i="1" dirty="0">
+                <a:solidFill>
+                  <a:srgbClr val="212529"/>
+                </a:solidFill>
+                <a:effectLst/>
+                <a:latin typeface="Open Sans" panose="020B0606030504020204" pitchFamily="34" charset="0"/>
+              </a:rPr>
+              <a:t> free </a:t>
+            </a:r>
+            <a:r>
+              <a:rPr lang="cs-CZ" sz="1400" b="0" i="1" dirty="0" err="1">
+                <a:solidFill>
+                  <a:srgbClr val="212529"/>
+                </a:solidFill>
+                <a:effectLst/>
+                <a:latin typeface="Open Sans" panose="020B0606030504020204" pitchFamily="34" charset="0"/>
+              </a:rPr>
+              <a:t>encyclopedia</a:t>
+            </a:r>
+            <a:r>
+              <a:rPr lang="cs-CZ" sz="1400" b="0" i="0" dirty="0">
+                <a:solidFill>
+                  <a:srgbClr val="212529"/>
+                </a:solidFill>
+                <a:effectLst/>
+                <a:latin typeface="Open Sans" panose="020B0606030504020204" pitchFamily="34" charset="0"/>
+              </a:rPr>
+              <a:t> [online]. San Francisco (CA): </a:t>
+            </a:r>
+            <a:r>
+              <a:rPr lang="cs-CZ" sz="1400" b="0" i="0" dirty="0" err="1">
+                <a:solidFill>
+                  <a:srgbClr val="212529"/>
+                </a:solidFill>
+                <a:effectLst/>
+                <a:latin typeface="Open Sans" panose="020B0606030504020204" pitchFamily="34" charset="0"/>
+              </a:rPr>
+              <a:t>Wikimedia</a:t>
+            </a:r>
+            <a:r>
+              <a:rPr lang="cs-CZ" sz="1400" b="0" i="0" dirty="0">
+                <a:solidFill>
+                  <a:srgbClr val="212529"/>
+                </a:solidFill>
+                <a:effectLst/>
+                <a:latin typeface="Open Sans" panose="020B0606030504020204" pitchFamily="34" charset="0"/>
+              </a:rPr>
+              <a:t> </a:t>
+            </a:r>
+            <a:r>
+              <a:rPr lang="cs-CZ" sz="1400" b="0" i="0" dirty="0" err="1">
+                <a:solidFill>
+                  <a:srgbClr val="212529"/>
+                </a:solidFill>
+                <a:effectLst/>
+                <a:latin typeface="Open Sans" panose="020B0606030504020204" pitchFamily="34" charset="0"/>
+              </a:rPr>
+              <a:t>Foundation</a:t>
+            </a:r>
+            <a:r>
+              <a:rPr lang="cs-CZ" sz="1400" b="0" i="0" dirty="0">
+                <a:solidFill>
+                  <a:srgbClr val="212529"/>
+                </a:solidFill>
+                <a:effectLst/>
+                <a:latin typeface="Open Sans" panose="020B0606030504020204" pitchFamily="34" charset="0"/>
+              </a:rPr>
+              <a:t>, 2001-, 8.5. 2022 [cit. 2023-01-15]. Dostupné z: https://cs.wikipedia.org/wiki/Internet_v%C4%9Bc%C3%AD</a:t>
+            </a:r>
+          </a:p>
+        </p:txBody>
+      </p:sp>
+    </p:spTree>
+    <p:extLst>
+      <p:ext uri="{BB962C8B-B14F-4D97-AF65-F5344CB8AC3E}">
+        <p14:creationId xmlns:p14="http://schemas.microsoft.com/office/powerpoint/2010/main" val="1295130196"/>
+      </p:ext>
+    </p:extLst>
+  </p:cSld>
+  <p:clrMapOvr>
+    <a:masterClrMapping/>
+  </p:clrMapOvr>
+</p:sld>
+</file>
+
 <file path=ppt/slides/slide2.xml><?xml version="1.0" encoding="utf-8"?>
 <p:sld xmlns:a="http://schemas.openxmlformats.org/drawingml/2006/main" xmlns:r="http://schemas.openxmlformats.org/officeDocument/2006/relationships" xmlns:p="http://schemas.openxmlformats.org/presentationml/2006/main">
   <p:cSld>
@@ -13678,7 +14972,7 @@
         <p:spPr>
           <a:xfrm>
             <a:off x="6987396" y="3315315"/>
-            <a:ext cx="3390182" cy="1200329"/>
+            <a:ext cx="3856008" cy="1200329"/>
           </a:xfrm>
           <a:prstGeom prst="rect">
             <a:avLst/>
@@ -13696,7 +14990,7 @@
                 <a:latin typeface="Arial" panose="020B0604020202020204" pitchFamily="34" charset="0"/>
                 <a:cs typeface="Arial" panose="020B0604020202020204" pitchFamily="34" charset="0"/>
               </a:rPr>
-              <a:t>Udržování aktuálního OS- mnohdy řeší mezery v zabezpečení</a:t>
+              <a:t>Udržování aktuálního OS: mnohdy řeší mezery v zabezpečení</a:t>
             </a:r>
           </a:p>
         </p:txBody>
@@ -14170,8 +15464,8 @@
         </p:nvSpPr>
         <p:spPr>
           <a:xfrm>
-            <a:off x="1064904" y="122418"/>
-            <a:ext cx="6004538" cy="1507976"/>
+            <a:off x="1414178" y="458793"/>
+            <a:ext cx="6082903" cy="1498174"/>
           </a:xfrm>
         </p:spPr>
         <p:txBody>
@@ -14189,7 +15483,7 @@
                 <a:latin typeface="Arial" panose="020B0604020202020204" pitchFamily="34" charset="0"/>
                 <a:cs typeface="Arial" panose="020B0604020202020204" pitchFamily="34" charset="0"/>
               </a:rPr>
-              <a:t>Citace literatury:</a:t>
+              <a:t>Co je chytré město?</a:t>
             </a:r>
           </a:p>
         </p:txBody>
@@ -14212,146 +15506,113 @@
         </p:nvSpPr>
         <p:spPr>
           <a:xfrm>
-            <a:off x="1712163" y="2549075"/>
-            <a:ext cx="8208216" cy="2212705"/>
+            <a:off x="4067173" y="3687763"/>
+            <a:ext cx="8791575" cy="1655762"/>
           </a:xfrm>
         </p:spPr>
         <p:txBody>
-          <a:bodyPr>
-            <a:normAutofit/>
+          <a:bodyPr/>
+          <a:lstStyle/>
+          <a:p>
+            <a:endParaRPr lang="cs-CZ" dirty="0"/>
+          </a:p>
+        </p:txBody>
+      </p:sp>
+      <p:sp>
+        <p:nvSpPr>
+          <p:cNvPr id="4" name="TextovéPole 3">
+            <a:extLst>
+              <a:ext uri="{FF2B5EF4-FFF2-40B4-BE49-F238E27FC236}">
+                <a16:creationId xmlns:a16="http://schemas.microsoft.com/office/drawing/2014/main" id="{97B33B09-C71B-1489-01D6-46555C62E1CC}"/>
+              </a:ext>
+            </a:extLst>
+          </p:cNvPr>
+          <p:cNvSpPr txBox="1"/>
+          <p:nvPr/>
+        </p:nvSpPr>
+        <p:spPr>
+          <a:xfrm>
+            <a:off x="2018581" y="2216989"/>
+            <a:ext cx="5098211" cy="461665"/>
+          </a:xfrm>
+          <a:prstGeom prst="rect">
+            <a:avLst/>
+          </a:prstGeom>
+          <a:noFill/>
+        </p:spPr>
+        <p:txBody>
+          <a:bodyPr wrap="square" rtlCol="0">
+            <a:spAutoFit/>
           </a:bodyPr>
           <a:lstStyle/>
           <a:p>
             <a:r>
-              <a:rPr lang="cs-CZ" sz="1400" b="0" i="0" dirty="0">
-                <a:solidFill>
-                  <a:srgbClr val="212529"/>
-                </a:solidFill>
-                <a:effectLst/>
-                <a:latin typeface="Open Sans" panose="020B0606030504020204" pitchFamily="34" charset="0"/>
+              <a:rPr lang="cs-CZ" sz="2400" dirty="0">
+                <a:latin typeface="Arial" panose="020B0604020202020204" pitchFamily="34" charset="0"/>
+                <a:cs typeface="Arial" panose="020B0604020202020204" pitchFamily="34" charset="0"/>
               </a:rPr>
-              <a:t>Internet věcí. In: </a:t>
-            </a:r>
-            <a:r>
-              <a:rPr lang="cs-CZ" sz="1400" b="0" i="1" dirty="0">
-                <a:solidFill>
-                  <a:srgbClr val="212529"/>
-                </a:solidFill>
-                <a:effectLst/>
-                <a:latin typeface="Open Sans" panose="020B0606030504020204" pitchFamily="34" charset="0"/>
+              <a:t>.</a:t>
+            </a:r>
+          </a:p>
+        </p:txBody>
+      </p:sp>
+      <p:sp>
+        <p:nvSpPr>
+          <p:cNvPr id="5" name="TextovéPole 4">
+            <a:extLst>
+              <a:ext uri="{FF2B5EF4-FFF2-40B4-BE49-F238E27FC236}">
+                <a16:creationId xmlns:a16="http://schemas.microsoft.com/office/drawing/2014/main" id="{8B7824A9-1D4B-A280-7052-F8015737F044}"/>
+              </a:ext>
+            </a:extLst>
+          </p:cNvPr>
+          <p:cNvSpPr txBox="1"/>
+          <p:nvPr/>
+        </p:nvSpPr>
+        <p:spPr>
+          <a:xfrm>
+            <a:off x="1854679" y="2976113"/>
+            <a:ext cx="5986732" cy="1938992"/>
+          </a:xfrm>
+          <a:prstGeom prst="rect">
+            <a:avLst/>
+          </a:prstGeom>
+          <a:noFill/>
+        </p:spPr>
+        <p:txBody>
+          <a:bodyPr wrap="square" rtlCol="0">
+            <a:spAutoFit/>
+          </a:bodyPr>
+          <a:lstStyle/>
+          <a:p>
+            <a:r>
+              <a:rPr lang="cs-CZ" sz="2400" dirty="0">
+                <a:latin typeface="Arial" panose="020B0604020202020204" pitchFamily="34" charset="0"/>
+                <a:cs typeface="Arial" panose="020B0604020202020204" pitchFamily="34" charset="0"/>
               </a:rPr>
-              <a:t>Wikipedia: </a:t>
-            </a:r>
-            <a:r>
-              <a:rPr lang="cs-CZ" sz="1400" b="0" i="1" dirty="0" err="1">
-                <a:solidFill>
-                  <a:srgbClr val="212529"/>
-                </a:solidFill>
-                <a:effectLst/>
-                <a:latin typeface="Open Sans" panose="020B0606030504020204" pitchFamily="34" charset="0"/>
+              <a:t>Informační a komunikační technologie k řízení města a zmírnění negativních dopadů urbanizace.</a:t>
+            </a:r>
+          </a:p>
+          <a:p>
+            <a:endParaRPr lang="cs-CZ" sz="2400" dirty="0">
+              <a:latin typeface="Arial" panose="020B0604020202020204" pitchFamily="34" charset="0"/>
+              <a:cs typeface="Arial" panose="020B0604020202020204" pitchFamily="34" charset="0"/>
+            </a:endParaRPr>
+          </a:p>
+          <a:p>
+            <a:r>
+              <a:rPr lang="cs-CZ" sz="2400" dirty="0">
+                <a:latin typeface="Arial" panose="020B0604020202020204" pitchFamily="34" charset="0"/>
+                <a:cs typeface="Arial" panose="020B0604020202020204" pitchFamily="34" charset="0"/>
               </a:rPr>
-              <a:t>the</a:t>
-            </a:r>
-            <a:r>
-              <a:rPr lang="cs-CZ" sz="1400" b="0" i="1" dirty="0">
-                <a:solidFill>
-                  <a:srgbClr val="212529"/>
-                </a:solidFill>
-                <a:effectLst/>
-                <a:latin typeface="Open Sans" panose="020B0606030504020204" pitchFamily="34" charset="0"/>
-              </a:rPr>
-              <a:t> free </a:t>
-            </a:r>
-            <a:r>
-              <a:rPr lang="cs-CZ" sz="1400" b="0" i="1" dirty="0" err="1">
-                <a:solidFill>
-                  <a:srgbClr val="212529"/>
-                </a:solidFill>
-                <a:effectLst/>
-                <a:latin typeface="Open Sans" panose="020B0606030504020204" pitchFamily="34" charset="0"/>
-              </a:rPr>
-              <a:t>encyclopedia</a:t>
-            </a:r>
-            <a:r>
-              <a:rPr lang="cs-CZ" sz="1400" b="0" i="0" dirty="0">
-                <a:solidFill>
-                  <a:srgbClr val="212529"/>
-                </a:solidFill>
-                <a:effectLst/>
-                <a:latin typeface="Open Sans" panose="020B0606030504020204" pitchFamily="34" charset="0"/>
-              </a:rPr>
-              <a:t> [online]. San Francisco (CA): </a:t>
-            </a:r>
-            <a:r>
-              <a:rPr lang="cs-CZ" sz="1400" b="0" i="0" dirty="0" err="1">
-                <a:solidFill>
-                  <a:srgbClr val="212529"/>
-                </a:solidFill>
-                <a:effectLst/>
-                <a:latin typeface="Open Sans" panose="020B0606030504020204" pitchFamily="34" charset="0"/>
-              </a:rPr>
-              <a:t>Wikimedia</a:t>
-            </a:r>
-            <a:r>
-              <a:rPr lang="cs-CZ" sz="1400" b="0" i="0" dirty="0">
-                <a:solidFill>
-                  <a:srgbClr val="212529"/>
-                </a:solidFill>
-                <a:effectLst/>
-                <a:latin typeface="Open Sans" panose="020B0606030504020204" pitchFamily="34" charset="0"/>
-              </a:rPr>
-              <a:t> </a:t>
-            </a:r>
-            <a:r>
-              <a:rPr lang="cs-CZ" sz="1400" b="0" i="0" dirty="0" err="1">
-                <a:solidFill>
-                  <a:srgbClr val="212529"/>
-                </a:solidFill>
-                <a:effectLst/>
-                <a:latin typeface="Open Sans" panose="020B0606030504020204" pitchFamily="34" charset="0"/>
-              </a:rPr>
-              <a:t>Foundation</a:t>
-            </a:r>
-            <a:r>
-              <a:rPr lang="cs-CZ" sz="1400" b="0" i="0" dirty="0">
-                <a:solidFill>
-                  <a:srgbClr val="212529"/>
-                </a:solidFill>
-                <a:effectLst/>
-                <a:latin typeface="Open Sans" panose="020B0606030504020204" pitchFamily="34" charset="0"/>
-              </a:rPr>
-              <a:t>, 2001-, 8.5. 2022 [cit. 2023-01-15]. Dostupné z: https://cs.wikipedia.org/wiki/Internet_v%C4%9Bc%C3%AD</a:t>
-            </a:r>
-          </a:p>
-          <a:p>
-            <a:r>
-              <a:rPr lang="cs-CZ" sz="1200" b="0" i="1" dirty="0">
-                <a:solidFill>
-                  <a:srgbClr val="212529"/>
-                </a:solidFill>
-                <a:effectLst/>
-                <a:latin typeface="Open Sans" panose="020B0606030504020204" pitchFamily="34" charset="0"/>
-              </a:rPr>
-              <a:t>Internet věcí</a:t>
-            </a:r>
-            <a:r>
-              <a:rPr lang="cs-CZ" sz="1200" b="0" i="0" dirty="0">
-                <a:solidFill>
-                  <a:srgbClr val="212529"/>
-                </a:solidFill>
-                <a:effectLst/>
-                <a:latin typeface="Open Sans" panose="020B0606030504020204" pitchFamily="34" charset="0"/>
-              </a:rPr>
-              <a:t> [online]. 2017. České vysoké učení technické v Praze Fakulta elektrotechnická: České vysoké učení technické v Praze Fakulta elektrotechnická, 2017 [cit. 2023-01-15]. ISBN 978-80-01-06231-9. Dostupné z: https://upcommons.upc.edu/bitstream/handle/2117/112248/LM08_F_CZ.pdf;jsessionid=08CF27DEAD8A719D30C0BE9CAC9642ED?sequence=1</a:t>
-            </a:r>
-            <a:endParaRPr lang="cs-CZ" sz="1400" dirty="0"/>
+              <a:t>Spolupráce místních subjektů.</a:t>
+            </a:r>
           </a:p>
         </p:txBody>
       </p:sp>
     </p:spTree>
     <p:extLst>
       <p:ext uri="{BB962C8B-B14F-4D97-AF65-F5344CB8AC3E}">
-        <p14:creationId xmlns:p14="http://schemas.microsoft.com/office/powerpoint/2010/main" val="1295130196"/>
+        <p14:creationId xmlns:p14="http://schemas.microsoft.com/office/powerpoint/2010/main" val="942040117"/>
       </p:ext>
     </p:extLst>
   </p:cSld>

--- a/langsadl.pptx
+++ b/langsadl.pptx
@@ -19,7 +19,8 @@
     <p:sldId id="268" r:id="rId13"/>
     <p:sldId id="269" r:id="rId14"/>
     <p:sldId id="270" r:id="rId15"/>
-    <p:sldId id="264" r:id="rId16"/>
+    <p:sldId id="271" r:id="rId16"/>
+    <p:sldId id="264" r:id="rId17"/>
   </p:sldIdLst>
   <p:sldSz cx="12192000" cy="6858000"/>
   <p:notesSz cx="6858000" cy="9144000"/>
@@ -176,7 +177,7 @@
           <a:noFill/>
           <a:extLst>
             <a:ext uri="{909E8E84-426E-40dd-AFC4-6F175D3DCCD1}">
-              <a14:hiddenFill xmlns="" xmlns:a14="http://schemas.microsoft.com/office/drawing/2010/main">
+              <a14:hiddenFill xmlns:a14="http://schemas.microsoft.com/office/drawing/2010/main" xmlns="">
                 <a:solidFill>
                   <a:srgbClr val="FFFFFF"/>
                 </a:solidFill>
@@ -236,7 +237,7 @@
             </a:ln>
             <a:extLst>
               <a:ext uri="{91240B29-F687-4f45-9708-019B960494DF}">
-                <a14:hiddenLine xmlns="" xmlns:a14="http://schemas.microsoft.com/office/drawing/2010/main" w="9525">
+                <a14:hiddenLine xmlns:a14="http://schemas.microsoft.com/office/drawing/2010/main" xmlns="" w="9525">
                   <a:solidFill>
                     <a:srgbClr val="000000"/>
                   </a:solidFill>
@@ -326,7 +327,7 @@
             </a:ln>
             <a:extLst>
               <a:ext uri="{91240B29-F687-4f45-9708-019B960494DF}">
-                <a14:hiddenLine xmlns="" xmlns:a14="http://schemas.microsoft.com/office/drawing/2010/main" w="9525">
+                <a14:hiddenLine xmlns:a14="http://schemas.microsoft.com/office/drawing/2010/main" xmlns="" w="9525">
                   <a:solidFill>
                     <a:srgbClr val="000000"/>
                   </a:solidFill>
@@ -416,7 +417,7 @@
             </a:ln>
             <a:extLst>
               <a:ext uri="{91240B29-F687-4f45-9708-019B960494DF}">
-                <a14:hiddenLine xmlns="" xmlns:a14="http://schemas.microsoft.com/office/drawing/2010/main" w="9525">
+                <a14:hiddenLine xmlns:a14="http://schemas.microsoft.com/office/drawing/2010/main" xmlns="" w="9525">
                   <a:solidFill>
                     <a:srgbClr val="000000"/>
                   </a:solidFill>
@@ -450,7 +451,7 @@
             </a:ln>
             <a:extLst>
               <a:ext uri="{91240B29-F687-4f45-9708-019B960494DF}">
-                <a14:hiddenLine xmlns="" xmlns:a14="http://schemas.microsoft.com/office/drawing/2010/main" w="9525">
+                <a14:hiddenLine xmlns:a14="http://schemas.microsoft.com/office/drawing/2010/main" xmlns="" w="9525">
                   <a:solidFill>
                     <a:srgbClr val="000000"/>
                   </a:solidFill>
@@ -540,7 +541,7 @@
             </a:ln>
             <a:extLst>
               <a:ext uri="{91240B29-F687-4f45-9708-019B960494DF}">
-                <a14:hiddenLine xmlns="" xmlns:a14="http://schemas.microsoft.com/office/drawing/2010/main" w="9525">
+                <a14:hiddenLine xmlns:a14="http://schemas.microsoft.com/office/drawing/2010/main" xmlns="" w="9525">
                   <a:solidFill>
                     <a:srgbClr val="000000"/>
                   </a:solidFill>
@@ -602,7 +603,7 @@
             </a:ln>
             <a:extLst>
               <a:ext uri="{91240B29-F687-4f45-9708-019B960494DF}">
-                <a14:hiddenLine xmlns="" xmlns:a14="http://schemas.microsoft.com/office/drawing/2010/main" w="9525">
+                <a14:hiddenLine xmlns:a14="http://schemas.microsoft.com/office/drawing/2010/main" xmlns="" w="9525">
                   <a:solidFill>
                     <a:srgbClr val="000000"/>
                   </a:solidFill>
@@ -664,7 +665,7 @@
             </a:ln>
             <a:extLst>
               <a:ext uri="{91240B29-F687-4f45-9708-019B960494DF}">
-                <a14:hiddenLine xmlns="" xmlns:a14="http://schemas.microsoft.com/office/drawing/2010/main" w="9525">
+                <a14:hiddenLine xmlns:a14="http://schemas.microsoft.com/office/drawing/2010/main" xmlns="" w="9525">
                   <a:solidFill>
                     <a:srgbClr val="000000"/>
                   </a:solidFill>
@@ -754,7 +755,7 @@
             </a:ln>
             <a:extLst>
               <a:ext uri="{91240B29-F687-4f45-9708-019B960494DF}">
-                <a14:hiddenLine xmlns="" xmlns:a14="http://schemas.microsoft.com/office/drawing/2010/main" w="9525">
+                <a14:hiddenLine xmlns:a14="http://schemas.microsoft.com/office/drawing/2010/main" xmlns="" w="9525">
                   <a:solidFill>
                     <a:srgbClr val="000000"/>
                   </a:solidFill>
@@ -816,7 +817,7 @@
             </a:ln>
             <a:extLst>
               <a:ext uri="{91240B29-F687-4f45-9708-019B960494DF}">
-                <a14:hiddenLine xmlns="" xmlns:a14="http://schemas.microsoft.com/office/drawing/2010/main" w="9525">
+                <a14:hiddenLine xmlns:a14="http://schemas.microsoft.com/office/drawing/2010/main" xmlns="" w="9525">
                   <a:solidFill>
                     <a:srgbClr val="000000"/>
                   </a:solidFill>
@@ -878,7 +879,7 @@
             </a:ln>
             <a:extLst>
               <a:ext uri="{91240B29-F687-4f45-9708-019B960494DF}">
-                <a14:hiddenLine xmlns="" xmlns:a14="http://schemas.microsoft.com/office/drawing/2010/main" w="9525">
+                <a14:hiddenLine xmlns:a14="http://schemas.microsoft.com/office/drawing/2010/main" xmlns="" w="9525">
                   <a:solidFill>
                     <a:srgbClr val="000000"/>
                   </a:solidFill>
@@ -968,7 +969,7 @@
             </a:ln>
             <a:extLst>
               <a:ext uri="{91240B29-F687-4f45-9708-019B960494DF}">
-                <a14:hiddenLine xmlns="" xmlns:a14="http://schemas.microsoft.com/office/drawing/2010/main" w="9525">
+                <a14:hiddenLine xmlns:a14="http://schemas.microsoft.com/office/drawing/2010/main" xmlns="" w="9525">
                   <a:solidFill>
                     <a:srgbClr val="000000"/>
                   </a:solidFill>
@@ -1058,7 +1059,7 @@
             </a:ln>
             <a:extLst>
               <a:ext uri="{91240B29-F687-4f45-9708-019B960494DF}">
-                <a14:hiddenLine xmlns="" xmlns:a14="http://schemas.microsoft.com/office/drawing/2010/main" w="9525">
+                <a14:hiddenLine xmlns:a14="http://schemas.microsoft.com/office/drawing/2010/main" xmlns="" w="9525">
                   <a:solidFill>
                     <a:srgbClr val="000000"/>
                   </a:solidFill>
@@ -1120,7 +1121,7 @@
             </a:ln>
             <a:extLst>
               <a:ext uri="{91240B29-F687-4f45-9708-019B960494DF}">
-                <a14:hiddenLine xmlns="" xmlns:a14="http://schemas.microsoft.com/office/drawing/2010/main" w="9525">
+                <a14:hiddenLine xmlns:a14="http://schemas.microsoft.com/office/drawing/2010/main" xmlns="" w="9525">
                   <a:solidFill>
                     <a:srgbClr val="000000"/>
                   </a:solidFill>
@@ -1230,7 +1231,7 @@
             </a:ln>
             <a:extLst>
               <a:ext uri="{91240B29-F687-4f45-9708-019B960494DF}">
-                <a14:hiddenLine xmlns="" xmlns:a14="http://schemas.microsoft.com/office/drawing/2010/main" w="9525">
+                <a14:hiddenLine xmlns:a14="http://schemas.microsoft.com/office/drawing/2010/main" xmlns="" w="9525">
                   <a:solidFill>
                     <a:srgbClr val="000000"/>
                   </a:solidFill>
@@ -1292,7 +1293,7 @@
             </a:ln>
             <a:extLst>
               <a:ext uri="{91240B29-F687-4f45-9708-019B960494DF}">
-                <a14:hiddenLine xmlns="" xmlns:a14="http://schemas.microsoft.com/office/drawing/2010/main" w="9525">
+                <a14:hiddenLine xmlns:a14="http://schemas.microsoft.com/office/drawing/2010/main" xmlns="" w="9525">
                   <a:solidFill>
                     <a:srgbClr val="000000"/>
                   </a:solidFill>
@@ -1382,7 +1383,7 @@
             </a:ln>
             <a:extLst>
               <a:ext uri="{91240B29-F687-4f45-9708-019B960494DF}">
-                <a14:hiddenLine xmlns="" xmlns:a14="http://schemas.microsoft.com/office/drawing/2010/main" w="9525">
+                <a14:hiddenLine xmlns:a14="http://schemas.microsoft.com/office/drawing/2010/main" xmlns="" w="9525">
                   <a:solidFill>
                     <a:srgbClr val="000000"/>
                   </a:solidFill>
@@ -1472,7 +1473,7 @@
             </a:ln>
             <a:extLst>
               <a:ext uri="{91240B29-F687-4f45-9708-019B960494DF}">
-                <a14:hiddenLine xmlns="" xmlns:a14="http://schemas.microsoft.com/office/drawing/2010/main" w="9525">
+                <a14:hiddenLine xmlns:a14="http://schemas.microsoft.com/office/drawing/2010/main" xmlns="" w="9525">
                   <a:solidFill>
                     <a:srgbClr val="000000"/>
                   </a:solidFill>
@@ -1534,7 +1535,7 @@
             </a:ln>
             <a:extLst>
               <a:ext uri="{91240B29-F687-4f45-9708-019B960494DF}">
-                <a14:hiddenLine xmlns="" xmlns:a14="http://schemas.microsoft.com/office/drawing/2010/main" w="9525">
+                <a14:hiddenLine xmlns:a14="http://schemas.microsoft.com/office/drawing/2010/main" xmlns="" w="9525">
                   <a:solidFill>
                     <a:srgbClr val="000000"/>
                   </a:solidFill>
@@ -1624,7 +1625,7 @@
             </a:ln>
             <a:extLst>
               <a:ext uri="{91240B29-F687-4f45-9708-019B960494DF}">
-                <a14:hiddenLine xmlns="" xmlns:a14="http://schemas.microsoft.com/office/drawing/2010/main" w="9525">
+                <a14:hiddenLine xmlns:a14="http://schemas.microsoft.com/office/drawing/2010/main" xmlns="" w="9525">
                   <a:solidFill>
                     <a:srgbClr val="000000"/>
                   </a:solidFill>
@@ -1714,7 +1715,7 @@
             </a:ln>
             <a:extLst>
               <a:ext uri="{91240B29-F687-4f45-9708-019B960494DF}">
-                <a14:hiddenLine xmlns="" xmlns:a14="http://schemas.microsoft.com/office/drawing/2010/main" w="9525">
+                <a14:hiddenLine xmlns:a14="http://schemas.microsoft.com/office/drawing/2010/main" xmlns="" w="9525">
                   <a:solidFill>
                     <a:srgbClr val="000000"/>
                   </a:solidFill>
@@ -1770,7 +1771,7 @@
             </a:ln>
             <a:extLst>
               <a:ext uri="{91240B29-F687-4f45-9708-019B960494DF}">
-                <a14:hiddenLine xmlns="" xmlns:a14="http://schemas.microsoft.com/office/drawing/2010/main" w="9525">
+                <a14:hiddenLine xmlns:a14="http://schemas.microsoft.com/office/drawing/2010/main" xmlns="" w="9525">
                   <a:solidFill>
                     <a:srgbClr val="000000"/>
                   </a:solidFill>
@@ -1860,7 +1861,7 @@
             </a:ln>
             <a:extLst>
               <a:ext uri="{91240B29-F687-4f45-9708-019B960494DF}">
-                <a14:hiddenLine xmlns="" xmlns:a14="http://schemas.microsoft.com/office/drawing/2010/main" w="9525">
+                <a14:hiddenLine xmlns:a14="http://schemas.microsoft.com/office/drawing/2010/main" xmlns="" w="9525">
                   <a:solidFill>
                     <a:srgbClr val="000000"/>
                   </a:solidFill>
@@ -1916,7 +1917,7 @@
             </a:ln>
             <a:extLst>
               <a:ext uri="{91240B29-F687-4f45-9708-019B960494DF}">
-                <a14:hiddenLine xmlns="" xmlns:a14="http://schemas.microsoft.com/office/drawing/2010/main" w="9525">
+                <a14:hiddenLine xmlns:a14="http://schemas.microsoft.com/office/drawing/2010/main" xmlns="" w="9525">
                   <a:solidFill>
                     <a:srgbClr val="000000"/>
                   </a:solidFill>
@@ -2006,7 +2007,7 @@
             </a:ln>
             <a:extLst>
               <a:ext uri="{91240B29-F687-4f45-9708-019B960494DF}">
-                <a14:hiddenLine xmlns="" xmlns:a14="http://schemas.microsoft.com/office/drawing/2010/main" w="9525">
+                <a14:hiddenLine xmlns:a14="http://schemas.microsoft.com/office/drawing/2010/main" xmlns="" w="9525">
                   <a:solidFill>
                     <a:srgbClr val="000000"/>
                   </a:solidFill>
@@ -2074,7 +2075,7 @@
             </a:ln>
             <a:extLst>
               <a:ext uri="{91240B29-F687-4f45-9708-019B960494DF}">
-                <a14:hiddenLine xmlns="" xmlns:a14="http://schemas.microsoft.com/office/drawing/2010/main" w="9525">
+                <a14:hiddenLine xmlns:a14="http://schemas.microsoft.com/office/drawing/2010/main" xmlns="" w="9525">
                   <a:solidFill>
                     <a:srgbClr val="000000"/>
                   </a:solidFill>
@@ -2164,7 +2165,7 @@
             </a:ln>
             <a:extLst>
               <a:ext uri="{91240B29-F687-4f45-9708-019B960494DF}">
-                <a14:hiddenLine xmlns="" xmlns:a14="http://schemas.microsoft.com/office/drawing/2010/main" w="9525">
+                <a14:hiddenLine xmlns:a14="http://schemas.microsoft.com/office/drawing/2010/main" xmlns="" w="9525">
                   <a:solidFill>
                     <a:srgbClr val="000000"/>
                   </a:solidFill>
@@ -2232,7 +2233,7 @@
             </a:ln>
             <a:extLst>
               <a:ext uri="{91240B29-F687-4f45-9708-019B960494DF}">
-                <a14:hiddenLine xmlns="" xmlns:a14="http://schemas.microsoft.com/office/drawing/2010/main" w="9525">
+                <a14:hiddenLine xmlns:a14="http://schemas.microsoft.com/office/drawing/2010/main" xmlns="" w="9525">
                   <a:solidFill>
                     <a:srgbClr val="000000"/>
                   </a:solidFill>
@@ -2322,7 +2323,7 @@
             </a:ln>
             <a:extLst>
               <a:ext uri="{91240B29-F687-4f45-9708-019B960494DF}">
-                <a14:hiddenLine xmlns="" xmlns:a14="http://schemas.microsoft.com/office/drawing/2010/main" w="9525">
+                <a14:hiddenLine xmlns:a14="http://schemas.microsoft.com/office/drawing/2010/main" xmlns="" w="9525">
                   <a:solidFill>
                     <a:srgbClr val="000000"/>
                   </a:solidFill>
@@ -2356,7 +2357,7 @@
             </a:ln>
             <a:extLst>
               <a:ext uri="{91240B29-F687-4f45-9708-019B960494DF}">
-                <a14:hiddenLine xmlns="" xmlns:a14="http://schemas.microsoft.com/office/drawing/2010/main" w="9525">
+                <a14:hiddenLine xmlns:a14="http://schemas.microsoft.com/office/drawing/2010/main" xmlns="" w="9525">
                   <a:solidFill>
                     <a:srgbClr val="000000"/>
                   </a:solidFill>
@@ -2446,7 +2447,7 @@
             </a:ln>
             <a:extLst>
               <a:ext uri="{91240B29-F687-4f45-9708-019B960494DF}">
-                <a14:hiddenLine xmlns="" xmlns:a14="http://schemas.microsoft.com/office/drawing/2010/main" w="9525">
+                <a14:hiddenLine xmlns:a14="http://schemas.microsoft.com/office/drawing/2010/main" xmlns="" w="9525">
                   <a:solidFill>
                     <a:srgbClr val="000000"/>
                   </a:solidFill>
@@ -2508,7 +2509,7 @@
             </a:ln>
             <a:extLst>
               <a:ext uri="{91240B29-F687-4f45-9708-019B960494DF}">
-                <a14:hiddenLine xmlns="" xmlns:a14="http://schemas.microsoft.com/office/drawing/2010/main" w="9525">
+                <a14:hiddenLine xmlns:a14="http://schemas.microsoft.com/office/drawing/2010/main" xmlns="" w="9525">
                   <a:solidFill>
                     <a:srgbClr val="000000"/>
                   </a:solidFill>
@@ -2570,7 +2571,7 @@
             </a:ln>
             <a:extLst>
               <a:ext uri="{91240B29-F687-4f45-9708-019B960494DF}">
-                <a14:hiddenLine xmlns="" xmlns:a14="http://schemas.microsoft.com/office/drawing/2010/main" w="9525">
+                <a14:hiddenLine xmlns:a14="http://schemas.microsoft.com/office/drawing/2010/main" xmlns="" w="9525">
                   <a:solidFill>
                     <a:srgbClr val="000000"/>
                   </a:solidFill>
@@ -2660,7 +2661,7 @@
             </a:ln>
             <a:extLst>
               <a:ext uri="{91240B29-F687-4f45-9708-019B960494DF}">
-                <a14:hiddenLine xmlns="" xmlns:a14="http://schemas.microsoft.com/office/drawing/2010/main" w="9525">
+                <a14:hiddenLine xmlns:a14="http://schemas.microsoft.com/office/drawing/2010/main" xmlns="" w="9525">
                   <a:solidFill>
                     <a:srgbClr val="000000"/>
                   </a:solidFill>
@@ -2728,7 +2729,7 @@
             </a:ln>
             <a:extLst>
               <a:ext uri="{91240B29-F687-4f45-9708-019B960494DF}">
-                <a14:hiddenLine xmlns="" xmlns:a14="http://schemas.microsoft.com/office/drawing/2010/main" w="9525">
+                <a14:hiddenLine xmlns:a14="http://schemas.microsoft.com/office/drawing/2010/main" xmlns="" w="9525">
                   <a:solidFill>
                     <a:srgbClr val="000000"/>
                   </a:solidFill>
@@ -2790,7 +2791,7 @@
             </a:ln>
             <a:extLst>
               <a:ext uri="{91240B29-F687-4f45-9708-019B960494DF}">
-                <a14:hiddenLine xmlns="" xmlns:a14="http://schemas.microsoft.com/office/drawing/2010/main" w="9525">
+                <a14:hiddenLine xmlns:a14="http://schemas.microsoft.com/office/drawing/2010/main" xmlns="" w="9525">
                   <a:solidFill>
                     <a:srgbClr val="000000"/>
                   </a:solidFill>
@@ -2880,7 +2881,7 @@
             </a:ln>
             <a:extLst>
               <a:ext uri="{91240B29-F687-4f45-9708-019B960494DF}">
-                <a14:hiddenLine xmlns="" xmlns:a14="http://schemas.microsoft.com/office/drawing/2010/main" w="9525">
+                <a14:hiddenLine xmlns:a14="http://schemas.microsoft.com/office/drawing/2010/main" xmlns="" w="9525">
                   <a:solidFill>
                     <a:srgbClr val="000000"/>
                   </a:solidFill>
@@ -2942,7 +2943,7 @@
             </a:ln>
             <a:extLst>
               <a:ext uri="{91240B29-F687-4f45-9708-019B960494DF}">
-                <a14:hiddenLine xmlns="" xmlns:a14="http://schemas.microsoft.com/office/drawing/2010/main" w="9525">
+                <a14:hiddenLine xmlns:a14="http://schemas.microsoft.com/office/drawing/2010/main" xmlns="" w="9525">
                   <a:solidFill>
                     <a:srgbClr val="000000"/>
                   </a:solidFill>
@@ -3032,7 +3033,7 @@
             </a:ln>
             <a:extLst>
               <a:ext uri="{91240B29-F687-4f45-9708-019B960494DF}">
-                <a14:hiddenLine xmlns="" xmlns:a14="http://schemas.microsoft.com/office/drawing/2010/main" w="9525">
+                <a14:hiddenLine xmlns:a14="http://schemas.microsoft.com/office/drawing/2010/main" xmlns="" w="9525">
                   <a:solidFill>
                     <a:srgbClr val="000000"/>
                   </a:solidFill>
@@ -3094,7 +3095,7 @@
             </a:ln>
             <a:extLst>
               <a:ext uri="{91240B29-F687-4f45-9708-019B960494DF}">
-                <a14:hiddenLine xmlns="" xmlns:a14="http://schemas.microsoft.com/office/drawing/2010/main" w="9525">
+                <a14:hiddenLine xmlns:a14="http://schemas.microsoft.com/office/drawing/2010/main" xmlns="" w="9525">
                   <a:solidFill>
                     <a:srgbClr val="000000"/>
                   </a:solidFill>
@@ -3184,7 +3185,7 @@
             </a:ln>
             <a:extLst>
               <a:ext uri="{91240B29-F687-4f45-9708-019B960494DF}">
-                <a14:hiddenLine xmlns="" xmlns:a14="http://schemas.microsoft.com/office/drawing/2010/main" w="9525">
+                <a14:hiddenLine xmlns:a14="http://schemas.microsoft.com/office/drawing/2010/main" xmlns="" w="9525">
                   <a:solidFill>
                     <a:srgbClr val="000000"/>
                   </a:solidFill>
@@ -3218,7 +3219,7 @@
             </a:ln>
             <a:extLst>
               <a:ext uri="{91240B29-F687-4f45-9708-019B960494DF}">
-                <a14:hiddenLine xmlns="" xmlns:a14="http://schemas.microsoft.com/office/drawing/2010/main" w="9525">
+                <a14:hiddenLine xmlns:a14="http://schemas.microsoft.com/office/drawing/2010/main" xmlns="" w="9525">
                   <a:solidFill>
                     <a:srgbClr val="000000"/>
                   </a:solidFill>
@@ -3283,7 +3284,7 @@
             </a:ln>
             <a:extLst>
               <a:ext uri="{91240B29-F687-4f45-9708-019B960494DF}">
-                <a14:hiddenLine xmlns="" xmlns:a14="http://schemas.microsoft.com/office/drawing/2010/main" w="9525">
+                <a14:hiddenLine xmlns:a14="http://schemas.microsoft.com/office/drawing/2010/main" xmlns="" w="9525">
                   <a:solidFill>
                     <a:srgbClr val="000000"/>
                   </a:solidFill>
@@ -3373,7 +3374,7 @@
             </a:ln>
             <a:extLst>
               <a:ext uri="{91240B29-F687-4f45-9708-019B960494DF}">
-                <a14:hiddenLine xmlns="" xmlns:a14="http://schemas.microsoft.com/office/drawing/2010/main" w="9525">
+                <a14:hiddenLine xmlns:a14="http://schemas.microsoft.com/office/drawing/2010/main" xmlns="" w="9525">
                   <a:solidFill>
                     <a:srgbClr val="000000"/>
                   </a:solidFill>
@@ -3435,7 +3436,7 @@
             </a:ln>
             <a:extLst>
               <a:ext uri="{91240B29-F687-4f45-9708-019B960494DF}">
-                <a14:hiddenLine xmlns="" xmlns:a14="http://schemas.microsoft.com/office/drawing/2010/main" w="9525">
+                <a14:hiddenLine xmlns:a14="http://schemas.microsoft.com/office/drawing/2010/main" xmlns="" w="9525">
                   <a:solidFill>
                     <a:srgbClr val="000000"/>
                   </a:solidFill>
@@ -3525,7 +3526,7 @@
             </a:ln>
             <a:extLst>
               <a:ext uri="{91240B29-F687-4f45-9708-019B960494DF}">
-                <a14:hiddenLine xmlns="" xmlns:a14="http://schemas.microsoft.com/office/drawing/2010/main" w="9525">
+                <a14:hiddenLine xmlns:a14="http://schemas.microsoft.com/office/drawing/2010/main" xmlns="" w="9525">
                   <a:solidFill>
                     <a:srgbClr val="000000"/>
                   </a:solidFill>
@@ -3615,7 +3616,7 @@
             </a:ln>
             <a:extLst>
               <a:ext uri="{91240B29-F687-4f45-9708-019B960494DF}">
-                <a14:hiddenLine xmlns="" xmlns:a14="http://schemas.microsoft.com/office/drawing/2010/main" w="9525">
+                <a14:hiddenLine xmlns:a14="http://schemas.microsoft.com/office/drawing/2010/main" xmlns="" w="9525">
                   <a:solidFill>
                     <a:srgbClr val="000000"/>
                   </a:solidFill>
@@ -3680,7 +3681,7 @@
             </a:ln>
             <a:extLst>
               <a:ext uri="{91240B29-F687-4f45-9708-019B960494DF}">
-                <a14:hiddenLine xmlns="" xmlns:a14="http://schemas.microsoft.com/office/drawing/2010/main" w="9525">
+                <a14:hiddenLine xmlns:a14="http://schemas.microsoft.com/office/drawing/2010/main" xmlns="" w="9525">
                   <a:solidFill>
                     <a:srgbClr val="000000"/>
                   </a:solidFill>
@@ -3742,7 +3743,7 @@
             </a:ln>
             <a:extLst>
               <a:ext uri="{91240B29-F687-4f45-9708-019B960494DF}">
-                <a14:hiddenLine xmlns="" xmlns:a14="http://schemas.microsoft.com/office/drawing/2010/main" w="9525">
+                <a14:hiddenLine xmlns:a14="http://schemas.microsoft.com/office/drawing/2010/main" xmlns="" w="9525">
                   <a:solidFill>
                     <a:srgbClr val="000000"/>
                   </a:solidFill>
@@ -3832,7 +3833,7 @@
             </a:ln>
             <a:extLst>
               <a:ext uri="{91240B29-F687-4f45-9708-019B960494DF}">
-                <a14:hiddenLine xmlns="" xmlns:a14="http://schemas.microsoft.com/office/drawing/2010/main" w="9525">
+                <a14:hiddenLine xmlns:a14="http://schemas.microsoft.com/office/drawing/2010/main" xmlns="" w="9525">
                   <a:solidFill>
                     <a:srgbClr val="000000"/>
                   </a:solidFill>
@@ -3922,7 +3923,7 @@
             </a:ln>
             <a:extLst>
               <a:ext uri="{91240B29-F687-4f45-9708-019B960494DF}">
-                <a14:hiddenLine xmlns="" xmlns:a14="http://schemas.microsoft.com/office/drawing/2010/main" w="9525">
+                <a14:hiddenLine xmlns:a14="http://schemas.microsoft.com/office/drawing/2010/main" xmlns="" w="9525">
                   <a:solidFill>
                     <a:srgbClr val="000000"/>
                   </a:solidFill>
@@ -3984,7 +3985,7 @@
             </a:ln>
             <a:extLst>
               <a:ext uri="{91240B29-F687-4f45-9708-019B960494DF}">
-                <a14:hiddenLine xmlns="" xmlns:a14="http://schemas.microsoft.com/office/drawing/2010/main" w="9525">
+                <a14:hiddenLine xmlns:a14="http://schemas.microsoft.com/office/drawing/2010/main" xmlns="" w="9525">
                   <a:solidFill>
                     <a:srgbClr val="000000"/>
                   </a:solidFill>
@@ -4104,7 +4105,7 @@
             </a:ln>
             <a:extLst>
               <a:ext uri="{91240B29-F687-4f45-9708-019B960494DF}">
-                <a14:hiddenLine xmlns="" xmlns:a14="http://schemas.microsoft.com/office/drawing/2010/main" w="9525">
+                <a14:hiddenLine xmlns:a14="http://schemas.microsoft.com/office/drawing/2010/main" xmlns="" w="9525">
                   <a:solidFill>
                     <a:srgbClr val="000000"/>
                   </a:solidFill>
@@ -4172,7 +4173,7 @@
             </a:ln>
             <a:extLst>
               <a:ext uri="{91240B29-F687-4f45-9708-019B960494DF}">
-                <a14:hiddenLine xmlns="" xmlns:a14="http://schemas.microsoft.com/office/drawing/2010/main" w="9525">
+                <a14:hiddenLine xmlns:a14="http://schemas.microsoft.com/office/drawing/2010/main" xmlns="" w="9525">
                   <a:solidFill>
                     <a:srgbClr val="000000"/>
                   </a:solidFill>
@@ -4262,7 +4263,7 @@
             </a:ln>
             <a:extLst>
               <a:ext uri="{91240B29-F687-4f45-9708-019B960494DF}">
-                <a14:hiddenLine xmlns="" xmlns:a14="http://schemas.microsoft.com/office/drawing/2010/main" w="9525">
+                <a14:hiddenLine xmlns:a14="http://schemas.microsoft.com/office/drawing/2010/main" xmlns="" w="9525">
                   <a:solidFill>
                     <a:srgbClr val="000000"/>
                   </a:solidFill>
@@ -4402,7 +4403,7 @@
           <a:p>
             <a:fld id="{DBFB03AA-6361-4CA4-9C2A-B9A8C3B8A834}" type="datetimeFigureOut">
               <a:rPr lang="cs-CZ" smtClean="0"/>
-              <a:t>17.01.2023</a:t>
+              <a:t>18.01.2023</a:t>
             </a:fld>
             <a:endParaRPr lang="cs-CZ"/>
           </a:p>
@@ -4669,7 +4670,7 @@
           <a:p>
             <a:fld id="{DBFB03AA-6361-4CA4-9C2A-B9A8C3B8A834}" type="datetimeFigureOut">
               <a:rPr lang="cs-CZ" smtClean="0"/>
-              <a:t>17.01.2023</a:t>
+              <a:t>18.01.2023</a:t>
             </a:fld>
             <a:endParaRPr lang="cs-CZ"/>
           </a:p>
@@ -4865,7 +4866,7 @@
           <a:p>
             <a:fld id="{DBFB03AA-6361-4CA4-9C2A-B9A8C3B8A834}" type="datetimeFigureOut">
               <a:rPr lang="cs-CZ" smtClean="0"/>
-              <a:t>17.01.2023</a:t>
+              <a:t>18.01.2023</a:t>
             </a:fld>
             <a:endParaRPr lang="cs-CZ"/>
           </a:p>
@@ -5128,7 +5129,7 @@
           <a:p>
             <a:fld id="{DBFB03AA-6361-4CA4-9C2A-B9A8C3B8A834}" type="datetimeFigureOut">
               <a:rPr lang="cs-CZ" smtClean="0"/>
-              <a:t>17.01.2023</a:t>
+              <a:t>18.01.2023</a:t>
             </a:fld>
             <a:endParaRPr lang="cs-CZ"/>
           </a:p>
@@ -5562,7 +5563,7 @@
           <a:p>
             <a:fld id="{DBFB03AA-6361-4CA4-9C2A-B9A8C3B8A834}" type="datetimeFigureOut">
               <a:rPr lang="cs-CZ" smtClean="0"/>
-              <a:t>17.01.2023</a:t>
+              <a:t>18.01.2023</a:t>
             </a:fld>
             <a:endParaRPr lang="cs-CZ"/>
           </a:p>
@@ -6108,7 +6109,7 @@
           <a:p>
             <a:fld id="{DBFB03AA-6361-4CA4-9C2A-B9A8C3B8A834}" type="datetimeFigureOut">
               <a:rPr lang="cs-CZ" smtClean="0"/>
-              <a:t>17.01.2023</a:t>
+              <a:t>18.01.2023</a:t>
             </a:fld>
             <a:endParaRPr lang="cs-CZ"/>
           </a:p>
@@ -6828,7 +6829,7 @@
           <a:p>
             <a:fld id="{DBFB03AA-6361-4CA4-9C2A-B9A8C3B8A834}" type="datetimeFigureOut">
               <a:rPr lang="cs-CZ" smtClean="0"/>
-              <a:t>17.01.2023</a:t>
+              <a:t>18.01.2023</a:t>
             </a:fld>
             <a:endParaRPr lang="cs-CZ"/>
           </a:p>
@@ -6998,7 +6999,7 @@
           <a:p>
             <a:fld id="{DBFB03AA-6361-4CA4-9C2A-B9A8C3B8A834}" type="datetimeFigureOut">
               <a:rPr lang="cs-CZ" smtClean="0"/>
-              <a:t>17.01.2023</a:t>
+              <a:t>18.01.2023</a:t>
             </a:fld>
             <a:endParaRPr lang="cs-CZ"/>
           </a:p>
@@ -7178,7 +7179,7 @@
           <a:p>
             <a:fld id="{DBFB03AA-6361-4CA4-9C2A-B9A8C3B8A834}" type="datetimeFigureOut">
               <a:rPr lang="cs-CZ" smtClean="0"/>
-              <a:t>17.01.2023</a:t>
+              <a:t>18.01.2023</a:t>
             </a:fld>
             <a:endParaRPr lang="cs-CZ"/>
           </a:p>
@@ -7348,7 +7349,7 @@
           <a:p>
             <a:fld id="{DBFB03AA-6361-4CA4-9C2A-B9A8C3B8A834}" type="datetimeFigureOut">
               <a:rPr lang="cs-CZ" smtClean="0"/>
-              <a:t>17.01.2023</a:t>
+              <a:t>18.01.2023</a:t>
             </a:fld>
             <a:endParaRPr lang="cs-CZ"/>
           </a:p>
@@ -7598,7 +7599,7 @@
           <a:p>
             <a:fld id="{DBFB03AA-6361-4CA4-9C2A-B9A8C3B8A834}" type="datetimeFigureOut">
               <a:rPr lang="cs-CZ" smtClean="0"/>
-              <a:t>17.01.2023</a:t>
+              <a:t>18.01.2023</a:t>
             </a:fld>
             <a:endParaRPr lang="cs-CZ"/>
           </a:p>
@@ -7830,7 +7831,7 @@
           <a:p>
             <a:fld id="{DBFB03AA-6361-4CA4-9C2A-B9A8C3B8A834}" type="datetimeFigureOut">
               <a:rPr lang="cs-CZ" smtClean="0"/>
-              <a:t>17.01.2023</a:t>
+              <a:t>18.01.2023</a:t>
             </a:fld>
             <a:endParaRPr lang="cs-CZ"/>
           </a:p>
@@ -8211,7 +8212,7 @@
           <a:p>
             <a:fld id="{DBFB03AA-6361-4CA4-9C2A-B9A8C3B8A834}" type="datetimeFigureOut">
               <a:rPr lang="cs-CZ" smtClean="0"/>
-              <a:t>17.01.2023</a:t>
+              <a:t>18.01.2023</a:t>
             </a:fld>
             <a:endParaRPr lang="cs-CZ"/>
           </a:p>
@@ -8329,7 +8330,7 @@
           <a:p>
             <a:fld id="{DBFB03AA-6361-4CA4-9C2A-B9A8C3B8A834}" type="datetimeFigureOut">
               <a:rPr lang="cs-CZ" smtClean="0"/>
-              <a:t>17.01.2023</a:t>
+              <a:t>18.01.2023</a:t>
             </a:fld>
             <a:endParaRPr lang="cs-CZ"/>
           </a:p>
@@ -8424,7 +8425,7 @@
           <a:p>
             <a:fld id="{DBFB03AA-6361-4CA4-9C2A-B9A8C3B8A834}" type="datetimeFigureOut">
               <a:rPr lang="cs-CZ" smtClean="0"/>
-              <a:t>17.01.2023</a:t>
+              <a:t>18.01.2023</a:t>
             </a:fld>
             <a:endParaRPr lang="cs-CZ"/>
           </a:p>
@@ -8673,7 +8674,7 @@
           <a:p>
             <a:fld id="{DBFB03AA-6361-4CA4-9C2A-B9A8C3B8A834}" type="datetimeFigureOut">
               <a:rPr lang="cs-CZ" smtClean="0"/>
-              <a:t>17.01.2023</a:t>
+              <a:t>18.01.2023</a:t>
             </a:fld>
             <a:endParaRPr lang="cs-CZ"/>
           </a:p>
@@ -8953,7 +8954,7 @@
           <a:p>
             <a:fld id="{DBFB03AA-6361-4CA4-9C2A-B9A8C3B8A834}" type="datetimeFigureOut">
               <a:rPr lang="cs-CZ" smtClean="0"/>
-              <a:t>17.01.2023</a:t>
+              <a:t>18.01.2023</a:t>
             </a:fld>
             <a:endParaRPr lang="cs-CZ"/>
           </a:p>
@@ -9069,7 +9070,7 @@
           <a:noFill/>
           <a:extLst>
             <a:ext uri="{909E8E84-426E-40dd-AFC4-6F175D3DCCD1}">
-              <a14:hiddenFill xmlns="" xmlns:a14="http://schemas.microsoft.com/office/drawing/2010/main">
+              <a14:hiddenFill xmlns:a14="http://schemas.microsoft.com/office/drawing/2010/main" xmlns="">
                 <a:solidFill>
                   <a:srgbClr val="FFFFFF"/>
                 </a:solidFill>
@@ -9143,7 +9144,7 @@
               </a:ln>
               <a:extLst>
                 <a:ext uri="{91240B29-F687-4f45-9708-019B960494DF}">
-                  <a14:hiddenLine xmlns="" xmlns:a14="http://schemas.microsoft.com/office/drawing/2010/main" w="9525">
+                  <a14:hiddenLine xmlns:a14="http://schemas.microsoft.com/office/drawing/2010/main" xmlns="" w="9525">
                     <a:solidFill>
                       <a:srgbClr val="000000"/>
                     </a:solidFill>
@@ -9233,7 +9234,7 @@
               </a:ln>
               <a:extLst>
                 <a:ext uri="{91240B29-F687-4f45-9708-019B960494DF}">
-                  <a14:hiddenLine xmlns="" xmlns:a14="http://schemas.microsoft.com/office/drawing/2010/main" w="9525">
+                  <a14:hiddenLine xmlns:a14="http://schemas.microsoft.com/office/drawing/2010/main" xmlns="" w="9525">
                     <a:solidFill>
                       <a:srgbClr val="000000"/>
                     </a:solidFill>
@@ -9323,7 +9324,7 @@
               </a:ln>
               <a:extLst>
                 <a:ext uri="{91240B29-F687-4f45-9708-019B960494DF}">
-                  <a14:hiddenLine xmlns="" xmlns:a14="http://schemas.microsoft.com/office/drawing/2010/main" w="9525">
+                  <a14:hiddenLine xmlns:a14="http://schemas.microsoft.com/office/drawing/2010/main" xmlns="" w="9525">
                     <a:solidFill>
                       <a:srgbClr val="000000"/>
                     </a:solidFill>
@@ -9385,7 +9386,7 @@
               </a:ln>
               <a:extLst>
                 <a:ext uri="{91240B29-F687-4f45-9708-019B960494DF}">
-                  <a14:hiddenLine xmlns="" xmlns:a14="http://schemas.microsoft.com/office/drawing/2010/main" w="9525">
+                  <a14:hiddenLine xmlns:a14="http://schemas.microsoft.com/office/drawing/2010/main" xmlns="" w="9525">
                     <a:solidFill>
                       <a:srgbClr val="000000"/>
                     </a:solidFill>
@@ -9475,7 +9476,7 @@
               </a:ln>
               <a:extLst>
                 <a:ext uri="{91240B29-F687-4f45-9708-019B960494DF}">
-                  <a14:hiddenLine xmlns="" xmlns:a14="http://schemas.microsoft.com/office/drawing/2010/main" w="9525">
+                  <a14:hiddenLine xmlns:a14="http://schemas.microsoft.com/office/drawing/2010/main" xmlns="" w="9525">
                     <a:solidFill>
                       <a:srgbClr val="000000"/>
                     </a:solidFill>
@@ -9537,7 +9538,7 @@
               </a:ln>
               <a:extLst>
                 <a:ext uri="{91240B29-F687-4f45-9708-019B960494DF}">
-                  <a14:hiddenLine xmlns="" xmlns:a14="http://schemas.microsoft.com/office/drawing/2010/main" w="9525">
+                  <a14:hiddenLine xmlns:a14="http://schemas.microsoft.com/office/drawing/2010/main" xmlns="" w="9525">
                     <a:solidFill>
                       <a:srgbClr val="000000"/>
                     </a:solidFill>
@@ -9599,7 +9600,7 @@
               </a:ln>
               <a:extLst>
                 <a:ext uri="{91240B29-F687-4f45-9708-019B960494DF}">
-                  <a14:hiddenLine xmlns="" xmlns:a14="http://schemas.microsoft.com/office/drawing/2010/main" w="9525">
+                  <a14:hiddenLine xmlns:a14="http://schemas.microsoft.com/office/drawing/2010/main" xmlns="" w="9525">
                     <a:solidFill>
                       <a:srgbClr val="000000"/>
                     </a:solidFill>
@@ -9689,7 +9690,7 @@
               </a:ln>
               <a:extLst>
                 <a:ext uri="{91240B29-F687-4f45-9708-019B960494DF}">
-                  <a14:hiddenLine xmlns="" xmlns:a14="http://schemas.microsoft.com/office/drawing/2010/main" w="9525">
+                  <a14:hiddenLine xmlns:a14="http://schemas.microsoft.com/office/drawing/2010/main" xmlns="" w="9525">
                     <a:solidFill>
                       <a:srgbClr val="000000"/>
                     </a:solidFill>
@@ -9779,7 +9780,7 @@
               </a:ln>
               <a:extLst>
                 <a:ext uri="{91240B29-F687-4f45-9708-019B960494DF}">
-                  <a14:hiddenLine xmlns="" xmlns:a14="http://schemas.microsoft.com/office/drawing/2010/main" w="9525">
+                  <a14:hiddenLine xmlns:a14="http://schemas.microsoft.com/office/drawing/2010/main" xmlns="" w="9525">
                     <a:solidFill>
                       <a:srgbClr val="000000"/>
                     </a:solidFill>
@@ -9841,7 +9842,7 @@
               </a:ln>
               <a:extLst>
                 <a:ext uri="{91240B29-F687-4f45-9708-019B960494DF}">
-                  <a14:hiddenLine xmlns="" xmlns:a14="http://schemas.microsoft.com/office/drawing/2010/main" w="9525">
+                  <a14:hiddenLine xmlns:a14="http://schemas.microsoft.com/office/drawing/2010/main" xmlns="" w="9525">
                     <a:solidFill>
                       <a:srgbClr val="000000"/>
                     </a:solidFill>
@@ -9951,7 +9952,7 @@
               </a:ln>
               <a:extLst>
                 <a:ext uri="{91240B29-F687-4f45-9708-019B960494DF}">
-                  <a14:hiddenLine xmlns="" xmlns:a14="http://schemas.microsoft.com/office/drawing/2010/main" w="9525">
+                  <a14:hiddenLine xmlns:a14="http://schemas.microsoft.com/office/drawing/2010/main" xmlns="" w="9525">
                     <a:solidFill>
                       <a:srgbClr val="000000"/>
                     </a:solidFill>
@@ -10035,7 +10036,7 @@
               </a:ln>
               <a:extLst>
                 <a:ext uri="{91240B29-F687-4f45-9708-019B960494DF}">
-                  <a14:hiddenLine xmlns="" xmlns:a14="http://schemas.microsoft.com/office/drawing/2010/main" w="9525">
+                  <a14:hiddenLine xmlns:a14="http://schemas.microsoft.com/office/drawing/2010/main" xmlns="" w="9525">
                     <a:solidFill>
                       <a:srgbClr val="000000"/>
                     </a:solidFill>
@@ -10097,7 +10098,7 @@
               </a:ln>
               <a:extLst>
                 <a:ext uri="{91240B29-F687-4f45-9708-019B960494DF}">
-                  <a14:hiddenLine xmlns="" xmlns:a14="http://schemas.microsoft.com/office/drawing/2010/main" w="9525">
+                  <a14:hiddenLine xmlns:a14="http://schemas.microsoft.com/office/drawing/2010/main" xmlns="" w="9525">
                     <a:solidFill>
                       <a:srgbClr val="000000"/>
                     </a:solidFill>
@@ -10159,7 +10160,7 @@
               </a:ln>
               <a:extLst>
                 <a:ext uri="{91240B29-F687-4f45-9708-019B960494DF}">
-                  <a14:hiddenLine xmlns="" xmlns:a14="http://schemas.microsoft.com/office/drawing/2010/main" w="9525">
+                  <a14:hiddenLine xmlns:a14="http://schemas.microsoft.com/office/drawing/2010/main" xmlns="" w="9525">
                     <a:solidFill>
                       <a:srgbClr val="000000"/>
                     </a:solidFill>
@@ -10249,7 +10250,7 @@
               </a:ln>
               <a:extLst>
                 <a:ext uri="{91240B29-F687-4f45-9708-019B960494DF}">
-                  <a14:hiddenLine xmlns="" xmlns:a14="http://schemas.microsoft.com/office/drawing/2010/main" w="9525">
+                  <a14:hiddenLine xmlns:a14="http://schemas.microsoft.com/office/drawing/2010/main" xmlns="" w="9525">
                     <a:solidFill>
                       <a:srgbClr val="000000"/>
                     </a:solidFill>
@@ -10283,7 +10284,7 @@
               </a:ln>
               <a:extLst>
                 <a:ext uri="{91240B29-F687-4f45-9708-019B960494DF}">
-                  <a14:hiddenLine xmlns="" xmlns:a14="http://schemas.microsoft.com/office/drawing/2010/main" w="9525">
+                  <a14:hiddenLine xmlns:a14="http://schemas.microsoft.com/office/drawing/2010/main" xmlns="" w="9525">
                     <a:solidFill>
                       <a:srgbClr val="000000"/>
                     </a:solidFill>
@@ -10348,7 +10349,7 @@
               </a:ln>
               <a:extLst>
                 <a:ext uri="{91240B29-F687-4f45-9708-019B960494DF}">
-                  <a14:hiddenLine xmlns="" xmlns:a14="http://schemas.microsoft.com/office/drawing/2010/main" w="9525">
+                  <a14:hiddenLine xmlns:a14="http://schemas.microsoft.com/office/drawing/2010/main" xmlns="" w="9525">
                     <a:solidFill>
                       <a:srgbClr val="000000"/>
                     </a:solidFill>
@@ -10438,7 +10439,7 @@
               </a:ln>
               <a:extLst>
                 <a:ext uri="{91240B29-F687-4f45-9708-019B960494DF}">
-                  <a14:hiddenLine xmlns="" xmlns:a14="http://schemas.microsoft.com/office/drawing/2010/main" w="9525">
+                  <a14:hiddenLine xmlns:a14="http://schemas.microsoft.com/office/drawing/2010/main" xmlns="" w="9525">
                     <a:solidFill>
                       <a:srgbClr val="000000"/>
                     </a:solidFill>
@@ -10500,7 +10501,7 @@
               </a:ln>
               <a:extLst>
                 <a:ext uri="{91240B29-F687-4f45-9708-019B960494DF}">
-                  <a14:hiddenLine xmlns="" xmlns:a14="http://schemas.microsoft.com/office/drawing/2010/main" w="9525">
+                  <a14:hiddenLine xmlns:a14="http://schemas.microsoft.com/office/drawing/2010/main" xmlns="" w="9525">
                     <a:solidFill>
                       <a:srgbClr val="000000"/>
                     </a:solidFill>
@@ -10590,7 +10591,7 @@
               </a:ln>
               <a:extLst>
                 <a:ext uri="{91240B29-F687-4f45-9708-019B960494DF}">
-                  <a14:hiddenLine xmlns="" xmlns:a14="http://schemas.microsoft.com/office/drawing/2010/main" w="9525">
+                  <a14:hiddenLine xmlns:a14="http://schemas.microsoft.com/office/drawing/2010/main" xmlns="" w="9525">
                     <a:solidFill>
                       <a:srgbClr val="000000"/>
                     </a:solidFill>
@@ -10655,7 +10656,7 @@
               </a:ln>
               <a:extLst>
                 <a:ext uri="{91240B29-F687-4f45-9708-019B960494DF}">
-                  <a14:hiddenLine xmlns="" xmlns:a14="http://schemas.microsoft.com/office/drawing/2010/main" w="9525">
+                  <a14:hiddenLine xmlns:a14="http://schemas.microsoft.com/office/drawing/2010/main" xmlns="" w="9525">
                     <a:solidFill>
                       <a:srgbClr val="000000"/>
                     </a:solidFill>
@@ -10717,7 +10718,7 @@
               </a:ln>
               <a:extLst>
                 <a:ext uri="{91240B29-F687-4f45-9708-019B960494DF}">
-                  <a14:hiddenLine xmlns="" xmlns:a14="http://schemas.microsoft.com/office/drawing/2010/main" w="9525">
+                  <a14:hiddenLine xmlns:a14="http://schemas.microsoft.com/office/drawing/2010/main" xmlns="" w="9525">
                     <a:solidFill>
                       <a:srgbClr val="000000"/>
                     </a:solidFill>
@@ -10807,7 +10808,7 @@
               </a:ln>
               <a:extLst>
                 <a:ext uri="{91240B29-F687-4f45-9708-019B960494DF}">
-                  <a14:hiddenLine xmlns="" xmlns:a14="http://schemas.microsoft.com/office/drawing/2010/main" w="9525">
+                  <a14:hiddenLine xmlns:a14="http://schemas.microsoft.com/office/drawing/2010/main" xmlns="" w="9525">
                     <a:solidFill>
                       <a:srgbClr val="000000"/>
                     </a:solidFill>
@@ -10897,7 +10898,7 @@
               </a:ln>
               <a:extLst>
                 <a:ext uri="{91240B29-F687-4f45-9708-019B960494DF}">
-                  <a14:hiddenLine xmlns="" xmlns:a14="http://schemas.microsoft.com/office/drawing/2010/main" w="9525">
+                  <a14:hiddenLine xmlns:a14="http://schemas.microsoft.com/office/drawing/2010/main" xmlns="" w="9525">
                     <a:solidFill>
                       <a:srgbClr val="000000"/>
                     </a:solidFill>
@@ -10962,7 +10963,7 @@
               </a:ln>
               <a:extLst>
                 <a:ext uri="{91240B29-F687-4f45-9708-019B960494DF}">
-                  <a14:hiddenLine xmlns="" xmlns:a14="http://schemas.microsoft.com/office/drawing/2010/main" w="9525">
+                  <a14:hiddenLine xmlns:a14="http://schemas.microsoft.com/office/drawing/2010/main" xmlns="" w="9525">
                     <a:solidFill>
                       <a:srgbClr val="000000"/>
                     </a:solidFill>
@@ -11082,7 +11083,7 @@
               </a:ln>
               <a:extLst>
                 <a:ext uri="{91240B29-F687-4f45-9708-019B960494DF}">
-                  <a14:hiddenLine xmlns="" xmlns:a14="http://schemas.microsoft.com/office/drawing/2010/main" w="9525">
+                  <a14:hiddenLine xmlns:a14="http://schemas.microsoft.com/office/drawing/2010/main" xmlns="" w="9525">
                     <a:solidFill>
                       <a:srgbClr val="000000"/>
                     </a:solidFill>
@@ -11180,7 +11181,7 @@
               </a:ln>
               <a:extLst>
                 <a:ext uri="{91240B29-F687-4f45-9708-019B960494DF}">
-                  <a14:hiddenLine xmlns="" xmlns:a14="http://schemas.microsoft.com/office/drawing/2010/main" w="9525">
+                  <a14:hiddenLine xmlns:a14="http://schemas.microsoft.com/office/drawing/2010/main" xmlns="" w="9525">
                     <a:solidFill>
                       <a:srgbClr val="000000"/>
                     </a:solidFill>
@@ -11295,7 +11296,7 @@
               </a:ln>
               <a:extLst>
                 <a:ext uri="{91240B29-F687-4f45-9708-019B960494DF}">
-                  <a14:hiddenLine xmlns="" xmlns:a14="http://schemas.microsoft.com/office/drawing/2010/main" w="9525">
+                  <a14:hiddenLine xmlns:a14="http://schemas.microsoft.com/office/drawing/2010/main" xmlns="" w="9525">
                     <a:solidFill>
                       <a:srgbClr val="000000"/>
                     </a:solidFill>
@@ -11385,7 +11386,7 @@
               </a:ln>
               <a:extLst>
                 <a:ext uri="{91240B29-F687-4f45-9708-019B960494DF}">
-                  <a14:hiddenLine xmlns="" xmlns:a14="http://schemas.microsoft.com/office/drawing/2010/main" w="9525">
+                  <a14:hiddenLine xmlns:a14="http://schemas.microsoft.com/office/drawing/2010/main" xmlns="" w="9525">
                     <a:solidFill>
                       <a:srgbClr val="000000"/>
                     </a:solidFill>
@@ -11450,7 +11451,7 @@
               </a:ln>
               <a:extLst>
                 <a:ext uri="{91240B29-F687-4f45-9708-019B960494DF}">
-                  <a14:hiddenLine xmlns="" xmlns:a14="http://schemas.microsoft.com/office/drawing/2010/main" w="9525">
+                  <a14:hiddenLine xmlns:a14="http://schemas.microsoft.com/office/drawing/2010/main" xmlns="" w="9525">
                     <a:solidFill>
                       <a:srgbClr val="000000"/>
                     </a:solidFill>
@@ -11540,7 +11541,7 @@
               </a:ln>
               <a:extLst>
                 <a:ext uri="{91240B29-F687-4f45-9708-019B960494DF}">
-                  <a14:hiddenLine xmlns="" xmlns:a14="http://schemas.microsoft.com/office/drawing/2010/main" w="9525">
+                  <a14:hiddenLine xmlns:a14="http://schemas.microsoft.com/office/drawing/2010/main" xmlns="" w="9525">
                     <a:solidFill>
                       <a:srgbClr val="000000"/>
                     </a:solidFill>
@@ -11608,7 +11609,7 @@
               </a:ln>
               <a:extLst>
                 <a:ext uri="{91240B29-F687-4f45-9708-019B960494DF}">
-                  <a14:hiddenLine xmlns="" xmlns:a14="http://schemas.microsoft.com/office/drawing/2010/main" w="9525">
+                  <a14:hiddenLine xmlns:a14="http://schemas.microsoft.com/office/drawing/2010/main" xmlns="" w="9525">
                     <a:solidFill>
                       <a:srgbClr val="000000"/>
                     </a:solidFill>
@@ -11698,7 +11699,7 @@
               </a:ln>
               <a:extLst>
                 <a:ext uri="{91240B29-F687-4f45-9708-019B960494DF}">
-                  <a14:hiddenLine xmlns="" xmlns:a14="http://schemas.microsoft.com/office/drawing/2010/main" w="9525">
+                  <a14:hiddenLine xmlns:a14="http://schemas.microsoft.com/office/drawing/2010/main" xmlns="" w="9525">
                     <a:solidFill>
                       <a:srgbClr val="000000"/>
                     </a:solidFill>
@@ -11766,7 +11767,7 @@
               </a:ln>
               <a:extLst>
                 <a:ext uri="{91240B29-F687-4f45-9708-019B960494DF}">
-                  <a14:hiddenLine xmlns="" xmlns:a14="http://schemas.microsoft.com/office/drawing/2010/main" w="9525">
+                  <a14:hiddenLine xmlns:a14="http://schemas.microsoft.com/office/drawing/2010/main" xmlns="" w="9525">
                     <a:solidFill>
                       <a:srgbClr val="000000"/>
                     </a:solidFill>
@@ -11856,7 +11857,7 @@
               </a:ln>
               <a:extLst>
                 <a:ext uri="{91240B29-F687-4f45-9708-019B960494DF}">
-                  <a14:hiddenLine xmlns="" xmlns:a14="http://schemas.microsoft.com/office/drawing/2010/main" w="9525">
+                  <a14:hiddenLine xmlns:a14="http://schemas.microsoft.com/office/drawing/2010/main" xmlns="" w="9525">
                     <a:solidFill>
                       <a:srgbClr val="000000"/>
                     </a:solidFill>
@@ -11890,7 +11891,7 @@
               </a:ln>
               <a:extLst>
                 <a:ext uri="{91240B29-F687-4f45-9708-019B960494DF}">
-                  <a14:hiddenLine xmlns="" xmlns:a14="http://schemas.microsoft.com/office/drawing/2010/main" w="9525">
+                  <a14:hiddenLine xmlns:a14="http://schemas.microsoft.com/office/drawing/2010/main" xmlns="" w="9525">
                     <a:solidFill>
                       <a:srgbClr val="000000"/>
                     </a:solidFill>
@@ -12030,7 +12031,7 @@
           <a:p>
             <a:fld id="{DBFB03AA-6361-4CA4-9C2A-B9A8C3B8A834}" type="datetimeFigureOut">
               <a:rPr lang="cs-CZ" smtClean="0"/>
-              <a:t>17.01.2023</a:t>
+              <a:t>18.01.2023</a:t>
             </a:fld>
             <a:endParaRPr lang="cs-CZ"/>
           </a:p>
@@ -12476,7 +12477,7 @@
         </p:nvSpPr>
         <p:spPr>
           <a:xfrm>
-            <a:off x="3230758" y="2112962"/>
+            <a:off x="2868449" y="2189589"/>
             <a:ext cx="6082903" cy="1498174"/>
           </a:xfrm>
         </p:spPr>
@@ -12540,6 +12541,18 @@
   <p:clrMapOvr>
     <a:masterClrMapping/>
   </p:clrMapOvr>
+  <mc:AlternateContent xmlns:mc="http://schemas.openxmlformats.org/markup-compatibility/2006">
+    <mc:Choice xmlns:p14="http://schemas.microsoft.com/office/powerpoint/2010/main" Requires="p14">
+      <p:transition spd="med" p14:dur="700">
+        <p:fade/>
+      </p:transition>
+    </mc:Choice>
+    <mc:Fallback>
+      <p:transition spd="med">
+        <p:fade/>
+      </p:transition>
+    </mc:Fallback>
+  </mc:AlternateContent>
 </p:sld>
 </file>
 
@@ -12655,7 +12668,7 @@
         <p:spPr>
           <a:xfrm>
             <a:off x="1880557" y="2334905"/>
-            <a:ext cx="9730598" cy="3046988"/>
+            <a:ext cx="10146602" cy="3046988"/>
           </a:xfrm>
           <a:prstGeom prst="rect">
             <a:avLst/>
@@ -12669,20 +12682,64 @@
           <a:lstStyle/>
           <a:p>
             <a:r>
+              <a:rPr lang="cs-CZ" sz="2400" b="1" dirty="0">
+                <a:latin typeface="Arial" panose="020B0604020202020204" pitchFamily="34" charset="0"/>
+                <a:cs typeface="Arial" panose="020B0604020202020204" pitchFamily="34" charset="0"/>
+              </a:rPr>
+              <a:t>Příjemné podmínky pro život </a:t>
+            </a:r>
+          </a:p>
+          <a:p>
+            <a:r>
+              <a:rPr lang="cs-CZ" sz="2400" b="1" dirty="0">
+                <a:latin typeface="Arial" panose="020B0604020202020204" pitchFamily="34" charset="0"/>
+                <a:cs typeface="Arial" panose="020B0604020202020204" pitchFamily="34" charset="0"/>
+              </a:rPr>
+              <a:t>místních obyvatel.</a:t>
+            </a:r>
+          </a:p>
+          <a:p>
+            <a:endParaRPr lang="cs-CZ" sz="2400" dirty="0">
+              <a:latin typeface="Arial" panose="020B0604020202020204" pitchFamily="34" charset="0"/>
+              <a:cs typeface="Arial" panose="020B0604020202020204" pitchFamily="34" charset="0"/>
+            </a:endParaRPr>
+          </a:p>
+          <a:p>
+            <a:r>
+              <a:rPr lang="cs-CZ" sz="2400" b="1" dirty="0">
+                <a:latin typeface="Arial" panose="020B0604020202020204" pitchFamily="34" charset="0"/>
+                <a:cs typeface="Arial" panose="020B0604020202020204" pitchFamily="34" charset="0"/>
+              </a:rPr>
+              <a:t>Doprava a parkování                 Odpadové hospodářství                          </a:t>
+            </a:r>
+          </a:p>
+          <a:p>
+            <a:endParaRPr lang="cs-CZ" sz="2400" dirty="0">
+              <a:latin typeface="Arial" panose="020B0604020202020204" pitchFamily="34" charset="0"/>
+              <a:cs typeface="Arial" panose="020B0604020202020204" pitchFamily="34" charset="0"/>
+            </a:endParaRPr>
+          </a:p>
+          <a:p>
+            <a:r>
+              <a:rPr lang="cs-CZ" sz="2400" b="1" dirty="0">
+                <a:latin typeface="Arial" panose="020B0604020202020204" pitchFamily="34" charset="0"/>
+                <a:cs typeface="Arial" panose="020B0604020202020204" pitchFamily="34" charset="0"/>
+              </a:rPr>
+              <a:t>Energie  </a:t>
+            </a:r>
+            <a:r>
               <a:rPr lang="cs-CZ" sz="2400" dirty="0">
                 <a:latin typeface="Arial" panose="020B0604020202020204" pitchFamily="34" charset="0"/>
                 <a:cs typeface="Arial" panose="020B0604020202020204" pitchFamily="34" charset="0"/>
               </a:rPr>
-              <a:t>Příjemné podmínky pro život </a:t>
-            </a:r>
-          </a:p>
-          <a:p>
-            <a:r>
-              <a:rPr lang="cs-CZ" sz="2400" dirty="0">
+              <a:t>                                      </a:t>
+            </a:r>
+            <a:r>
+              <a:rPr lang="cs-CZ" sz="2400" b="1" dirty="0">
                 <a:latin typeface="Arial" panose="020B0604020202020204" pitchFamily="34" charset="0"/>
                 <a:cs typeface="Arial" panose="020B0604020202020204" pitchFamily="34" charset="0"/>
               </a:rPr>
-              <a:t>místních obyvatel.</a:t>
+              <a:t>Rozšíření městské zeleně</a:t>
             </a:r>
           </a:p>
           <a:p>
@@ -12693,41 +12750,11 @@
           </a:p>
           <a:p>
             <a:r>
-              <a:rPr lang="cs-CZ" sz="2400" dirty="0">
+              <a:rPr lang="cs-CZ" sz="2400" b="1" dirty="0">
                 <a:latin typeface="Arial" panose="020B0604020202020204" pitchFamily="34" charset="0"/>
                 <a:cs typeface="Arial" panose="020B0604020202020204" pitchFamily="34" charset="0"/>
               </a:rPr>
-              <a:t>Doprava a parkování                        Odpadové hospodářství                          </a:t>
-            </a:r>
-          </a:p>
-          <a:p>
-            <a:endParaRPr lang="cs-CZ" sz="2400" dirty="0">
-              <a:latin typeface="Arial" panose="020B0604020202020204" pitchFamily="34" charset="0"/>
-              <a:cs typeface="Arial" panose="020B0604020202020204" pitchFamily="34" charset="0"/>
-            </a:endParaRPr>
-          </a:p>
-          <a:p>
-            <a:r>
-              <a:rPr lang="cs-CZ" sz="2400" dirty="0">
-                <a:latin typeface="Arial" panose="020B0604020202020204" pitchFamily="34" charset="0"/>
-                <a:cs typeface="Arial" panose="020B0604020202020204" pitchFamily="34" charset="0"/>
-              </a:rPr>
-              <a:t>Energie                                             Rozšíření městské zeleně</a:t>
-            </a:r>
-          </a:p>
-          <a:p>
-            <a:endParaRPr lang="cs-CZ" sz="2400" dirty="0">
-              <a:latin typeface="Arial" panose="020B0604020202020204" pitchFamily="34" charset="0"/>
-              <a:cs typeface="Arial" panose="020B0604020202020204" pitchFamily="34" charset="0"/>
-            </a:endParaRPr>
-          </a:p>
-          <a:p>
-            <a:r>
-              <a:rPr lang="cs-CZ" sz="2400" dirty="0">
-                <a:latin typeface="Arial" panose="020B0604020202020204" pitchFamily="34" charset="0"/>
-                <a:cs typeface="Arial" panose="020B0604020202020204" pitchFamily="34" charset="0"/>
-              </a:rPr>
-              <a:t>Veřejné osvětlení                              Lepší úroveň služeb pro občany</a:t>
+              <a:t>Veřejné osvětlení                        Lepší úroveň služeb pro občany</a:t>
             </a:r>
           </a:p>
         </p:txBody>
@@ -12742,6 +12769,18 @@
   <p:clrMapOvr>
     <a:masterClrMapping/>
   </p:clrMapOvr>
+  <mc:AlternateContent xmlns:mc="http://schemas.openxmlformats.org/markup-compatibility/2006">
+    <mc:Choice xmlns:p14="http://schemas.microsoft.com/office/powerpoint/2010/main" Requires="p14">
+      <p:transition spd="med" p14:dur="700">
+        <p:fade/>
+      </p:transition>
+    </mc:Choice>
+    <mc:Fallback>
+      <p:transition spd="med">
+        <p:fade/>
+      </p:transition>
+    </mc:Fallback>
+  </mc:AlternateContent>
 </p:sld>
 </file>
 
@@ -12871,7 +12910,7 @@
           <a:lstStyle/>
           <a:p>
             <a:r>
-              <a:rPr lang="cs-CZ" sz="2400" dirty="0">
+              <a:rPr lang="cs-CZ" sz="2400" b="1" dirty="0">
                 <a:latin typeface="Arial" panose="020B0604020202020204" pitchFamily="34" charset="0"/>
                 <a:cs typeface="Arial" panose="020B0604020202020204" pitchFamily="34" charset="0"/>
               </a:rPr>
@@ -12886,7 +12925,7 @@
           </a:p>
           <a:p>
             <a:r>
-              <a:rPr lang="cs-CZ" sz="2400" dirty="0">
+              <a:rPr lang="cs-CZ" sz="2400" b="1" dirty="0">
                 <a:latin typeface="Arial" panose="020B0604020202020204" pitchFamily="34" charset="0"/>
                 <a:cs typeface="Arial" panose="020B0604020202020204" pitchFamily="34" charset="0"/>
               </a:rPr>
@@ -12910,20 +12949,20 @@
           </a:p>
           <a:p>
             <a:r>
+              <a:rPr lang="cs-CZ" sz="2400" b="1" dirty="0">
+                <a:latin typeface="Arial" panose="020B0604020202020204" pitchFamily="34" charset="0"/>
+                <a:cs typeface="Arial" panose="020B0604020202020204" pitchFamily="34" charset="0"/>
+              </a:rPr>
+              <a:t>Elektrický pohon:</a:t>
+            </a:r>
+          </a:p>
+          <a:p>
+            <a:r>
               <a:rPr lang="cs-CZ" sz="2400" dirty="0">
                 <a:latin typeface="Arial" panose="020B0604020202020204" pitchFamily="34" charset="0"/>
                 <a:cs typeface="Arial" panose="020B0604020202020204" pitchFamily="34" charset="0"/>
               </a:rPr>
-              <a:t>Elektrický pohon:</a:t>
-            </a:r>
-          </a:p>
-          <a:p>
-            <a:r>
-              <a:rPr lang="cs-CZ" sz="2400" dirty="0">
-                <a:latin typeface="Arial" panose="020B0604020202020204" pitchFamily="34" charset="0"/>
-                <a:cs typeface="Arial" panose="020B0604020202020204" pitchFamily="34" charset="0"/>
-              </a:rPr>
-              <a:t>Žádné emise, nízká hlučnost</a:t>
+              <a:t>Žádné emise, nízká hlučnost.</a:t>
             </a:r>
           </a:p>
           <a:p>
@@ -12955,7 +12994,7 @@
         <p:spPr>
           <a:xfrm>
             <a:off x="8108830" y="3677662"/>
-            <a:ext cx="3131389" cy="1200329"/>
+            <a:ext cx="3131389" cy="2308324"/>
           </a:xfrm>
           <a:prstGeom prst="rect">
             <a:avLst/>
@@ -12969,11 +13008,26 @@
           <a:lstStyle/>
           <a:p>
             <a:r>
+              <a:rPr lang="cs-CZ" sz="2400" b="1" dirty="0">
+                <a:latin typeface="Arial" panose="020B0604020202020204" pitchFamily="34" charset="0"/>
+                <a:cs typeface="Arial" panose="020B0604020202020204" pitchFamily="34" charset="0"/>
+              </a:rPr>
+              <a:t>CNG pohon:</a:t>
+            </a:r>
+          </a:p>
+          <a:p>
+            <a:endParaRPr lang="cs-CZ" sz="2400" dirty="0">
+              <a:latin typeface="Arial" panose="020B0604020202020204" pitchFamily="34" charset="0"/>
+              <a:cs typeface="Arial" panose="020B0604020202020204" pitchFamily="34" charset="0"/>
+            </a:endParaRPr>
+          </a:p>
+          <a:p>
+            <a:r>
               <a:rPr lang="cs-CZ" sz="2400" dirty="0">
                 <a:latin typeface="Arial" panose="020B0604020202020204" pitchFamily="34" charset="0"/>
                 <a:cs typeface="Arial" panose="020B0604020202020204" pitchFamily="34" charset="0"/>
               </a:rPr>
-              <a:t>CNG pohon:</a:t>
+              <a:t>Stlačený zemní plyn.</a:t>
             </a:r>
           </a:p>
           <a:p>
@@ -12988,8 +13042,14 @@
                 <a:latin typeface="Arial" panose="020B0604020202020204" pitchFamily="34" charset="0"/>
                 <a:cs typeface="Arial" panose="020B0604020202020204" pitchFamily="34" charset="0"/>
               </a:rPr>
-              <a:t>Stlačený zemní plyn</a:t>
-            </a:r>
+              <a:t>…</a:t>
+            </a:r>
+          </a:p>
+          <a:p>
+            <a:endParaRPr lang="cs-CZ" sz="2400" dirty="0">
+              <a:latin typeface="Arial" panose="020B0604020202020204" pitchFamily="34" charset="0"/>
+              <a:cs typeface="Arial" panose="020B0604020202020204" pitchFamily="34" charset="0"/>
+            </a:endParaRPr>
           </a:p>
         </p:txBody>
       </p:sp>
@@ -13003,6 +13063,18 @@
   <p:clrMapOvr>
     <a:masterClrMapping/>
   </p:clrMapOvr>
+  <mc:AlternateContent xmlns:mc="http://schemas.openxmlformats.org/markup-compatibility/2006">
+    <mc:Choice xmlns:p14="http://schemas.microsoft.com/office/powerpoint/2010/main" Requires="p14">
+      <p:transition spd="med" p14:dur="700">
+        <p:fade/>
+      </p:transition>
+    </mc:Choice>
+    <mc:Fallback>
+      <p:transition spd="med">
+        <p:fade/>
+      </p:transition>
+    </mc:Fallback>
+  </mc:AlternateContent>
 </p:sld>
 </file>
 
@@ -13118,7 +13190,7 @@
         <p:spPr>
           <a:xfrm>
             <a:off x="1915064" y="1931447"/>
-            <a:ext cx="6927011" cy="1938992"/>
+            <a:ext cx="6927011" cy="3046988"/>
           </a:xfrm>
           <a:prstGeom prst="rect">
             <a:avLst/>
@@ -13132,7 +13204,7 @@
           <a:lstStyle/>
           <a:p>
             <a:r>
-              <a:rPr lang="cs-CZ" sz="2400" dirty="0">
+              <a:rPr lang="cs-CZ" sz="2400" b="1" dirty="0">
                 <a:latin typeface="Arial" panose="020B0604020202020204" pitchFamily="34" charset="0"/>
                 <a:cs typeface="Arial" panose="020B0604020202020204" pitchFamily="34" charset="0"/>
               </a:rPr>
@@ -13146,8 +13218,26 @@
             </a:endParaRPr>
           </a:p>
           <a:p>
-            <a:r>
-              <a:rPr lang="cs-CZ" sz="2400" dirty="0">
+            <a:endParaRPr lang="cs-CZ" sz="2400" dirty="0">
+              <a:latin typeface="Arial" panose="020B0604020202020204" pitchFamily="34" charset="0"/>
+              <a:cs typeface="Arial" panose="020B0604020202020204" pitchFamily="34" charset="0"/>
+            </a:endParaRPr>
+          </a:p>
+          <a:p>
+            <a:endParaRPr lang="cs-CZ" sz="2400" dirty="0">
+              <a:latin typeface="Arial" panose="020B0604020202020204" pitchFamily="34" charset="0"/>
+              <a:cs typeface="Arial" panose="020B0604020202020204" pitchFamily="34" charset="0"/>
+            </a:endParaRPr>
+          </a:p>
+          <a:p>
+            <a:endParaRPr lang="cs-CZ" sz="2400" dirty="0">
+              <a:latin typeface="Arial" panose="020B0604020202020204" pitchFamily="34" charset="0"/>
+              <a:cs typeface="Arial" panose="020B0604020202020204" pitchFamily="34" charset="0"/>
+            </a:endParaRPr>
+          </a:p>
+          <a:p>
+            <a:r>
+              <a:rPr lang="cs-CZ" sz="2400" b="1" dirty="0">
                 <a:latin typeface="Arial" panose="020B0604020202020204" pitchFamily="34" charset="0"/>
                 <a:cs typeface="Arial" panose="020B0604020202020204" pitchFamily="34" charset="0"/>
               </a:rPr>
@@ -13161,16 +13251,99 @@
             </a:endParaRPr>
           </a:p>
           <a:p>
-            <a:r>
-              <a:rPr lang="cs-CZ" sz="2400" dirty="0">
-                <a:latin typeface="Arial" panose="020B0604020202020204" pitchFamily="34" charset="0"/>
-                <a:cs typeface="Arial" panose="020B0604020202020204" pitchFamily="34" charset="0"/>
-              </a:rPr>
-              <a:t>…</a:t>
-            </a:r>
+            <a:endParaRPr lang="cs-CZ" sz="2400" dirty="0">
+              <a:latin typeface="Arial" panose="020B0604020202020204" pitchFamily="34" charset="0"/>
+              <a:cs typeface="Arial" panose="020B0604020202020204" pitchFamily="34" charset="0"/>
+            </a:endParaRPr>
           </a:p>
         </p:txBody>
       </p:sp>
+      <p:pic>
+        <p:nvPicPr>
+          <p:cNvPr id="6" name="Obrázek 5" descr="Obsah obrázku obloha, solární panel, exteriér, objekt v exteriéru&#10;&#10;Popis byl vytvořen automaticky">
+            <a:extLst>
+              <a:ext uri="{FF2B5EF4-FFF2-40B4-BE49-F238E27FC236}">
+                <a16:creationId xmlns:a16="http://schemas.microsoft.com/office/drawing/2014/main" id="{B2B407C9-9F78-CCF6-E994-9A00A200D57F}"/>
+              </a:ext>
+            </a:extLst>
+          </p:cNvPr>
+          <p:cNvPicPr>
+            <a:picLocks noChangeAspect="1"/>
+          </p:cNvPicPr>
+          <p:nvPr/>
+        </p:nvPicPr>
+        <p:blipFill>
+          <a:blip r:embed="rId2">
+            <a:extLst>
+              <a:ext uri="{28A0092B-C50C-407E-A947-70E740481C1C}">
+                <a14:useLocalDpi xmlns:a14="http://schemas.microsoft.com/office/drawing/2010/main" val="0"/>
+              </a:ext>
+              <a:ext uri="{837473B0-CC2E-450A-ABE3-18F120FF3D39}">
+                <a1611:picAttrSrcUrl xmlns:a1611="http://schemas.microsoft.com/office/drawing/2016/11/main" r:id="rId3"/>
+              </a:ext>
+            </a:extLst>
+          </a:blip>
+          <a:stretch>
+            <a:fillRect/>
+          </a:stretch>
+        </p:blipFill>
+        <p:spPr>
+          <a:xfrm>
+            <a:off x="2098414" y="2378651"/>
+            <a:ext cx="2538900" cy="1428131"/>
+          </a:xfrm>
+          <a:prstGeom prst="rect">
+            <a:avLst/>
+          </a:prstGeom>
+        </p:spPr>
+      </p:pic>
+      <p:pic>
+        <p:nvPicPr>
+          <p:cNvPr id="5122" name="Picture 2" descr="Tepelné čerpadlo vzduch- voda aroTHERM plus">
+            <a:extLst>
+              <a:ext uri="{FF2B5EF4-FFF2-40B4-BE49-F238E27FC236}">
+                <a16:creationId xmlns:a16="http://schemas.microsoft.com/office/drawing/2014/main" id="{E817D47B-B7A8-C257-5F08-B2512F843D51}"/>
+              </a:ext>
+            </a:extLst>
+          </p:cNvPr>
+          <p:cNvPicPr>
+            <a:picLocks noChangeAspect="1" noChangeArrowheads="1"/>
+          </p:cNvPicPr>
+          <p:nvPr/>
+        </p:nvPicPr>
+        <p:blipFill>
+          <a:blip r:embed="rId4">
+            <a:extLst>
+              <a:ext uri="{28A0092B-C50C-407E-A947-70E740481C1C}">
+                <a14:useLocalDpi xmlns:a14="http://schemas.microsoft.com/office/drawing/2010/main" val="0"/>
+              </a:ext>
+            </a:extLst>
+          </a:blip>
+          <a:srcRect/>
+          <a:stretch>
+            <a:fillRect/>
+          </a:stretch>
+        </p:blipFill>
+        <p:spPr bwMode="auto">
+          <a:xfrm>
+            <a:off x="2097928" y="4253986"/>
+            <a:ext cx="1786382" cy="2107365"/>
+          </a:xfrm>
+          <a:prstGeom prst="rect">
+            <a:avLst/>
+          </a:prstGeom>
+          <a:noFill/>
+          <a:extLst>
+            <a:ext uri="{909E8E84-426E-40DD-AFC4-6F175D3DCCD1}">
+              <a14:hiddenFill xmlns:a14="http://schemas.microsoft.com/office/drawing/2010/main">
+                <a:solidFill>
+                  <a:srgbClr val="FFFFFF"/>
+                </a:solidFill>
+              </a14:hiddenFill>
+            </a:ext>
+          </a:extLst>
+        </p:spPr>
+      </p:pic>
     </p:spTree>
     <p:extLst>
       <p:ext uri="{BB962C8B-B14F-4D97-AF65-F5344CB8AC3E}">
@@ -13181,6 +13354,18 @@
   <p:clrMapOvr>
     <a:masterClrMapping/>
   </p:clrMapOvr>
+  <mc:AlternateContent xmlns:mc="http://schemas.openxmlformats.org/markup-compatibility/2006">
+    <mc:Choice xmlns:p14="http://schemas.microsoft.com/office/powerpoint/2010/main" Requires="p14">
+      <p:transition spd="med" p14:dur="700">
+        <p:fade/>
+      </p:transition>
+    </mc:Choice>
+    <mc:Fallback>
+      <p:transition spd="med">
+        <p:fade/>
+      </p:transition>
+    </mc:Fallback>
+  </mc:AlternateContent>
 </p:sld>
 </file>
 
@@ -13227,8 +13412,8 @@
         </p:nvSpPr>
         <p:spPr>
           <a:xfrm>
-            <a:off x="767198" y="122417"/>
-            <a:ext cx="6082903" cy="1498174"/>
+            <a:off x="1681599" y="16301"/>
+            <a:ext cx="7307126" cy="1498174"/>
           </a:xfrm>
         </p:spPr>
         <p:txBody>
@@ -13246,28 +13431,25 @@
                 <a:latin typeface="Arial" panose="020B0604020202020204" pitchFamily="34" charset="0"/>
                 <a:cs typeface="Arial" panose="020B0604020202020204" pitchFamily="34" charset="0"/>
               </a:rPr>
-              <a:t>Budoucnost I</a:t>
-            </a:r>
-            <a:r>
-              <a:rPr lang="cs-CZ" sz="2000" b="1" dirty="0">
+              <a:t>Chytrá města v </a:t>
+            </a:r>
+            <a:r>
+              <a:rPr lang="cs-CZ" sz="3200" b="1" dirty="0" err="1">
                 <a:solidFill>
                   <a:srgbClr val="FEFAC2"/>
                 </a:solidFill>
                 <a:latin typeface="Arial" panose="020B0604020202020204" pitchFamily="34" charset="0"/>
                 <a:cs typeface="Arial" panose="020B0604020202020204" pitchFamily="34" charset="0"/>
               </a:rPr>
-              <a:t>o</a:t>
-            </a:r>
-            <a:r>
-              <a:rPr lang="cs-CZ" sz="3200" b="1" dirty="0">
-                <a:solidFill>
-                  <a:srgbClr val="FEFAC2"/>
-                </a:solidFill>
-                <a:latin typeface="Arial" panose="020B0604020202020204" pitchFamily="34" charset="0"/>
-                <a:cs typeface="Arial" panose="020B0604020202020204" pitchFamily="34" charset="0"/>
-              </a:rPr>
-              <a:t>t:</a:t>
-            </a:r>
+              <a:t>součastnosti</a:t>
+            </a:r>
+            <a:endParaRPr lang="cs-CZ" sz="3200" b="1" dirty="0">
+              <a:solidFill>
+                <a:srgbClr val="FEFAC2"/>
+              </a:solidFill>
+              <a:latin typeface="Arial" panose="020B0604020202020204" pitchFamily="34" charset="0"/>
+              <a:cs typeface="Arial" panose="020B0604020202020204" pitchFamily="34" charset="0"/>
+            </a:endParaRPr>
           </a:p>
         </p:txBody>
       </p:sp>
@@ -13303,10 +13485,10 @@
       </p:sp>
       <p:sp>
         <p:nvSpPr>
-          <p:cNvPr id="4" name="TextovéPole 3">
+          <p:cNvPr id="5" name="TextovéPole 4">
             <a:extLst>
               <a:ext uri="{FF2B5EF4-FFF2-40B4-BE49-F238E27FC236}">
-                <a16:creationId xmlns:a16="http://schemas.microsoft.com/office/drawing/2014/main" id="{97B33B09-C71B-1489-01D6-46555C62E1CC}"/>
+                <a16:creationId xmlns:a16="http://schemas.microsoft.com/office/drawing/2014/main" id="{5C7506E8-1510-0E5F-6AE9-025DCD22BBD6}"/>
               </a:ext>
             </a:extLst>
           </p:cNvPr>
@@ -13315,8 +13497,8 @@
         </p:nvSpPr>
         <p:spPr>
           <a:xfrm>
-            <a:off x="2018581" y="2216989"/>
-            <a:ext cx="5098211" cy="1938992"/>
+            <a:off x="1963655" y="1882434"/>
+            <a:ext cx="5634408" cy="3724096"/>
           </a:xfrm>
           <a:prstGeom prst="rect">
             <a:avLst/>
@@ -13330,27 +13512,14 @@
           <a:lstStyle/>
           <a:p>
             <a:r>
-              <a:rPr lang="cs-CZ" sz="2400" dirty="0">
+              <a:rPr lang="cs-CZ" sz="2400" b="1" dirty="0">
                 <a:latin typeface="Arial" panose="020B0604020202020204" pitchFamily="34" charset="0"/>
                 <a:cs typeface="Arial" panose="020B0604020202020204" pitchFamily="34" charset="0"/>
               </a:rPr>
-              <a:t>Budoucnost je digitální a bezdrátová.</a:t>
-            </a:r>
-          </a:p>
-          <a:p>
-            <a:endParaRPr lang="cs-CZ" sz="2400" dirty="0">
-              <a:latin typeface="Arial" panose="020B0604020202020204" pitchFamily="34" charset="0"/>
-              <a:cs typeface="Arial" panose="020B0604020202020204" pitchFamily="34" charset="0"/>
-            </a:endParaRPr>
-          </a:p>
-          <a:p>
-            <a:r>
-              <a:rPr lang="cs-CZ" sz="2400" dirty="0" err="1">
-                <a:latin typeface="Arial" panose="020B0604020202020204" pitchFamily="34" charset="0"/>
-                <a:cs typeface="Arial" panose="020B0604020202020204" pitchFamily="34" charset="0"/>
-              </a:rPr>
-              <a:t>IoT</a:t>
-            </a:r>
+              <a:t>Nejvíce chytrá města na světě:</a:t>
+            </a:r>
+          </a:p>
+          <a:p>
             <a:r>
               <a:rPr lang="cs-CZ" sz="2400" dirty="0">
                 <a:latin typeface="Arial" panose="020B0604020202020204" pitchFamily="34" charset="0"/>
@@ -13358,37 +13527,724 @@
               </a:rPr>
               <a:t> </a:t>
             </a:r>
-            <a:r>
-              <a:rPr lang="cs-CZ" sz="2400" dirty="0" err="1">
+          </a:p>
+          <a:p>
+            <a:endParaRPr lang="cs-CZ" sz="2400" dirty="0">
+              <a:latin typeface="Arial" panose="020B0604020202020204" pitchFamily="34" charset="0"/>
+              <a:cs typeface="Arial" panose="020B0604020202020204" pitchFamily="34" charset="0"/>
+            </a:endParaRPr>
+          </a:p>
+          <a:p>
+            <a:endParaRPr lang="cs-CZ" sz="2400" dirty="0">
+              <a:latin typeface="Arial" panose="020B0604020202020204" pitchFamily="34" charset="0"/>
+              <a:cs typeface="Arial" panose="020B0604020202020204" pitchFamily="34" charset="0"/>
+            </a:endParaRPr>
+          </a:p>
+          <a:p>
+            <a:endParaRPr lang="cs-CZ" sz="2400" dirty="0">
+              <a:latin typeface="Arial" panose="020B0604020202020204" pitchFamily="34" charset="0"/>
+              <a:cs typeface="Arial" panose="020B0604020202020204" pitchFamily="34" charset="0"/>
+            </a:endParaRPr>
+          </a:p>
+          <a:p>
+            <a:endParaRPr lang="cs-CZ" sz="2400" dirty="0">
+              <a:latin typeface="Arial" panose="020B0604020202020204" pitchFamily="34" charset="0"/>
+              <a:cs typeface="Arial" panose="020B0604020202020204" pitchFamily="34" charset="0"/>
+            </a:endParaRPr>
+          </a:p>
+          <a:p>
+            <a:endParaRPr lang="cs-CZ" sz="2000" dirty="0">
+              <a:latin typeface="Arial" panose="020B0604020202020204" pitchFamily="34" charset="0"/>
+              <a:cs typeface="Arial" panose="020B0604020202020204" pitchFamily="34" charset="0"/>
+            </a:endParaRPr>
+          </a:p>
+          <a:p>
+            <a:endParaRPr lang="cs-CZ" sz="2400" dirty="0">
+              <a:latin typeface="Arial" panose="020B0604020202020204" pitchFamily="34" charset="0"/>
+              <a:cs typeface="Arial" panose="020B0604020202020204" pitchFamily="34" charset="0"/>
+            </a:endParaRPr>
+          </a:p>
+          <a:p>
+            <a:endParaRPr lang="cs-CZ" sz="2400" dirty="0">
+              <a:latin typeface="Arial" panose="020B0604020202020204" pitchFamily="34" charset="0"/>
+              <a:cs typeface="Arial" panose="020B0604020202020204" pitchFamily="34" charset="0"/>
+            </a:endParaRPr>
+          </a:p>
+          <a:p>
+            <a:endParaRPr lang="cs-CZ" sz="2400" dirty="0">
+              <a:latin typeface="Arial" panose="020B0604020202020204" pitchFamily="34" charset="0"/>
+              <a:cs typeface="Arial" panose="020B0604020202020204" pitchFamily="34" charset="0"/>
+            </a:endParaRPr>
+          </a:p>
+        </p:txBody>
+      </p:sp>
+      <p:pic>
+        <p:nvPicPr>
+          <p:cNvPr id="1028" name="Picture 4" descr="Šanghaj – Wikipedie">
+            <a:extLst>
+              <a:ext uri="{FF2B5EF4-FFF2-40B4-BE49-F238E27FC236}">
+                <a16:creationId xmlns:a16="http://schemas.microsoft.com/office/drawing/2014/main" id="{12CDBB5C-378C-0AA6-BA69-51AEA3A476BD}"/>
+              </a:ext>
+            </a:extLst>
+          </p:cNvPr>
+          <p:cNvPicPr>
+            <a:picLocks noChangeAspect="1" noChangeArrowheads="1"/>
+          </p:cNvPicPr>
+          <p:nvPr/>
+        </p:nvPicPr>
+        <p:blipFill>
+          <a:blip r:embed="rId2">
+            <a:extLst>
+              <a:ext uri="{28A0092B-C50C-407E-A947-70E740481C1C}">
+                <a14:useLocalDpi xmlns:a14="http://schemas.microsoft.com/office/drawing/2010/main" val="0"/>
+              </a:ext>
+            </a:extLst>
+          </a:blip>
+          <a:srcRect/>
+          <a:stretch>
+            <a:fillRect/>
+          </a:stretch>
+        </p:blipFill>
+        <p:spPr bwMode="auto">
+          <a:xfrm>
+            <a:off x="2059110" y="2830871"/>
+            <a:ext cx="2844696" cy="1422349"/>
+          </a:xfrm>
+          <a:prstGeom prst="rect">
+            <a:avLst/>
+          </a:prstGeom>
+          <a:noFill/>
+          <a:extLst>
+            <a:ext uri="{909E8E84-426E-40DD-AFC4-6F175D3DCCD1}">
+              <a14:hiddenFill xmlns:a14="http://schemas.microsoft.com/office/drawing/2010/main">
+                <a:solidFill>
+                  <a:srgbClr val="FFFFFF"/>
+                </a:solidFill>
+              </a14:hiddenFill>
+            </a:ext>
+          </a:extLst>
+        </p:spPr>
+      </p:pic>
+      <p:sp>
+        <p:nvSpPr>
+          <p:cNvPr id="6" name="TextovéPole 5">
+            <a:extLst>
+              <a:ext uri="{FF2B5EF4-FFF2-40B4-BE49-F238E27FC236}">
+                <a16:creationId xmlns:a16="http://schemas.microsoft.com/office/drawing/2014/main" id="{C0E217A1-93BD-7E89-EB2A-DB560A4349F0}"/>
+              </a:ext>
+            </a:extLst>
+          </p:cNvPr>
+          <p:cNvSpPr txBox="1"/>
+          <p:nvPr/>
+        </p:nvSpPr>
+        <p:spPr>
+          <a:xfrm>
+            <a:off x="2574455" y="2434456"/>
+            <a:ext cx="1511559" cy="400110"/>
+          </a:xfrm>
+          <a:prstGeom prst="rect">
+            <a:avLst/>
+          </a:prstGeom>
+          <a:noFill/>
+        </p:spPr>
+        <p:txBody>
+          <a:bodyPr wrap="square" rtlCol="0">
+            <a:spAutoFit/>
+          </a:bodyPr>
+          <a:lstStyle/>
+          <a:p>
+            <a:r>
+              <a:rPr lang="cs-CZ" sz="2000" b="1" dirty="0">
                 <a:latin typeface="Arial" panose="020B0604020202020204" pitchFamily="34" charset="0"/>
                 <a:cs typeface="Arial" panose="020B0604020202020204" pitchFamily="34" charset="0"/>
               </a:rPr>
-              <a:t>SmartHome</a:t>
-            </a:r>
-            <a:r>
-              <a:rPr lang="cs-CZ" sz="2400" dirty="0">
+              <a:t>Šanghaj</a:t>
+            </a:r>
+          </a:p>
+        </p:txBody>
+      </p:sp>
+      <p:pic>
+        <p:nvPicPr>
+          <p:cNvPr id="1030" name="Picture 6" descr="Peking, nádherné město s unikátním komplexem paláců - počasí v destinaci |  Atlasmest.cz">
+            <a:extLst>
+              <a:ext uri="{FF2B5EF4-FFF2-40B4-BE49-F238E27FC236}">
+                <a16:creationId xmlns:a16="http://schemas.microsoft.com/office/drawing/2014/main" id="{43E0BCE2-8C64-1D4C-B1C5-BE6F6DD10681}"/>
+              </a:ext>
+            </a:extLst>
+          </p:cNvPr>
+          <p:cNvPicPr>
+            <a:picLocks noChangeAspect="1" noChangeArrowheads="1"/>
+          </p:cNvPicPr>
+          <p:nvPr/>
+        </p:nvPicPr>
+        <p:blipFill>
+          <a:blip r:embed="rId3">
+            <a:extLst>
+              <a:ext uri="{28A0092B-C50C-407E-A947-70E740481C1C}">
+                <a14:useLocalDpi xmlns:a14="http://schemas.microsoft.com/office/drawing/2010/main" val="0"/>
+              </a:ext>
+            </a:extLst>
+          </a:blip>
+          <a:srcRect/>
+          <a:stretch>
+            <a:fillRect/>
+          </a:stretch>
+        </p:blipFill>
+        <p:spPr bwMode="auto">
+          <a:xfrm>
+            <a:off x="4240280" y="4730859"/>
+            <a:ext cx="1926254" cy="1444691"/>
+          </a:xfrm>
+          <a:prstGeom prst="rect">
+            <a:avLst/>
+          </a:prstGeom>
+          <a:noFill/>
+          <a:extLst>
+            <a:ext uri="{909E8E84-426E-40DD-AFC4-6F175D3DCCD1}">
+              <a14:hiddenFill xmlns:a14="http://schemas.microsoft.com/office/drawing/2010/main">
+                <a:solidFill>
+                  <a:srgbClr val="FFFFFF"/>
+                </a:solidFill>
+              </a14:hiddenFill>
+            </a:ext>
+          </a:extLst>
+        </p:spPr>
+      </p:pic>
+      <p:sp>
+        <p:nvSpPr>
+          <p:cNvPr id="7" name="TextovéPole 6">
+            <a:extLst>
+              <a:ext uri="{FF2B5EF4-FFF2-40B4-BE49-F238E27FC236}">
+                <a16:creationId xmlns:a16="http://schemas.microsoft.com/office/drawing/2014/main" id="{6C1F5EE3-4AE5-E2BB-C19B-AF3E430649AD}"/>
+              </a:ext>
+            </a:extLst>
+          </p:cNvPr>
+          <p:cNvSpPr txBox="1"/>
+          <p:nvPr/>
+        </p:nvSpPr>
+        <p:spPr>
+          <a:xfrm>
+            <a:off x="4285283" y="4348902"/>
+            <a:ext cx="2533701" cy="400110"/>
+          </a:xfrm>
+          <a:prstGeom prst="rect">
+            <a:avLst/>
+          </a:prstGeom>
+          <a:noFill/>
+        </p:spPr>
+        <p:txBody>
+          <a:bodyPr wrap="square" rtlCol="0">
+            <a:spAutoFit/>
+          </a:bodyPr>
+          <a:lstStyle/>
+          <a:p>
+            <a:r>
+              <a:rPr lang="cs-CZ" sz="2000" dirty="0">
                 <a:latin typeface="Arial" panose="020B0604020202020204" pitchFamily="34" charset="0"/>
                 <a:cs typeface="Arial" panose="020B0604020202020204" pitchFamily="34" charset="0"/>
               </a:rPr>
-              <a:t> normou, postupně až ve </a:t>
-            </a:r>
-            <a:r>
-              <a:rPr lang="cs-CZ" sz="2400" dirty="0" err="1">
+              <a:t>  </a:t>
+            </a:r>
+            <a:r>
+              <a:rPr lang="cs-CZ" sz="2000" b="1" dirty="0">
                 <a:latin typeface="Arial" panose="020B0604020202020204" pitchFamily="34" charset="0"/>
                 <a:cs typeface="Arial" panose="020B0604020202020204" pitchFamily="34" charset="0"/>
               </a:rPr>
-              <a:t>SmartCities</a:t>
-            </a:r>
-            <a:r>
-              <a:rPr lang="cs-CZ" sz="2400" dirty="0">
+              <a:t>Peking</a:t>
+            </a:r>
+          </a:p>
+        </p:txBody>
+      </p:sp>
+      <p:pic>
+        <p:nvPicPr>
+          <p:cNvPr id="1032" name="Picture 8" descr="Barcelona v kostce: Průvodce po památkách, dopravě a jídle - Prima Zoom">
+            <a:extLst>
+              <a:ext uri="{FF2B5EF4-FFF2-40B4-BE49-F238E27FC236}">
+                <a16:creationId xmlns:a16="http://schemas.microsoft.com/office/drawing/2014/main" id="{AB025A91-BC40-72D7-8D26-A6FEE0F251D6}"/>
+              </a:ext>
+            </a:extLst>
+          </p:cNvPr>
+          <p:cNvPicPr>
+            <a:picLocks noChangeAspect="1" noChangeArrowheads="1"/>
+          </p:cNvPicPr>
+          <p:nvPr/>
+        </p:nvPicPr>
+        <p:blipFill>
+          <a:blip r:embed="rId4">
+            <a:extLst>
+              <a:ext uri="{28A0092B-C50C-407E-A947-70E740481C1C}">
+                <a14:useLocalDpi xmlns:a14="http://schemas.microsoft.com/office/drawing/2010/main" val="0"/>
+              </a:ext>
+            </a:extLst>
+          </a:blip>
+          <a:srcRect/>
+          <a:stretch>
+            <a:fillRect/>
+          </a:stretch>
+        </p:blipFill>
+        <p:spPr bwMode="auto">
+          <a:xfrm>
+            <a:off x="5069425" y="2797557"/>
+            <a:ext cx="2585099" cy="1454118"/>
+          </a:xfrm>
+          <a:prstGeom prst="rect">
+            <a:avLst/>
+          </a:prstGeom>
+          <a:noFill/>
+          <a:extLst>
+            <a:ext uri="{909E8E84-426E-40DD-AFC4-6F175D3DCCD1}">
+              <a14:hiddenFill xmlns:a14="http://schemas.microsoft.com/office/drawing/2010/main">
+                <a:solidFill>
+                  <a:srgbClr val="FFFFFF"/>
+                </a:solidFill>
+              </a14:hiddenFill>
+            </a:ext>
+          </a:extLst>
+        </p:spPr>
+      </p:pic>
+      <p:sp>
+        <p:nvSpPr>
+          <p:cNvPr id="8" name="TextovéPole 7">
+            <a:extLst>
+              <a:ext uri="{FF2B5EF4-FFF2-40B4-BE49-F238E27FC236}">
+                <a16:creationId xmlns:a16="http://schemas.microsoft.com/office/drawing/2014/main" id="{5215630D-D606-E288-3C64-397775D47E9D}"/>
+              </a:ext>
+            </a:extLst>
+          </p:cNvPr>
+          <p:cNvSpPr txBox="1"/>
+          <p:nvPr/>
+        </p:nvSpPr>
+        <p:spPr>
+          <a:xfrm>
+            <a:off x="5442036" y="2430761"/>
+            <a:ext cx="2940023" cy="400110"/>
+          </a:xfrm>
+          <a:prstGeom prst="rect">
+            <a:avLst/>
+          </a:prstGeom>
+          <a:noFill/>
+        </p:spPr>
+        <p:txBody>
+          <a:bodyPr wrap="square" rtlCol="0">
+            <a:spAutoFit/>
+          </a:bodyPr>
+          <a:lstStyle/>
+          <a:p>
+            <a:r>
+              <a:rPr lang="cs-CZ" sz="2000" b="1" dirty="0">
                 <a:latin typeface="Arial" panose="020B0604020202020204" pitchFamily="34" charset="0"/>
                 <a:cs typeface="Arial" panose="020B0604020202020204" pitchFamily="34" charset="0"/>
               </a:rPr>
-              <a:t>.</a:t>
+              <a:t>Barcelona</a:t>
             </a:r>
           </a:p>
         </p:txBody>
       </p:sp>
+      <p:pic>
+        <p:nvPicPr>
+          <p:cNvPr id="1034" name="Picture 10" descr="Co vidět v New Yorku? Poradíme nejlepší místa [Aktualizováno]">
+            <a:extLst>
+              <a:ext uri="{FF2B5EF4-FFF2-40B4-BE49-F238E27FC236}">
+                <a16:creationId xmlns:a16="http://schemas.microsoft.com/office/drawing/2014/main" id="{F0B23CB2-5DC4-490C-4F2A-EA5BAA144E6A}"/>
+              </a:ext>
+            </a:extLst>
+          </p:cNvPr>
+          <p:cNvPicPr>
+            <a:picLocks noChangeAspect="1" noChangeArrowheads="1"/>
+          </p:cNvPicPr>
+          <p:nvPr/>
+        </p:nvPicPr>
+        <p:blipFill>
+          <a:blip r:embed="rId5">
+            <a:extLst>
+              <a:ext uri="{28A0092B-C50C-407E-A947-70E740481C1C}">
+                <a14:useLocalDpi xmlns:a14="http://schemas.microsoft.com/office/drawing/2010/main" val="0"/>
+              </a:ext>
+            </a:extLst>
+          </a:blip>
+          <a:srcRect/>
+          <a:stretch>
+            <a:fillRect/>
+          </a:stretch>
+        </p:blipFill>
+        <p:spPr bwMode="auto">
+          <a:xfrm>
+            <a:off x="7820143" y="2797557"/>
+            <a:ext cx="3106676" cy="1441213"/>
+          </a:xfrm>
+          <a:prstGeom prst="rect">
+            <a:avLst/>
+          </a:prstGeom>
+          <a:noFill/>
+          <a:extLst>
+            <a:ext uri="{909E8E84-426E-40DD-AFC4-6F175D3DCCD1}">
+              <a14:hiddenFill xmlns:a14="http://schemas.microsoft.com/office/drawing/2010/main">
+                <a:solidFill>
+                  <a:srgbClr val="FFFFFF"/>
+                </a:solidFill>
+              </a14:hiddenFill>
+            </a:ext>
+          </a:extLst>
+        </p:spPr>
+      </p:pic>
+      <p:sp>
+        <p:nvSpPr>
+          <p:cNvPr id="9" name="TextovéPole 8">
+            <a:extLst>
+              <a:ext uri="{FF2B5EF4-FFF2-40B4-BE49-F238E27FC236}">
+                <a16:creationId xmlns:a16="http://schemas.microsoft.com/office/drawing/2014/main" id="{84A2D4D2-9079-524B-D59C-8F0F4EFEAAB8}"/>
+              </a:ext>
+            </a:extLst>
+          </p:cNvPr>
+          <p:cNvSpPr txBox="1"/>
+          <p:nvPr/>
+        </p:nvSpPr>
+        <p:spPr>
+          <a:xfrm>
+            <a:off x="8379234" y="2446057"/>
+            <a:ext cx="3424335" cy="400110"/>
+          </a:xfrm>
+          <a:prstGeom prst="rect">
+            <a:avLst/>
+          </a:prstGeom>
+          <a:noFill/>
+        </p:spPr>
+        <p:txBody>
+          <a:bodyPr wrap="square" rtlCol="0">
+            <a:spAutoFit/>
+          </a:bodyPr>
+          <a:lstStyle/>
+          <a:p>
+            <a:r>
+              <a:rPr lang="cs-CZ" sz="2000" b="1" dirty="0">
+                <a:latin typeface="Arial" panose="020B0604020202020204" pitchFamily="34" charset="0"/>
+                <a:cs typeface="Arial" panose="020B0604020202020204" pitchFamily="34" charset="0"/>
+              </a:rPr>
+              <a:t>New York</a:t>
+            </a:r>
+          </a:p>
+        </p:txBody>
+      </p:sp>
+      <p:pic>
+        <p:nvPicPr>
+          <p:cNvPr id="1036" name="Picture 12" descr="Nejlidnatějším a nejvyspělejším městem celé Koreje je právě Soul |  Atlasmest.cz">
+            <a:extLst>
+              <a:ext uri="{FF2B5EF4-FFF2-40B4-BE49-F238E27FC236}">
+                <a16:creationId xmlns:a16="http://schemas.microsoft.com/office/drawing/2014/main" id="{FF6E5886-DED0-40F4-7F2F-2126E5B9094A}"/>
+              </a:ext>
+            </a:extLst>
+          </p:cNvPr>
+          <p:cNvPicPr>
+            <a:picLocks noChangeAspect="1" noChangeArrowheads="1"/>
+          </p:cNvPicPr>
+          <p:nvPr/>
+        </p:nvPicPr>
+        <p:blipFill>
+          <a:blip r:embed="rId6">
+            <a:extLst>
+              <a:ext uri="{28A0092B-C50C-407E-A947-70E740481C1C}">
+                <a14:useLocalDpi xmlns:a14="http://schemas.microsoft.com/office/drawing/2010/main" val="0"/>
+              </a:ext>
+            </a:extLst>
+          </a:blip>
+          <a:srcRect/>
+          <a:stretch>
+            <a:fillRect/>
+          </a:stretch>
+        </p:blipFill>
+        <p:spPr bwMode="auto">
+          <a:xfrm>
+            <a:off x="6473069" y="4734419"/>
+            <a:ext cx="1926254" cy="1444691"/>
+          </a:xfrm>
+          <a:prstGeom prst="rect">
+            <a:avLst/>
+          </a:prstGeom>
+          <a:noFill/>
+          <a:extLst>
+            <a:ext uri="{909E8E84-426E-40DD-AFC4-6F175D3DCCD1}">
+              <a14:hiddenFill xmlns:a14="http://schemas.microsoft.com/office/drawing/2010/main">
+                <a:solidFill>
+                  <a:srgbClr val="FFFFFF"/>
+                </a:solidFill>
+              </a14:hiddenFill>
+            </a:ext>
+          </a:extLst>
+        </p:spPr>
+      </p:pic>
+      <p:sp>
+        <p:nvSpPr>
+          <p:cNvPr id="13" name="TextovéPole 12">
+            <a:extLst>
+              <a:ext uri="{FF2B5EF4-FFF2-40B4-BE49-F238E27FC236}">
+                <a16:creationId xmlns:a16="http://schemas.microsoft.com/office/drawing/2014/main" id="{7E3B545B-E6EA-0E21-0DA1-CFBC4C487076}"/>
+              </a:ext>
+            </a:extLst>
+          </p:cNvPr>
+          <p:cNvSpPr txBox="1"/>
+          <p:nvPr/>
+        </p:nvSpPr>
+        <p:spPr>
+          <a:xfrm>
+            <a:off x="6796478" y="4367953"/>
+            <a:ext cx="2404431" cy="400110"/>
+          </a:xfrm>
+          <a:prstGeom prst="rect">
+            <a:avLst/>
+          </a:prstGeom>
+          <a:noFill/>
+        </p:spPr>
+        <p:txBody>
+          <a:bodyPr wrap="square" rtlCol="0">
+            <a:spAutoFit/>
+          </a:bodyPr>
+          <a:lstStyle/>
+          <a:p>
+            <a:r>
+              <a:rPr lang="cs-CZ" sz="2000" b="1" dirty="0">
+                <a:latin typeface="Arial" panose="020B0604020202020204" pitchFamily="34" charset="0"/>
+                <a:cs typeface="Arial" panose="020B0604020202020204" pitchFamily="34" charset="0"/>
+              </a:rPr>
+              <a:t>Soul</a:t>
+            </a:r>
+          </a:p>
+        </p:txBody>
+      </p:sp>
+      <p:pic>
+        <p:nvPicPr>
+          <p:cNvPr id="1038" name="Picture 14" descr="Čína – Wikipedie">
+            <a:extLst>
+              <a:ext uri="{FF2B5EF4-FFF2-40B4-BE49-F238E27FC236}">
+                <a16:creationId xmlns:a16="http://schemas.microsoft.com/office/drawing/2014/main" id="{266FD672-C7E6-9E7E-1825-5BA8C466B21C}"/>
+              </a:ext>
+            </a:extLst>
+          </p:cNvPr>
+          <p:cNvPicPr>
+            <a:picLocks noChangeAspect="1" noChangeArrowheads="1"/>
+          </p:cNvPicPr>
+          <p:nvPr/>
+        </p:nvPicPr>
+        <p:blipFill>
+          <a:blip r:embed="rId7">
+            <a:extLst>
+              <a:ext uri="{28A0092B-C50C-407E-A947-70E740481C1C}">
+                <a14:useLocalDpi xmlns:a14="http://schemas.microsoft.com/office/drawing/2010/main" val="0"/>
+              </a:ext>
+            </a:extLst>
+          </a:blip>
+          <a:srcRect/>
+          <a:stretch>
+            <a:fillRect/>
+          </a:stretch>
+        </p:blipFill>
+        <p:spPr bwMode="auto">
+          <a:xfrm>
+            <a:off x="3755880" y="2513561"/>
+            <a:ext cx="410692" cy="273297"/>
+          </a:xfrm>
+          <a:prstGeom prst="rect">
+            <a:avLst/>
+          </a:prstGeom>
+          <a:noFill/>
+          <a:extLst>
+            <a:ext uri="{909E8E84-426E-40DD-AFC4-6F175D3DCCD1}">
+              <a14:hiddenFill xmlns:a14="http://schemas.microsoft.com/office/drawing/2010/main">
+                <a:solidFill>
+                  <a:srgbClr val="FFFFFF"/>
+                </a:solidFill>
+              </a14:hiddenFill>
+            </a:ext>
+          </a:extLst>
+        </p:spPr>
+      </p:pic>
+      <p:pic>
+        <p:nvPicPr>
+          <p:cNvPr id="1040" name="Picture 16" descr="Čína – Wikipedie">
+            <a:extLst>
+              <a:ext uri="{FF2B5EF4-FFF2-40B4-BE49-F238E27FC236}">
+                <a16:creationId xmlns:a16="http://schemas.microsoft.com/office/drawing/2014/main" id="{FE4C9C8D-88C2-4629-47AB-3ABA18B80BFB}"/>
+              </a:ext>
+            </a:extLst>
+          </p:cNvPr>
+          <p:cNvPicPr>
+            <a:picLocks noChangeAspect="1" noChangeArrowheads="1"/>
+          </p:cNvPicPr>
+          <p:nvPr/>
+        </p:nvPicPr>
+        <p:blipFill>
+          <a:blip r:embed="rId7">
+            <a:extLst>
+              <a:ext uri="{28A0092B-C50C-407E-A947-70E740481C1C}">
+                <a14:useLocalDpi xmlns:a14="http://schemas.microsoft.com/office/drawing/2010/main" val="0"/>
+              </a:ext>
+            </a:extLst>
+          </a:blip>
+          <a:srcRect/>
+          <a:stretch>
+            <a:fillRect/>
+          </a:stretch>
+        </p:blipFill>
+        <p:spPr bwMode="auto">
+          <a:xfrm>
+            <a:off x="5444933" y="4413169"/>
+            <a:ext cx="408108" cy="271577"/>
+          </a:xfrm>
+          <a:prstGeom prst="rect">
+            <a:avLst/>
+          </a:prstGeom>
+          <a:noFill/>
+          <a:extLst>
+            <a:ext uri="{909E8E84-426E-40DD-AFC4-6F175D3DCCD1}">
+              <a14:hiddenFill xmlns:a14="http://schemas.microsoft.com/office/drawing/2010/main">
+                <a:solidFill>
+                  <a:srgbClr val="FFFFFF"/>
+                </a:solidFill>
+              </a14:hiddenFill>
+            </a:ext>
+          </a:extLst>
+        </p:spPr>
+      </p:pic>
+      <p:pic>
+        <p:nvPicPr>
+          <p:cNvPr id="1042" name="Picture 18" descr="Jižní Korea – Wikipedie">
+            <a:extLst>
+              <a:ext uri="{FF2B5EF4-FFF2-40B4-BE49-F238E27FC236}">
+                <a16:creationId xmlns:a16="http://schemas.microsoft.com/office/drawing/2014/main" id="{694E1642-6B25-8692-AB71-E18C2028FAAC}"/>
+              </a:ext>
+            </a:extLst>
+          </p:cNvPr>
+          <p:cNvPicPr>
+            <a:picLocks noChangeAspect="1" noChangeArrowheads="1"/>
+          </p:cNvPicPr>
+          <p:nvPr/>
+        </p:nvPicPr>
+        <p:blipFill>
+          <a:blip r:embed="rId8">
+            <a:extLst>
+              <a:ext uri="{28A0092B-C50C-407E-A947-70E740481C1C}">
+                <a14:useLocalDpi xmlns:a14="http://schemas.microsoft.com/office/drawing/2010/main" val="0"/>
+              </a:ext>
+            </a:extLst>
+          </a:blip>
+          <a:srcRect/>
+          <a:stretch>
+            <a:fillRect/>
+          </a:stretch>
+        </p:blipFill>
+        <p:spPr bwMode="auto">
+          <a:xfrm>
+            <a:off x="7512647" y="4432220"/>
+            <a:ext cx="408108" cy="271577"/>
+          </a:xfrm>
+          <a:prstGeom prst="rect">
+            <a:avLst/>
+          </a:prstGeom>
+          <a:noFill/>
+          <a:extLst>
+            <a:ext uri="{909E8E84-426E-40DD-AFC4-6F175D3DCCD1}">
+              <a14:hiddenFill xmlns:a14="http://schemas.microsoft.com/office/drawing/2010/main">
+                <a:solidFill>
+                  <a:srgbClr val="FFFFFF"/>
+                </a:solidFill>
+              </a14:hiddenFill>
+            </a:ext>
+          </a:extLst>
+        </p:spPr>
+      </p:pic>
+      <p:pic>
+        <p:nvPicPr>
+          <p:cNvPr id="1044" name="Picture 20" descr="Španělsko – Wikipedie">
+            <a:extLst>
+              <a:ext uri="{FF2B5EF4-FFF2-40B4-BE49-F238E27FC236}">
+                <a16:creationId xmlns:a16="http://schemas.microsoft.com/office/drawing/2014/main" id="{96325F3C-2DE4-4DED-5BEE-AA91195D6AA8}"/>
+              </a:ext>
+            </a:extLst>
+          </p:cNvPr>
+          <p:cNvPicPr>
+            <a:picLocks noChangeAspect="1" noChangeArrowheads="1"/>
+          </p:cNvPicPr>
+          <p:nvPr/>
+        </p:nvPicPr>
+        <p:blipFill>
+          <a:blip r:embed="rId9">
+            <a:extLst>
+              <a:ext uri="{28A0092B-C50C-407E-A947-70E740481C1C}">
+                <a14:useLocalDpi xmlns:a14="http://schemas.microsoft.com/office/drawing/2010/main" val="0"/>
+              </a:ext>
+            </a:extLst>
+          </a:blip>
+          <a:srcRect/>
+          <a:stretch>
+            <a:fillRect/>
+          </a:stretch>
+        </p:blipFill>
+        <p:spPr bwMode="auto">
+          <a:xfrm>
+            <a:off x="6857956" y="2480677"/>
+            <a:ext cx="410859" cy="273408"/>
+          </a:xfrm>
+          <a:prstGeom prst="rect">
+            <a:avLst/>
+          </a:prstGeom>
+          <a:noFill/>
+          <a:extLst>
+            <a:ext uri="{909E8E84-426E-40DD-AFC4-6F175D3DCCD1}">
+              <a14:hiddenFill xmlns:a14="http://schemas.microsoft.com/office/drawing/2010/main">
+                <a:solidFill>
+                  <a:srgbClr val="FFFFFF"/>
+                </a:solidFill>
+              </a14:hiddenFill>
+            </a:ext>
+          </a:extLst>
+        </p:spPr>
+      </p:pic>
+      <p:pic>
+        <p:nvPicPr>
+          <p:cNvPr id="1046" name="Picture 22" descr="Spojené státy americké – Wikipedie">
+            <a:extLst>
+              <a:ext uri="{FF2B5EF4-FFF2-40B4-BE49-F238E27FC236}">
+                <a16:creationId xmlns:a16="http://schemas.microsoft.com/office/drawing/2014/main" id="{D6C99C82-9EB3-AF91-976F-2D47F40E2CC4}"/>
+              </a:ext>
+            </a:extLst>
+          </p:cNvPr>
+          <p:cNvPicPr>
+            <a:picLocks noChangeAspect="1" noChangeArrowheads="1"/>
+          </p:cNvPicPr>
+          <p:nvPr/>
+        </p:nvPicPr>
+        <p:blipFill>
+          <a:blip r:embed="rId10">
+            <a:extLst>
+              <a:ext uri="{28A0092B-C50C-407E-A947-70E740481C1C}">
+                <a14:useLocalDpi xmlns:a14="http://schemas.microsoft.com/office/drawing/2010/main" val="0"/>
+              </a:ext>
+            </a:extLst>
+          </a:blip>
+          <a:srcRect/>
+          <a:stretch>
+            <a:fillRect/>
+          </a:stretch>
+        </p:blipFill>
+        <p:spPr bwMode="auto">
+          <a:xfrm>
+            <a:off x="9667943" y="2492509"/>
+            <a:ext cx="532231" cy="279851"/>
+          </a:xfrm>
+          <a:prstGeom prst="rect">
+            <a:avLst/>
+          </a:prstGeom>
+          <a:noFill/>
+          <a:extLst>
+            <a:ext uri="{909E8E84-426E-40DD-AFC4-6F175D3DCCD1}">
+              <a14:hiddenFill xmlns:a14="http://schemas.microsoft.com/office/drawing/2010/main">
+                <a:solidFill>
+                  <a:srgbClr val="FFFFFF"/>
+                </a:solidFill>
+              </a14:hiddenFill>
+            </a:ext>
+          </a:extLst>
+        </p:spPr>
+      </p:pic>
     </p:spTree>
     <p:extLst>
       <p:ext uri="{BB962C8B-B14F-4D97-AF65-F5344CB8AC3E}">
@@ -13399,6 +14255,18 @@
   <p:clrMapOvr>
     <a:masterClrMapping/>
   </p:clrMapOvr>
+  <mc:AlternateContent xmlns:mc="http://schemas.openxmlformats.org/markup-compatibility/2006">
+    <mc:Choice xmlns:p14="http://schemas.microsoft.com/office/powerpoint/2010/main" Requires="p14">
+      <p:transition spd="med" p14:dur="700">
+        <p:fade/>
+      </p:transition>
+    </mc:Choice>
+    <mc:Fallback>
+      <p:transition spd="med">
+        <p:fade/>
+      </p:transition>
+    </mc:Fallback>
+  </mc:AlternateContent>
 </p:sld>
 </file>
 
@@ -13445,7 +14313,7 @@
         </p:nvSpPr>
         <p:spPr>
           <a:xfrm>
-            <a:off x="767198" y="122417"/>
+            <a:off x="1025721" y="79284"/>
             <a:ext cx="6082903" cy="1498174"/>
           </a:xfrm>
         </p:spPr>
@@ -13457,35 +14325,22 @@
           <a:p>
             <a:pPr algn="ctr"/>
             <a:r>
-              <a:rPr lang="cs-CZ" sz="3200" b="1" dirty="0">
+              <a:rPr lang="cs-CZ" sz="3200" b="1">
                 <a:solidFill>
                   <a:srgbClr val="FEFAC2"/>
                 </a:solidFill>
                 <a:latin typeface="Arial" panose="020B0604020202020204" pitchFamily="34" charset="0"/>
                 <a:cs typeface="Arial" panose="020B0604020202020204" pitchFamily="34" charset="0"/>
               </a:rPr>
-              <a:t>Budoucnost I</a:t>
-            </a:r>
-            <a:r>
-              <a:rPr lang="cs-CZ" sz="2000" b="1" dirty="0">
-                <a:solidFill>
-                  <a:srgbClr val="FEFAC2"/>
-                </a:solidFill>
-                <a:latin typeface="Arial" panose="020B0604020202020204" pitchFamily="34" charset="0"/>
-                <a:cs typeface="Arial" panose="020B0604020202020204" pitchFamily="34" charset="0"/>
-              </a:rPr>
-              <a:t>o</a:t>
-            </a:r>
-            <a:r>
-              <a:rPr lang="cs-CZ" sz="3200" b="1" dirty="0">
-                <a:solidFill>
-                  <a:srgbClr val="FEFAC2"/>
-                </a:solidFill>
-                <a:latin typeface="Arial" panose="020B0604020202020204" pitchFamily="34" charset="0"/>
-                <a:cs typeface="Arial" panose="020B0604020202020204" pitchFamily="34" charset="0"/>
-              </a:rPr>
-              <a:t>t:</a:t>
-            </a:r>
+              <a:t>Chytrá města v čr</a:t>
+            </a:r>
+            <a:endParaRPr lang="cs-CZ" sz="3200" b="1" dirty="0">
+              <a:solidFill>
+                <a:srgbClr val="FEFAC2"/>
+              </a:solidFill>
+              <a:latin typeface="Arial" panose="020B0604020202020204" pitchFamily="34" charset="0"/>
+              <a:cs typeface="Arial" panose="020B0604020202020204" pitchFamily="34" charset="0"/>
+            </a:endParaRPr>
           </a:p>
         </p:txBody>
       </p:sp>
@@ -13521,10 +14376,10 @@
       </p:sp>
       <p:sp>
         <p:nvSpPr>
-          <p:cNvPr id="4" name="TextovéPole 3">
+          <p:cNvPr id="5" name="TextovéPole 4">
             <a:extLst>
               <a:ext uri="{FF2B5EF4-FFF2-40B4-BE49-F238E27FC236}">
-                <a16:creationId xmlns:a16="http://schemas.microsoft.com/office/drawing/2014/main" id="{97B33B09-C71B-1489-01D6-46555C62E1CC}"/>
+                <a16:creationId xmlns:a16="http://schemas.microsoft.com/office/drawing/2014/main" id="{E1BA64E4-1CD9-1B7D-C174-CB2354C82C44}"/>
               </a:ext>
             </a:extLst>
           </p:cNvPr>
@@ -13533,8 +14388,8 @@
         </p:nvSpPr>
         <p:spPr>
           <a:xfrm>
-            <a:off x="2018581" y="2216989"/>
-            <a:ext cx="5098211" cy="1938992"/>
+            <a:off x="1871932" y="2363638"/>
+            <a:ext cx="5865962" cy="3416320"/>
           </a:xfrm>
           <a:prstGeom prst="rect">
             <a:avLst/>
@@ -13548,11 +14403,18 @@
           <a:lstStyle/>
           <a:p>
             <a:r>
+              <a:rPr lang="cs-CZ" sz="2400" b="1" dirty="0">
+                <a:latin typeface="Arial" panose="020B0604020202020204" pitchFamily="34" charset="0"/>
+                <a:cs typeface="Arial" panose="020B0604020202020204" pitchFamily="34" charset="0"/>
+              </a:rPr>
+              <a:t>Písek</a:t>
+            </a:r>
+            <a:r>
               <a:rPr lang="cs-CZ" sz="2400" dirty="0">
                 <a:latin typeface="Arial" panose="020B0604020202020204" pitchFamily="34" charset="0"/>
                 <a:cs typeface="Arial" panose="020B0604020202020204" pitchFamily="34" charset="0"/>
               </a:rPr>
-              <a:t>Budoucnost je digitální a bezdrátová.</a:t>
+              <a:t>- nejvíce chytré město v ČR.</a:t>
             </a:r>
           </a:p>
           <a:p>
@@ -13563,47 +14425,48 @@
           </a:p>
           <a:p>
             <a:r>
-              <a:rPr lang="cs-CZ" sz="2400" dirty="0" err="1">
-                <a:latin typeface="Arial" panose="020B0604020202020204" pitchFamily="34" charset="0"/>
-                <a:cs typeface="Arial" panose="020B0604020202020204" pitchFamily="34" charset="0"/>
-              </a:rPr>
-              <a:t>IoT</a:t>
-            </a:r>
-            <a:r>
               <a:rPr lang="cs-CZ" sz="2400" dirty="0">
                 <a:latin typeface="Arial" panose="020B0604020202020204" pitchFamily="34" charset="0"/>
                 <a:cs typeface="Arial" panose="020B0604020202020204" pitchFamily="34" charset="0"/>
               </a:rPr>
-              <a:t> </a:t>
-            </a:r>
-            <a:r>
-              <a:rPr lang="cs-CZ" sz="2400" dirty="0" err="1">
-                <a:latin typeface="Arial" panose="020B0604020202020204" pitchFamily="34" charset="0"/>
-                <a:cs typeface="Arial" panose="020B0604020202020204" pitchFamily="34" charset="0"/>
-              </a:rPr>
-              <a:t>SmartHome</a:t>
-            </a:r>
+              <a:t>Dále:</a:t>
+            </a:r>
+          </a:p>
+          <a:p>
             <a:r>
               <a:rPr lang="cs-CZ" sz="2400" dirty="0">
                 <a:latin typeface="Arial" panose="020B0604020202020204" pitchFamily="34" charset="0"/>
                 <a:cs typeface="Arial" panose="020B0604020202020204" pitchFamily="34" charset="0"/>
               </a:rPr>
-              <a:t> normou, postupně až ve </a:t>
-            </a:r>
-            <a:r>
-              <a:rPr lang="cs-CZ" sz="2400" dirty="0" err="1">
-                <a:latin typeface="Arial" panose="020B0604020202020204" pitchFamily="34" charset="0"/>
-                <a:cs typeface="Arial" panose="020B0604020202020204" pitchFamily="34" charset="0"/>
-              </a:rPr>
-              <a:t>SmartCities</a:t>
-            </a:r>
+              <a:t>Praha, Brno…, menší obce např. Jihlava.</a:t>
+            </a:r>
+          </a:p>
+          <a:p>
+            <a:endParaRPr lang="cs-CZ" sz="2400" dirty="0">
+              <a:latin typeface="Arial" panose="020B0604020202020204" pitchFamily="34" charset="0"/>
+              <a:cs typeface="Arial" panose="020B0604020202020204" pitchFamily="34" charset="0"/>
+            </a:endParaRPr>
+          </a:p>
+          <a:p>
             <a:r>
               <a:rPr lang="cs-CZ" sz="2400" dirty="0">
                 <a:latin typeface="Arial" panose="020B0604020202020204" pitchFamily="34" charset="0"/>
                 <a:cs typeface="Arial" panose="020B0604020202020204" pitchFamily="34" charset="0"/>
               </a:rPr>
-              <a:t>.</a:t>
-            </a:r>
+              <a:t>Praha- ocenění za digitalizaci řízení odpadového svozu.</a:t>
+            </a:r>
+          </a:p>
+          <a:p>
+            <a:endParaRPr lang="cs-CZ" sz="2400" dirty="0">
+              <a:latin typeface="Arial" panose="020B0604020202020204" pitchFamily="34" charset="0"/>
+              <a:cs typeface="Arial" panose="020B0604020202020204" pitchFamily="34" charset="0"/>
+            </a:endParaRPr>
+          </a:p>
+          <a:p>
+            <a:endParaRPr lang="cs-CZ" sz="2400" dirty="0">
+              <a:latin typeface="Arial" panose="020B0604020202020204" pitchFamily="34" charset="0"/>
+              <a:cs typeface="Arial" panose="020B0604020202020204" pitchFamily="34" charset="0"/>
+            </a:endParaRPr>
           </a:p>
         </p:txBody>
       </p:sp>
@@ -13617,10 +14480,170 @@
   <p:clrMapOvr>
     <a:masterClrMapping/>
   </p:clrMapOvr>
+  <mc:AlternateContent xmlns:mc="http://schemas.openxmlformats.org/markup-compatibility/2006">
+    <mc:Choice xmlns:p14="http://schemas.microsoft.com/office/powerpoint/2010/main" Requires="p14">
+      <p:transition spd="med" p14:dur="700">
+        <p:fade/>
+      </p:transition>
+    </mc:Choice>
+    <mc:Fallback>
+      <p:transition spd="med">
+        <p:fade/>
+      </p:transition>
+    </mc:Fallback>
+  </mc:AlternateContent>
 </p:sld>
 </file>
 
 <file path=ppt/slides/slide15.xml><?xml version="1.0" encoding="utf-8"?>
+<p:sld xmlns:a="http://schemas.openxmlformats.org/drawingml/2006/main" xmlns:r="http://schemas.openxmlformats.org/officeDocument/2006/relationships" xmlns:p="http://schemas.openxmlformats.org/presentationml/2006/main">
+  <p:cSld>
+    <p:bg>
+      <p:bgPr>
+        <a:solidFill>
+          <a:srgbClr val="23268F"/>
+        </a:solidFill>
+        <a:effectLst/>
+      </p:bgPr>
+    </p:bg>
+    <p:spTree>
+      <p:nvGrpSpPr>
+        <p:cNvPr id="1" name=""/>
+        <p:cNvGrpSpPr/>
+        <p:nvPr/>
+      </p:nvGrpSpPr>
+      <p:grpSpPr>
+        <a:xfrm>
+          <a:off x="0" y="0"/>
+          <a:ext cx="0" cy="0"/>
+          <a:chOff x="0" y="0"/>
+          <a:chExt cx="0" cy="0"/>
+        </a:xfrm>
+      </p:grpSpPr>
+      <p:sp>
+        <p:nvSpPr>
+          <p:cNvPr id="2" name="Nadpis 1">
+            <a:extLst>
+              <a:ext uri="{FF2B5EF4-FFF2-40B4-BE49-F238E27FC236}">
+                <a16:creationId xmlns:a16="http://schemas.microsoft.com/office/drawing/2014/main" id="{29CB99E5-9986-576C-8894-71192D74DD8C}"/>
+              </a:ext>
+            </a:extLst>
+          </p:cNvPr>
+          <p:cNvSpPr>
+            <a:spLocks noGrp="1"/>
+          </p:cNvSpPr>
+          <p:nvPr>
+            <p:ph type="ctrTitle"/>
+          </p:nvPr>
+        </p:nvSpPr>
+        <p:spPr>
+          <a:xfrm>
+            <a:off x="1025721" y="79284"/>
+            <a:ext cx="6082903" cy="1498174"/>
+          </a:xfrm>
+        </p:spPr>
+        <p:txBody>
+          <a:bodyPr>
+            <a:normAutofit/>
+          </a:bodyPr>
+          <a:lstStyle/>
+          <a:p>
+            <a:pPr algn="ctr"/>
+            <a:endParaRPr lang="cs-CZ" sz="3200" b="1" dirty="0">
+              <a:solidFill>
+                <a:srgbClr val="FEFAC2"/>
+              </a:solidFill>
+              <a:latin typeface="Arial" panose="020B0604020202020204" pitchFamily="34" charset="0"/>
+              <a:cs typeface="Arial" panose="020B0604020202020204" pitchFamily="34" charset="0"/>
+            </a:endParaRPr>
+          </a:p>
+        </p:txBody>
+      </p:sp>
+      <p:sp>
+        <p:nvSpPr>
+          <p:cNvPr id="3" name="Podnadpis 2">
+            <a:extLst>
+              <a:ext uri="{FF2B5EF4-FFF2-40B4-BE49-F238E27FC236}">
+                <a16:creationId xmlns:a16="http://schemas.microsoft.com/office/drawing/2014/main" id="{40BDE16B-3EE9-6453-FB6A-C1A83B805F10}"/>
+              </a:ext>
+            </a:extLst>
+          </p:cNvPr>
+          <p:cNvSpPr>
+            <a:spLocks noGrp="1"/>
+          </p:cNvSpPr>
+          <p:nvPr>
+            <p:ph type="subTitle" idx="1"/>
+          </p:nvPr>
+        </p:nvSpPr>
+        <p:spPr>
+          <a:xfrm>
+            <a:off x="4067173" y="3687763"/>
+            <a:ext cx="8791575" cy="1655762"/>
+          </a:xfrm>
+        </p:spPr>
+        <p:txBody>
+          <a:bodyPr/>
+          <a:lstStyle/>
+          <a:p>
+            <a:endParaRPr lang="cs-CZ" dirty="0"/>
+          </a:p>
+        </p:txBody>
+      </p:sp>
+      <p:sp>
+        <p:nvSpPr>
+          <p:cNvPr id="5" name="TextovéPole 4">
+            <a:extLst>
+              <a:ext uri="{FF2B5EF4-FFF2-40B4-BE49-F238E27FC236}">
+                <a16:creationId xmlns:a16="http://schemas.microsoft.com/office/drawing/2014/main" id="{E1BA64E4-1CD9-1B7D-C174-CB2354C82C44}"/>
+              </a:ext>
+            </a:extLst>
+          </p:cNvPr>
+          <p:cNvSpPr txBox="1"/>
+          <p:nvPr/>
+        </p:nvSpPr>
+        <p:spPr>
+          <a:xfrm>
+            <a:off x="1871932" y="2363638"/>
+            <a:ext cx="5865962" cy="830997"/>
+          </a:xfrm>
+          <a:prstGeom prst="rect">
+            <a:avLst/>
+          </a:prstGeom>
+          <a:noFill/>
+        </p:spPr>
+        <p:txBody>
+          <a:bodyPr wrap="square" rtlCol="0">
+            <a:spAutoFit/>
+          </a:bodyPr>
+          <a:lstStyle/>
+          <a:p>
+            <a:endParaRPr lang="cs-CZ" sz="2400" dirty="0">
+              <a:latin typeface="Arial" panose="020B0604020202020204" pitchFamily="34" charset="0"/>
+              <a:cs typeface="Arial" panose="020B0604020202020204" pitchFamily="34" charset="0"/>
+            </a:endParaRPr>
+          </a:p>
+          <a:p>
+            <a:endParaRPr lang="cs-CZ" sz="2400" dirty="0">
+              <a:latin typeface="Arial" panose="020B0604020202020204" pitchFamily="34" charset="0"/>
+              <a:cs typeface="Arial" panose="020B0604020202020204" pitchFamily="34" charset="0"/>
+            </a:endParaRPr>
+          </a:p>
+        </p:txBody>
+      </p:sp>
+    </p:spTree>
+    <p:extLst>
+      <p:ext uri="{BB962C8B-B14F-4D97-AF65-F5344CB8AC3E}">
+        <p14:creationId xmlns:p14="http://schemas.microsoft.com/office/powerpoint/2010/main" val="2736142794"/>
+      </p:ext>
+    </p:extLst>
+  </p:cSld>
+  <p:clrMapOvr>
+    <a:masterClrMapping/>
+  </p:clrMapOvr>
+</p:sld>
+</file>
+
+<file path=ppt/slides/slide16.xml><?xml version="1.0" encoding="utf-8"?>
 <p:sld xmlns:a="http://schemas.openxmlformats.org/drawingml/2006/main" xmlns:r="http://schemas.openxmlformats.org/officeDocument/2006/relationships" xmlns:p="http://schemas.openxmlformats.org/presentationml/2006/main">
   <p:cSld>
     <p:bg>
@@ -13828,6 +14851,18 @@
   <p:clrMapOvr>
     <a:masterClrMapping/>
   </p:clrMapOvr>
+  <mc:AlternateContent xmlns:mc="http://schemas.openxmlformats.org/markup-compatibility/2006">
+    <mc:Choice xmlns:p14="http://schemas.microsoft.com/office/powerpoint/2010/main" Requires="p14">
+      <p:transition spd="med" p14:dur="700">
+        <p:fade/>
+      </p:transition>
+    </mc:Choice>
+    <mc:Fallback>
+      <p:transition spd="med">
+        <p:fade/>
+      </p:transition>
+    </mc:Fallback>
+  </mc:AlternateContent>
 </p:sld>
 </file>
 
@@ -13981,7 +15016,7 @@
         </p:nvSpPr>
         <p:spPr>
           <a:xfrm>
-            <a:off x="1640444" y="88202"/>
+            <a:off x="1901701" y="49396"/>
             <a:ext cx="6082903" cy="1498174"/>
           </a:xfrm>
         </p:spPr>
@@ -14069,7 +15104,7 @@
         </p:nvSpPr>
         <p:spPr>
           <a:xfrm>
-            <a:off x="2027208" y="2225615"/>
+            <a:off x="2057218" y="2208684"/>
             <a:ext cx="6193766" cy="1200329"/>
           </a:xfrm>
           <a:prstGeom prst="rect">
@@ -14084,7 +15119,7 @@
           <a:lstStyle/>
           <a:p>
             <a:r>
-              <a:rPr lang="cs-CZ" sz="2400" dirty="0">
+              <a:rPr lang="cs-CZ" sz="2400" b="1" dirty="0">
                 <a:latin typeface="Arial" panose="020B0604020202020204" pitchFamily="34" charset="0"/>
                 <a:cs typeface="Arial" panose="020B0604020202020204" pitchFamily="34" charset="0"/>
               </a:rPr>
@@ -14145,7 +15180,7 @@
         </p:nvSpPr>
         <p:spPr>
           <a:xfrm>
-            <a:off x="2057218" y="4065183"/>
+            <a:off x="2057218" y="3695851"/>
             <a:ext cx="5249356" cy="830997"/>
           </a:xfrm>
           <a:prstGeom prst="rect">
@@ -14164,11 +15199,58 @@
                 <a:latin typeface="Arial" panose="020B0604020202020204" pitchFamily="34" charset="0"/>
                 <a:cs typeface="Arial" panose="020B0604020202020204" pitchFamily="34" charset="0"/>
               </a:rPr>
-              <a:t>Cílem je usnadnění života. Automatizace </a:t>
+              <a:t>Cílem je usnadnění života. Automatizace. </a:t>
             </a:r>
           </a:p>
         </p:txBody>
       </p:sp>
+      <p:pic>
+        <p:nvPicPr>
+          <p:cNvPr id="2056" name="Picture 8" descr="Internet of Things: propojená budoucnost | Svět hardware">
+            <a:extLst>
+              <a:ext uri="{FF2B5EF4-FFF2-40B4-BE49-F238E27FC236}">
+                <a16:creationId xmlns:a16="http://schemas.microsoft.com/office/drawing/2014/main" id="{7F25399E-4888-1015-F051-D5A10412B328}"/>
+              </a:ext>
+            </a:extLst>
+          </p:cNvPr>
+          <p:cNvPicPr>
+            <a:picLocks noChangeAspect="1" noChangeArrowheads="1"/>
+          </p:cNvPicPr>
+          <p:nvPr/>
+        </p:nvPicPr>
+        <p:blipFill>
+          <a:blip r:embed="rId2">
+            <a:extLst>
+              <a:ext uri="{28A0092B-C50C-407E-A947-70E740481C1C}">
+                <a14:useLocalDpi xmlns:a14="http://schemas.microsoft.com/office/drawing/2010/main" val="0"/>
+              </a:ext>
+            </a:extLst>
+          </a:blip>
+          <a:srcRect/>
+          <a:stretch>
+            <a:fillRect/>
+          </a:stretch>
+        </p:blipFill>
+        <p:spPr bwMode="auto">
+          <a:xfrm>
+            <a:off x="7825413" y="2336726"/>
+            <a:ext cx="2472907" cy="2184547"/>
+          </a:xfrm>
+          <a:prstGeom prst="rect">
+            <a:avLst/>
+          </a:prstGeom>
+          <a:noFill/>
+          <a:extLst>
+            <a:ext uri="{909E8E84-426E-40DD-AFC4-6F175D3DCCD1}">
+              <a14:hiddenFill xmlns:a14="http://schemas.microsoft.com/office/drawing/2010/main">
+                <a:solidFill>
+                  <a:srgbClr val="FFFFFF"/>
+                </a:solidFill>
+              </a14:hiddenFill>
+            </a:ext>
+          </a:extLst>
+        </p:spPr>
+      </p:pic>
     </p:spTree>
     <p:extLst>
       <p:ext uri="{BB962C8B-B14F-4D97-AF65-F5344CB8AC3E}">
@@ -14179,6 +15261,18 @@
   <p:clrMapOvr>
     <a:masterClrMapping/>
   </p:clrMapOvr>
+  <mc:AlternateContent xmlns:mc="http://schemas.openxmlformats.org/markup-compatibility/2006">
+    <mc:Choice xmlns:p14="http://schemas.microsoft.com/office/powerpoint/2010/main" Requires="p14">
+      <p:transition spd="med" p14:dur="700">
+        <p:fade/>
+      </p:transition>
+    </mc:Choice>
+    <mc:Fallback>
+      <p:transition spd="med">
+        <p:fade/>
+      </p:transition>
+    </mc:Fallback>
+  </mc:AlternateContent>
 </p:sld>
 </file>
 
@@ -14225,7 +15319,7 @@
         </p:nvSpPr>
         <p:spPr>
           <a:xfrm>
-            <a:off x="775824" y="441593"/>
+            <a:off x="934443" y="68369"/>
             <a:ext cx="6082903" cy="1498174"/>
           </a:xfrm>
         </p:spPr>
@@ -14287,7 +15381,7 @@
         </p:nvSpPr>
         <p:spPr>
           <a:xfrm>
-            <a:off x="1832931" y="2601119"/>
+            <a:off x="1907575" y="2601119"/>
             <a:ext cx="8791575" cy="1655762"/>
           </a:xfrm>
         </p:spPr>
@@ -14313,7 +15407,7 @@
         </p:nvSpPr>
         <p:spPr>
           <a:xfrm>
-            <a:off x="1837425" y="2812211"/>
+            <a:off x="2017523" y="2146392"/>
             <a:ext cx="6245525" cy="1938992"/>
           </a:xfrm>
           <a:prstGeom prst="rect">
@@ -14376,6 +15470,18 @@
   <p:clrMapOvr>
     <a:masterClrMapping/>
   </p:clrMapOvr>
+  <mc:AlternateContent xmlns:mc="http://schemas.openxmlformats.org/markup-compatibility/2006">
+    <mc:Choice xmlns:p14="http://schemas.microsoft.com/office/powerpoint/2010/main" Requires="p14">
+      <p:transition spd="med" p14:dur="700">
+        <p:fade/>
+      </p:transition>
+    </mc:Choice>
+    <mc:Fallback>
+      <p:transition spd="med">
+        <p:fade/>
+      </p:transition>
+    </mc:Fallback>
+  </mc:AlternateContent>
 </p:sld>
 </file>
 
@@ -14422,7 +15528,7 @@
         </p:nvSpPr>
         <p:spPr>
           <a:xfrm>
-            <a:off x="1103627" y="105164"/>
+            <a:off x="1042973" y="67842"/>
             <a:ext cx="6082903" cy="1498174"/>
           </a:xfrm>
         </p:spPr>
@@ -14543,7 +15649,7 @@
           </a:p>
           <a:p>
             <a:r>
-              <a:rPr lang="cs-CZ" sz="2400" dirty="0">
+              <a:rPr lang="cs-CZ" sz="2400" b="1" dirty="0">
                 <a:latin typeface="Arial" panose="020B0604020202020204" pitchFamily="34" charset="0"/>
                 <a:cs typeface="Arial" panose="020B0604020202020204" pitchFamily="34" charset="0"/>
               </a:rPr>
@@ -14558,7 +15664,7 @@
           </a:p>
           <a:p>
             <a:r>
-              <a:rPr lang="cs-CZ" sz="2400" dirty="0">
+              <a:rPr lang="cs-CZ" sz="2400" b="1" dirty="0">
                 <a:latin typeface="Arial" panose="020B0604020202020204" pitchFamily="34" charset="0"/>
                 <a:cs typeface="Arial" panose="020B0604020202020204" pitchFamily="34" charset="0"/>
               </a:rPr>
@@ -14573,7 +15679,7 @@
           </a:p>
           <a:p>
             <a:r>
-              <a:rPr lang="cs-CZ" sz="2400" dirty="0">
+              <a:rPr lang="cs-CZ" sz="2400" b="1" dirty="0">
                 <a:latin typeface="Arial" panose="020B0604020202020204" pitchFamily="34" charset="0"/>
                 <a:cs typeface="Arial" panose="020B0604020202020204" pitchFamily="34" charset="0"/>
               </a:rPr>
@@ -14629,7 +15735,7 @@
         </p:nvSpPr>
         <p:spPr>
           <a:xfrm>
-            <a:off x="6685471" y="3455280"/>
+            <a:off x="6685471" y="3429000"/>
             <a:ext cx="4408098" cy="2677656"/>
           </a:xfrm>
           <a:prstGeom prst="rect">
@@ -14644,7 +15750,7 @@
           <a:lstStyle/>
           <a:p>
             <a:r>
-              <a:rPr lang="cs-CZ" sz="2400" dirty="0">
+              <a:rPr lang="cs-CZ" sz="2400" b="1" dirty="0">
                 <a:latin typeface="Arial" panose="020B0604020202020204" pitchFamily="34" charset="0"/>
                 <a:cs typeface="Arial" panose="020B0604020202020204" pitchFamily="34" charset="0"/>
               </a:rPr>
@@ -14659,7 +15765,7 @@
           </a:p>
           <a:p>
             <a:r>
-              <a:rPr lang="cs-CZ" sz="2400" dirty="0">
+              <a:rPr lang="cs-CZ" sz="2400" b="1" dirty="0">
                 <a:latin typeface="Arial" panose="020B0604020202020204" pitchFamily="34" charset="0"/>
                 <a:cs typeface="Arial" panose="020B0604020202020204" pitchFamily="34" charset="0"/>
               </a:rPr>
@@ -14674,7 +15780,7 @@
           </a:p>
           <a:p>
             <a:r>
-              <a:rPr lang="cs-CZ" sz="2400" dirty="0">
+              <a:rPr lang="cs-CZ" sz="2400" b="1" dirty="0">
                 <a:latin typeface="Arial" panose="020B0604020202020204" pitchFamily="34" charset="0"/>
                 <a:cs typeface="Arial" panose="020B0604020202020204" pitchFamily="34" charset="0"/>
               </a:rPr>
@@ -14711,6 +15817,18 @@
   <p:clrMapOvr>
     <a:masterClrMapping/>
   </p:clrMapOvr>
+  <mc:AlternateContent xmlns:mc="http://schemas.openxmlformats.org/markup-compatibility/2006">
+    <mc:Choice xmlns:p14="http://schemas.microsoft.com/office/powerpoint/2010/main" Requires="p14">
+      <p:transition spd="med" p14:dur="700">
+        <p:fade/>
+      </p:transition>
+    </mc:Choice>
+    <mc:Fallback>
+      <p:transition spd="med">
+        <p:fade/>
+      </p:transition>
+    </mc:Fallback>
+  </mc:AlternateContent>
 </p:sld>
 </file>
 
@@ -14757,7 +15875,7 @@
         </p:nvSpPr>
         <p:spPr>
           <a:xfrm>
-            <a:off x="266865" y="105164"/>
+            <a:off x="71862" y="86502"/>
             <a:ext cx="6082903" cy="1498174"/>
           </a:xfrm>
         </p:spPr>
@@ -14825,7 +15943,7 @@
         </p:nvSpPr>
         <p:spPr>
           <a:xfrm>
-            <a:off x="1979580" y="2234241"/>
+            <a:off x="1920815" y="2068820"/>
             <a:ext cx="4175185" cy="4893647"/>
           </a:xfrm>
           <a:prstGeom prst="rect">
@@ -14849,20 +15967,20 @@
           </a:p>
           <a:p>
             <a:r>
+              <a:rPr lang="cs-CZ" sz="2400" b="1" dirty="0">
+                <a:latin typeface="Arial" panose="020B0604020202020204" pitchFamily="34" charset="0"/>
+                <a:cs typeface="Arial" panose="020B0604020202020204" pitchFamily="34" charset="0"/>
+              </a:rPr>
+              <a:t>Zneužití dat:</a:t>
+            </a:r>
+          </a:p>
+          <a:p>
+            <a:r>
               <a:rPr lang="cs-CZ" sz="2400" dirty="0">
                 <a:latin typeface="Arial" panose="020B0604020202020204" pitchFamily="34" charset="0"/>
                 <a:cs typeface="Arial" panose="020B0604020202020204" pitchFamily="34" charset="0"/>
               </a:rPr>
-              <a:t>Zneužití dat:</a:t>
-            </a:r>
-          </a:p>
-          <a:p>
-            <a:r>
-              <a:rPr lang="cs-CZ" sz="2400" dirty="0">
-                <a:latin typeface="Arial" panose="020B0604020202020204" pitchFamily="34" charset="0"/>
-                <a:cs typeface="Arial" panose="020B0604020202020204" pitchFamily="34" charset="0"/>
-              </a:rPr>
-              <a:t>Ztráta či odcizení chytrých hodinek</a:t>
+              <a:t>Ztráta či odcizení chytrých hodinek.</a:t>
             </a:r>
           </a:p>
           <a:p>
@@ -14873,21 +15991,21 @@
           </a:p>
           <a:p>
             <a:r>
-              <a:rPr lang="cs-CZ" sz="2400" dirty="0">
+              <a:rPr lang="cs-CZ" sz="2400" b="1" dirty="0">
                 <a:latin typeface="Arial" panose="020B0604020202020204" pitchFamily="34" charset="0"/>
                 <a:cs typeface="Arial" panose="020B0604020202020204" pitchFamily="34" charset="0"/>
               </a:rPr>
               <a:t>Prostor </a:t>
             </a:r>
             <a:r>
-              <a:rPr lang="cs-CZ" sz="2400" dirty="0" err="1">
+              <a:rPr lang="cs-CZ" sz="2400" b="1" dirty="0" err="1">
                 <a:latin typeface="Arial" panose="020B0604020202020204" pitchFamily="34" charset="0"/>
                 <a:cs typeface="Arial" panose="020B0604020202020204" pitchFamily="34" charset="0"/>
               </a:rPr>
               <a:t>hackrům</a:t>
             </a:r>
             <a:r>
-              <a:rPr lang="cs-CZ" sz="2400" dirty="0">
+              <a:rPr lang="cs-CZ" sz="2400" b="1" dirty="0">
                 <a:latin typeface="Arial" panose="020B0604020202020204" pitchFamily="34" charset="0"/>
                 <a:cs typeface="Arial" panose="020B0604020202020204" pitchFamily="34" charset="0"/>
               </a:rPr>
@@ -14923,10 +16041,13 @@
               </a:rPr>
               <a:t>hackrovi</a:t>
             </a:r>
-            <a:endParaRPr lang="cs-CZ" sz="2400" dirty="0">
-              <a:latin typeface="Arial" panose="020B0604020202020204" pitchFamily="34" charset="0"/>
-              <a:cs typeface="Arial" panose="020B0604020202020204" pitchFamily="34" charset="0"/>
-            </a:endParaRPr>
+            <a:r>
+              <a:rPr lang="cs-CZ" sz="2400" dirty="0">
+                <a:latin typeface="Arial" panose="020B0604020202020204" pitchFamily="34" charset="0"/>
+                <a:cs typeface="Arial" panose="020B0604020202020204" pitchFamily="34" charset="0"/>
+              </a:rPr>
+              <a:t>.</a:t>
+            </a:r>
           </a:p>
           <a:p>
             <a:endParaRPr lang="cs-CZ" sz="2400" dirty="0">
@@ -14972,7 +16093,7 @@
         <p:spPr>
           <a:xfrm>
             <a:off x="6987396" y="3315315"/>
-            <a:ext cx="3856008" cy="1200329"/>
+            <a:ext cx="3957412" cy="1200329"/>
           </a:xfrm>
           <a:prstGeom prst="rect">
             <a:avLst/>
@@ -14986,11 +16107,18 @@
           <a:lstStyle/>
           <a:p>
             <a:r>
+              <a:rPr lang="cs-CZ" sz="2400" b="1" dirty="0">
+                <a:latin typeface="Arial" panose="020B0604020202020204" pitchFamily="34" charset="0"/>
+                <a:cs typeface="Arial" panose="020B0604020202020204" pitchFamily="34" charset="0"/>
+              </a:rPr>
+              <a:t>Udržování aktuálního OS: </a:t>
+            </a:r>
+            <a:r>
               <a:rPr lang="cs-CZ" sz="2400" dirty="0">
                 <a:latin typeface="Arial" panose="020B0604020202020204" pitchFamily="34" charset="0"/>
                 <a:cs typeface="Arial" panose="020B0604020202020204" pitchFamily="34" charset="0"/>
               </a:rPr>
-              <a:t>Udržování aktuálního OS: mnohdy řeší mezery v zabezpečení</a:t>
+              <a:t>mnohdy řeší mezery v zabezpečení.</a:t>
             </a:r>
           </a:p>
         </p:txBody>
@@ -15005,6 +16133,18 @@
   <p:clrMapOvr>
     <a:masterClrMapping/>
   </p:clrMapOvr>
+  <mc:AlternateContent xmlns:mc="http://schemas.openxmlformats.org/markup-compatibility/2006">
+    <mc:Choice xmlns:p14="http://schemas.microsoft.com/office/powerpoint/2010/main" Requires="p14">
+      <p:transition spd="med" p14:dur="700">
+        <p:fade/>
+      </p:transition>
+    </mc:Choice>
+    <mc:Fallback>
+      <p:transition spd="med">
+        <p:fade/>
+      </p:transition>
+    </mc:Fallback>
+  </mc:AlternateContent>
 </p:sld>
 </file>
 
@@ -15139,7 +16279,7 @@
         </p:nvSpPr>
         <p:spPr>
           <a:xfrm>
-            <a:off x="1967550" y="2007094"/>
+            <a:off x="1967550" y="2436302"/>
             <a:ext cx="4554747" cy="2308324"/>
           </a:xfrm>
           <a:prstGeom prst="rect">
@@ -15173,7 +16313,7 @@
                 <a:latin typeface="Arial" panose="020B0604020202020204" pitchFamily="34" charset="0"/>
                 <a:cs typeface="Arial" panose="020B0604020202020204" pitchFamily="34" charset="0"/>
               </a:rPr>
-              <a:t>Hlasoví asistenti</a:t>
+              <a:t>Hlasoví asistenti.</a:t>
             </a:r>
           </a:p>
           <a:p>
@@ -15190,6 +16330,53 @@
           </a:p>
         </p:txBody>
       </p:sp>
+      <p:pic>
+        <p:nvPicPr>
+          <p:cNvPr id="3074" name="Picture 2" descr="Inteligentní domácí spotřebiče kreslené ikony v sadě kolekce fototapeta •  fototapety mytí, video, vektor | myloview.cz">
+            <a:extLst>
+              <a:ext uri="{FF2B5EF4-FFF2-40B4-BE49-F238E27FC236}">
+                <a16:creationId xmlns:a16="http://schemas.microsoft.com/office/drawing/2014/main" id="{7BC92ABE-0F9F-851C-22CE-381B39E9C64A}"/>
+              </a:ext>
+            </a:extLst>
+          </p:cNvPr>
+          <p:cNvPicPr>
+            <a:picLocks noChangeAspect="1" noChangeArrowheads="1"/>
+          </p:cNvPicPr>
+          <p:nvPr/>
+        </p:nvPicPr>
+        <p:blipFill>
+          <a:blip r:embed="rId2">
+            <a:extLst>
+              <a:ext uri="{28A0092B-C50C-407E-A947-70E740481C1C}">
+                <a14:useLocalDpi xmlns:a14="http://schemas.microsoft.com/office/drawing/2010/main" val="0"/>
+              </a:ext>
+            </a:extLst>
+          </a:blip>
+          <a:srcRect/>
+          <a:stretch>
+            <a:fillRect/>
+          </a:stretch>
+        </p:blipFill>
+        <p:spPr bwMode="auto">
+          <a:xfrm>
+            <a:off x="7228209" y="2453012"/>
+            <a:ext cx="2469502" cy="2469502"/>
+          </a:xfrm>
+          <a:prstGeom prst="rect">
+            <a:avLst/>
+          </a:prstGeom>
+          <a:noFill/>
+          <a:extLst>
+            <a:ext uri="{909E8E84-426E-40DD-AFC4-6F175D3DCCD1}">
+              <a14:hiddenFill xmlns:a14="http://schemas.microsoft.com/office/drawing/2010/main">
+                <a:solidFill>
+                  <a:srgbClr val="FFFFFF"/>
+                </a:solidFill>
+              </a14:hiddenFill>
+            </a:ext>
+          </a:extLst>
+        </p:spPr>
+      </p:pic>
     </p:spTree>
     <p:extLst>
       <p:ext uri="{BB962C8B-B14F-4D97-AF65-F5344CB8AC3E}">
@@ -15200,6 +16387,18 @@
   <p:clrMapOvr>
     <a:masterClrMapping/>
   </p:clrMapOvr>
+  <mc:AlternateContent xmlns:mc="http://schemas.openxmlformats.org/markup-compatibility/2006">
+    <mc:Choice xmlns:p14="http://schemas.microsoft.com/office/powerpoint/2010/main" Requires="p14">
+      <p:transition spd="med" p14:dur="700">
+        <p:fade/>
+      </p:transition>
+    </mc:Choice>
+    <mc:Fallback>
+      <p:transition spd="med">
+        <p:fade/>
+      </p:transition>
+    </mc:Fallback>
+  </mc:AlternateContent>
 </p:sld>
 </file>
 
@@ -15418,6 +16617,18 @@
   <p:clrMapOvr>
     <a:masterClrMapping/>
   </p:clrMapOvr>
+  <mc:AlternateContent xmlns:mc="http://schemas.openxmlformats.org/markup-compatibility/2006">
+    <mc:Choice xmlns:p14="http://schemas.microsoft.com/office/powerpoint/2010/main" Requires="p14">
+      <p:transition spd="med" p14:dur="700">
+        <p:fade/>
+      </p:transition>
+    </mc:Choice>
+    <mc:Fallback>
+      <p:transition spd="med">
+        <p:fade/>
+      </p:transition>
+    </mc:Fallback>
+  </mc:AlternateContent>
 </p:sld>
 </file>
 
@@ -15570,7 +16781,7 @@
         </p:nvSpPr>
         <p:spPr>
           <a:xfrm>
-            <a:off x="1854679" y="2976113"/>
+            <a:off x="2018581" y="2342356"/>
             <a:ext cx="5986732" cy="1938992"/>
           </a:xfrm>
           <a:prstGeom prst="rect">
@@ -15585,7 +16796,7 @@
           <a:lstStyle/>
           <a:p>
             <a:r>
-              <a:rPr lang="cs-CZ" sz="2400" dirty="0">
+              <a:rPr lang="cs-CZ" sz="2400" b="1" dirty="0">
                 <a:latin typeface="Arial" panose="020B0604020202020204" pitchFamily="34" charset="0"/>
                 <a:cs typeface="Arial" panose="020B0604020202020204" pitchFamily="34" charset="0"/>
               </a:rPr>
@@ -15609,6 +16820,53 @@
           </a:p>
         </p:txBody>
       </p:sp>
+      <p:pic>
+        <p:nvPicPr>
+          <p:cNvPr id="6" name="Picture 2" descr="Czech Smart City Cluster – Otevřená řešení pro rozvoj chytrých měst">
+            <a:extLst>
+              <a:ext uri="{FF2B5EF4-FFF2-40B4-BE49-F238E27FC236}">
+                <a16:creationId xmlns:a16="http://schemas.microsoft.com/office/drawing/2014/main" id="{81E23932-1BEC-5DF5-43A0-8642DA351787}"/>
+              </a:ext>
+            </a:extLst>
+          </p:cNvPr>
+          <p:cNvPicPr>
+            <a:picLocks noChangeAspect="1" noChangeArrowheads="1"/>
+          </p:cNvPicPr>
+          <p:nvPr/>
+        </p:nvPicPr>
+        <p:blipFill>
+          <a:blip r:embed="rId2">
+            <a:extLst>
+              <a:ext uri="{28A0092B-C50C-407E-A947-70E740481C1C}">
+                <a14:useLocalDpi xmlns:a14="http://schemas.microsoft.com/office/drawing/2010/main" val="0"/>
+              </a:ext>
+            </a:extLst>
+          </a:blip>
+          <a:srcRect/>
+          <a:stretch>
+            <a:fillRect/>
+          </a:stretch>
+        </p:blipFill>
+        <p:spPr bwMode="auto">
+          <a:xfrm>
+            <a:off x="3373823" y="4468914"/>
+            <a:ext cx="5166775" cy="1883720"/>
+          </a:xfrm>
+          <a:prstGeom prst="rect">
+            <a:avLst/>
+          </a:prstGeom>
+          <a:noFill/>
+          <a:extLst>
+            <a:ext uri="{909E8E84-426E-40DD-AFC4-6F175D3DCCD1}">
+              <a14:hiddenFill xmlns:a14="http://schemas.microsoft.com/office/drawing/2010/main">
+                <a:solidFill>
+                  <a:srgbClr val="FFFFFF"/>
+                </a:solidFill>
+              </a14:hiddenFill>
+            </a:ext>
+          </a:extLst>
+        </p:spPr>
+      </p:pic>
     </p:spTree>
     <p:extLst>
       <p:ext uri="{BB962C8B-B14F-4D97-AF65-F5344CB8AC3E}">
@@ -15619,6 +16877,18 @@
   <p:clrMapOvr>
     <a:masterClrMapping/>
   </p:clrMapOvr>
+  <mc:AlternateContent xmlns:mc="http://schemas.openxmlformats.org/markup-compatibility/2006">
+    <mc:Choice xmlns:p14="http://schemas.microsoft.com/office/powerpoint/2010/main" Requires="p14">
+      <p:transition spd="med" p14:dur="700">
+        <p:fade/>
+      </p:transition>
+    </mc:Choice>
+    <mc:Fallback>
+      <p:transition spd="med">
+        <p:fade/>
+      </p:transition>
+    </mc:Fallback>
+  </mc:AlternateContent>
 </p:sld>
 </file>
 

--- a/langsadl.pptx
+++ b/langsadl.pptx
@@ -4,23 +4,25 @@
   <p:sldMasterIdLst>
     <p:sldMasterId id="2147483708" r:id="rId1"/>
   </p:sldMasterIdLst>
+  <p:notesMasterIdLst>
+    <p:notesMasterId r:id="rId17"/>
+  </p:notesMasterIdLst>
   <p:sldIdLst>
     <p:sldId id="256" r:id="rId2"/>
-    <p:sldId id="257" r:id="rId3"/>
-    <p:sldId id="258" r:id="rId4"/>
+    <p:sldId id="258" r:id="rId3"/>
+    <p:sldId id="262" r:id="rId4"/>
     <p:sldId id="259" r:id="rId5"/>
     <p:sldId id="260" r:id="rId6"/>
     <p:sldId id="261" r:id="rId7"/>
-    <p:sldId id="262" r:id="rId8"/>
-    <p:sldId id="263" r:id="rId9"/>
-    <p:sldId id="265" r:id="rId10"/>
-    <p:sldId id="267" r:id="rId11"/>
-    <p:sldId id="266" r:id="rId12"/>
-    <p:sldId id="268" r:id="rId13"/>
-    <p:sldId id="269" r:id="rId14"/>
-    <p:sldId id="270" r:id="rId15"/>
+    <p:sldId id="263" r:id="rId8"/>
+    <p:sldId id="265" r:id="rId9"/>
+    <p:sldId id="267" r:id="rId10"/>
+    <p:sldId id="266" r:id="rId11"/>
+    <p:sldId id="268" r:id="rId12"/>
+    <p:sldId id="269" r:id="rId13"/>
+    <p:sldId id="270" r:id="rId14"/>
+    <p:sldId id="264" r:id="rId15"/>
     <p:sldId id="271" r:id="rId16"/>
-    <p:sldId id="264" r:id="rId17"/>
   </p:sldIdLst>
   <p:sldSz cx="12192000" cy="6858000"/>
   <p:notesSz cx="6858000" cy="9144000"/>
@@ -127,6 +129,1321 @@
 </p:presentation>
 </file>
 
+<file path=ppt/notesMasters/notesMaster1.xml><?xml version="1.0" encoding="utf-8"?>
+<p:notesMaster xmlns:a="http://schemas.openxmlformats.org/drawingml/2006/main" xmlns:r="http://schemas.openxmlformats.org/officeDocument/2006/relationships" xmlns:p="http://schemas.openxmlformats.org/presentationml/2006/main">
+  <p:cSld>
+    <p:bg>
+      <p:bgRef idx="1001">
+        <a:schemeClr val="bg1"/>
+      </p:bgRef>
+    </p:bg>
+    <p:spTree>
+      <p:nvGrpSpPr>
+        <p:cNvPr id="1" name=""/>
+        <p:cNvGrpSpPr/>
+        <p:nvPr/>
+      </p:nvGrpSpPr>
+      <p:grpSpPr>
+        <a:xfrm>
+          <a:off x="0" y="0"/>
+          <a:ext cx="0" cy="0"/>
+          <a:chOff x="0" y="0"/>
+          <a:chExt cx="0" cy="0"/>
+        </a:xfrm>
+      </p:grpSpPr>
+      <p:sp>
+        <p:nvSpPr>
+          <p:cNvPr id="2" name="Zástupný symbol pro záhlaví 1"/>
+          <p:cNvSpPr>
+            <a:spLocks noGrp="1"/>
+          </p:cNvSpPr>
+          <p:nvPr>
+            <p:ph type="hdr" sz="quarter"/>
+          </p:nvPr>
+        </p:nvSpPr>
+        <p:spPr>
+          <a:xfrm>
+            <a:off x="0" y="0"/>
+            <a:ext cx="2971800" cy="458788"/>
+          </a:xfrm>
+          <a:prstGeom prst="rect">
+            <a:avLst/>
+          </a:prstGeom>
+        </p:spPr>
+        <p:txBody>
+          <a:bodyPr vert="horz" lIns="91440" tIns="45720" rIns="91440" bIns="45720" rtlCol="0"/>
+          <a:lstStyle>
+            <a:lvl1pPr algn="l">
+              <a:defRPr sz="1200"/>
+            </a:lvl1pPr>
+          </a:lstStyle>
+          <a:p>
+            <a:endParaRPr lang="cs-CZ"/>
+          </a:p>
+        </p:txBody>
+      </p:sp>
+      <p:sp>
+        <p:nvSpPr>
+          <p:cNvPr id="3" name="Zástupný symbol pro datum 2"/>
+          <p:cNvSpPr>
+            <a:spLocks noGrp="1"/>
+          </p:cNvSpPr>
+          <p:nvPr>
+            <p:ph type="dt" idx="1"/>
+          </p:nvPr>
+        </p:nvSpPr>
+        <p:spPr>
+          <a:xfrm>
+            <a:off x="3884613" y="0"/>
+            <a:ext cx="2971800" cy="458788"/>
+          </a:xfrm>
+          <a:prstGeom prst="rect">
+            <a:avLst/>
+          </a:prstGeom>
+        </p:spPr>
+        <p:txBody>
+          <a:bodyPr vert="horz" lIns="91440" tIns="45720" rIns="91440" bIns="45720" rtlCol="0"/>
+          <a:lstStyle>
+            <a:lvl1pPr algn="r">
+              <a:defRPr sz="1200"/>
+            </a:lvl1pPr>
+          </a:lstStyle>
+          <a:p>
+            <a:fld id="{B78471FD-3D9A-43A3-983A-61FCB3606AE9}" type="datetimeFigureOut">
+              <a:rPr lang="cs-CZ" smtClean="0"/>
+              <a:t>19.01.2023</a:t>
+            </a:fld>
+            <a:endParaRPr lang="cs-CZ"/>
+          </a:p>
+        </p:txBody>
+      </p:sp>
+      <p:sp>
+        <p:nvSpPr>
+          <p:cNvPr id="4" name="Zástupný symbol pro obrázek snímku 3"/>
+          <p:cNvSpPr>
+            <a:spLocks noGrp="1" noRot="1" noChangeAspect="1"/>
+          </p:cNvSpPr>
+          <p:nvPr>
+            <p:ph type="sldImg" idx="2"/>
+          </p:nvPr>
+        </p:nvSpPr>
+        <p:spPr>
+          <a:xfrm>
+            <a:off x="685800" y="1143000"/>
+            <a:ext cx="5486400" cy="3086100"/>
+          </a:xfrm>
+          <a:prstGeom prst="rect">
+            <a:avLst/>
+          </a:prstGeom>
+          <a:noFill/>
+          <a:ln w="12700">
+            <a:solidFill>
+              <a:prstClr val="black"/>
+            </a:solidFill>
+          </a:ln>
+        </p:spPr>
+        <p:txBody>
+          <a:bodyPr vert="horz" lIns="91440" tIns="45720" rIns="91440" bIns="45720" rtlCol="0" anchor="ctr"/>
+          <a:lstStyle/>
+          <a:p>
+            <a:endParaRPr lang="cs-CZ"/>
+          </a:p>
+        </p:txBody>
+      </p:sp>
+      <p:sp>
+        <p:nvSpPr>
+          <p:cNvPr id="5" name="Zástupný symbol pro poznámky 4"/>
+          <p:cNvSpPr>
+            <a:spLocks noGrp="1"/>
+          </p:cNvSpPr>
+          <p:nvPr>
+            <p:ph type="body" sz="quarter" idx="3"/>
+          </p:nvPr>
+        </p:nvSpPr>
+        <p:spPr>
+          <a:xfrm>
+            <a:off x="685800" y="4400550"/>
+            <a:ext cx="5486400" cy="3600450"/>
+          </a:xfrm>
+          <a:prstGeom prst="rect">
+            <a:avLst/>
+          </a:prstGeom>
+        </p:spPr>
+        <p:txBody>
+          <a:bodyPr vert="horz" lIns="91440" tIns="45720" rIns="91440" bIns="45720" rtlCol="0"/>
+          <a:lstStyle/>
+          <a:p>
+            <a:pPr lvl="0"/>
+            <a:r>
+              <a:rPr lang="cs-CZ"/>
+              <a:t>Po kliknutí můžete upravovat styly textu v předloze.</a:t>
+            </a:r>
+          </a:p>
+          <a:p>
+            <a:pPr lvl="1"/>
+            <a:r>
+              <a:rPr lang="cs-CZ"/>
+              <a:t>Druhá úroveň</a:t>
+            </a:r>
+          </a:p>
+          <a:p>
+            <a:pPr lvl="2"/>
+            <a:r>
+              <a:rPr lang="cs-CZ"/>
+              <a:t>Třetí úroveň</a:t>
+            </a:r>
+          </a:p>
+          <a:p>
+            <a:pPr lvl="3"/>
+            <a:r>
+              <a:rPr lang="cs-CZ"/>
+              <a:t>Čtvrtá úroveň</a:t>
+            </a:r>
+          </a:p>
+          <a:p>
+            <a:pPr lvl="4"/>
+            <a:r>
+              <a:rPr lang="cs-CZ"/>
+              <a:t>Pátá úroveň</a:t>
+            </a:r>
+          </a:p>
+        </p:txBody>
+      </p:sp>
+      <p:sp>
+        <p:nvSpPr>
+          <p:cNvPr id="6" name="Zástupný symbol pro zápatí 5"/>
+          <p:cNvSpPr>
+            <a:spLocks noGrp="1"/>
+          </p:cNvSpPr>
+          <p:nvPr>
+            <p:ph type="ftr" sz="quarter" idx="4"/>
+          </p:nvPr>
+        </p:nvSpPr>
+        <p:spPr>
+          <a:xfrm>
+            <a:off x="0" y="8685213"/>
+            <a:ext cx="2971800" cy="458787"/>
+          </a:xfrm>
+          <a:prstGeom prst="rect">
+            <a:avLst/>
+          </a:prstGeom>
+        </p:spPr>
+        <p:txBody>
+          <a:bodyPr vert="horz" lIns="91440" tIns="45720" rIns="91440" bIns="45720" rtlCol="0" anchor="b"/>
+          <a:lstStyle>
+            <a:lvl1pPr algn="l">
+              <a:defRPr sz="1200"/>
+            </a:lvl1pPr>
+          </a:lstStyle>
+          <a:p>
+            <a:endParaRPr lang="cs-CZ"/>
+          </a:p>
+        </p:txBody>
+      </p:sp>
+      <p:sp>
+        <p:nvSpPr>
+          <p:cNvPr id="7" name="Zástupný symbol pro číslo snímku 6"/>
+          <p:cNvSpPr>
+            <a:spLocks noGrp="1"/>
+          </p:cNvSpPr>
+          <p:nvPr>
+            <p:ph type="sldNum" sz="quarter" idx="5"/>
+          </p:nvPr>
+        </p:nvSpPr>
+        <p:spPr>
+          <a:xfrm>
+            <a:off x="3884613" y="8685213"/>
+            <a:ext cx="2971800" cy="458787"/>
+          </a:xfrm>
+          <a:prstGeom prst="rect">
+            <a:avLst/>
+          </a:prstGeom>
+        </p:spPr>
+        <p:txBody>
+          <a:bodyPr vert="horz" lIns="91440" tIns="45720" rIns="91440" bIns="45720" rtlCol="0" anchor="b"/>
+          <a:lstStyle>
+            <a:lvl1pPr algn="r">
+              <a:defRPr sz="1200"/>
+            </a:lvl1pPr>
+          </a:lstStyle>
+          <a:p>
+            <a:fld id="{FA735158-0BE2-4AD0-BD97-8351403F1ED0}" type="slidenum">
+              <a:rPr lang="cs-CZ" smtClean="0"/>
+              <a:t>‹#›</a:t>
+            </a:fld>
+            <a:endParaRPr lang="cs-CZ"/>
+          </a:p>
+        </p:txBody>
+      </p:sp>
+    </p:spTree>
+    <p:extLst>
+      <p:ext uri="{BB962C8B-B14F-4D97-AF65-F5344CB8AC3E}">
+        <p14:creationId xmlns:p14="http://schemas.microsoft.com/office/powerpoint/2010/main" val="177673157"/>
+      </p:ext>
+    </p:extLst>
+  </p:cSld>
+  <p:clrMap bg1="lt1" tx1="dk1" bg2="lt2" tx2="dk2" accent1="accent1" accent2="accent2" accent3="accent3" accent4="accent4" accent5="accent5" accent6="accent6" hlink="hlink" folHlink="folHlink"/>
+  <p:notesStyle>
+    <a:lvl1pPr marL="0" algn="l" defTabSz="914400" rtl="0" eaLnBrk="1" latinLnBrk="0" hangingPunct="1">
+      <a:defRPr sz="1200" kern="1200">
+        <a:solidFill>
+          <a:schemeClr val="tx1"/>
+        </a:solidFill>
+        <a:latin typeface="+mn-lt"/>
+        <a:ea typeface="+mn-ea"/>
+        <a:cs typeface="+mn-cs"/>
+      </a:defRPr>
+    </a:lvl1pPr>
+    <a:lvl2pPr marL="457200" algn="l" defTabSz="914400" rtl="0" eaLnBrk="1" latinLnBrk="0" hangingPunct="1">
+      <a:defRPr sz="1200" kern="1200">
+        <a:solidFill>
+          <a:schemeClr val="tx1"/>
+        </a:solidFill>
+        <a:latin typeface="+mn-lt"/>
+        <a:ea typeface="+mn-ea"/>
+        <a:cs typeface="+mn-cs"/>
+      </a:defRPr>
+    </a:lvl2pPr>
+    <a:lvl3pPr marL="914400" algn="l" defTabSz="914400" rtl="0" eaLnBrk="1" latinLnBrk="0" hangingPunct="1">
+      <a:defRPr sz="1200" kern="1200">
+        <a:solidFill>
+          <a:schemeClr val="tx1"/>
+        </a:solidFill>
+        <a:latin typeface="+mn-lt"/>
+        <a:ea typeface="+mn-ea"/>
+        <a:cs typeface="+mn-cs"/>
+      </a:defRPr>
+    </a:lvl3pPr>
+    <a:lvl4pPr marL="1371600" algn="l" defTabSz="914400" rtl="0" eaLnBrk="1" latinLnBrk="0" hangingPunct="1">
+      <a:defRPr sz="1200" kern="1200">
+        <a:solidFill>
+          <a:schemeClr val="tx1"/>
+        </a:solidFill>
+        <a:latin typeface="+mn-lt"/>
+        <a:ea typeface="+mn-ea"/>
+        <a:cs typeface="+mn-cs"/>
+      </a:defRPr>
+    </a:lvl4pPr>
+    <a:lvl5pPr marL="1828800" algn="l" defTabSz="914400" rtl="0" eaLnBrk="1" latinLnBrk="0" hangingPunct="1">
+      <a:defRPr sz="1200" kern="1200">
+        <a:solidFill>
+          <a:schemeClr val="tx1"/>
+        </a:solidFill>
+        <a:latin typeface="+mn-lt"/>
+        <a:ea typeface="+mn-ea"/>
+        <a:cs typeface="+mn-cs"/>
+      </a:defRPr>
+    </a:lvl5pPr>
+    <a:lvl6pPr marL="2286000" algn="l" defTabSz="914400" rtl="0" eaLnBrk="1" latinLnBrk="0" hangingPunct="1">
+      <a:defRPr sz="1200" kern="1200">
+        <a:solidFill>
+          <a:schemeClr val="tx1"/>
+        </a:solidFill>
+        <a:latin typeface="+mn-lt"/>
+        <a:ea typeface="+mn-ea"/>
+        <a:cs typeface="+mn-cs"/>
+      </a:defRPr>
+    </a:lvl6pPr>
+    <a:lvl7pPr marL="2743200" algn="l" defTabSz="914400" rtl="0" eaLnBrk="1" latinLnBrk="0" hangingPunct="1">
+      <a:defRPr sz="1200" kern="1200">
+        <a:solidFill>
+          <a:schemeClr val="tx1"/>
+        </a:solidFill>
+        <a:latin typeface="+mn-lt"/>
+        <a:ea typeface="+mn-ea"/>
+        <a:cs typeface="+mn-cs"/>
+      </a:defRPr>
+    </a:lvl7pPr>
+    <a:lvl8pPr marL="3200400" algn="l" defTabSz="914400" rtl="0" eaLnBrk="1" latinLnBrk="0" hangingPunct="1">
+      <a:defRPr sz="1200" kern="1200">
+        <a:solidFill>
+          <a:schemeClr val="tx1"/>
+        </a:solidFill>
+        <a:latin typeface="+mn-lt"/>
+        <a:ea typeface="+mn-ea"/>
+        <a:cs typeface="+mn-cs"/>
+      </a:defRPr>
+    </a:lvl8pPr>
+    <a:lvl9pPr marL="3657600" algn="l" defTabSz="914400" rtl="0" eaLnBrk="1" latinLnBrk="0" hangingPunct="1">
+      <a:defRPr sz="1200" kern="1200">
+        <a:solidFill>
+          <a:schemeClr val="tx1"/>
+        </a:solidFill>
+        <a:latin typeface="+mn-lt"/>
+        <a:ea typeface="+mn-ea"/>
+        <a:cs typeface="+mn-cs"/>
+      </a:defRPr>
+    </a:lvl9pPr>
+  </p:notesStyle>
+</p:notesMaster>
+</file>
+
+<file path=ppt/notesSlides/notesSlide1.xml><?xml version="1.0" encoding="utf-8"?>
+<p:notes xmlns:a="http://schemas.openxmlformats.org/drawingml/2006/main" xmlns:r="http://schemas.openxmlformats.org/officeDocument/2006/relationships" xmlns:p="http://schemas.openxmlformats.org/presentationml/2006/main">
+  <p:cSld>
+    <p:spTree>
+      <p:nvGrpSpPr>
+        <p:cNvPr id="1" name=""/>
+        <p:cNvGrpSpPr/>
+        <p:nvPr/>
+      </p:nvGrpSpPr>
+      <p:grpSpPr>
+        <a:xfrm>
+          <a:off x="0" y="0"/>
+          <a:ext cx="0" cy="0"/>
+          <a:chOff x="0" y="0"/>
+          <a:chExt cx="0" cy="0"/>
+        </a:xfrm>
+      </p:grpSpPr>
+      <p:sp>
+        <p:nvSpPr>
+          <p:cNvPr id="2" name="Zástupný symbol pro obrázek snímku 1"/>
+          <p:cNvSpPr>
+            <a:spLocks noGrp="1" noRot="1" noChangeAspect="1"/>
+          </p:cNvSpPr>
+          <p:nvPr>
+            <p:ph type="sldImg"/>
+          </p:nvPr>
+        </p:nvSpPr>
+        <p:spPr/>
+      </p:sp>
+      <p:sp>
+        <p:nvSpPr>
+          <p:cNvPr id="3" name="Zástupný symbol pro poznámky 2"/>
+          <p:cNvSpPr>
+            <a:spLocks noGrp="1"/>
+          </p:cNvSpPr>
+          <p:nvPr>
+            <p:ph type="body" idx="1"/>
+          </p:nvPr>
+        </p:nvSpPr>
+        <p:spPr/>
+        <p:txBody>
+          <a:bodyPr/>
+          <a:lstStyle/>
+          <a:p>
+            <a:endParaRPr lang="cs-CZ" dirty="0"/>
+          </a:p>
+        </p:txBody>
+      </p:sp>
+      <p:sp>
+        <p:nvSpPr>
+          <p:cNvPr id="4" name="Zástupný symbol pro číslo snímku 3"/>
+          <p:cNvSpPr>
+            <a:spLocks noGrp="1"/>
+          </p:cNvSpPr>
+          <p:nvPr>
+            <p:ph type="sldNum" sz="quarter" idx="5"/>
+          </p:nvPr>
+        </p:nvSpPr>
+        <p:spPr/>
+        <p:txBody>
+          <a:bodyPr/>
+          <a:lstStyle/>
+          <a:p>
+            <a:fld id="{FA735158-0BE2-4AD0-BD97-8351403F1ED0}" type="slidenum">
+              <a:rPr lang="cs-CZ" smtClean="0"/>
+              <a:t>2</a:t>
+            </a:fld>
+            <a:endParaRPr lang="cs-CZ"/>
+          </a:p>
+        </p:txBody>
+      </p:sp>
+    </p:spTree>
+    <p:extLst>
+      <p:ext uri="{BB962C8B-B14F-4D97-AF65-F5344CB8AC3E}">
+        <p14:creationId xmlns:p14="http://schemas.microsoft.com/office/powerpoint/2010/main" val="3018688627"/>
+      </p:ext>
+    </p:extLst>
+  </p:cSld>
+  <p:clrMapOvr>
+    <a:masterClrMapping/>
+  </p:clrMapOvr>
+</p:notes>
+</file>
+
+<file path=ppt/notesSlides/notesSlide10.xml><?xml version="1.0" encoding="utf-8"?>
+<p:notes xmlns:a="http://schemas.openxmlformats.org/drawingml/2006/main" xmlns:r="http://schemas.openxmlformats.org/officeDocument/2006/relationships" xmlns:p="http://schemas.openxmlformats.org/presentationml/2006/main">
+  <p:cSld>
+    <p:spTree>
+      <p:nvGrpSpPr>
+        <p:cNvPr id="1" name=""/>
+        <p:cNvGrpSpPr/>
+        <p:nvPr/>
+      </p:nvGrpSpPr>
+      <p:grpSpPr>
+        <a:xfrm>
+          <a:off x="0" y="0"/>
+          <a:ext cx="0" cy="0"/>
+          <a:chOff x="0" y="0"/>
+          <a:chExt cx="0" cy="0"/>
+        </a:xfrm>
+      </p:grpSpPr>
+      <p:sp>
+        <p:nvSpPr>
+          <p:cNvPr id="2" name="Zástupný symbol pro obrázek snímku 1"/>
+          <p:cNvSpPr>
+            <a:spLocks noGrp="1" noRot="1" noChangeAspect="1"/>
+          </p:cNvSpPr>
+          <p:nvPr>
+            <p:ph type="sldImg"/>
+          </p:nvPr>
+        </p:nvSpPr>
+        <p:spPr/>
+      </p:sp>
+      <p:sp>
+        <p:nvSpPr>
+          <p:cNvPr id="3" name="Zástupný symbol pro poznámky 2"/>
+          <p:cNvSpPr>
+            <a:spLocks noGrp="1"/>
+          </p:cNvSpPr>
+          <p:nvPr>
+            <p:ph type="body" idx="1"/>
+          </p:nvPr>
+        </p:nvSpPr>
+        <p:spPr/>
+        <p:txBody>
+          <a:bodyPr/>
+          <a:lstStyle/>
+          <a:p>
+            <a:r>
+              <a:rPr lang="cs-CZ" dirty="0" err="1"/>
+              <a:t>Vyvětlit</a:t>
+            </a:r>
+            <a:endParaRPr lang="cs-CZ" dirty="0"/>
+          </a:p>
+          <a:p>
+            <a:endParaRPr lang="cs-CZ" dirty="0"/>
+          </a:p>
+        </p:txBody>
+      </p:sp>
+      <p:sp>
+        <p:nvSpPr>
+          <p:cNvPr id="4" name="Zástupný symbol pro číslo snímku 3"/>
+          <p:cNvSpPr>
+            <a:spLocks noGrp="1"/>
+          </p:cNvSpPr>
+          <p:nvPr>
+            <p:ph type="sldNum" sz="quarter" idx="5"/>
+          </p:nvPr>
+        </p:nvSpPr>
+        <p:spPr/>
+        <p:txBody>
+          <a:bodyPr/>
+          <a:lstStyle/>
+          <a:p>
+            <a:fld id="{FA735158-0BE2-4AD0-BD97-8351403F1ED0}" type="slidenum">
+              <a:rPr lang="cs-CZ" smtClean="0"/>
+              <a:t>11</a:t>
+            </a:fld>
+            <a:endParaRPr lang="cs-CZ"/>
+          </a:p>
+        </p:txBody>
+      </p:sp>
+    </p:spTree>
+    <p:extLst>
+      <p:ext uri="{BB962C8B-B14F-4D97-AF65-F5344CB8AC3E}">
+        <p14:creationId xmlns:p14="http://schemas.microsoft.com/office/powerpoint/2010/main" val="657993274"/>
+      </p:ext>
+    </p:extLst>
+  </p:cSld>
+  <p:clrMapOvr>
+    <a:masterClrMapping/>
+  </p:clrMapOvr>
+</p:notes>
+</file>
+
+<file path=ppt/notesSlides/notesSlide11.xml><?xml version="1.0" encoding="utf-8"?>
+<p:notes xmlns:a="http://schemas.openxmlformats.org/drawingml/2006/main" xmlns:r="http://schemas.openxmlformats.org/officeDocument/2006/relationships" xmlns:p="http://schemas.openxmlformats.org/presentationml/2006/main">
+  <p:cSld>
+    <p:spTree>
+      <p:nvGrpSpPr>
+        <p:cNvPr id="1" name=""/>
+        <p:cNvGrpSpPr/>
+        <p:nvPr/>
+      </p:nvGrpSpPr>
+      <p:grpSpPr>
+        <a:xfrm>
+          <a:off x="0" y="0"/>
+          <a:ext cx="0" cy="0"/>
+          <a:chOff x="0" y="0"/>
+          <a:chExt cx="0" cy="0"/>
+        </a:xfrm>
+      </p:grpSpPr>
+      <p:sp>
+        <p:nvSpPr>
+          <p:cNvPr id="2" name="Zástupný symbol pro obrázek snímku 1"/>
+          <p:cNvSpPr>
+            <a:spLocks noGrp="1" noRot="1" noChangeAspect="1"/>
+          </p:cNvSpPr>
+          <p:nvPr>
+            <p:ph type="sldImg"/>
+          </p:nvPr>
+        </p:nvSpPr>
+        <p:spPr/>
+      </p:sp>
+      <p:sp>
+        <p:nvSpPr>
+          <p:cNvPr id="3" name="Zástupný symbol pro poznámky 2"/>
+          <p:cNvSpPr>
+            <a:spLocks noGrp="1"/>
+          </p:cNvSpPr>
+          <p:nvPr>
+            <p:ph type="body" idx="1"/>
+          </p:nvPr>
+        </p:nvSpPr>
+        <p:spPr/>
+        <p:txBody>
+          <a:bodyPr/>
+          <a:lstStyle/>
+          <a:p>
+            <a:r>
+              <a:rPr lang="cs-CZ" dirty="0"/>
+              <a:t>Kritéria v měření chytrých měst</a:t>
+            </a:r>
+          </a:p>
+        </p:txBody>
+      </p:sp>
+      <p:sp>
+        <p:nvSpPr>
+          <p:cNvPr id="4" name="Zástupný symbol pro číslo snímku 3"/>
+          <p:cNvSpPr>
+            <a:spLocks noGrp="1"/>
+          </p:cNvSpPr>
+          <p:nvPr>
+            <p:ph type="sldNum" sz="quarter" idx="5"/>
+          </p:nvPr>
+        </p:nvSpPr>
+        <p:spPr/>
+        <p:txBody>
+          <a:bodyPr/>
+          <a:lstStyle/>
+          <a:p>
+            <a:fld id="{FA735158-0BE2-4AD0-BD97-8351403F1ED0}" type="slidenum">
+              <a:rPr lang="cs-CZ" smtClean="0"/>
+              <a:t>12</a:t>
+            </a:fld>
+            <a:endParaRPr lang="cs-CZ"/>
+          </a:p>
+        </p:txBody>
+      </p:sp>
+    </p:spTree>
+    <p:extLst>
+      <p:ext uri="{BB962C8B-B14F-4D97-AF65-F5344CB8AC3E}">
+        <p14:creationId xmlns:p14="http://schemas.microsoft.com/office/powerpoint/2010/main" val="872139980"/>
+      </p:ext>
+    </p:extLst>
+  </p:cSld>
+  <p:clrMapOvr>
+    <a:masterClrMapping/>
+  </p:clrMapOvr>
+</p:notes>
+</file>
+
+<file path=ppt/notesSlides/notesSlide2.xml><?xml version="1.0" encoding="utf-8"?>
+<p:notes xmlns:a="http://schemas.openxmlformats.org/drawingml/2006/main" xmlns:r="http://schemas.openxmlformats.org/officeDocument/2006/relationships" xmlns:p="http://schemas.openxmlformats.org/presentationml/2006/main">
+  <p:cSld>
+    <p:spTree>
+      <p:nvGrpSpPr>
+        <p:cNvPr id="1" name=""/>
+        <p:cNvGrpSpPr/>
+        <p:nvPr/>
+      </p:nvGrpSpPr>
+      <p:grpSpPr>
+        <a:xfrm>
+          <a:off x="0" y="0"/>
+          <a:ext cx="0" cy="0"/>
+          <a:chOff x="0" y="0"/>
+          <a:chExt cx="0" cy="0"/>
+        </a:xfrm>
+      </p:grpSpPr>
+      <p:sp>
+        <p:nvSpPr>
+          <p:cNvPr id="2" name="Zástupný symbol pro obrázek snímku 1"/>
+          <p:cNvSpPr>
+            <a:spLocks noGrp="1" noRot="1" noChangeAspect="1"/>
+          </p:cNvSpPr>
+          <p:nvPr>
+            <p:ph type="sldImg"/>
+          </p:nvPr>
+        </p:nvSpPr>
+        <p:spPr/>
+      </p:sp>
+      <p:sp>
+        <p:nvSpPr>
+          <p:cNvPr id="3" name="Zástupný symbol pro poznámky 2"/>
+          <p:cNvSpPr>
+            <a:spLocks noGrp="1"/>
+          </p:cNvSpPr>
+          <p:nvPr>
+            <p:ph type="body" idx="1"/>
+          </p:nvPr>
+        </p:nvSpPr>
+        <p:spPr/>
+        <p:txBody>
+          <a:bodyPr/>
+          <a:lstStyle/>
+          <a:p>
+            <a:r>
+              <a:rPr lang="cs-CZ" dirty="0"/>
+              <a:t>Hlasoví </a:t>
+            </a:r>
+            <a:r>
+              <a:rPr lang="cs-CZ" dirty="0" err="1"/>
+              <a:t>asisenti</a:t>
+            </a:r>
+            <a:r>
+              <a:rPr lang="cs-CZ" dirty="0"/>
+              <a:t>- jádro chytré domácnosti např. vyhledávají  informace, nastavují budík</a:t>
+            </a:r>
+          </a:p>
+        </p:txBody>
+      </p:sp>
+      <p:sp>
+        <p:nvSpPr>
+          <p:cNvPr id="4" name="Zástupný symbol pro číslo snímku 3"/>
+          <p:cNvSpPr>
+            <a:spLocks noGrp="1"/>
+          </p:cNvSpPr>
+          <p:nvPr>
+            <p:ph type="sldNum" sz="quarter" idx="5"/>
+          </p:nvPr>
+        </p:nvSpPr>
+        <p:spPr/>
+        <p:txBody>
+          <a:bodyPr/>
+          <a:lstStyle/>
+          <a:p>
+            <a:fld id="{FA735158-0BE2-4AD0-BD97-8351403F1ED0}" type="slidenum">
+              <a:rPr lang="cs-CZ" smtClean="0"/>
+              <a:t>3</a:t>
+            </a:fld>
+            <a:endParaRPr lang="cs-CZ"/>
+          </a:p>
+        </p:txBody>
+      </p:sp>
+    </p:spTree>
+    <p:extLst>
+      <p:ext uri="{BB962C8B-B14F-4D97-AF65-F5344CB8AC3E}">
+        <p14:creationId xmlns:p14="http://schemas.microsoft.com/office/powerpoint/2010/main" val="1761575795"/>
+      </p:ext>
+    </p:extLst>
+  </p:cSld>
+  <p:clrMapOvr>
+    <a:masterClrMapping/>
+  </p:clrMapOvr>
+</p:notes>
+</file>
+
+<file path=ppt/notesSlides/notesSlide3.xml><?xml version="1.0" encoding="utf-8"?>
+<p:notes xmlns:a="http://schemas.openxmlformats.org/drawingml/2006/main" xmlns:r="http://schemas.openxmlformats.org/officeDocument/2006/relationships" xmlns:p="http://schemas.openxmlformats.org/presentationml/2006/main">
+  <p:cSld>
+    <p:spTree>
+      <p:nvGrpSpPr>
+        <p:cNvPr id="1" name=""/>
+        <p:cNvGrpSpPr/>
+        <p:nvPr/>
+      </p:nvGrpSpPr>
+      <p:grpSpPr>
+        <a:xfrm>
+          <a:off x="0" y="0"/>
+          <a:ext cx="0" cy="0"/>
+          <a:chOff x="0" y="0"/>
+          <a:chExt cx="0" cy="0"/>
+        </a:xfrm>
+      </p:grpSpPr>
+      <p:sp>
+        <p:nvSpPr>
+          <p:cNvPr id="2" name="Zástupný symbol pro obrázek snímku 1"/>
+          <p:cNvSpPr>
+            <a:spLocks noGrp="1" noRot="1" noChangeAspect="1"/>
+          </p:cNvSpPr>
+          <p:nvPr>
+            <p:ph type="sldImg"/>
+          </p:nvPr>
+        </p:nvSpPr>
+        <p:spPr/>
+      </p:sp>
+      <p:sp>
+        <p:nvSpPr>
+          <p:cNvPr id="3" name="Zástupný symbol pro poznámky 2"/>
+          <p:cNvSpPr>
+            <a:spLocks noGrp="1"/>
+          </p:cNvSpPr>
+          <p:nvPr>
+            <p:ph type="body" idx="1"/>
+          </p:nvPr>
+        </p:nvSpPr>
+        <p:spPr/>
+        <p:txBody>
+          <a:bodyPr/>
+          <a:lstStyle/>
+          <a:p>
+            <a:r>
+              <a:rPr lang="cs-CZ" dirty="0"/>
+              <a:t>Ale mohou i pracovat bez internetu, ale pro plnohodnotné využití je potřebné připojení k síti a k zařízení např. U chytrých hodinek se nebudou zobrazovat notifikace na mobilu</a:t>
+            </a:r>
+          </a:p>
+        </p:txBody>
+      </p:sp>
+      <p:sp>
+        <p:nvSpPr>
+          <p:cNvPr id="4" name="Zástupný symbol pro číslo snímku 3"/>
+          <p:cNvSpPr>
+            <a:spLocks noGrp="1"/>
+          </p:cNvSpPr>
+          <p:nvPr>
+            <p:ph type="sldNum" sz="quarter" idx="5"/>
+          </p:nvPr>
+        </p:nvSpPr>
+        <p:spPr/>
+        <p:txBody>
+          <a:bodyPr/>
+          <a:lstStyle/>
+          <a:p>
+            <a:fld id="{FA735158-0BE2-4AD0-BD97-8351403F1ED0}" type="slidenum">
+              <a:rPr lang="cs-CZ" smtClean="0"/>
+              <a:t>4</a:t>
+            </a:fld>
+            <a:endParaRPr lang="cs-CZ"/>
+          </a:p>
+        </p:txBody>
+      </p:sp>
+    </p:spTree>
+    <p:extLst>
+      <p:ext uri="{BB962C8B-B14F-4D97-AF65-F5344CB8AC3E}">
+        <p14:creationId xmlns:p14="http://schemas.microsoft.com/office/powerpoint/2010/main" val="3920682523"/>
+      </p:ext>
+    </p:extLst>
+  </p:cSld>
+  <p:clrMapOvr>
+    <a:masterClrMapping/>
+  </p:clrMapOvr>
+</p:notes>
+</file>
+
+<file path=ppt/notesSlides/notesSlide4.xml><?xml version="1.0" encoding="utf-8"?>
+<p:notes xmlns:a="http://schemas.openxmlformats.org/drawingml/2006/main" xmlns:r="http://schemas.openxmlformats.org/officeDocument/2006/relationships" xmlns:p="http://schemas.openxmlformats.org/presentationml/2006/main">
+  <p:cSld>
+    <p:spTree>
+      <p:nvGrpSpPr>
+        <p:cNvPr id="1" name=""/>
+        <p:cNvGrpSpPr/>
+        <p:nvPr/>
+      </p:nvGrpSpPr>
+      <p:grpSpPr>
+        <a:xfrm>
+          <a:off x="0" y="0"/>
+          <a:ext cx="0" cy="0"/>
+          <a:chOff x="0" y="0"/>
+          <a:chExt cx="0" cy="0"/>
+        </a:xfrm>
+      </p:grpSpPr>
+      <p:sp>
+        <p:nvSpPr>
+          <p:cNvPr id="2" name="Zástupný symbol pro obrázek snímku 1"/>
+          <p:cNvSpPr>
+            <a:spLocks noGrp="1" noRot="1" noChangeAspect="1"/>
+          </p:cNvSpPr>
+          <p:nvPr>
+            <p:ph type="sldImg"/>
+          </p:nvPr>
+        </p:nvSpPr>
+        <p:spPr/>
+      </p:sp>
+      <p:sp>
+        <p:nvSpPr>
+          <p:cNvPr id="3" name="Zástupný symbol pro poznámky 2"/>
+          <p:cNvSpPr>
+            <a:spLocks noGrp="1"/>
+          </p:cNvSpPr>
+          <p:nvPr>
+            <p:ph type="body" idx="1"/>
+          </p:nvPr>
+        </p:nvSpPr>
+        <p:spPr/>
+        <p:txBody>
+          <a:bodyPr/>
+          <a:lstStyle/>
+          <a:p>
+            <a:r>
+              <a:rPr lang="cs-CZ" dirty="0"/>
+              <a:t>Uvést příklady</a:t>
+            </a:r>
+          </a:p>
+          <a:p>
+            <a:endParaRPr lang="cs-CZ" dirty="0"/>
+          </a:p>
+        </p:txBody>
+      </p:sp>
+      <p:sp>
+        <p:nvSpPr>
+          <p:cNvPr id="4" name="Zástupný symbol pro číslo snímku 3"/>
+          <p:cNvSpPr>
+            <a:spLocks noGrp="1"/>
+          </p:cNvSpPr>
+          <p:nvPr>
+            <p:ph type="sldNum" sz="quarter" idx="5"/>
+          </p:nvPr>
+        </p:nvSpPr>
+        <p:spPr/>
+        <p:txBody>
+          <a:bodyPr/>
+          <a:lstStyle/>
+          <a:p>
+            <a:fld id="{FA735158-0BE2-4AD0-BD97-8351403F1ED0}" type="slidenum">
+              <a:rPr lang="cs-CZ" smtClean="0"/>
+              <a:t>5</a:t>
+            </a:fld>
+            <a:endParaRPr lang="cs-CZ"/>
+          </a:p>
+        </p:txBody>
+      </p:sp>
+    </p:spTree>
+    <p:extLst>
+      <p:ext uri="{BB962C8B-B14F-4D97-AF65-F5344CB8AC3E}">
+        <p14:creationId xmlns:p14="http://schemas.microsoft.com/office/powerpoint/2010/main" val="2746695379"/>
+      </p:ext>
+    </p:extLst>
+  </p:cSld>
+  <p:clrMapOvr>
+    <a:masterClrMapping/>
+  </p:clrMapOvr>
+</p:notes>
+</file>
+
+<file path=ppt/notesSlides/notesSlide5.xml><?xml version="1.0" encoding="utf-8"?>
+<p:notes xmlns:a="http://schemas.openxmlformats.org/drawingml/2006/main" xmlns:r="http://schemas.openxmlformats.org/officeDocument/2006/relationships" xmlns:p="http://schemas.openxmlformats.org/presentationml/2006/main">
+  <p:cSld>
+    <p:spTree>
+      <p:nvGrpSpPr>
+        <p:cNvPr id="1" name=""/>
+        <p:cNvGrpSpPr/>
+        <p:nvPr/>
+      </p:nvGrpSpPr>
+      <p:grpSpPr>
+        <a:xfrm>
+          <a:off x="0" y="0"/>
+          <a:ext cx="0" cy="0"/>
+          <a:chOff x="0" y="0"/>
+          <a:chExt cx="0" cy="0"/>
+        </a:xfrm>
+      </p:grpSpPr>
+      <p:sp>
+        <p:nvSpPr>
+          <p:cNvPr id="2" name="Zástupný symbol pro obrázek snímku 1"/>
+          <p:cNvSpPr>
+            <a:spLocks noGrp="1" noRot="1" noChangeAspect="1"/>
+          </p:cNvSpPr>
+          <p:nvPr>
+            <p:ph type="sldImg"/>
+          </p:nvPr>
+        </p:nvSpPr>
+        <p:spPr/>
+      </p:sp>
+      <p:sp>
+        <p:nvSpPr>
+          <p:cNvPr id="3" name="Zástupný symbol pro poznámky 2"/>
+          <p:cNvSpPr>
+            <a:spLocks noGrp="1"/>
+          </p:cNvSpPr>
+          <p:nvPr>
+            <p:ph type="body" idx="1"/>
+          </p:nvPr>
+        </p:nvSpPr>
+        <p:spPr/>
+        <p:txBody>
+          <a:bodyPr/>
+          <a:lstStyle/>
+          <a:p>
+            <a:r>
+              <a:rPr lang="cs-CZ" dirty="0"/>
+              <a:t>Vysvětlit</a:t>
+            </a:r>
+          </a:p>
+        </p:txBody>
+      </p:sp>
+      <p:sp>
+        <p:nvSpPr>
+          <p:cNvPr id="4" name="Zástupný symbol pro číslo snímku 3"/>
+          <p:cNvSpPr>
+            <a:spLocks noGrp="1"/>
+          </p:cNvSpPr>
+          <p:nvPr>
+            <p:ph type="sldNum" sz="quarter" idx="5"/>
+          </p:nvPr>
+        </p:nvSpPr>
+        <p:spPr/>
+        <p:txBody>
+          <a:bodyPr/>
+          <a:lstStyle/>
+          <a:p>
+            <a:fld id="{FA735158-0BE2-4AD0-BD97-8351403F1ED0}" type="slidenum">
+              <a:rPr lang="cs-CZ" smtClean="0"/>
+              <a:t>6</a:t>
+            </a:fld>
+            <a:endParaRPr lang="cs-CZ"/>
+          </a:p>
+        </p:txBody>
+      </p:sp>
+    </p:spTree>
+    <p:extLst>
+      <p:ext uri="{BB962C8B-B14F-4D97-AF65-F5344CB8AC3E}">
+        <p14:creationId xmlns:p14="http://schemas.microsoft.com/office/powerpoint/2010/main" val="260208315"/>
+      </p:ext>
+    </p:extLst>
+  </p:cSld>
+  <p:clrMapOvr>
+    <a:masterClrMapping/>
+  </p:clrMapOvr>
+</p:notes>
+</file>
+
+<file path=ppt/notesSlides/notesSlide6.xml><?xml version="1.0" encoding="utf-8"?>
+<p:notes xmlns:a="http://schemas.openxmlformats.org/drawingml/2006/main" xmlns:r="http://schemas.openxmlformats.org/officeDocument/2006/relationships" xmlns:p="http://schemas.openxmlformats.org/presentationml/2006/main">
+  <p:cSld>
+    <p:spTree>
+      <p:nvGrpSpPr>
+        <p:cNvPr id="1" name=""/>
+        <p:cNvGrpSpPr/>
+        <p:nvPr/>
+      </p:nvGrpSpPr>
+      <p:grpSpPr>
+        <a:xfrm>
+          <a:off x="0" y="0"/>
+          <a:ext cx="0" cy="0"/>
+          <a:chOff x="0" y="0"/>
+          <a:chExt cx="0" cy="0"/>
+        </a:xfrm>
+      </p:grpSpPr>
+      <p:sp>
+        <p:nvSpPr>
+          <p:cNvPr id="2" name="Zástupný symbol pro obrázek snímku 1"/>
+          <p:cNvSpPr>
+            <a:spLocks noGrp="1" noRot="1" noChangeAspect="1"/>
+          </p:cNvSpPr>
+          <p:nvPr>
+            <p:ph type="sldImg"/>
+          </p:nvPr>
+        </p:nvSpPr>
+        <p:spPr/>
+      </p:sp>
+      <p:sp>
+        <p:nvSpPr>
+          <p:cNvPr id="3" name="Zástupný symbol pro poznámky 2"/>
+          <p:cNvSpPr>
+            <a:spLocks noGrp="1"/>
+          </p:cNvSpPr>
+          <p:nvPr>
+            <p:ph type="body" idx="1"/>
+          </p:nvPr>
+        </p:nvSpPr>
+        <p:spPr/>
+        <p:txBody>
+          <a:bodyPr/>
+          <a:lstStyle/>
+          <a:p>
+            <a:endParaRPr lang="cs-CZ" dirty="0"/>
+          </a:p>
+        </p:txBody>
+      </p:sp>
+      <p:sp>
+        <p:nvSpPr>
+          <p:cNvPr id="4" name="Zástupný symbol pro číslo snímku 3"/>
+          <p:cNvSpPr>
+            <a:spLocks noGrp="1"/>
+          </p:cNvSpPr>
+          <p:nvPr>
+            <p:ph type="sldNum" sz="quarter" idx="5"/>
+          </p:nvPr>
+        </p:nvSpPr>
+        <p:spPr/>
+        <p:txBody>
+          <a:bodyPr/>
+          <a:lstStyle/>
+          <a:p>
+            <a:fld id="{FA735158-0BE2-4AD0-BD97-8351403F1ED0}" type="slidenum">
+              <a:rPr lang="cs-CZ" smtClean="0"/>
+              <a:t>7</a:t>
+            </a:fld>
+            <a:endParaRPr lang="cs-CZ"/>
+          </a:p>
+        </p:txBody>
+      </p:sp>
+    </p:spTree>
+    <p:extLst>
+      <p:ext uri="{BB962C8B-B14F-4D97-AF65-F5344CB8AC3E}">
+        <p14:creationId xmlns:p14="http://schemas.microsoft.com/office/powerpoint/2010/main" val="3237064840"/>
+      </p:ext>
+    </p:extLst>
+  </p:cSld>
+  <p:clrMapOvr>
+    <a:masterClrMapping/>
+  </p:clrMapOvr>
+</p:notes>
+</file>
+
+<file path=ppt/notesSlides/notesSlide7.xml><?xml version="1.0" encoding="utf-8"?>
+<p:notes xmlns:a="http://schemas.openxmlformats.org/drawingml/2006/main" xmlns:r="http://schemas.openxmlformats.org/officeDocument/2006/relationships" xmlns:p="http://schemas.openxmlformats.org/presentationml/2006/main">
+  <p:cSld>
+    <p:spTree>
+      <p:nvGrpSpPr>
+        <p:cNvPr id="1" name=""/>
+        <p:cNvGrpSpPr/>
+        <p:nvPr/>
+      </p:nvGrpSpPr>
+      <p:grpSpPr>
+        <a:xfrm>
+          <a:off x="0" y="0"/>
+          <a:ext cx="0" cy="0"/>
+          <a:chOff x="0" y="0"/>
+          <a:chExt cx="0" cy="0"/>
+        </a:xfrm>
+      </p:grpSpPr>
+      <p:sp>
+        <p:nvSpPr>
+          <p:cNvPr id="2" name="Zástupný symbol pro obrázek snímku 1"/>
+          <p:cNvSpPr>
+            <a:spLocks noGrp="1" noRot="1" noChangeAspect="1"/>
+          </p:cNvSpPr>
+          <p:nvPr>
+            <p:ph type="sldImg"/>
+          </p:nvPr>
+        </p:nvSpPr>
+        <p:spPr/>
+      </p:sp>
+      <p:sp>
+        <p:nvSpPr>
+          <p:cNvPr id="3" name="Zástupný symbol pro poznámky 2"/>
+          <p:cNvSpPr>
+            <a:spLocks noGrp="1"/>
+          </p:cNvSpPr>
+          <p:nvPr>
+            <p:ph type="body" idx="1"/>
+          </p:nvPr>
+        </p:nvSpPr>
+        <p:spPr/>
+        <p:txBody>
+          <a:bodyPr/>
+          <a:lstStyle/>
+          <a:p>
+            <a:r>
+              <a:rPr lang="cs-CZ" dirty="0"/>
+              <a:t>Vysvětlit spolupráci m. subjektů</a:t>
+            </a:r>
+          </a:p>
+        </p:txBody>
+      </p:sp>
+      <p:sp>
+        <p:nvSpPr>
+          <p:cNvPr id="4" name="Zástupný symbol pro číslo snímku 3"/>
+          <p:cNvSpPr>
+            <a:spLocks noGrp="1"/>
+          </p:cNvSpPr>
+          <p:nvPr>
+            <p:ph type="sldNum" sz="quarter" idx="5"/>
+          </p:nvPr>
+        </p:nvSpPr>
+        <p:spPr/>
+        <p:txBody>
+          <a:bodyPr/>
+          <a:lstStyle/>
+          <a:p>
+            <a:fld id="{FA735158-0BE2-4AD0-BD97-8351403F1ED0}" type="slidenum">
+              <a:rPr lang="cs-CZ" smtClean="0"/>
+              <a:t>8</a:t>
+            </a:fld>
+            <a:endParaRPr lang="cs-CZ"/>
+          </a:p>
+        </p:txBody>
+      </p:sp>
+    </p:spTree>
+    <p:extLst>
+      <p:ext uri="{BB962C8B-B14F-4D97-AF65-F5344CB8AC3E}">
+        <p14:creationId xmlns:p14="http://schemas.microsoft.com/office/powerpoint/2010/main" val="4136418671"/>
+      </p:ext>
+    </p:extLst>
+  </p:cSld>
+  <p:clrMapOvr>
+    <a:masterClrMapping/>
+  </p:clrMapOvr>
+</p:notes>
+</file>
+
+<file path=ppt/notesSlides/notesSlide8.xml><?xml version="1.0" encoding="utf-8"?>
+<p:notes xmlns:a="http://schemas.openxmlformats.org/drawingml/2006/main" xmlns:r="http://schemas.openxmlformats.org/officeDocument/2006/relationships" xmlns:p="http://schemas.openxmlformats.org/presentationml/2006/main">
+  <p:cSld>
+    <p:spTree>
+      <p:nvGrpSpPr>
+        <p:cNvPr id="1" name=""/>
+        <p:cNvGrpSpPr/>
+        <p:nvPr/>
+      </p:nvGrpSpPr>
+      <p:grpSpPr>
+        <a:xfrm>
+          <a:off x="0" y="0"/>
+          <a:ext cx="0" cy="0"/>
+          <a:chOff x="0" y="0"/>
+          <a:chExt cx="0" cy="0"/>
+        </a:xfrm>
+      </p:grpSpPr>
+      <p:sp>
+        <p:nvSpPr>
+          <p:cNvPr id="2" name="Zástupný symbol pro obrázek snímku 1"/>
+          <p:cNvSpPr>
+            <a:spLocks noGrp="1" noRot="1" noChangeAspect="1"/>
+          </p:cNvSpPr>
+          <p:nvPr>
+            <p:ph type="sldImg"/>
+          </p:nvPr>
+        </p:nvSpPr>
+        <p:spPr/>
+      </p:sp>
+      <p:sp>
+        <p:nvSpPr>
+          <p:cNvPr id="3" name="Zástupný symbol pro poznámky 2"/>
+          <p:cNvSpPr>
+            <a:spLocks noGrp="1"/>
+          </p:cNvSpPr>
+          <p:nvPr>
+            <p:ph type="body" idx="1"/>
+          </p:nvPr>
+        </p:nvSpPr>
+        <p:spPr/>
+        <p:txBody>
+          <a:bodyPr/>
+          <a:lstStyle/>
+          <a:p>
+            <a:r>
+              <a:rPr lang="cs-CZ" dirty="0"/>
+              <a:t>Uvést příklady</a:t>
+            </a:r>
+          </a:p>
+        </p:txBody>
+      </p:sp>
+      <p:sp>
+        <p:nvSpPr>
+          <p:cNvPr id="4" name="Zástupný symbol pro číslo snímku 3"/>
+          <p:cNvSpPr>
+            <a:spLocks noGrp="1"/>
+          </p:cNvSpPr>
+          <p:nvPr>
+            <p:ph type="sldNum" sz="quarter" idx="5"/>
+          </p:nvPr>
+        </p:nvSpPr>
+        <p:spPr/>
+        <p:txBody>
+          <a:bodyPr/>
+          <a:lstStyle/>
+          <a:p>
+            <a:fld id="{FA735158-0BE2-4AD0-BD97-8351403F1ED0}" type="slidenum">
+              <a:rPr lang="cs-CZ" smtClean="0"/>
+              <a:t>9</a:t>
+            </a:fld>
+            <a:endParaRPr lang="cs-CZ"/>
+          </a:p>
+        </p:txBody>
+      </p:sp>
+    </p:spTree>
+    <p:extLst>
+      <p:ext uri="{BB962C8B-B14F-4D97-AF65-F5344CB8AC3E}">
+        <p14:creationId xmlns:p14="http://schemas.microsoft.com/office/powerpoint/2010/main" val="721872586"/>
+      </p:ext>
+    </p:extLst>
+  </p:cSld>
+  <p:clrMapOvr>
+    <a:masterClrMapping/>
+  </p:clrMapOvr>
+</p:notes>
+</file>
+
+<file path=ppt/notesSlides/notesSlide9.xml><?xml version="1.0" encoding="utf-8"?>
+<p:notes xmlns:a="http://schemas.openxmlformats.org/drawingml/2006/main" xmlns:r="http://schemas.openxmlformats.org/officeDocument/2006/relationships" xmlns:p="http://schemas.openxmlformats.org/presentationml/2006/main">
+  <p:cSld>
+    <p:spTree>
+      <p:nvGrpSpPr>
+        <p:cNvPr id="1" name=""/>
+        <p:cNvGrpSpPr/>
+        <p:nvPr/>
+      </p:nvGrpSpPr>
+      <p:grpSpPr>
+        <a:xfrm>
+          <a:off x="0" y="0"/>
+          <a:ext cx="0" cy="0"/>
+          <a:chOff x="0" y="0"/>
+          <a:chExt cx="0" cy="0"/>
+        </a:xfrm>
+      </p:grpSpPr>
+      <p:sp>
+        <p:nvSpPr>
+          <p:cNvPr id="2" name="Zástupný symbol pro obrázek snímku 1"/>
+          <p:cNvSpPr>
+            <a:spLocks noGrp="1" noRot="1" noChangeAspect="1"/>
+          </p:cNvSpPr>
+          <p:nvPr>
+            <p:ph type="sldImg"/>
+          </p:nvPr>
+        </p:nvSpPr>
+        <p:spPr/>
+      </p:sp>
+      <p:sp>
+        <p:nvSpPr>
+          <p:cNvPr id="3" name="Zástupný symbol pro poznámky 2"/>
+          <p:cNvSpPr>
+            <a:spLocks noGrp="1"/>
+          </p:cNvSpPr>
+          <p:nvPr>
+            <p:ph type="body" idx="1"/>
+          </p:nvPr>
+        </p:nvSpPr>
+        <p:spPr/>
+        <p:txBody>
+          <a:bodyPr/>
+          <a:lstStyle/>
+          <a:p>
+            <a:r>
+              <a:rPr lang="cs-CZ" dirty="0"/>
+              <a:t>Vysvětlit CNG pohon</a:t>
+            </a:r>
+          </a:p>
+        </p:txBody>
+      </p:sp>
+      <p:sp>
+        <p:nvSpPr>
+          <p:cNvPr id="4" name="Zástupný symbol pro číslo snímku 3"/>
+          <p:cNvSpPr>
+            <a:spLocks noGrp="1"/>
+          </p:cNvSpPr>
+          <p:nvPr>
+            <p:ph type="sldNum" sz="quarter" idx="5"/>
+          </p:nvPr>
+        </p:nvSpPr>
+        <p:spPr/>
+        <p:txBody>
+          <a:bodyPr/>
+          <a:lstStyle/>
+          <a:p>
+            <a:fld id="{FA735158-0BE2-4AD0-BD97-8351403F1ED0}" type="slidenum">
+              <a:rPr lang="cs-CZ" smtClean="0"/>
+              <a:t>10</a:t>
+            </a:fld>
+            <a:endParaRPr lang="cs-CZ"/>
+          </a:p>
+        </p:txBody>
+      </p:sp>
+    </p:spTree>
+    <p:extLst>
+      <p:ext uri="{BB962C8B-B14F-4D97-AF65-F5344CB8AC3E}">
+        <p14:creationId xmlns:p14="http://schemas.microsoft.com/office/powerpoint/2010/main" val="197580342"/>
+      </p:ext>
+    </p:extLst>
+  </p:cSld>
+  <p:clrMapOvr>
+    <a:masterClrMapping/>
+  </p:clrMapOvr>
+</p:notes>
+</file>
+
 <file path=ppt/slideLayouts/slideLayout1.xml><?xml version="1.0" encoding="utf-8"?>
 <p:sldLayout xmlns:a="http://schemas.openxmlformats.org/drawingml/2006/main" xmlns:r="http://schemas.openxmlformats.org/officeDocument/2006/relationships" xmlns:p="http://schemas.openxmlformats.org/presentationml/2006/main" showMasterSp="0" type="title" preserve="1">
   <p:cSld name="Úvodní snímek">
@@ -177,7 +1494,7 @@
           <a:noFill/>
           <a:extLst>
             <a:ext uri="{909E8E84-426E-40dd-AFC4-6F175D3DCCD1}">
-              <a14:hiddenFill xmlns:a14="http://schemas.microsoft.com/office/drawing/2010/main" xmlns="">
+              <a14:hiddenFill xmlns="" xmlns:a14="http://schemas.microsoft.com/office/drawing/2010/main">
                 <a:solidFill>
                   <a:srgbClr val="FFFFFF"/>
                 </a:solidFill>
@@ -237,7 +1554,7 @@
             </a:ln>
             <a:extLst>
               <a:ext uri="{91240B29-F687-4f45-9708-019B960494DF}">
-                <a14:hiddenLine xmlns:a14="http://schemas.microsoft.com/office/drawing/2010/main" xmlns="" w="9525">
+                <a14:hiddenLine xmlns="" xmlns:a14="http://schemas.microsoft.com/office/drawing/2010/main" w="9525">
                   <a:solidFill>
                     <a:srgbClr val="000000"/>
                   </a:solidFill>
@@ -327,7 +1644,7 @@
             </a:ln>
             <a:extLst>
               <a:ext uri="{91240B29-F687-4f45-9708-019B960494DF}">
-                <a14:hiddenLine xmlns:a14="http://schemas.microsoft.com/office/drawing/2010/main" xmlns="" w="9525">
+                <a14:hiddenLine xmlns="" xmlns:a14="http://schemas.microsoft.com/office/drawing/2010/main" w="9525">
                   <a:solidFill>
                     <a:srgbClr val="000000"/>
                   </a:solidFill>
@@ -417,7 +1734,7 @@
             </a:ln>
             <a:extLst>
               <a:ext uri="{91240B29-F687-4f45-9708-019B960494DF}">
-                <a14:hiddenLine xmlns:a14="http://schemas.microsoft.com/office/drawing/2010/main" xmlns="" w="9525">
+                <a14:hiddenLine xmlns="" xmlns:a14="http://schemas.microsoft.com/office/drawing/2010/main" w="9525">
                   <a:solidFill>
                     <a:srgbClr val="000000"/>
                   </a:solidFill>
@@ -451,7 +1768,7 @@
             </a:ln>
             <a:extLst>
               <a:ext uri="{91240B29-F687-4f45-9708-019B960494DF}">
-                <a14:hiddenLine xmlns:a14="http://schemas.microsoft.com/office/drawing/2010/main" xmlns="" w="9525">
+                <a14:hiddenLine xmlns="" xmlns:a14="http://schemas.microsoft.com/office/drawing/2010/main" w="9525">
                   <a:solidFill>
                     <a:srgbClr val="000000"/>
                   </a:solidFill>
@@ -541,7 +1858,7 @@
             </a:ln>
             <a:extLst>
               <a:ext uri="{91240B29-F687-4f45-9708-019B960494DF}">
-                <a14:hiddenLine xmlns:a14="http://schemas.microsoft.com/office/drawing/2010/main" xmlns="" w="9525">
+                <a14:hiddenLine xmlns="" xmlns:a14="http://schemas.microsoft.com/office/drawing/2010/main" w="9525">
                   <a:solidFill>
                     <a:srgbClr val="000000"/>
                   </a:solidFill>
@@ -603,7 +1920,7 @@
             </a:ln>
             <a:extLst>
               <a:ext uri="{91240B29-F687-4f45-9708-019B960494DF}">
-                <a14:hiddenLine xmlns:a14="http://schemas.microsoft.com/office/drawing/2010/main" xmlns="" w="9525">
+                <a14:hiddenLine xmlns="" xmlns:a14="http://schemas.microsoft.com/office/drawing/2010/main" w="9525">
                   <a:solidFill>
                     <a:srgbClr val="000000"/>
                   </a:solidFill>
@@ -665,7 +1982,7 @@
             </a:ln>
             <a:extLst>
               <a:ext uri="{91240B29-F687-4f45-9708-019B960494DF}">
-                <a14:hiddenLine xmlns:a14="http://schemas.microsoft.com/office/drawing/2010/main" xmlns="" w="9525">
+                <a14:hiddenLine xmlns="" xmlns:a14="http://schemas.microsoft.com/office/drawing/2010/main" w="9525">
                   <a:solidFill>
                     <a:srgbClr val="000000"/>
                   </a:solidFill>
@@ -755,7 +2072,7 @@
             </a:ln>
             <a:extLst>
               <a:ext uri="{91240B29-F687-4f45-9708-019B960494DF}">
-                <a14:hiddenLine xmlns:a14="http://schemas.microsoft.com/office/drawing/2010/main" xmlns="" w="9525">
+                <a14:hiddenLine xmlns="" xmlns:a14="http://schemas.microsoft.com/office/drawing/2010/main" w="9525">
                   <a:solidFill>
                     <a:srgbClr val="000000"/>
                   </a:solidFill>
@@ -817,7 +2134,7 @@
             </a:ln>
             <a:extLst>
               <a:ext uri="{91240B29-F687-4f45-9708-019B960494DF}">
-                <a14:hiddenLine xmlns:a14="http://schemas.microsoft.com/office/drawing/2010/main" xmlns="" w="9525">
+                <a14:hiddenLine xmlns="" xmlns:a14="http://schemas.microsoft.com/office/drawing/2010/main" w="9525">
                   <a:solidFill>
                     <a:srgbClr val="000000"/>
                   </a:solidFill>
@@ -879,7 +2196,7 @@
             </a:ln>
             <a:extLst>
               <a:ext uri="{91240B29-F687-4f45-9708-019B960494DF}">
-                <a14:hiddenLine xmlns:a14="http://schemas.microsoft.com/office/drawing/2010/main" xmlns="" w="9525">
+                <a14:hiddenLine xmlns="" xmlns:a14="http://schemas.microsoft.com/office/drawing/2010/main" w="9525">
                   <a:solidFill>
                     <a:srgbClr val="000000"/>
                   </a:solidFill>
@@ -969,7 +2286,7 @@
             </a:ln>
             <a:extLst>
               <a:ext uri="{91240B29-F687-4f45-9708-019B960494DF}">
-                <a14:hiddenLine xmlns:a14="http://schemas.microsoft.com/office/drawing/2010/main" xmlns="" w="9525">
+                <a14:hiddenLine xmlns="" xmlns:a14="http://schemas.microsoft.com/office/drawing/2010/main" w="9525">
                   <a:solidFill>
                     <a:srgbClr val="000000"/>
                   </a:solidFill>
@@ -1059,7 +2376,7 @@
             </a:ln>
             <a:extLst>
               <a:ext uri="{91240B29-F687-4f45-9708-019B960494DF}">
-                <a14:hiddenLine xmlns:a14="http://schemas.microsoft.com/office/drawing/2010/main" xmlns="" w="9525">
+                <a14:hiddenLine xmlns="" xmlns:a14="http://schemas.microsoft.com/office/drawing/2010/main" w="9525">
                   <a:solidFill>
                     <a:srgbClr val="000000"/>
                   </a:solidFill>
@@ -1121,7 +2438,7 @@
             </a:ln>
             <a:extLst>
               <a:ext uri="{91240B29-F687-4f45-9708-019B960494DF}">
-                <a14:hiddenLine xmlns:a14="http://schemas.microsoft.com/office/drawing/2010/main" xmlns="" w="9525">
+                <a14:hiddenLine xmlns="" xmlns:a14="http://schemas.microsoft.com/office/drawing/2010/main" w="9525">
                   <a:solidFill>
                     <a:srgbClr val="000000"/>
                   </a:solidFill>
@@ -1231,7 +2548,7 @@
             </a:ln>
             <a:extLst>
               <a:ext uri="{91240B29-F687-4f45-9708-019B960494DF}">
-                <a14:hiddenLine xmlns:a14="http://schemas.microsoft.com/office/drawing/2010/main" xmlns="" w="9525">
+                <a14:hiddenLine xmlns="" xmlns:a14="http://schemas.microsoft.com/office/drawing/2010/main" w="9525">
                   <a:solidFill>
                     <a:srgbClr val="000000"/>
                   </a:solidFill>
@@ -1293,7 +2610,7 @@
             </a:ln>
             <a:extLst>
               <a:ext uri="{91240B29-F687-4f45-9708-019B960494DF}">
-                <a14:hiddenLine xmlns:a14="http://schemas.microsoft.com/office/drawing/2010/main" xmlns="" w="9525">
+                <a14:hiddenLine xmlns="" xmlns:a14="http://schemas.microsoft.com/office/drawing/2010/main" w="9525">
                   <a:solidFill>
                     <a:srgbClr val="000000"/>
                   </a:solidFill>
@@ -1383,7 +2700,7 @@
             </a:ln>
             <a:extLst>
               <a:ext uri="{91240B29-F687-4f45-9708-019B960494DF}">
-                <a14:hiddenLine xmlns:a14="http://schemas.microsoft.com/office/drawing/2010/main" xmlns="" w="9525">
+                <a14:hiddenLine xmlns="" xmlns:a14="http://schemas.microsoft.com/office/drawing/2010/main" w="9525">
                   <a:solidFill>
                     <a:srgbClr val="000000"/>
                   </a:solidFill>
@@ -1473,7 +2790,7 @@
             </a:ln>
             <a:extLst>
               <a:ext uri="{91240B29-F687-4f45-9708-019B960494DF}">
-                <a14:hiddenLine xmlns:a14="http://schemas.microsoft.com/office/drawing/2010/main" xmlns="" w="9525">
+                <a14:hiddenLine xmlns="" xmlns:a14="http://schemas.microsoft.com/office/drawing/2010/main" w="9525">
                   <a:solidFill>
                     <a:srgbClr val="000000"/>
                   </a:solidFill>
@@ -1535,7 +2852,7 @@
             </a:ln>
             <a:extLst>
               <a:ext uri="{91240B29-F687-4f45-9708-019B960494DF}">
-                <a14:hiddenLine xmlns:a14="http://schemas.microsoft.com/office/drawing/2010/main" xmlns="" w="9525">
+                <a14:hiddenLine xmlns="" xmlns:a14="http://schemas.microsoft.com/office/drawing/2010/main" w="9525">
                   <a:solidFill>
                     <a:srgbClr val="000000"/>
                   </a:solidFill>
@@ -1625,7 +2942,7 @@
             </a:ln>
             <a:extLst>
               <a:ext uri="{91240B29-F687-4f45-9708-019B960494DF}">
-                <a14:hiddenLine xmlns:a14="http://schemas.microsoft.com/office/drawing/2010/main" xmlns="" w="9525">
+                <a14:hiddenLine xmlns="" xmlns:a14="http://schemas.microsoft.com/office/drawing/2010/main" w="9525">
                   <a:solidFill>
                     <a:srgbClr val="000000"/>
                   </a:solidFill>
@@ -1715,7 +3032,7 @@
             </a:ln>
             <a:extLst>
               <a:ext uri="{91240B29-F687-4f45-9708-019B960494DF}">
-                <a14:hiddenLine xmlns:a14="http://schemas.microsoft.com/office/drawing/2010/main" xmlns="" w="9525">
+                <a14:hiddenLine xmlns="" xmlns:a14="http://schemas.microsoft.com/office/drawing/2010/main" w="9525">
                   <a:solidFill>
                     <a:srgbClr val="000000"/>
                   </a:solidFill>
@@ -1771,7 +3088,7 @@
             </a:ln>
             <a:extLst>
               <a:ext uri="{91240B29-F687-4f45-9708-019B960494DF}">
-                <a14:hiddenLine xmlns:a14="http://schemas.microsoft.com/office/drawing/2010/main" xmlns="" w="9525">
+                <a14:hiddenLine xmlns="" xmlns:a14="http://schemas.microsoft.com/office/drawing/2010/main" w="9525">
                   <a:solidFill>
                     <a:srgbClr val="000000"/>
                   </a:solidFill>
@@ -1861,7 +3178,7 @@
             </a:ln>
             <a:extLst>
               <a:ext uri="{91240B29-F687-4f45-9708-019B960494DF}">
-                <a14:hiddenLine xmlns:a14="http://schemas.microsoft.com/office/drawing/2010/main" xmlns="" w="9525">
+                <a14:hiddenLine xmlns="" xmlns:a14="http://schemas.microsoft.com/office/drawing/2010/main" w="9525">
                   <a:solidFill>
                     <a:srgbClr val="000000"/>
                   </a:solidFill>
@@ -1917,7 +3234,7 @@
             </a:ln>
             <a:extLst>
               <a:ext uri="{91240B29-F687-4f45-9708-019B960494DF}">
-                <a14:hiddenLine xmlns:a14="http://schemas.microsoft.com/office/drawing/2010/main" xmlns="" w="9525">
+                <a14:hiddenLine xmlns="" xmlns:a14="http://schemas.microsoft.com/office/drawing/2010/main" w="9525">
                   <a:solidFill>
                     <a:srgbClr val="000000"/>
                   </a:solidFill>
@@ -2007,7 +3324,7 @@
             </a:ln>
             <a:extLst>
               <a:ext uri="{91240B29-F687-4f45-9708-019B960494DF}">
-                <a14:hiddenLine xmlns:a14="http://schemas.microsoft.com/office/drawing/2010/main" xmlns="" w="9525">
+                <a14:hiddenLine xmlns="" xmlns:a14="http://schemas.microsoft.com/office/drawing/2010/main" w="9525">
                   <a:solidFill>
                     <a:srgbClr val="000000"/>
                   </a:solidFill>
@@ -2075,7 +3392,7 @@
             </a:ln>
             <a:extLst>
               <a:ext uri="{91240B29-F687-4f45-9708-019B960494DF}">
-                <a14:hiddenLine xmlns:a14="http://schemas.microsoft.com/office/drawing/2010/main" xmlns="" w="9525">
+                <a14:hiddenLine xmlns="" xmlns:a14="http://schemas.microsoft.com/office/drawing/2010/main" w="9525">
                   <a:solidFill>
                     <a:srgbClr val="000000"/>
                   </a:solidFill>
@@ -2165,7 +3482,7 @@
             </a:ln>
             <a:extLst>
               <a:ext uri="{91240B29-F687-4f45-9708-019B960494DF}">
-                <a14:hiddenLine xmlns:a14="http://schemas.microsoft.com/office/drawing/2010/main" xmlns="" w="9525">
+                <a14:hiddenLine xmlns="" xmlns:a14="http://schemas.microsoft.com/office/drawing/2010/main" w="9525">
                   <a:solidFill>
                     <a:srgbClr val="000000"/>
                   </a:solidFill>
@@ -2233,7 +3550,7 @@
             </a:ln>
             <a:extLst>
               <a:ext uri="{91240B29-F687-4f45-9708-019B960494DF}">
-                <a14:hiddenLine xmlns:a14="http://schemas.microsoft.com/office/drawing/2010/main" xmlns="" w="9525">
+                <a14:hiddenLine xmlns="" xmlns:a14="http://schemas.microsoft.com/office/drawing/2010/main" w="9525">
                   <a:solidFill>
                     <a:srgbClr val="000000"/>
                   </a:solidFill>
@@ -2323,7 +3640,7 @@
             </a:ln>
             <a:extLst>
               <a:ext uri="{91240B29-F687-4f45-9708-019B960494DF}">
-                <a14:hiddenLine xmlns:a14="http://schemas.microsoft.com/office/drawing/2010/main" xmlns="" w="9525">
+                <a14:hiddenLine xmlns="" xmlns:a14="http://schemas.microsoft.com/office/drawing/2010/main" w="9525">
                   <a:solidFill>
                     <a:srgbClr val="000000"/>
                   </a:solidFill>
@@ -2357,7 +3674,7 @@
             </a:ln>
             <a:extLst>
               <a:ext uri="{91240B29-F687-4f45-9708-019B960494DF}">
-                <a14:hiddenLine xmlns:a14="http://schemas.microsoft.com/office/drawing/2010/main" xmlns="" w="9525">
+                <a14:hiddenLine xmlns="" xmlns:a14="http://schemas.microsoft.com/office/drawing/2010/main" w="9525">
                   <a:solidFill>
                     <a:srgbClr val="000000"/>
                   </a:solidFill>
@@ -2447,7 +3764,7 @@
             </a:ln>
             <a:extLst>
               <a:ext uri="{91240B29-F687-4f45-9708-019B960494DF}">
-                <a14:hiddenLine xmlns:a14="http://schemas.microsoft.com/office/drawing/2010/main" xmlns="" w="9525">
+                <a14:hiddenLine xmlns="" xmlns:a14="http://schemas.microsoft.com/office/drawing/2010/main" w="9525">
                   <a:solidFill>
                     <a:srgbClr val="000000"/>
                   </a:solidFill>
@@ -2509,7 +3826,7 @@
             </a:ln>
             <a:extLst>
               <a:ext uri="{91240B29-F687-4f45-9708-019B960494DF}">
-                <a14:hiddenLine xmlns:a14="http://schemas.microsoft.com/office/drawing/2010/main" xmlns="" w="9525">
+                <a14:hiddenLine xmlns="" xmlns:a14="http://schemas.microsoft.com/office/drawing/2010/main" w="9525">
                   <a:solidFill>
                     <a:srgbClr val="000000"/>
                   </a:solidFill>
@@ -2571,7 +3888,7 @@
             </a:ln>
             <a:extLst>
               <a:ext uri="{91240B29-F687-4f45-9708-019B960494DF}">
-                <a14:hiddenLine xmlns:a14="http://schemas.microsoft.com/office/drawing/2010/main" xmlns="" w="9525">
+                <a14:hiddenLine xmlns="" xmlns:a14="http://schemas.microsoft.com/office/drawing/2010/main" w="9525">
                   <a:solidFill>
                     <a:srgbClr val="000000"/>
                   </a:solidFill>
@@ -2661,7 +3978,7 @@
             </a:ln>
             <a:extLst>
               <a:ext uri="{91240B29-F687-4f45-9708-019B960494DF}">
-                <a14:hiddenLine xmlns:a14="http://schemas.microsoft.com/office/drawing/2010/main" xmlns="" w="9525">
+                <a14:hiddenLine xmlns="" xmlns:a14="http://schemas.microsoft.com/office/drawing/2010/main" w="9525">
                   <a:solidFill>
                     <a:srgbClr val="000000"/>
                   </a:solidFill>
@@ -2729,7 +4046,7 @@
             </a:ln>
             <a:extLst>
               <a:ext uri="{91240B29-F687-4f45-9708-019B960494DF}">
-                <a14:hiddenLine xmlns:a14="http://schemas.microsoft.com/office/drawing/2010/main" xmlns="" w="9525">
+                <a14:hiddenLine xmlns="" xmlns:a14="http://schemas.microsoft.com/office/drawing/2010/main" w="9525">
                   <a:solidFill>
                     <a:srgbClr val="000000"/>
                   </a:solidFill>
@@ -2791,7 +4108,7 @@
             </a:ln>
             <a:extLst>
               <a:ext uri="{91240B29-F687-4f45-9708-019B960494DF}">
-                <a14:hiddenLine xmlns:a14="http://schemas.microsoft.com/office/drawing/2010/main" xmlns="" w="9525">
+                <a14:hiddenLine xmlns="" xmlns:a14="http://schemas.microsoft.com/office/drawing/2010/main" w="9525">
                   <a:solidFill>
                     <a:srgbClr val="000000"/>
                   </a:solidFill>
@@ -2881,7 +4198,7 @@
             </a:ln>
             <a:extLst>
               <a:ext uri="{91240B29-F687-4f45-9708-019B960494DF}">
-                <a14:hiddenLine xmlns:a14="http://schemas.microsoft.com/office/drawing/2010/main" xmlns="" w="9525">
+                <a14:hiddenLine xmlns="" xmlns:a14="http://schemas.microsoft.com/office/drawing/2010/main" w="9525">
                   <a:solidFill>
                     <a:srgbClr val="000000"/>
                   </a:solidFill>
@@ -2943,7 +4260,7 @@
             </a:ln>
             <a:extLst>
               <a:ext uri="{91240B29-F687-4f45-9708-019B960494DF}">
-                <a14:hiddenLine xmlns:a14="http://schemas.microsoft.com/office/drawing/2010/main" xmlns="" w="9525">
+                <a14:hiddenLine xmlns="" xmlns:a14="http://schemas.microsoft.com/office/drawing/2010/main" w="9525">
                   <a:solidFill>
                     <a:srgbClr val="000000"/>
                   </a:solidFill>
@@ -3033,7 +4350,7 @@
             </a:ln>
             <a:extLst>
               <a:ext uri="{91240B29-F687-4f45-9708-019B960494DF}">
-                <a14:hiddenLine xmlns:a14="http://schemas.microsoft.com/office/drawing/2010/main" xmlns="" w="9525">
+                <a14:hiddenLine xmlns="" xmlns:a14="http://schemas.microsoft.com/office/drawing/2010/main" w="9525">
                   <a:solidFill>
                     <a:srgbClr val="000000"/>
                   </a:solidFill>
@@ -3095,7 +4412,7 @@
             </a:ln>
             <a:extLst>
               <a:ext uri="{91240B29-F687-4f45-9708-019B960494DF}">
-                <a14:hiddenLine xmlns:a14="http://schemas.microsoft.com/office/drawing/2010/main" xmlns="" w="9525">
+                <a14:hiddenLine xmlns="" xmlns:a14="http://schemas.microsoft.com/office/drawing/2010/main" w="9525">
                   <a:solidFill>
                     <a:srgbClr val="000000"/>
                   </a:solidFill>
@@ -3185,7 +4502,7 @@
             </a:ln>
             <a:extLst>
               <a:ext uri="{91240B29-F687-4f45-9708-019B960494DF}">
-                <a14:hiddenLine xmlns:a14="http://schemas.microsoft.com/office/drawing/2010/main" xmlns="" w="9525">
+                <a14:hiddenLine xmlns="" xmlns:a14="http://schemas.microsoft.com/office/drawing/2010/main" w="9525">
                   <a:solidFill>
                     <a:srgbClr val="000000"/>
                   </a:solidFill>
@@ -3219,7 +4536,7 @@
             </a:ln>
             <a:extLst>
               <a:ext uri="{91240B29-F687-4f45-9708-019B960494DF}">
-                <a14:hiddenLine xmlns:a14="http://schemas.microsoft.com/office/drawing/2010/main" xmlns="" w="9525">
+                <a14:hiddenLine xmlns="" xmlns:a14="http://schemas.microsoft.com/office/drawing/2010/main" w="9525">
                   <a:solidFill>
                     <a:srgbClr val="000000"/>
                   </a:solidFill>
@@ -3284,7 +4601,7 @@
             </a:ln>
             <a:extLst>
               <a:ext uri="{91240B29-F687-4f45-9708-019B960494DF}">
-                <a14:hiddenLine xmlns:a14="http://schemas.microsoft.com/office/drawing/2010/main" xmlns="" w="9525">
+                <a14:hiddenLine xmlns="" xmlns:a14="http://schemas.microsoft.com/office/drawing/2010/main" w="9525">
                   <a:solidFill>
                     <a:srgbClr val="000000"/>
                   </a:solidFill>
@@ -3374,7 +4691,7 @@
             </a:ln>
             <a:extLst>
               <a:ext uri="{91240B29-F687-4f45-9708-019B960494DF}">
-                <a14:hiddenLine xmlns:a14="http://schemas.microsoft.com/office/drawing/2010/main" xmlns="" w="9525">
+                <a14:hiddenLine xmlns="" xmlns:a14="http://schemas.microsoft.com/office/drawing/2010/main" w="9525">
                   <a:solidFill>
                     <a:srgbClr val="000000"/>
                   </a:solidFill>
@@ -3436,7 +4753,7 @@
             </a:ln>
             <a:extLst>
               <a:ext uri="{91240B29-F687-4f45-9708-019B960494DF}">
-                <a14:hiddenLine xmlns:a14="http://schemas.microsoft.com/office/drawing/2010/main" xmlns="" w="9525">
+                <a14:hiddenLine xmlns="" xmlns:a14="http://schemas.microsoft.com/office/drawing/2010/main" w="9525">
                   <a:solidFill>
                     <a:srgbClr val="000000"/>
                   </a:solidFill>
@@ -3526,7 +4843,7 @@
             </a:ln>
             <a:extLst>
               <a:ext uri="{91240B29-F687-4f45-9708-019B960494DF}">
-                <a14:hiddenLine xmlns:a14="http://schemas.microsoft.com/office/drawing/2010/main" xmlns="" w="9525">
+                <a14:hiddenLine xmlns="" xmlns:a14="http://schemas.microsoft.com/office/drawing/2010/main" w="9525">
                   <a:solidFill>
                     <a:srgbClr val="000000"/>
                   </a:solidFill>
@@ -3616,7 +4933,7 @@
             </a:ln>
             <a:extLst>
               <a:ext uri="{91240B29-F687-4f45-9708-019B960494DF}">
-                <a14:hiddenLine xmlns:a14="http://schemas.microsoft.com/office/drawing/2010/main" xmlns="" w="9525">
+                <a14:hiddenLine xmlns="" xmlns:a14="http://schemas.microsoft.com/office/drawing/2010/main" w="9525">
                   <a:solidFill>
                     <a:srgbClr val="000000"/>
                   </a:solidFill>
@@ -3681,7 +4998,7 @@
             </a:ln>
             <a:extLst>
               <a:ext uri="{91240B29-F687-4f45-9708-019B960494DF}">
-                <a14:hiddenLine xmlns:a14="http://schemas.microsoft.com/office/drawing/2010/main" xmlns="" w="9525">
+                <a14:hiddenLine xmlns="" xmlns:a14="http://schemas.microsoft.com/office/drawing/2010/main" w="9525">
                   <a:solidFill>
                     <a:srgbClr val="000000"/>
                   </a:solidFill>
@@ -3743,7 +5060,7 @@
             </a:ln>
             <a:extLst>
               <a:ext uri="{91240B29-F687-4f45-9708-019B960494DF}">
-                <a14:hiddenLine xmlns:a14="http://schemas.microsoft.com/office/drawing/2010/main" xmlns="" w="9525">
+                <a14:hiddenLine xmlns="" xmlns:a14="http://schemas.microsoft.com/office/drawing/2010/main" w="9525">
                   <a:solidFill>
                     <a:srgbClr val="000000"/>
                   </a:solidFill>
@@ -3833,7 +5150,7 @@
             </a:ln>
             <a:extLst>
               <a:ext uri="{91240B29-F687-4f45-9708-019B960494DF}">
-                <a14:hiddenLine xmlns:a14="http://schemas.microsoft.com/office/drawing/2010/main" xmlns="" w="9525">
+                <a14:hiddenLine xmlns="" xmlns:a14="http://schemas.microsoft.com/office/drawing/2010/main" w="9525">
                   <a:solidFill>
                     <a:srgbClr val="000000"/>
                   </a:solidFill>
@@ -3923,7 +5240,7 @@
             </a:ln>
             <a:extLst>
               <a:ext uri="{91240B29-F687-4f45-9708-019B960494DF}">
-                <a14:hiddenLine xmlns:a14="http://schemas.microsoft.com/office/drawing/2010/main" xmlns="" w="9525">
+                <a14:hiddenLine xmlns="" xmlns:a14="http://schemas.microsoft.com/office/drawing/2010/main" w="9525">
                   <a:solidFill>
                     <a:srgbClr val="000000"/>
                   </a:solidFill>
@@ -3985,7 +5302,7 @@
             </a:ln>
             <a:extLst>
               <a:ext uri="{91240B29-F687-4f45-9708-019B960494DF}">
-                <a14:hiddenLine xmlns:a14="http://schemas.microsoft.com/office/drawing/2010/main" xmlns="" w="9525">
+                <a14:hiddenLine xmlns="" xmlns:a14="http://schemas.microsoft.com/office/drawing/2010/main" w="9525">
                   <a:solidFill>
                     <a:srgbClr val="000000"/>
                   </a:solidFill>
@@ -4105,7 +5422,7 @@
             </a:ln>
             <a:extLst>
               <a:ext uri="{91240B29-F687-4f45-9708-019B960494DF}">
-                <a14:hiddenLine xmlns:a14="http://schemas.microsoft.com/office/drawing/2010/main" xmlns="" w="9525">
+                <a14:hiddenLine xmlns="" xmlns:a14="http://schemas.microsoft.com/office/drawing/2010/main" w="9525">
                   <a:solidFill>
                     <a:srgbClr val="000000"/>
                   </a:solidFill>
@@ -4173,7 +5490,7 @@
             </a:ln>
             <a:extLst>
               <a:ext uri="{91240B29-F687-4f45-9708-019B960494DF}">
-                <a14:hiddenLine xmlns:a14="http://schemas.microsoft.com/office/drawing/2010/main" xmlns="" w="9525">
+                <a14:hiddenLine xmlns="" xmlns:a14="http://schemas.microsoft.com/office/drawing/2010/main" w="9525">
                   <a:solidFill>
                     <a:srgbClr val="000000"/>
                   </a:solidFill>
@@ -4263,7 +5580,7 @@
             </a:ln>
             <a:extLst>
               <a:ext uri="{91240B29-F687-4f45-9708-019B960494DF}">
-                <a14:hiddenLine xmlns:a14="http://schemas.microsoft.com/office/drawing/2010/main" xmlns="" w="9525">
+                <a14:hiddenLine xmlns="" xmlns:a14="http://schemas.microsoft.com/office/drawing/2010/main" w="9525">
                   <a:solidFill>
                     <a:srgbClr val="000000"/>
                   </a:solidFill>
@@ -4403,7 +5720,7 @@
           <a:p>
             <a:fld id="{DBFB03AA-6361-4CA4-9C2A-B9A8C3B8A834}" type="datetimeFigureOut">
               <a:rPr lang="cs-CZ" smtClean="0"/>
-              <a:t>18.01.2023</a:t>
+              <a:t>19.01.2023</a:t>
             </a:fld>
             <a:endParaRPr lang="cs-CZ"/>
           </a:p>
@@ -4670,7 +5987,7 @@
           <a:p>
             <a:fld id="{DBFB03AA-6361-4CA4-9C2A-B9A8C3B8A834}" type="datetimeFigureOut">
               <a:rPr lang="cs-CZ" smtClean="0"/>
-              <a:t>18.01.2023</a:t>
+              <a:t>19.01.2023</a:t>
             </a:fld>
             <a:endParaRPr lang="cs-CZ"/>
           </a:p>
@@ -4866,7 +6183,7 @@
           <a:p>
             <a:fld id="{DBFB03AA-6361-4CA4-9C2A-B9A8C3B8A834}" type="datetimeFigureOut">
               <a:rPr lang="cs-CZ" smtClean="0"/>
-              <a:t>18.01.2023</a:t>
+              <a:t>19.01.2023</a:t>
             </a:fld>
             <a:endParaRPr lang="cs-CZ"/>
           </a:p>
@@ -5129,7 +6446,7 @@
           <a:p>
             <a:fld id="{DBFB03AA-6361-4CA4-9C2A-B9A8C3B8A834}" type="datetimeFigureOut">
               <a:rPr lang="cs-CZ" smtClean="0"/>
-              <a:t>18.01.2023</a:t>
+              <a:t>19.01.2023</a:t>
             </a:fld>
             <a:endParaRPr lang="cs-CZ"/>
           </a:p>
@@ -5563,7 +6880,7 @@
           <a:p>
             <a:fld id="{DBFB03AA-6361-4CA4-9C2A-B9A8C3B8A834}" type="datetimeFigureOut">
               <a:rPr lang="cs-CZ" smtClean="0"/>
-              <a:t>18.01.2023</a:t>
+              <a:t>19.01.2023</a:t>
             </a:fld>
             <a:endParaRPr lang="cs-CZ"/>
           </a:p>
@@ -6109,7 +7426,7 @@
           <a:p>
             <a:fld id="{DBFB03AA-6361-4CA4-9C2A-B9A8C3B8A834}" type="datetimeFigureOut">
               <a:rPr lang="cs-CZ" smtClean="0"/>
-              <a:t>18.01.2023</a:t>
+              <a:t>19.01.2023</a:t>
             </a:fld>
             <a:endParaRPr lang="cs-CZ"/>
           </a:p>
@@ -6829,7 +8146,7 @@
           <a:p>
             <a:fld id="{DBFB03AA-6361-4CA4-9C2A-B9A8C3B8A834}" type="datetimeFigureOut">
               <a:rPr lang="cs-CZ" smtClean="0"/>
-              <a:t>18.01.2023</a:t>
+              <a:t>19.01.2023</a:t>
             </a:fld>
             <a:endParaRPr lang="cs-CZ"/>
           </a:p>
@@ -6999,7 +8316,7 @@
           <a:p>
             <a:fld id="{DBFB03AA-6361-4CA4-9C2A-B9A8C3B8A834}" type="datetimeFigureOut">
               <a:rPr lang="cs-CZ" smtClean="0"/>
-              <a:t>18.01.2023</a:t>
+              <a:t>19.01.2023</a:t>
             </a:fld>
             <a:endParaRPr lang="cs-CZ"/>
           </a:p>
@@ -7179,7 +8496,7 @@
           <a:p>
             <a:fld id="{DBFB03AA-6361-4CA4-9C2A-B9A8C3B8A834}" type="datetimeFigureOut">
               <a:rPr lang="cs-CZ" smtClean="0"/>
-              <a:t>18.01.2023</a:t>
+              <a:t>19.01.2023</a:t>
             </a:fld>
             <a:endParaRPr lang="cs-CZ"/>
           </a:p>
@@ -7349,7 +8666,7 @@
           <a:p>
             <a:fld id="{DBFB03AA-6361-4CA4-9C2A-B9A8C3B8A834}" type="datetimeFigureOut">
               <a:rPr lang="cs-CZ" smtClean="0"/>
-              <a:t>18.01.2023</a:t>
+              <a:t>19.01.2023</a:t>
             </a:fld>
             <a:endParaRPr lang="cs-CZ"/>
           </a:p>
@@ -7599,7 +8916,7 @@
           <a:p>
             <a:fld id="{DBFB03AA-6361-4CA4-9C2A-B9A8C3B8A834}" type="datetimeFigureOut">
               <a:rPr lang="cs-CZ" smtClean="0"/>
-              <a:t>18.01.2023</a:t>
+              <a:t>19.01.2023</a:t>
             </a:fld>
             <a:endParaRPr lang="cs-CZ"/>
           </a:p>
@@ -7831,7 +9148,7 @@
           <a:p>
             <a:fld id="{DBFB03AA-6361-4CA4-9C2A-B9A8C3B8A834}" type="datetimeFigureOut">
               <a:rPr lang="cs-CZ" smtClean="0"/>
-              <a:t>18.01.2023</a:t>
+              <a:t>19.01.2023</a:t>
             </a:fld>
             <a:endParaRPr lang="cs-CZ"/>
           </a:p>
@@ -8212,7 +9529,7 @@
           <a:p>
             <a:fld id="{DBFB03AA-6361-4CA4-9C2A-B9A8C3B8A834}" type="datetimeFigureOut">
               <a:rPr lang="cs-CZ" smtClean="0"/>
-              <a:t>18.01.2023</a:t>
+              <a:t>19.01.2023</a:t>
             </a:fld>
             <a:endParaRPr lang="cs-CZ"/>
           </a:p>
@@ -8330,7 +9647,7 @@
           <a:p>
             <a:fld id="{DBFB03AA-6361-4CA4-9C2A-B9A8C3B8A834}" type="datetimeFigureOut">
               <a:rPr lang="cs-CZ" smtClean="0"/>
-              <a:t>18.01.2023</a:t>
+              <a:t>19.01.2023</a:t>
             </a:fld>
             <a:endParaRPr lang="cs-CZ"/>
           </a:p>
@@ -8425,7 +9742,7 @@
           <a:p>
             <a:fld id="{DBFB03AA-6361-4CA4-9C2A-B9A8C3B8A834}" type="datetimeFigureOut">
               <a:rPr lang="cs-CZ" smtClean="0"/>
-              <a:t>18.01.2023</a:t>
+              <a:t>19.01.2023</a:t>
             </a:fld>
             <a:endParaRPr lang="cs-CZ"/>
           </a:p>
@@ -8674,7 +9991,7 @@
           <a:p>
             <a:fld id="{DBFB03AA-6361-4CA4-9C2A-B9A8C3B8A834}" type="datetimeFigureOut">
               <a:rPr lang="cs-CZ" smtClean="0"/>
-              <a:t>18.01.2023</a:t>
+              <a:t>19.01.2023</a:t>
             </a:fld>
             <a:endParaRPr lang="cs-CZ"/>
           </a:p>
@@ -8954,7 +10271,7 @@
           <a:p>
             <a:fld id="{DBFB03AA-6361-4CA4-9C2A-B9A8C3B8A834}" type="datetimeFigureOut">
               <a:rPr lang="cs-CZ" smtClean="0"/>
-              <a:t>18.01.2023</a:t>
+              <a:t>19.01.2023</a:t>
             </a:fld>
             <a:endParaRPr lang="cs-CZ"/>
           </a:p>
@@ -9070,7 +10387,7 @@
           <a:noFill/>
           <a:extLst>
             <a:ext uri="{909E8E84-426E-40dd-AFC4-6F175D3DCCD1}">
-              <a14:hiddenFill xmlns:a14="http://schemas.microsoft.com/office/drawing/2010/main" xmlns="">
+              <a14:hiddenFill xmlns="" xmlns:a14="http://schemas.microsoft.com/office/drawing/2010/main">
                 <a:solidFill>
                   <a:srgbClr val="FFFFFF"/>
                 </a:solidFill>
@@ -9144,7 +10461,7 @@
               </a:ln>
               <a:extLst>
                 <a:ext uri="{91240B29-F687-4f45-9708-019B960494DF}">
-                  <a14:hiddenLine xmlns:a14="http://schemas.microsoft.com/office/drawing/2010/main" xmlns="" w="9525">
+                  <a14:hiddenLine xmlns="" xmlns:a14="http://schemas.microsoft.com/office/drawing/2010/main" w="9525">
                     <a:solidFill>
                       <a:srgbClr val="000000"/>
                     </a:solidFill>
@@ -9234,7 +10551,7 @@
               </a:ln>
               <a:extLst>
                 <a:ext uri="{91240B29-F687-4f45-9708-019B960494DF}">
-                  <a14:hiddenLine xmlns:a14="http://schemas.microsoft.com/office/drawing/2010/main" xmlns="" w="9525">
+                  <a14:hiddenLine xmlns="" xmlns:a14="http://schemas.microsoft.com/office/drawing/2010/main" w="9525">
                     <a:solidFill>
                       <a:srgbClr val="000000"/>
                     </a:solidFill>
@@ -9324,7 +10641,7 @@
               </a:ln>
               <a:extLst>
                 <a:ext uri="{91240B29-F687-4f45-9708-019B960494DF}">
-                  <a14:hiddenLine xmlns:a14="http://schemas.microsoft.com/office/drawing/2010/main" xmlns="" w="9525">
+                  <a14:hiddenLine xmlns="" xmlns:a14="http://schemas.microsoft.com/office/drawing/2010/main" w="9525">
                     <a:solidFill>
                       <a:srgbClr val="000000"/>
                     </a:solidFill>
@@ -9386,7 +10703,7 @@
               </a:ln>
               <a:extLst>
                 <a:ext uri="{91240B29-F687-4f45-9708-019B960494DF}">
-                  <a14:hiddenLine xmlns:a14="http://schemas.microsoft.com/office/drawing/2010/main" xmlns="" w="9525">
+                  <a14:hiddenLine xmlns="" xmlns:a14="http://schemas.microsoft.com/office/drawing/2010/main" w="9525">
                     <a:solidFill>
                       <a:srgbClr val="000000"/>
                     </a:solidFill>
@@ -9476,7 +10793,7 @@
               </a:ln>
               <a:extLst>
                 <a:ext uri="{91240B29-F687-4f45-9708-019B960494DF}">
-                  <a14:hiddenLine xmlns:a14="http://schemas.microsoft.com/office/drawing/2010/main" xmlns="" w="9525">
+                  <a14:hiddenLine xmlns="" xmlns:a14="http://schemas.microsoft.com/office/drawing/2010/main" w="9525">
                     <a:solidFill>
                       <a:srgbClr val="000000"/>
                     </a:solidFill>
@@ -9538,7 +10855,7 @@
               </a:ln>
               <a:extLst>
                 <a:ext uri="{91240B29-F687-4f45-9708-019B960494DF}">
-                  <a14:hiddenLine xmlns:a14="http://schemas.microsoft.com/office/drawing/2010/main" xmlns="" w="9525">
+                  <a14:hiddenLine xmlns="" xmlns:a14="http://schemas.microsoft.com/office/drawing/2010/main" w="9525">
                     <a:solidFill>
                       <a:srgbClr val="000000"/>
                     </a:solidFill>
@@ -9600,7 +10917,7 @@
               </a:ln>
               <a:extLst>
                 <a:ext uri="{91240B29-F687-4f45-9708-019B960494DF}">
-                  <a14:hiddenLine xmlns:a14="http://schemas.microsoft.com/office/drawing/2010/main" xmlns="" w="9525">
+                  <a14:hiddenLine xmlns="" xmlns:a14="http://schemas.microsoft.com/office/drawing/2010/main" w="9525">
                     <a:solidFill>
                       <a:srgbClr val="000000"/>
                     </a:solidFill>
@@ -9690,7 +11007,7 @@
               </a:ln>
               <a:extLst>
                 <a:ext uri="{91240B29-F687-4f45-9708-019B960494DF}">
-                  <a14:hiddenLine xmlns:a14="http://schemas.microsoft.com/office/drawing/2010/main" xmlns="" w="9525">
+                  <a14:hiddenLine xmlns="" xmlns:a14="http://schemas.microsoft.com/office/drawing/2010/main" w="9525">
                     <a:solidFill>
                       <a:srgbClr val="000000"/>
                     </a:solidFill>
@@ -9780,7 +11097,7 @@
               </a:ln>
               <a:extLst>
                 <a:ext uri="{91240B29-F687-4f45-9708-019B960494DF}">
-                  <a14:hiddenLine xmlns:a14="http://schemas.microsoft.com/office/drawing/2010/main" xmlns="" w="9525">
+                  <a14:hiddenLine xmlns="" xmlns:a14="http://schemas.microsoft.com/office/drawing/2010/main" w="9525">
                     <a:solidFill>
                       <a:srgbClr val="000000"/>
                     </a:solidFill>
@@ -9842,7 +11159,7 @@
               </a:ln>
               <a:extLst>
                 <a:ext uri="{91240B29-F687-4f45-9708-019B960494DF}">
-                  <a14:hiddenLine xmlns:a14="http://schemas.microsoft.com/office/drawing/2010/main" xmlns="" w="9525">
+                  <a14:hiddenLine xmlns="" xmlns:a14="http://schemas.microsoft.com/office/drawing/2010/main" w="9525">
                     <a:solidFill>
                       <a:srgbClr val="000000"/>
                     </a:solidFill>
@@ -9952,7 +11269,7 @@
               </a:ln>
               <a:extLst>
                 <a:ext uri="{91240B29-F687-4f45-9708-019B960494DF}">
-                  <a14:hiddenLine xmlns:a14="http://schemas.microsoft.com/office/drawing/2010/main" xmlns="" w="9525">
+                  <a14:hiddenLine xmlns="" xmlns:a14="http://schemas.microsoft.com/office/drawing/2010/main" w="9525">
                     <a:solidFill>
                       <a:srgbClr val="000000"/>
                     </a:solidFill>
@@ -10036,7 +11353,7 @@
               </a:ln>
               <a:extLst>
                 <a:ext uri="{91240B29-F687-4f45-9708-019B960494DF}">
-                  <a14:hiddenLine xmlns:a14="http://schemas.microsoft.com/office/drawing/2010/main" xmlns="" w="9525">
+                  <a14:hiddenLine xmlns="" xmlns:a14="http://schemas.microsoft.com/office/drawing/2010/main" w="9525">
                     <a:solidFill>
                       <a:srgbClr val="000000"/>
                     </a:solidFill>
@@ -10098,7 +11415,7 @@
               </a:ln>
               <a:extLst>
                 <a:ext uri="{91240B29-F687-4f45-9708-019B960494DF}">
-                  <a14:hiddenLine xmlns:a14="http://schemas.microsoft.com/office/drawing/2010/main" xmlns="" w="9525">
+                  <a14:hiddenLine xmlns="" xmlns:a14="http://schemas.microsoft.com/office/drawing/2010/main" w="9525">
                     <a:solidFill>
                       <a:srgbClr val="000000"/>
                     </a:solidFill>
@@ -10160,7 +11477,7 @@
               </a:ln>
               <a:extLst>
                 <a:ext uri="{91240B29-F687-4f45-9708-019B960494DF}">
-                  <a14:hiddenLine xmlns:a14="http://schemas.microsoft.com/office/drawing/2010/main" xmlns="" w="9525">
+                  <a14:hiddenLine xmlns="" xmlns:a14="http://schemas.microsoft.com/office/drawing/2010/main" w="9525">
                     <a:solidFill>
                       <a:srgbClr val="000000"/>
                     </a:solidFill>
@@ -10250,7 +11567,7 @@
               </a:ln>
               <a:extLst>
                 <a:ext uri="{91240B29-F687-4f45-9708-019B960494DF}">
-                  <a14:hiddenLine xmlns:a14="http://schemas.microsoft.com/office/drawing/2010/main" xmlns="" w="9525">
+                  <a14:hiddenLine xmlns="" xmlns:a14="http://schemas.microsoft.com/office/drawing/2010/main" w="9525">
                     <a:solidFill>
                       <a:srgbClr val="000000"/>
                     </a:solidFill>
@@ -10284,7 +11601,7 @@
               </a:ln>
               <a:extLst>
                 <a:ext uri="{91240B29-F687-4f45-9708-019B960494DF}">
-                  <a14:hiddenLine xmlns:a14="http://schemas.microsoft.com/office/drawing/2010/main" xmlns="" w="9525">
+                  <a14:hiddenLine xmlns="" xmlns:a14="http://schemas.microsoft.com/office/drawing/2010/main" w="9525">
                     <a:solidFill>
                       <a:srgbClr val="000000"/>
                     </a:solidFill>
@@ -10349,7 +11666,7 @@
               </a:ln>
               <a:extLst>
                 <a:ext uri="{91240B29-F687-4f45-9708-019B960494DF}">
-                  <a14:hiddenLine xmlns:a14="http://schemas.microsoft.com/office/drawing/2010/main" xmlns="" w="9525">
+                  <a14:hiddenLine xmlns="" xmlns:a14="http://schemas.microsoft.com/office/drawing/2010/main" w="9525">
                     <a:solidFill>
                       <a:srgbClr val="000000"/>
                     </a:solidFill>
@@ -10439,7 +11756,7 @@
               </a:ln>
               <a:extLst>
                 <a:ext uri="{91240B29-F687-4f45-9708-019B960494DF}">
-                  <a14:hiddenLine xmlns:a14="http://schemas.microsoft.com/office/drawing/2010/main" xmlns="" w="9525">
+                  <a14:hiddenLine xmlns="" xmlns:a14="http://schemas.microsoft.com/office/drawing/2010/main" w="9525">
                     <a:solidFill>
                       <a:srgbClr val="000000"/>
                     </a:solidFill>
@@ -10501,7 +11818,7 @@
               </a:ln>
               <a:extLst>
                 <a:ext uri="{91240B29-F687-4f45-9708-019B960494DF}">
-                  <a14:hiddenLine xmlns:a14="http://schemas.microsoft.com/office/drawing/2010/main" xmlns="" w="9525">
+                  <a14:hiddenLine xmlns="" xmlns:a14="http://schemas.microsoft.com/office/drawing/2010/main" w="9525">
                     <a:solidFill>
                       <a:srgbClr val="000000"/>
                     </a:solidFill>
@@ -10591,7 +11908,7 @@
               </a:ln>
               <a:extLst>
                 <a:ext uri="{91240B29-F687-4f45-9708-019B960494DF}">
-                  <a14:hiddenLine xmlns:a14="http://schemas.microsoft.com/office/drawing/2010/main" xmlns="" w="9525">
+                  <a14:hiddenLine xmlns="" xmlns:a14="http://schemas.microsoft.com/office/drawing/2010/main" w="9525">
                     <a:solidFill>
                       <a:srgbClr val="000000"/>
                     </a:solidFill>
@@ -10656,7 +11973,7 @@
               </a:ln>
               <a:extLst>
                 <a:ext uri="{91240B29-F687-4f45-9708-019B960494DF}">
-                  <a14:hiddenLine xmlns:a14="http://schemas.microsoft.com/office/drawing/2010/main" xmlns="" w="9525">
+                  <a14:hiddenLine xmlns="" xmlns:a14="http://schemas.microsoft.com/office/drawing/2010/main" w="9525">
                     <a:solidFill>
                       <a:srgbClr val="000000"/>
                     </a:solidFill>
@@ -10718,7 +12035,7 @@
               </a:ln>
               <a:extLst>
                 <a:ext uri="{91240B29-F687-4f45-9708-019B960494DF}">
-                  <a14:hiddenLine xmlns:a14="http://schemas.microsoft.com/office/drawing/2010/main" xmlns="" w="9525">
+                  <a14:hiddenLine xmlns="" xmlns:a14="http://schemas.microsoft.com/office/drawing/2010/main" w="9525">
                     <a:solidFill>
                       <a:srgbClr val="000000"/>
                     </a:solidFill>
@@ -10808,7 +12125,7 @@
               </a:ln>
               <a:extLst>
                 <a:ext uri="{91240B29-F687-4f45-9708-019B960494DF}">
-                  <a14:hiddenLine xmlns:a14="http://schemas.microsoft.com/office/drawing/2010/main" xmlns="" w="9525">
+                  <a14:hiddenLine xmlns="" xmlns:a14="http://schemas.microsoft.com/office/drawing/2010/main" w="9525">
                     <a:solidFill>
                       <a:srgbClr val="000000"/>
                     </a:solidFill>
@@ -10898,7 +12215,7 @@
               </a:ln>
               <a:extLst>
                 <a:ext uri="{91240B29-F687-4f45-9708-019B960494DF}">
-                  <a14:hiddenLine xmlns:a14="http://schemas.microsoft.com/office/drawing/2010/main" xmlns="" w="9525">
+                  <a14:hiddenLine xmlns="" xmlns:a14="http://schemas.microsoft.com/office/drawing/2010/main" w="9525">
                     <a:solidFill>
                       <a:srgbClr val="000000"/>
                     </a:solidFill>
@@ -10963,7 +12280,7 @@
               </a:ln>
               <a:extLst>
                 <a:ext uri="{91240B29-F687-4f45-9708-019B960494DF}">
-                  <a14:hiddenLine xmlns:a14="http://schemas.microsoft.com/office/drawing/2010/main" xmlns="" w="9525">
+                  <a14:hiddenLine xmlns="" xmlns:a14="http://schemas.microsoft.com/office/drawing/2010/main" w="9525">
                     <a:solidFill>
                       <a:srgbClr val="000000"/>
                     </a:solidFill>
@@ -11083,7 +12400,7 @@
               </a:ln>
               <a:extLst>
                 <a:ext uri="{91240B29-F687-4f45-9708-019B960494DF}">
-                  <a14:hiddenLine xmlns:a14="http://schemas.microsoft.com/office/drawing/2010/main" xmlns="" w="9525">
+                  <a14:hiddenLine xmlns="" xmlns:a14="http://schemas.microsoft.com/office/drawing/2010/main" w="9525">
                     <a:solidFill>
                       <a:srgbClr val="000000"/>
                     </a:solidFill>
@@ -11181,7 +12498,7 @@
               </a:ln>
               <a:extLst>
                 <a:ext uri="{91240B29-F687-4f45-9708-019B960494DF}">
-                  <a14:hiddenLine xmlns:a14="http://schemas.microsoft.com/office/drawing/2010/main" xmlns="" w="9525">
+                  <a14:hiddenLine xmlns="" xmlns:a14="http://schemas.microsoft.com/office/drawing/2010/main" w="9525">
                     <a:solidFill>
                       <a:srgbClr val="000000"/>
                     </a:solidFill>
@@ -11296,7 +12613,7 @@
               </a:ln>
               <a:extLst>
                 <a:ext uri="{91240B29-F687-4f45-9708-019B960494DF}">
-                  <a14:hiddenLine xmlns:a14="http://schemas.microsoft.com/office/drawing/2010/main" xmlns="" w="9525">
+                  <a14:hiddenLine xmlns="" xmlns:a14="http://schemas.microsoft.com/office/drawing/2010/main" w="9525">
                     <a:solidFill>
                       <a:srgbClr val="000000"/>
                     </a:solidFill>
@@ -11386,7 +12703,7 @@
               </a:ln>
               <a:extLst>
                 <a:ext uri="{91240B29-F687-4f45-9708-019B960494DF}">
-                  <a14:hiddenLine xmlns:a14="http://schemas.microsoft.com/office/drawing/2010/main" xmlns="" w="9525">
+                  <a14:hiddenLine xmlns="" xmlns:a14="http://schemas.microsoft.com/office/drawing/2010/main" w="9525">
                     <a:solidFill>
                       <a:srgbClr val="000000"/>
                     </a:solidFill>
@@ -11451,7 +12768,7 @@
               </a:ln>
               <a:extLst>
                 <a:ext uri="{91240B29-F687-4f45-9708-019B960494DF}">
-                  <a14:hiddenLine xmlns:a14="http://schemas.microsoft.com/office/drawing/2010/main" xmlns="" w="9525">
+                  <a14:hiddenLine xmlns="" xmlns:a14="http://schemas.microsoft.com/office/drawing/2010/main" w="9525">
                     <a:solidFill>
                       <a:srgbClr val="000000"/>
                     </a:solidFill>
@@ -11541,7 +12858,7 @@
               </a:ln>
               <a:extLst>
                 <a:ext uri="{91240B29-F687-4f45-9708-019B960494DF}">
-                  <a14:hiddenLine xmlns:a14="http://schemas.microsoft.com/office/drawing/2010/main" xmlns="" w="9525">
+                  <a14:hiddenLine xmlns="" xmlns:a14="http://schemas.microsoft.com/office/drawing/2010/main" w="9525">
                     <a:solidFill>
                       <a:srgbClr val="000000"/>
                     </a:solidFill>
@@ -11609,7 +12926,7 @@
               </a:ln>
               <a:extLst>
                 <a:ext uri="{91240B29-F687-4f45-9708-019B960494DF}">
-                  <a14:hiddenLine xmlns:a14="http://schemas.microsoft.com/office/drawing/2010/main" xmlns="" w="9525">
+                  <a14:hiddenLine xmlns="" xmlns:a14="http://schemas.microsoft.com/office/drawing/2010/main" w="9525">
                     <a:solidFill>
                       <a:srgbClr val="000000"/>
                     </a:solidFill>
@@ -11699,7 +13016,7 @@
               </a:ln>
               <a:extLst>
                 <a:ext uri="{91240B29-F687-4f45-9708-019B960494DF}">
-                  <a14:hiddenLine xmlns:a14="http://schemas.microsoft.com/office/drawing/2010/main" xmlns="" w="9525">
+                  <a14:hiddenLine xmlns="" xmlns:a14="http://schemas.microsoft.com/office/drawing/2010/main" w="9525">
                     <a:solidFill>
                       <a:srgbClr val="000000"/>
                     </a:solidFill>
@@ -11767,7 +13084,7 @@
               </a:ln>
               <a:extLst>
                 <a:ext uri="{91240B29-F687-4f45-9708-019B960494DF}">
-                  <a14:hiddenLine xmlns:a14="http://schemas.microsoft.com/office/drawing/2010/main" xmlns="" w="9525">
+                  <a14:hiddenLine xmlns="" xmlns:a14="http://schemas.microsoft.com/office/drawing/2010/main" w="9525">
                     <a:solidFill>
                       <a:srgbClr val="000000"/>
                     </a:solidFill>
@@ -11857,7 +13174,7 @@
               </a:ln>
               <a:extLst>
                 <a:ext uri="{91240B29-F687-4f45-9708-019B960494DF}">
-                  <a14:hiddenLine xmlns:a14="http://schemas.microsoft.com/office/drawing/2010/main" xmlns="" w="9525">
+                  <a14:hiddenLine xmlns="" xmlns:a14="http://schemas.microsoft.com/office/drawing/2010/main" w="9525">
                     <a:solidFill>
                       <a:srgbClr val="000000"/>
                     </a:solidFill>
@@ -11891,7 +13208,7 @@
               </a:ln>
               <a:extLst>
                 <a:ext uri="{91240B29-F687-4f45-9708-019B960494DF}">
-                  <a14:hiddenLine xmlns:a14="http://schemas.microsoft.com/office/drawing/2010/main" xmlns="" w="9525">
+                  <a14:hiddenLine xmlns="" xmlns:a14="http://schemas.microsoft.com/office/drawing/2010/main" w="9525">
                     <a:solidFill>
                       <a:srgbClr val="000000"/>
                     </a:solidFill>
@@ -12031,7 +13348,7 @@
           <a:p>
             <a:fld id="{DBFB03AA-6361-4CA4-9C2A-B9A8C3B8A834}" type="datetimeFigureOut">
               <a:rPr lang="cs-CZ" smtClean="0"/>
-              <a:t>18.01.2023</a:t>
+              <a:t>19.01.2023</a:t>
             </a:fld>
             <a:endParaRPr lang="cs-CZ"/>
           </a:p>
@@ -12477,7 +13794,7 @@
         </p:nvSpPr>
         <p:spPr>
           <a:xfrm>
-            <a:off x="2868449" y="2189589"/>
+            <a:off x="2937460" y="2189589"/>
             <a:ext cx="6082903" cy="1498174"/>
           </a:xfrm>
         </p:spPr>
@@ -12543,12 +13860,12 @@
   </p:clrMapOvr>
   <mc:AlternateContent xmlns:mc="http://schemas.openxmlformats.org/markup-compatibility/2006">
     <mc:Choice xmlns:p14="http://schemas.microsoft.com/office/powerpoint/2010/main" Requires="p14">
-      <p:transition spd="med" p14:dur="700">
+      <p:transition spd="med" p14:dur="700" advTm="8000">
         <p:fade/>
       </p:transition>
     </mc:Choice>
     <mc:Fallback>
-      <p:transition spd="med">
+      <p:transition spd="med" advTm="8000">
         <p:fade/>
       </p:transition>
     </mc:Fallback>
@@ -12599,7 +13916,7 @@
         </p:nvSpPr>
         <p:spPr>
           <a:xfrm>
-            <a:off x="439394" y="87911"/>
+            <a:off x="1025721" y="105164"/>
             <a:ext cx="6082903" cy="1498174"/>
           </a:xfrm>
         </p:spPr>
@@ -12618,7 +13935,7 @@
                 <a:latin typeface="Arial" panose="020B0604020202020204" pitchFamily="34" charset="0"/>
                 <a:cs typeface="Arial" panose="020B0604020202020204" pitchFamily="34" charset="0"/>
               </a:rPr>
-              <a:t>Co je cílem?</a:t>
+              <a:t>Bezemisní doprava</a:t>
             </a:r>
           </a:p>
         </p:txBody>
@@ -12658,7 +13975,7 @@
           <p:cNvPr id="5" name="TextovéPole 4">
             <a:extLst>
               <a:ext uri="{FF2B5EF4-FFF2-40B4-BE49-F238E27FC236}">
-                <a16:creationId xmlns:a16="http://schemas.microsoft.com/office/drawing/2014/main" id="{2D3B6C45-FDF8-6CBB-0EE1-833B543C58C5}"/>
+                <a16:creationId xmlns:a16="http://schemas.microsoft.com/office/drawing/2014/main" id="{4BF4A5E9-4CF6-CA43-49DF-8A5789A7F865}"/>
               </a:ext>
             </a:extLst>
           </p:cNvPr>
@@ -12667,8 +13984,8 @@
         </p:nvSpPr>
         <p:spPr>
           <a:xfrm>
-            <a:off x="1880557" y="2334905"/>
-            <a:ext cx="10146602" cy="3046988"/>
+            <a:off x="1958196" y="2579298"/>
+            <a:ext cx="5546785" cy="4154984"/>
           </a:xfrm>
           <a:prstGeom prst="rect">
             <a:avLst/>
@@ -12686,8 +14003,14 @@
                 <a:latin typeface="Arial" panose="020B0604020202020204" pitchFamily="34" charset="0"/>
                 <a:cs typeface="Arial" panose="020B0604020202020204" pitchFamily="34" charset="0"/>
               </a:rPr>
-              <a:t>Příjemné podmínky pro život </a:t>
-            </a:r>
+              <a:t>Využití elektromobility. Současně u tramvají a trolejbusů.</a:t>
+            </a:r>
+          </a:p>
+          <a:p>
+            <a:endParaRPr lang="cs-CZ" sz="2400" dirty="0">
+              <a:latin typeface="Arial" panose="020B0604020202020204" pitchFamily="34" charset="0"/>
+              <a:cs typeface="Arial" panose="020B0604020202020204" pitchFamily="34" charset="0"/>
+            </a:endParaRPr>
           </a:p>
           <a:p>
             <a:r>
@@ -12695,7 +14018,16 @@
                 <a:latin typeface="Arial" panose="020B0604020202020204" pitchFamily="34" charset="0"/>
                 <a:cs typeface="Arial" panose="020B0604020202020204" pitchFamily="34" charset="0"/>
               </a:rPr>
-              <a:t>místních obyvatel.</a:t>
+              <a:t>Chytrá města o krok dále:</a:t>
+            </a:r>
+          </a:p>
+          <a:p>
+            <a:r>
+              <a:rPr lang="cs-CZ" sz="2400" dirty="0">
+                <a:latin typeface="Arial" panose="020B0604020202020204" pitchFamily="34" charset="0"/>
+                <a:cs typeface="Arial" panose="020B0604020202020204" pitchFamily="34" charset="0"/>
+              </a:rPr>
+              <a:t>Z hromadné dopravy na individuální dopravu.</a:t>
             </a:r>
           </a:p>
           <a:p>
@@ -12710,7 +14042,16 @@
                 <a:latin typeface="Arial" panose="020B0604020202020204" pitchFamily="34" charset="0"/>
                 <a:cs typeface="Arial" panose="020B0604020202020204" pitchFamily="34" charset="0"/>
               </a:rPr>
-              <a:t>Doprava a parkování                 Odpadové hospodářství                          </a:t>
+              <a:t>Elektrický pohon:</a:t>
+            </a:r>
+          </a:p>
+          <a:p>
+            <a:r>
+              <a:rPr lang="cs-CZ" sz="2400" dirty="0">
+                <a:latin typeface="Arial" panose="020B0604020202020204" pitchFamily="34" charset="0"/>
+                <a:cs typeface="Arial" panose="020B0604020202020204" pitchFamily="34" charset="0"/>
+              </a:rPr>
+              <a:t>Žádné emise, nízká hlučnost.</a:t>
             </a:r>
           </a:p>
           <a:p>
@@ -12720,26 +14061,62 @@
             </a:endParaRPr>
           </a:p>
           <a:p>
+            <a:endParaRPr lang="cs-CZ" sz="2400" dirty="0">
+              <a:latin typeface="Arial" panose="020B0604020202020204" pitchFamily="34" charset="0"/>
+              <a:cs typeface="Arial" panose="020B0604020202020204" pitchFamily="34" charset="0"/>
+            </a:endParaRPr>
+          </a:p>
+        </p:txBody>
+      </p:sp>
+      <p:sp>
+        <p:nvSpPr>
+          <p:cNvPr id="6" name="TextovéPole 5">
+            <a:extLst>
+              <a:ext uri="{FF2B5EF4-FFF2-40B4-BE49-F238E27FC236}">
+                <a16:creationId xmlns:a16="http://schemas.microsoft.com/office/drawing/2014/main" id="{832B8495-FB3F-4139-B1AD-F86D1F9D8F6E}"/>
+              </a:ext>
+            </a:extLst>
+          </p:cNvPr>
+          <p:cNvSpPr txBox="1"/>
+          <p:nvPr/>
+        </p:nvSpPr>
+        <p:spPr>
+          <a:xfrm>
+            <a:off x="8108830" y="3677662"/>
+            <a:ext cx="3131389" cy="2308324"/>
+          </a:xfrm>
+          <a:prstGeom prst="rect">
+            <a:avLst/>
+          </a:prstGeom>
+          <a:noFill/>
+        </p:spPr>
+        <p:txBody>
+          <a:bodyPr wrap="square" rtlCol="0">
+            <a:spAutoFit/>
+          </a:bodyPr>
+          <a:lstStyle/>
+          <a:p>
             <a:r>
               <a:rPr lang="cs-CZ" sz="2400" b="1" dirty="0">
                 <a:latin typeface="Arial" panose="020B0604020202020204" pitchFamily="34" charset="0"/>
                 <a:cs typeface="Arial" panose="020B0604020202020204" pitchFamily="34" charset="0"/>
               </a:rPr>
-              <a:t>Energie  </a:t>
-            </a:r>
+              <a:t>CNG pohon:</a:t>
+            </a:r>
+          </a:p>
+          <a:p>
+            <a:endParaRPr lang="cs-CZ" sz="2400" dirty="0">
+              <a:latin typeface="Arial" panose="020B0604020202020204" pitchFamily="34" charset="0"/>
+              <a:cs typeface="Arial" panose="020B0604020202020204" pitchFamily="34" charset="0"/>
+            </a:endParaRPr>
+          </a:p>
+          <a:p>
             <a:r>
               <a:rPr lang="cs-CZ" sz="2400" dirty="0">
                 <a:latin typeface="Arial" panose="020B0604020202020204" pitchFamily="34" charset="0"/>
                 <a:cs typeface="Arial" panose="020B0604020202020204" pitchFamily="34" charset="0"/>
               </a:rPr>
-              <a:t>                                      </a:t>
-            </a:r>
-            <a:r>
-              <a:rPr lang="cs-CZ" sz="2400" b="1" dirty="0">
-                <a:latin typeface="Arial" panose="020B0604020202020204" pitchFamily="34" charset="0"/>
-                <a:cs typeface="Arial" panose="020B0604020202020204" pitchFamily="34" charset="0"/>
-              </a:rPr>
-              <a:t>Rozšíření městské zeleně</a:t>
+              <a:t>Stlačený zemní plyn.</a:t>
             </a:r>
           </a:p>
           <a:p>
@@ -12750,19 +14127,25 @@
           </a:p>
           <a:p>
             <a:r>
-              <a:rPr lang="cs-CZ" sz="2400" b="1" dirty="0">
+              <a:rPr lang="cs-CZ" sz="2400" dirty="0">
                 <a:latin typeface="Arial" panose="020B0604020202020204" pitchFamily="34" charset="0"/>
                 <a:cs typeface="Arial" panose="020B0604020202020204" pitchFamily="34" charset="0"/>
               </a:rPr>
-              <a:t>Veřejné osvětlení                        Lepší úroveň služeb pro občany</a:t>
-            </a:r>
+              <a:t>…</a:t>
+            </a:r>
+          </a:p>
+          <a:p>
+            <a:endParaRPr lang="cs-CZ" sz="2400" dirty="0">
+              <a:latin typeface="Arial" panose="020B0604020202020204" pitchFamily="34" charset="0"/>
+              <a:cs typeface="Arial" panose="020B0604020202020204" pitchFamily="34" charset="0"/>
+            </a:endParaRPr>
           </a:p>
         </p:txBody>
       </p:sp>
     </p:spTree>
     <p:extLst>
       <p:ext uri="{BB962C8B-B14F-4D97-AF65-F5344CB8AC3E}">
-        <p14:creationId xmlns:p14="http://schemas.microsoft.com/office/powerpoint/2010/main" val="3927950764"/>
+        <p14:creationId xmlns:p14="http://schemas.microsoft.com/office/powerpoint/2010/main" val="1733353592"/>
       </p:ext>
     </p:extLst>
   </p:cSld>
@@ -12771,12 +14154,12 @@
   </p:clrMapOvr>
   <mc:AlternateContent xmlns:mc="http://schemas.openxmlformats.org/markup-compatibility/2006">
     <mc:Choice xmlns:p14="http://schemas.microsoft.com/office/powerpoint/2010/main" Requires="p14">
-      <p:transition spd="med" p14:dur="700">
+      <p:transition spd="med" p14:dur="700" advTm="35000">
         <p:fade/>
       </p:transition>
     </mc:Choice>
     <mc:Fallback>
-      <p:transition spd="med">
+      <p:transition spd="med" advTm="35000">
         <p:fade/>
       </p:transition>
     </mc:Fallback>
@@ -12827,300 +14210,6 @@
         </p:nvSpPr>
         <p:spPr>
           <a:xfrm>
-            <a:off x="1025721" y="105164"/>
-            <a:ext cx="6082903" cy="1498174"/>
-          </a:xfrm>
-        </p:spPr>
-        <p:txBody>
-          <a:bodyPr>
-            <a:normAutofit/>
-          </a:bodyPr>
-          <a:lstStyle/>
-          <a:p>
-            <a:pPr algn="ctr"/>
-            <a:r>
-              <a:rPr lang="cs-CZ" sz="3200" b="1" dirty="0">
-                <a:solidFill>
-                  <a:srgbClr val="FEFAC2"/>
-                </a:solidFill>
-                <a:latin typeface="Arial" panose="020B0604020202020204" pitchFamily="34" charset="0"/>
-                <a:cs typeface="Arial" panose="020B0604020202020204" pitchFamily="34" charset="0"/>
-              </a:rPr>
-              <a:t>Bezemisní doprava</a:t>
-            </a:r>
-          </a:p>
-        </p:txBody>
-      </p:sp>
-      <p:sp>
-        <p:nvSpPr>
-          <p:cNvPr id="3" name="Podnadpis 2">
-            <a:extLst>
-              <a:ext uri="{FF2B5EF4-FFF2-40B4-BE49-F238E27FC236}">
-                <a16:creationId xmlns:a16="http://schemas.microsoft.com/office/drawing/2014/main" id="{40BDE16B-3EE9-6453-FB6A-C1A83B805F10}"/>
-              </a:ext>
-            </a:extLst>
-          </p:cNvPr>
-          <p:cNvSpPr>
-            <a:spLocks noGrp="1"/>
-          </p:cNvSpPr>
-          <p:nvPr>
-            <p:ph type="subTitle" idx="1"/>
-          </p:nvPr>
-        </p:nvSpPr>
-        <p:spPr>
-          <a:xfrm>
-            <a:off x="4067173" y="3687763"/>
-            <a:ext cx="8791575" cy="1655762"/>
-          </a:xfrm>
-        </p:spPr>
-        <p:txBody>
-          <a:bodyPr/>
-          <a:lstStyle/>
-          <a:p>
-            <a:endParaRPr lang="cs-CZ" dirty="0"/>
-          </a:p>
-        </p:txBody>
-      </p:sp>
-      <p:sp>
-        <p:nvSpPr>
-          <p:cNvPr id="5" name="TextovéPole 4">
-            <a:extLst>
-              <a:ext uri="{FF2B5EF4-FFF2-40B4-BE49-F238E27FC236}">
-                <a16:creationId xmlns:a16="http://schemas.microsoft.com/office/drawing/2014/main" id="{4BF4A5E9-4CF6-CA43-49DF-8A5789A7F865}"/>
-              </a:ext>
-            </a:extLst>
-          </p:cNvPr>
-          <p:cNvSpPr txBox="1"/>
-          <p:nvPr/>
-        </p:nvSpPr>
-        <p:spPr>
-          <a:xfrm>
-            <a:off x="1958196" y="2579298"/>
-            <a:ext cx="5546785" cy="4154984"/>
-          </a:xfrm>
-          <a:prstGeom prst="rect">
-            <a:avLst/>
-          </a:prstGeom>
-          <a:noFill/>
-        </p:spPr>
-        <p:txBody>
-          <a:bodyPr wrap="square" rtlCol="0">
-            <a:spAutoFit/>
-          </a:bodyPr>
-          <a:lstStyle/>
-          <a:p>
-            <a:r>
-              <a:rPr lang="cs-CZ" sz="2400" b="1" dirty="0">
-                <a:latin typeface="Arial" panose="020B0604020202020204" pitchFamily="34" charset="0"/>
-                <a:cs typeface="Arial" panose="020B0604020202020204" pitchFamily="34" charset="0"/>
-              </a:rPr>
-              <a:t>Využití elektromobility. Současně u tramvají a trolejbusů.</a:t>
-            </a:r>
-          </a:p>
-          <a:p>
-            <a:endParaRPr lang="cs-CZ" sz="2400" dirty="0">
-              <a:latin typeface="Arial" panose="020B0604020202020204" pitchFamily="34" charset="0"/>
-              <a:cs typeface="Arial" panose="020B0604020202020204" pitchFamily="34" charset="0"/>
-            </a:endParaRPr>
-          </a:p>
-          <a:p>
-            <a:r>
-              <a:rPr lang="cs-CZ" sz="2400" b="1" dirty="0">
-                <a:latin typeface="Arial" panose="020B0604020202020204" pitchFamily="34" charset="0"/>
-                <a:cs typeface="Arial" panose="020B0604020202020204" pitchFamily="34" charset="0"/>
-              </a:rPr>
-              <a:t>Chytrá města o krok dále:</a:t>
-            </a:r>
-          </a:p>
-          <a:p>
-            <a:r>
-              <a:rPr lang="cs-CZ" sz="2400" dirty="0">
-                <a:latin typeface="Arial" panose="020B0604020202020204" pitchFamily="34" charset="0"/>
-                <a:cs typeface="Arial" panose="020B0604020202020204" pitchFamily="34" charset="0"/>
-              </a:rPr>
-              <a:t>Z hromadné dopravy na individuální dopravu.</a:t>
-            </a:r>
-          </a:p>
-          <a:p>
-            <a:endParaRPr lang="cs-CZ" sz="2400" dirty="0">
-              <a:latin typeface="Arial" panose="020B0604020202020204" pitchFamily="34" charset="0"/>
-              <a:cs typeface="Arial" panose="020B0604020202020204" pitchFamily="34" charset="0"/>
-            </a:endParaRPr>
-          </a:p>
-          <a:p>
-            <a:r>
-              <a:rPr lang="cs-CZ" sz="2400" b="1" dirty="0">
-                <a:latin typeface="Arial" panose="020B0604020202020204" pitchFamily="34" charset="0"/>
-                <a:cs typeface="Arial" panose="020B0604020202020204" pitchFamily="34" charset="0"/>
-              </a:rPr>
-              <a:t>Elektrický pohon:</a:t>
-            </a:r>
-          </a:p>
-          <a:p>
-            <a:r>
-              <a:rPr lang="cs-CZ" sz="2400" dirty="0">
-                <a:latin typeface="Arial" panose="020B0604020202020204" pitchFamily="34" charset="0"/>
-                <a:cs typeface="Arial" panose="020B0604020202020204" pitchFamily="34" charset="0"/>
-              </a:rPr>
-              <a:t>Žádné emise, nízká hlučnost.</a:t>
-            </a:r>
-          </a:p>
-          <a:p>
-            <a:endParaRPr lang="cs-CZ" sz="2400" dirty="0">
-              <a:latin typeface="Arial" panose="020B0604020202020204" pitchFamily="34" charset="0"/>
-              <a:cs typeface="Arial" panose="020B0604020202020204" pitchFamily="34" charset="0"/>
-            </a:endParaRPr>
-          </a:p>
-          <a:p>
-            <a:endParaRPr lang="cs-CZ" sz="2400" dirty="0">
-              <a:latin typeface="Arial" panose="020B0604020202020204" pitchFamily="34" charset="0"/>
-              <a:cs typeface="Arial" panose="020B0604020202020204" pitchFamily="34" charset="0"/>
-            </a:endParaRPr>
-          </a:p>
-        </p:txBody>
-      </p:sp>
-      <p:sp>
-        <p:nvSpPr>
-          <p:cNvPr id="6" name="TextovéPole 5">
-            <a:extLst>
-              <a:ext uri="{FF2B5EF4-FFF2-40B4-BE49-F238E27FC236}">
-                <a16:creationId xmlns:a16="http://schemas.microsoft.com/office/drawing/2014/main" id="{832B8495-FB3F-4139-B1AD-F86D1F9D8F6E}"/>
-              </a:ext>
-            </a:extLst>
-          </p:cNvPr>
-          <p:cNvSpPr txBox="1"/>
-          <p:nvPr/>
-        </p:nvSpPr>
-        <p:spPr>
-          <a:xfrm>
-            <a:off x="8108830" y="3677662"/>
-            <a:ext cx="3131389" cy="2308324"/>
-          </a:xfrm>
-          <a:prstGeom prst="rect">
-            <a:avLst/>
-          </a:prstGeom>
-          <a:noFill/>
-        </p:spPr>
-        <p:txBody>
-          <a:bodyPr wrap="square" rtlCol="0">
-            <a:spAutoFit/>
-          </a:bodyPr>
-          <a:lstStyle/>
-          <a:p>
-            <a:r>
-              <a:rPr lang="cs-CZ" sz="2400" b="1" dirty="0">
-                <a:latin typeface="Arial" panose="020B0604020202020204" pitchFamily="34" charset="0"/>
-                <a:cs typeface="Arial" panose="020B0604020202020204" pitchFamily="34" charset="0"/>
-              </a:rPr>
-              <a:t>CNG pohon:</a:t>
-            </a:r>
-          </a:p>
-          <a:p>
-            <a:endParaRPr lang="cs-CZ" sz="2400" dirty="0">
-              <a:latin typeface="Arial" panose="020B0604020202020204" pitchFamily="34" charset="0"/>
-              <a:cs typeface="Arial" panose="020B0604020202020204" pitchFamily="34" charset="0"/>
-            </a:endParaRPr>
-          </a:p>
-          <a:p>
-            <a:r>
-              <a:rPr lang="cs-CZ" sz="2400" dirty="0">
-                <a:latin typeface="Arial" panose="020B0604020202020204" pitchFamily="34" charset="0"/>
-                <a:cs typeface="Arial" panose="020B0604020202020204" pitchFamily="34" charset="0"/>
-              </a:rPr>
-              <a:t>Stlačený zemní plyn.</a:t>
-            </a:r>
-          </a:p>
-          <a:p>
-            <a:endParaRPr lang="cs-CZ" sz="2400" dirty="0">
-              <a:latin typeface="Arial" panose="020B0604020202020204" pitchFamily="34" charset="0"/>
-              <a:cs typeface="Arial" panose="020B0604020202020204" pitchFamily="34" charset="0"/>
-            </a:endParaRPr>
-          </a:p>
-          <a:p>
-            <a:r>
-              <a:rPr lang="cs-CZ" sz="2400" dirty="0">
-                <a:latin typeface="Arial" panose="020B0604020202020204" pitchFamily="34" charset="0"/>
-                <a:cs typeface="Arial" panose="020B0604020202020204" pitchFamily="34" charset="0"/>
-              </a:rPr>
-              <a:t>…</a:t>
-            </a:r>
-          </a:p>
-          <a:p>
-            <a:endParaRPr lang="cs-CZ" sz="2400" dirty="0">
-              <a:latin typeface="Arial" panose="020B0604020202020204" pitchFamily="34" charset="0"/>
-              <a:cs typeface="Arial" panose="020B0604020202020204" pitchFamily="34" charset="0"/>
-            </a:endParaRPr>
-          </a:p>
-        </p:txBody>
-      </p:sp>
-    </p:spTree>
-    <p:extLst>
-      <p:ext uri="{BB962C8B-B14F-4D97-AF65-F5344CB8AC3E}">
-        <p14:creationId xmlns:p14="http://schemas.microsoft.com/office/powerpoint/2010/main" val="1733353592"/>
-      </p:ext>
-    </p:extLst>
-  </p:cSld>
-  <p:clrMapOvr>
-    <a:masterClrMapping/>
-  </p:clrMapOvr>
-  <mc:AlternateContent xmlns:mc="http://schemas.openxmlformats.org/markup-compatibility/2006">
-    <mc:Choice xmlns:p14="http://schemas.microsoft.com/office/powerpoint/2010/main" Requires="p14">
-      <p:transition spd="med" p14:dur="700">
-        <p:fade/>
-      </p:transition>
-    </mc:Choice>
-    <mc:Fallback>
-      <p:transition spd="med">
-        <p:fade/>
-      </p:transition>
-    </mc:Fallback>
-  </mc:AlternateContent>
-</p:sld>
-</file>
-
-<file path=ppt/slides/slide12.xml><?xml version="1.0" encoding="utf-8"?>
-<p:sld xmlns:a="http://schemas.openxmlformats.org/drawingml/2006/main" xmlns:r="http://schemas.openxmlformats.org/officeDocument/2006/relationships" xmlns:p="http://schemas.openxmlformats.org/presentationml/2006/main">
-  <p:cSld>
-    <p:bg>
-      <p:bgPr>
-        <a:solidFill>
-          <a:srgbClr val="23268F"/>
-        </a:solidFill>
-        <a:effectLst/>
-      </p:bgPr>
-    </p:bg>
-    <p:spTree>
-      <p:nvGrpSpPr>
-        <p:cNvPr id="1" name=""/>
-        <p:cNvGrpSpPr/>
-        <p:nvPr/>
-      </p:nvGrpSpPr>
-      <p:grpSpPr>
-        <a:xfrm>
-          <a:off x="0" y="0"/>
-          <a:ext cx="0" cy="0"/>
-          <a:chOff x="0" y="0"/>
-          <a:chExt cx="0" cy="0"/>
-        </a:xfrm>
-      </p:grpSpPr>
-      <p:sp>
-        <p:nvSpPr>
-          <p:cNvPr id="2" name="Nadpis 1">
-            <a:extLst>
-              <a:ext uri="{FF2B5EF4-FFF2-40B4-BE49-F238E27FC236}">
-                <a16:creationId xmlns:a16="http://schemas.microsoft.com/office/drawing/2014/main" id="{29CB99E5-9986-576C-8894-71192D74DD8C}"/>
-              </a:ext>
-            </a:extLst>
-          </p:cNvPr>
-          <p:cNvSpPr>
-            <a:spLocks noGrp="1"/>
-          </p:cNvSpPr>
-          <p:nvPr>
-            <p:ph type="ctrTitle"/>
-          </p:nvPr>
-        </p:nvSpPr>
-        <p:spPr>
-          <a:xfrm>
             <a:off x="1440058" y="0"/>
             <a:ext cx="7402017" cy="1498174"/>
           </a:xfrm>
@@ -13273,13 +14362,13 @@
           <p:nvPr/>
         </p:nvPicPr>
         <p:blipFill>
-          <a:blip r:embed="rId2">
+          <a:blip r:embed="rId3">
             <a:extLst>
               <a:ext uri="{28A0092B-C50C-407E-A947-70E740481C1C}">
                 <a14:useLocalDpi xmlns:a14="http://schemas.microsoft.com/office/drawing/2010/main" val="0"/>
               </a:ext>
               <a:ext uri="{837473B0-CC2E-450A-ABE3-18F120FF3D39}">
-                <a1611:picAttrSrcUrl xmlns:a1611="http://schemas.microsoft.com/office/drawing/2016/11/main" r:id="rId3"/>
+                <a1611:picAttrSrcUrl xmlns:a1611="http://schemas.microsoft.com/office/drawing/2016/11/main" r:id="rId4"/>
               </a:ext>
             </a:extLst>
           </a:blip>
@@ -13312,7 +14401,7 @@
           <p:nvPr/>
         </p:nvPicPr>
         <p:blipFill>
-          <a:blip r:embed="rId4">
+          <a:blip r:embed="rId5">
             <a:extLst>
               <a:ext uri="{28A0092B-C50C-407E-A947-70E740481C1C}">
                 <a14:useLocalDpi xmlns:a14="http://schemas.microsoft.com/office/drawing/2010/main" val="0"/>
@@ -13356,12 +14445,12 @@
   </p:clrMapOvr>
   <mc:AlternateContent xmlns:mc="http://schemas.openxmlformats.org/markup-compatibility/2006">
     <mc:Choice xmlns:p14="http://schemas.microsoft.com/office/powerpoint/2010/main" Requires="p14">
-      <p:transition spd="med" p14:dur="700">
+      <p:transition spd="med" p14:dur="700" advTm="15000">
         <p:fade/>
       </p:transition>
     </mc:Choice>
     <mc:Fallback>
-      <p:transition spd="med">
+      <p:transition spd="med" advTm="15000">
         <p:fade/>
       </p:transition>
     </mc:Fallback>
@@ -13369,7 +14458,7 @@
 </p:sld>
 </file>
 
-<file path=ppt/slides/slide13.xml><?xml version="1.0" encoding="utf-8"?>
+<file path=ppt/slides/slide12.xml><?xml version="1.0" encoding="utf-8"?>
 <p:sld xmlns:a="http://schemas.openxmlformats.org/drawingml/2006/main" xmlns:r="http://schemas.openxmlformats.org/officeDocument/2006/relationships" xmlns:p="http://schemas.openxmlformats.org/presentationml/2006/main">
   <p:cSld>
     <p:bg>
@@ -13593,7 +14682,7 @@
           <p:nvPr/>
         </p:nvPicPr>
         <p:blipFill>
-          <a:blip r:embed="rId2">
+          <a:blip r:embed="rId3">
             <a:extLst>
               <a:ext uri="{28A0092B-C50C-407E-A947-70E740481C1C}">
                 <a14:useLocalDpi xmlns:a14="http://schemas.microsoft.com/office/drawing/2010/main" val="0"/>
@@ -13678,7 +14767,7 @@
           <p:nvPr/>
         </p:nvPicPr>
         <p:blipFill>
-          <a:blip r:embed="rId3">
+          <a:blip r:embed="rId4">
             <a:extLst>
               <a:ext uri="{28A0092B-C50C-407E-A947-70E740481C1C}">
                 <a14:useLocalDpi xmlns:a14="http://schemas.microsoft.com/office/drawing/2010/main" val="0"/>
@@ -13770,7 +14859,7 @@
           <p:nvPr/>
         </p:nvPicPr>
         <p:blipFill>
-          <a:blip r:embed="rId4">
+          <a:blip r:embed="rId5">
             <a:extLst>
               <a:ext uri="{28A0092B-C50C-407E-A947-70E740481C1C}">
                 <a14:useLocalDpi xmlns:a14="http://schemas.microsoft.com/office/drawing/2010/main" val="0"/>
@@ -13855,7 +14944,7 @@
           <p:nvPr/>
         </p:nvPicPr>
         <p:blipFill>
-          <a:blip r:embed="rId5">
+          <a:blip r:embed="rId6">
             <a:extLst>
               <a:ext uri="{28A0092B-C50C-407E-A947-70E740481C1C}">
                 <a14:useLocalDpi xmlns:a14="http://schemas.microsoft.com/office/drawing/2010/main" val="0"/>
@@ -13940,7 +15029,7 @@
           <p:nvPr/>
         </p:nvPicPr>
         <p:blipFill>
-          <a:blip r:embed="rId6">
+          <a:blip r:embed="rId7">
             <a:extLst>
               <a:ext uri="{28A0092B-C50C-407E-A947-70E740481C1C}">
                 <a14:useLocalDpi xmlns:a14="http://schemas.microsoft.com/office/drawing/2010/main" val="0"/>
@@ -14025,7 +15114,7 @@
           <p:nvPr/>
         </p:nvPicPr>
         <p:blipFill>
-          <a:blip r:embed="rId7">
+          <a:blip r:embed="rId8">
             <a:extLst>
               <a:ext uri="{28A0092B-C50C-407E-A947-70E740481C1C}">
                 <a14:useLocalDpi xmlns:a14="http://schemas.microsoft.com/office/drawing/2010/main" val="0"/>
@@ -14072,7 +15161,7 @@
           <p:nvPr/>
         </p:nvPicPr>
         <p:blipFill>
-          <a:blip r:embed="rId7">
+          <a:blip r:embed="rId8">
             <a:extLst>
               <a:ext uri="{28A0092B-C50C-407E-A947-70E740481C1C}">
                 <a14:useLocalDpi xmlns:a14="http://schemas.microsoft.com/office/drawing/2010/main" val="0"/>
@@ -14119,7 +15208,7 @@
           <p:nvPr/>
         </p:nvPicPr>
         <p:blipFill>
-          <a:blip r:embed="rId8">
+          <a:blip r:embed="rId9">
             <a:extLst>
               <a:ext uri="{28A0092B-C50C-407E-A947-70E740481C1C}">
                 <a14:useLocalDpi xmlns:a14="http://schemas.microsoft.com/office/drawing/2010/main" val="0"/>
@@ -14166,7 +15255,7 @@
           <p:nvPr/>
         </p:nvPicPr>
         <p:blipFill>
-          <a:blip r:embed="rId9">
+          <a:blip r:embed="rId10">
             <a:extLst>
               <a:ext uri="{28A0092B-C50C-407E-A947-70E740481C1C}">
                 <a14:useLocalDpi xmlns:a14="http://schemas.microsoft.com/office/drawing/2010/main" val="0"/>
@@ -14213,7 +15302,7 @@
           <p:nvPr/>
         </p:nvPicPr>
         <p:blipFill>
-          <a:blip r:embed="rId10">
+          <a:blip r:embed="rId11">
             <a:extLst>
               <a:ext uri="{28A0092B-C50C-407E-A947-70E740481C1C}">
                 <a14:useLocalDpi xmlns:a14="http://schemas.microsoft.com/office/drawing/2010/main" val="0"/>
@@ -14257,12 +15346,252 @@
   </p:clrMapOvr>
   <mc:AlternateContent xmlns:mc="http://schemas.openxmlformats.org/markup-compatibility/2006">
     <mc:Choice xmlns:p14="http://schemas.microsoft.com/office/powerpoint/2010/main" Requires="p14">
-      <p:transition spd="med" p14:dur="700">
+      <p:transition spd="med" p14:dur="700" advTm="23000">
         <p:fade/>
       </p:transition>
     </mc:Choice>
     <mc:Fallback>
-      <p:transition spd="med">
+      <p:transition spd="med" advTm="23000">
+        <p:fade/>
+      </p:transition>
+    </mc:Fallback>
+  </mc:AlternateContent>
+</p:sld>
+</file>
+
+<file path=ppt/slides/slide13.xml><?xml version="1.0" encoding="utf-8"?>
+<p:sld xmlns:a="http://schemas.openxmlformats.org/drawingml/2006/main" xmlns:r="http://schemas.openxmlformats.org/officeDocument/2006/relationships" xmlns:p="http://schemas.openxmlformats.org/presentationml/2006/main">
+  <p:cSld>
+    <p:bg>
+      <p:bgPr>
+        <a:solidFill>
+          <a:srgbClr val="23268F"/>
+        </a:solidFill>
+        <a:effectLst/>
+      </p:bgPr>
+    </p:bg>
+    <p:spTree>
+      <p:nvGrpSpPr>
+        <p:cNvPr id="1" name=""/>
+        <p:cNvGrpSpPr/>
+        <p:nvPr/>
+      </p:nvGrpSpPr>
+      <p:grpSpPr>
+        <a:xfrm>
+          <a:off x="0" y="0"/>
+          <a:ext cx="0" cy="0"/>
+          <a:chOff x="0" y="0"/>
+          <a:chExt cx="0" cy="0"/>
+        </a:xfrm>
+      </p:grpSpPr>
+      <p:sp>
+        <p:nvSpPr>
+          <p:cNvPr id="2" name="Nadpis 1">
+            <a:extLst>
+              <a:ext uri="{FF2B5EF4-FFF2-40B4-BE49-F238E27FC236}">
+                <a16:creationId xmlns:a16="http://schemas.microsoft.com/office/drawing/2014/main" id="{29CB99E5-9986-576C-8894-71192D74DD8C}"/>
+              </a:ext>
+            </a:extLst>
+          </p:cNvPr>
+          <p:cNvSpPr>
+            <a:spLocks noGrp="1"/>
+          </p:cNvSpPr>
+          <p:nvPr>
+            <p:ph type="ctrTitle"/>
+          </p:nvPr>
+        </p:nvSpPr>
+        <p:spPr>
+          <a:xfrm>
+            <a:off x="1025721" y="79284"/>
+            <a:ext cx="6082903" cy="1498174"/>
+          </a:xfrm>
+        </p:spPr>
+        <p:txBody>
+          <a:bodyPr>
+            <a:normAutofit/>
+          </a:bodyPr>
+          <a:lstStyle/>
+          <a:p>
+            <a:pPr algn="ctr"/>
+            <a:r>
+              <a:rPr lang="cs-CZ" sz="3200" b="1">
+                <a:solidFill>
+                  <a:srgbClr val="FEFAC2"/>
+                </a:solidFill>
+                <a:latin typeface="Arial" panose="020B0604020202020204" pitchFamily="34" charset="0"/>
+                <a:cs typeface="Arial" panose="020B0604020202020204" pitchFamily="34" charset="0"/>
+              </a:rPr>
+              <a:t>Chytrá města v čr</a:t>
+            </a:r>
+            <a:endParaRPr lang="cs-CZ" sz="3200" b="1" dirty="0">
+              <a:solidFill>
+                <a:srgbClr val="FEFAC2"/>
+              </a:solidFill>
+              <a:latin typeface="Arial" panose="020B0604020202020204" pitchFamily="34" charset="0"/>
+              <a:cs typeface="Arial" panose="020B0604020202020204" pitchFamily="34" charset="0"/>
+            </a:endParaRPr>
+          </a:p>
+        </p:txBody>
+      </p:sp>
+      <p:sp>
+        <p:nvSpPr>
+          <p:cNvPr id="3" name="Podnadpis 2">
+            <a:extLst>
+              <a:ext uri="{FF2B5EF4-FFF2-40B4-BE49-F238E27FC236}">
+                <a16:creationId xmlns:a16="http://schemas.microsoft.com/office/drawing/2014/main" id="{40BDE16B-3EE9-6453-FB6A-C1A83B805F10}"/>
+              </a:ext>
+            </a:extLst>
+          </p:cNvPr>
+          <p:cNvSpPr>
+            <a:spLocks noGrp="1"/>
+          </p:cNvSpPr>
+          <p:nvPr>
+            <p:ph type="subTitle" idx="1"/>
+          </p:nvPr>
+        </p:nvSpPr>
+        <p:spPr>
+          <a:xfrm>
+            <a:off x="4067173" y="3687763"/>
+            <a:ext cx="8791575" cy="1655762"/>
+          </a:xfrm>
+        </p:spPr>
+        <p:txBody>
+          <a:bodyPr/>
+          <a:lstStyle/>
+          <a:p>
+            <a:endParaRPr lang="cs-CZ" dirty="0"/>
+          </a:p>
+        </p:txBody>
+      </p:sp>
+      <p:sp>
+        <p:nvSpPr>
+          <p:cNvPr id="5" name="TextovéPole 4">
+            <a:extLst>
+              <a:ext uri="{FF2B5EF4-FFF2-40B4-BE49-F238E27FC236}">
+                <a16:creationId xmlns:a16="http://schemas.microsoft.com/office/drawing/2014/main" id="{E1BA64E4-1CD9-1B7D-C174-CB2354C82C44}"/>
+              </a:ext>
+            </a:extLst>
+          </p:cNvPr>
+          <p:cNvSpPr txBox="1"/>
+          <p:nvPr/>
+        </p:nvSpPr>
+        <p:spPr>
+          <a:xfrm>
+            <a:off x="1871932" y="2363638"/>
+            <a:ext cx="5865962" cy="4524315"/>
+          </a:xfrm>
+          <a:prstGeom prst="rect">
+            <a:avLst/>
+          </a:prstGeom>
+          <a:noFill/>
+        </p:spPr>
+        <p:txBody>
+          <a:bodyPr wrap="square" rtlCol="0">
+            <a:spAutoFit/>
+          </a:bodyPr>
+          <a:lstStyle/>
+          <a:p>
+            <a:r>
+              <a:rPr lang="cs-CZ" sz="2400" b="1" dirty="0">
+                <a:latin typeface="Arial" panose="020B0604020202020204" pitchFamily="34" charset="0"/>
+                <a:cs typeface="Arial" panose="020B0604020202020204" pitchFamily="34" charset="0"/>
+              </a:rPr>
+              <a:t>Písek</a:t>
+            </a:r>
+            <a:r>
+              <a:rPr lang="cs-CZ" sz="2400" dirty="0">
+                <a:latin typeface="Arial" panose="020B0604020202020204" pitchFamily="34" charset="0"/>
+                <a:cs typeface="Arial" panose="020B0604020202020204" pitchFamily="34" charset="0"/>
+              </a:rPr>
+              <a:t>- nejvíce chytré město v ČR.</a:t>
+            </a:r>
+          </a:p>
+          <a:p>
+            <a:endParaRPr lang="cs-CZ" sz="2400" dirty="0">
+              <a:latin typeface="Arial" panose="020B0604020202020204" pitchFamily="34" charset="0"/>
+              <a:cs typeface="Arial" panose="020B0604020202020204" pitchFamily="34" charset="0"/>
+            </a:endParaRPr>
+          </a:p>
+          <a:p>
+            <a:r>
+              <a:rPr lang="cs-CZ" sz="2400" dirty="0">
+                <a:latin typeface="Arial" panose="020B0604020202020204" pitchFamily="34" charset="0"/>
+                <a:cs typeface="Arial" panose="020B0604020202020204" pitchFamily="34" charset="0"/>
+              </a:rPr>
+              <a:t>Dále:</a:t>
+            </a:r>
+          </a:p>
+          <a:p>
+            <a:r>
+              <a:rPr lang="cs-CZ" sz="2400" dirty="0">
+                <a:latin typeface="Arial" panose="020B0604020202020204" pitchFamily="34" charset="0"/>
+                <a:cs typeface="Arial" panose="020B0604020202020204" pitchFamily="34" charset="0"/>
+              </a:rPr>
+              <a:t>Praha, Brno…, menší obce např. Jihlava.</a:t>
+            </a:r>
+          </a:p>
+          <a:p>
+            <a:endParaRPr lang="cs-CZ" sz="2400" dirty="0">
+              <a:latin typeface="Arial" panose="020B0604020202020204" pitchFamily="34" charset="0"/>
+              <a:cs typeface="Arial" panose="020B0604020202020204" pitchFamily="34" charset="0"/>
+            </a:endParaRPr>
+          </a:p>
+          <a:p>
+            <a:r>
+              <a:rPr lang="cs-CZ" sz="2400" dirty="0">
+                <a:latin typeface="Arial" panose="020B0604020202020204" pitchFamily="34" charset="0"/>
+                <a:cs typeface="Arial" panose="020B0604020202020204" pitchFamily="34" charset="0"/>
+              </a:rPr>
+              <a:t>Praha- ocenění za digitalizaci řízení odpadového svozu.</a:t>
+            </a:r>
+          </a:p>
+          <a:p>
+            <a:endParaRPr lang="cs-CZ" sz="2400" dirty="0">
+              <a:latin typeface="Arial" panose="020B0604020202020204" pitchFamily="34" charset="0"/>
+              <a:cs typeface="Arial" panose="020B0604020202020204" pitchFamily="34" charset="0"/>
+            </a:endParaRPr>
+          </a:p>
+          <a:p>
+            <a:r>
+              <a:rPr lang="cs-CZ" sz="2400" dirty="0">
+                <a:latin typeface="Arial" panose="020B0604020202020204" pitchFamily="34" charset="0"/>
+                <a:cs typeface="Arial" panose="020B0604020202020204" pitchFamily="34" charset="0"/>
+              </a:rPr>
+              <a:t>Plzeň- za projekt využívající drony jako podpora v záchranném systému</a:t>
+            </a:r>
+          </a:p>
+          <a:p>
+            <a:endParaRPr lang="cs-CZ" sz="2400" dirty="0">
+              <a:latin typeface="Arial" panose="020B0604020202020204" pitchFamily="34" charset="0"/>
+              <a:cs typeface="Arial" panose="020B0604020202020204" pitchFamily="34" charset="0"/>
+            </a:endParaRPr>
+          </a:p>
+          <a:p>
+            <a:endParaRPr lang="cs-CZ" sz="2400" dirty="0">
+              <a:latin typeface="Arial" panose="020B0604020202020204" pitchFamily="34" charset="0"/>
+              <a:cs typeface="Arial" panose="020B0604020202020204" pitchFamily="34" charset="0"/>
+            </a:endParaRPr>
+          </a:p>
+        </p:txBody>
+      </p:sp>
+    </p:spTree>
+    <p:extLst>
+      <p:ext uri="{BB962C8B-B14F-4D97-AF65-F5344CB8AC3E}">
+        <p14:creationId xmlns:p14="http://schemas.microsoft.com/office/powerpoint/2010/main" val="1424980246"/>
+      </p:ext>
+    </p:extLst>
+  </p:cSld>
+  <p:clrMapOvr>
+    <a:masterClrMapping/>
+  </p:clrMapOvr>
+  <mc:AlternateContent xmlns:mc="http://schemas.openxmlformats.org/markup-compatibility/2006">
+    <mc:Choice xmlns:p14="http://schemas.microsoft.com/office/powerpoint/2010/main" Requires="p14">
+      <p:transition spd="med" p14:dur="700" advTm="35000">
+        <p:fade/>
+      </p:transition>
+    </mc:Choice>
+    <mc:Fallback>
+      <p:transition spd="med" advTm="35000">
         <p:fade/>
       </p:transition>
     </mc:Fallback>
@@ -14313,8 +15642,8 @@
         </p:nvSpPr>
         <p:spPr>
           <a:xfrm>
-            <a:off x="1025721" y="79284"/>
-            <a:ext cx="6082903" cy="1498174"/>
+            <a:off x="1064904" y="122418"/>
+            <a:ext cx="6004538" cy="1507976"/>
           </a:xfrm>
         </p:spPr>
         <p:txBody>
@@ -14325,22 +15654,15 @@
           <a:p>
             <a:pPr algn="ctr"/>
             <a:r>
-              <a:rPr lang="cs-CZ" sz="3200" b="1">
+              <a:rPr lang="cs-CZ" sz="3200" b="1" dirty="0">
                 <a:solidFill>
                   <a:srgbClr val="FEFAC2"/>
                 </a:solidFill>
                 <a:latin typeface="Arial" panose="020B0604020202020204" pitchFamily="34" charset="0"/>
                 <a:cs typeface="Arial" panose="020B0604020202020204" pitchFamily="34" charset="0"/>
               </a:rPr>
-              <a:t>Chytrá města v čr</a:t>
-            </a:r>
-            <a:endParaRPr lang="cs-CZ" sz="3200" b="1" dirty="0">
-              <a:solidFill>
-                <a:srgbClr val="FEFAC2"/>
-              </a:solidFill>
-              <a:latin typeface="Arial" panose="020B0604020202020204" pitchFamily="34" charset="0"/>
-              <a:cs typeface="Arial" panose="020B0604020202020204" pitchFamily="34" charset="0"/>
-            </a:endParaRPr>
+              <a:t>Citace literatury:</a:t>
+            </a:r>
           </a:p>
         </p:txBody>
       </p:sp>
@@ -14362,15 +15684,23 @@
         </p:nvSpPr>
         <p:spPr>
           <a:xfrm>
-            <a:off x="4067173" y="3687763"/>
-            <a:ext cx="8791575" cy="1655762"/>
+            <a:off x="1712163" y="2549075"/>
+            <a:ext cx="8208216" cy="2212705"/>
           </a:xfrm>
         </p:spPr>
         <p:txBody>
-          <a:bodyPr/>
+          <a:bodyPr>
+            <a:normAutofit/>
+          </a:bodyPr>
           <a:lstStyle/>
           <a:p>
-            <a:endParaRPr lang="cs-CZ" dirty="0"/>
+            <a:endParaRPr lang="cs-CZ" sz="1400" b="0" i="0" dirty="0">
+              <a:solidFill>
+                <a:srgbClr val="212529"/>
+              </a:solidFill>
+              <a:effectLst/>
+              <a:latin typeface="Open Sans" panose="020B0606030504020204" pitchFamily="34" charset="0"/>
+            </a:endParaRPr>
           </a:p>
         </p:txBody>
       </p:sp>
@@ -14379,7 +15709,7 @@
           <p:cNvPr id="5" name="TextovéPole 4">
             <a:extLst>
               <a:ext uri="{FF2B5EF4-FFF2-40B4-BE49-F238E27FC236}">
-                <a16:creationId xmlns:a16="http://schemas.microsoft.com/office/drawing/2014/main" id="{E1BA64E4-1CD9-1B7D-C174-CB2354C82C44}"/>
+                <a16:creationId xmlns:a16="http://schemas.microsoft.com/office/drawing/2014/main" id="{C26CCA9B-1BCD-B419-9F52-660FAF7DFC79}"/>
               </a:ext>
             </a:extLst>
           </p:cNvPr>
@@ -14388,8 +15718,8 @@
         </p:nvSpPr>
         <p:spPr>
           <a:xfrm>
-            <a:off x="1871932" y="2363638"/>
-            <a:ext cx="5865962" cy="3416320"/>
+            <a:off x="1712163" y="2228671"/>
+            <a:ext cx="6094562" cy="1200329"/>
           </a:xfrm>
           <a:prstGeom prst="rect">
             <a:avLst/>
@@ -14397,83 +15727,121 @@
           <a:noFill/>
         </p:spPr>
         <p:txBody>
-          <a:bodyPr wrap="square" rtlCol="0">
+          <a:bodyPr wrap="square">
             <a:spAutoFit/>
           </a:bodyPr>
           <a:lstStyle/>
           <a:p>
             <a:r>
-              <a:rPr lang="cs-CZ" sz="2400" b="1" dirty="0">
-                <a:latin typeface="Arial" panose="020B0604020202020204" pitchFamily="34" charset="0"/>
-                <a:cs typeface="Arial" panose="020B0604020202020204" pitchFamily="34" charset="0"/>
+              <a:rPr lang="it-IT" b="0" i="0" dirty="0">
+                <a:effectLst/>
+                <a:latin typeface="Open Sans" panose="020B0606030504020204" pitchFamily="34" charset="0"/>
               </a:rPr>
-              <a:t>Písek</a:t>
-            </a:r>
-            <a:r>
-              <a:rPr lang="cs-CZ" sz="2400" dirty="0">
-                <a:latin typeface="Arial" panose="020B0604020202020204" pitchFamily="34" charset="0"/>
-                <a:cs typeface="Arial" panose="020B0604020202020204" pitchFamily="34" charset="0"/>
+              <a:t>Internet věcí. </a:t>
+            </a:r>
+            <a:r>
+              <a:rPr lang="it-IT" b="0" i="1" dirty="0">
+                <a:effectLst/>
+                <a:latin typeface="Open Sans" panose="020B0606030504020204" pitchFamily="34" charset="0"/>
               </a:rPr>
-              <a:t>- nejvíce chytré město v ČR.</a:t>
-            </a:r>
-          </a:p>
-          <a:p>
-            <a:endParaRPr lang="cs-CZ" sz="2400" dirty="0">
-              <a:latin typeface="Arial" panose="020B0604020202020204" pitchFamily="34" charset="0"/>
-              <a:cs typeface="Arial" panose="020B0604020202020204" pitchFamily="34" charset="0"/>
-            </a:endParaRPr>
-          </a:p>
-          <a:p>
-            <a:r>
-              <a:rPr lang="cs-CZ" sz="2400" dirty="0">
-                <a:latin typeface="Arial" panose="020B0604020202020204" pitchFamily="34" charset="0"/>
-                <a:cs typeface="Arial" panose="020B0604020202020204" pitchFamily="34" charset="0"/>
+              <a:t>Rascasone</a:t>
+            </a:r>
+            <a:r>
+              <a:rPr lang="it-IT" b="0" i="0" dirty="0">
+                <a:effectLst/>
+                <a:latin typeface="Open Sans" panose="020B0606030504020204" pitchFamily="34" charset="0"/>
               </a:rPr>
-              <a:t>Dále:</a:t>
-            </a:r>
-          </a:p>
-          <a:p>
-            <a:r>
-              <a:rPr lang="cs-CZ" sz="2400" dirty="0">
-                <a:latin typeface="Arial" panose="020B0604020202020204" pitchFamily="34" charset="0"/>
-                <a:cs typeface="Arial" panose="020B0604020202020204" pitchFamily="34" charset="0"/>
+              <a:t> [online]. Rascasone, 1.7. 2022n. l. [cit. 2023-01-19]. Dostupné z: </a:t>
+            </a:r>
+            <a:r>
+              <a:rPr lang="it-IT" b="0" i="0" dirty="0">
+                <a:effectLst/>
+                <a:latin typeface="Open Sans" panose="020B0606030504020204" pitchFamily="34" charset="0"/>
+                <a:hlinkClick r:id="rId2">
+                  <a:extLst>
+                    <a:ext uri="{A12FA001-AC4F-418D-AE19-62706E023703}">
+                      <ahyp:hlinkClr xmlns:ahyp="http://schemas.microsoft.com/office/drawing/2018/hyperlinkcolor" val="tx"/>
+                    </a:ext>
+                  </a:extLst>
+                </a:hlinkClick>
               </a:rPr>
-              <a:t>Praha, Brno…, menší obce např. Jihlava.</a:t>
-            </a:r>
-          </a:p>
-          <a:p>
-            <a:endParaRPr lang="cs-CZ" sz="2400" dirty="0">
-              <a:latin typeface="Arial" panose="020B0604020202020204" pitchFamily="34" charset="0"/>
-              <a:cs typeface="Arial" panose="020B0604020202020204" pitchFamily="34" charset="0"/>
-            </a:endParaRPr>
-          </a:p>
-          <a:p>
-            <a:r>
-              <a:rPr lang="cs-CZ" sz="2400" dirty="0">
-                <a:latin typeface="Arial" panose="020B0604020202020204" pitchFamily="34" charset="0"/>
-                <a:cs typeface="Arial" panose="020B0604020202020204" pitchFamily="34" charset="0"/>
+              <a:t>https://www.rascasone.com/cs/blog/iot-internet-veci-definice-produkty-historie</a:t>
+            </a:r>
+            <a:endParaRPr lang="cs-CZ" dirty="0"/>
+          </a:p>
+        </p:txBody>
+      </p:sp>
+      <p:sp>
+        <p:nvSpPr>
+          <p:cNvPr id="7" name="TextovéPole 6">
+            <a:extLst>
+              <a:ext uri="{FF2B5EF4-FFF2-40B4-BE49-F238E27FC236}">
+                <a16:creationId xmlns:a16="http://schemas.microsoft.com/office/drawing/2014/main" id="{AA2E6004-32B1-B8F1-156E-85B3CAD63B3D}"/>
+              </a:ext>
+            </a:extLst>
+          </p:cNvPr>
+          <p:cNvSpPr txBox="1"/>
+          <p:nvPr/>
+        </p:nvSpPr>
+        <p:spPr>
+          <a:xfrm>
+            <a:off x="1712163" y="3429000"/>
+            <a:ext cx="6094562" cy="923330"/>
+          </a:xfrm>
+          <a:prstGeom prst="rect">
+            <a:avLst/>
+          </a:prstGeom>
+          <a:noFill/>
+        </p:spPr>
+        <p:txBody>
+          <a:bodyPr wrap="square">
+            <a:spAutoFit/>
+          </a:bodyPr>
+          <a:lstStyle/>
+          <a:p>
+            <a:r>
+              <a:rPr lang="cs-CZ" b="0" i="0" dirty="0">
+                <a:effectLst/>
+                <a:latin typeface="Open Sans" panose="020B0606030504020204" pitchFamily="34" charset="0"/>
               </a:rPr>
-              <a:t>Praha- ocenění za digitalizaci řízení odpadového svozu.</a:t>
-            </a:r>
-          </a:p>
-          <a:p>
-            <a:endParaRPr lang="cs-CZ" sz="2400" dirty="0">
-              <a:latin typeface="Arial" panose="020B0604020202020204" pitchFamily="34" charset="0"/>
-              <a:cs typeface="Arial" panose="020B0604020202020204" pitchFamily="34" charset="0"/>
-            </a:endParaRPr>
-          </a:p>
-          <a:p>
-            <a:endParaRPr lang="cs-CZ" sz="2400" dirty="0">
-              <a:latin typeface="Arial" panose="020B0604020202020204" pitchFamily="34" charset="0"/>
-              <a:cs typeface="Arial" panose="020B0604020202020204" pitchFamily="34" charset="0"/>
-            </a:endParaRPr>
+              <a:t>Chytrá města. </a:t>
+            </a:r>
+            <a:r>
+              <a:rPr lang="cs-CZ" b="0" i="1" dirty="0">
+                <a:effectLst/>
+                <a:latin typeface="Open Sans" panose="020B0606030504020204" pitchFamily="34" charset="0"/>
+              </a:rPr>
+              <a:t>Srovnejto.cz</a:t>
+            </a:r>
+            <a:r>
+              <a:rPr lang="cs-CZ" b="0" i="0" dirty="0">
+                <a:effectLst/>
+                <a:latin typeface="Open Sans" panose="020B0606030504020204" pitchFamily="34" charset="0"/>
+              </a:rPr>
+              <a:t> [online]. 15.6. 2022n. l. [cit. 2023-01-19]. Dostupné z: </a:t>
+            </a:r>
+            <a:r>
+              <a:rPr lang="cs-CZ" b="0" i="0" dirty="0">
+                <a:effectLst/>
+                <a:latin typeface="Open Sans" panose="020B0606030504020204" pitchFamily="34" charset="0"/>
+                <a:hlinkClick r:id="rId3">
+                  <a:extLst>
+                    <a:ext uri="{A12FA001-AC4F-418D-AE19-62706E023703}">
+                      <ahyp:hlinkClr xmlns:ahyp="http://schemas.microsoft.com/office/drawing/2018/hyperlinkcolor" val="tx"/>
+                    </a:ext>
+                  </a:extLst>
+                </a:hlinkClick>
+              </a:rPr>
+              <a:t>https://www.srovnejto.cz/blog/chytre-mesto-co-to-je/</a:t>
+            </a:r>
+            <a:endParaRPr lang="cs-CZ" dirty="0"/>
           </a:p>
         </p:txBody>
       </p:sp>
     </p:spTree>
     <p:extLst>
       <p:ext uri="{BB962C8B-B14F-4D97-AF65-F5344CB8AC3E}">
-        <p14:creationId xmlns:p14="http://schemas.microsoft.com/office/powerpoint/2010/main" val="1424980246"/>
+        <p14:creationId xmlns:p14="http://schemas.microsoft.com/office/powerpoint/2010/main" val="1295130196"/>
       </p:ext>
     </p:extLst>
   </p:cSld>
@@ -14482,12 +15850,12 @@
   </p:clrMapOvr>
   <mc:AlternateContent xmlns:mc="http://schemas.openxmlformats.org/markup-compatibility/2006">
     <mc:Choice xmlns:p14="http://schemas.microsoft.com/office/powerpoint/2010/main" Requires="p14">
-      <p:transition spd="med" p14:dur="700">
+      <p:transition spd="med" p14:dur="700" advTm="5000">
         <p:fade/>
       </p:transition>
     </mc:Choice>
     <mc:Fallback>
-      <p:transition spd="med">
+      <p:transition spd="med" advTm="5000">
         <p:fade/>
       </p:transition>
     </mc:Fallback>
@@ -14538,7 +15906,7 @@
         </p:nvSpPr>
         <p:spPr>
           <a:xfrm>
-            <a:off x="1025721" y="79284"/>
+            <a:off x="1654991" y="72093"/>
             <a:ext cx="6082903" cy="1498174"/>
           </a:xfrm>
         </p:spPr>
@@ -14549,6 +15917,26 @@
           <a:lstStyle/>
           <a:p>
             <a:pPr algn="ctr"/>
+            <a:r>
+              <a:rPr lang="cs-CZ" sz="3200" b="1" dirty="0">
+                <a:solidFill>
+                  <a:srgbClr val="FEFAC2"/>
+                </a:solidFill>
+                <a:latin typeface="Arial" panose="020B0604020202020204" pitchFamily="34" charset="0"/>
+                <a:cs typeface="Arial" panose="020B0604020202020204" pitchFamily="34" charset="0"/>
+              </a:rPr>
+              <a:t>Informace o </a:t>
+            </a:r>
+            <a:r>
+              <a:rPr lang="cs-CZ" sz="3200" b="1" dirty="0" err="1">
+                <a:solidFill>
+                  <a:srgbClr val="FEFAC2"/>
+                </a:solidFill>
+                <a:latin typeface="Arial" panose="020B0604020202020204" pitchFamily="34" charset="0"/>
+                <a:cs typeface="Arial" panose="020B0604020202020204" pitchFamily="34" charset="0"/>
+              </a:rPr>
+              <a:t>repozitáři</a:t>
+            </a:r>
             <a:endParaRPr lang="cs-CZ" sz="3200" b="1" dirty="0">
               <a:solidFill>
                 <a:srgbClr val="FEFAC2"/>
@@ -14630,6 +16018,50 @@
           </a:p>
         </p:txBody>
       </p:sp>
+      <p:sp>
+        <p:nvSpPr>
+          <p:cNvPr id="6" name="TextovéPole 5">
+            <a:extLst>
+              <a:ext uri="{FF2B5EF4-FFF2-40B4-BE49-F238E27FC236}">
+                <a16:creationId xmlns:a16="http://schemas.microsoft.com/office/drawing/2014/main" id="{483C05A8-3410-3759-8E01-B312CF749E00}"/>
+              </a:ext>
+            </a:extLst>
+          </p:cNvPr>
+          <p:cNvSpPr txBox="1"/>
+          <p:nvPr/>
+        </p:nvSpPr>
+        <p:spPr>
+          <a:xfrm>
+            <a:off x="1871932" y="2178972"/>
+            <a:ext cx="6441948" cy="369332"/>
+          </a:xfrm>
+          <a:prstGeom prst="rect">
+            <a:avLst/>
+          </a:prstGeom>
+          <a:noFill/>
+        </p:spPr>
+        <p:txBody>
+          <a:bodyPr wrap="square">
+            <a:spAutoFit/>
+          </a:bodyPr>
+          <a:lstStyle/>
+          <a:p>
+            <a:r>
+              <a:rPr lang="cs-CZ" dirty="0">
+                <a:hlinkClick r:id="rId2">
+                  <a:extLst>
+                    <a:ext uri="{A12FA001-AC4F-418D-AE19-62706E023703}">
+                      <ahyp:hlinkClr xmlns:ahyp="http://schemas.microsoft.com/office/drawing/2018/hyperlinkcolor" val="tx"/>
+                    </a:ext>
+                  </a:extLst>
+                </a:hlinkClick>
+              </a:rPr>
+              <a:t>https://github.com/Vojta2809/Internet-v-c-a-chytr-m-sta/tree/main</a:t>
+            </a:r>
+            <a:endParaRPr lang="cs-CZ" dirty="0"/>
+          </a:p>
+        </p:txBody>
+      </p:sp>
     </p:spTree>
     <p:extLst>
       <p:ext uri="{BB962C8B-B14F-4D97-AF65-F5344CB8AC3E}">
@@ -14640,225 +16072,14 @@
   <p:clrMapOvr>
     <a:masterClrMapping/>
   </p:clrMapOvr>
-</p:sld>
-</file>
-
-<file path=ppt/slides/slide16.xml><?xml version="1.0" encoding="utf-8"?>
-<p:sld xmlns:a="http://schemas.openxmlformats.org/drawingml/2006/main" xmlns:r="http://schemas.openxmlformats.org/officeDocument/2006/relationships" xmlns:p="http://schemas.openxmlformats.org/presentationml/2006/main">
-  <p:cSld>
-    <p:bg>
-      <p:bgPr>
-        <a:solidFill>
-          <a:srgbClr val="23268F"/>
-        </a:solidFill>
-        <a:effectLst/>
-      </p:bgPr>
-    </p:bg>
-    <p:spTree>
-      <p:nvGrpSpPr>
-        <p:cNvPr id="1" name=""/>
-        <p:cNvGrpSpPr/>
-        <p:nvPr/>
-      </p:nvGrpSpPr>
-      <p:grpSpPr>
-        <a:xfrm>
-          <a:off x="0" y="0"/>
-          <a:ext cx="0" cy="0"/>
-          <a:chOff x="0" y="0"/>
-          <a:chExt cx="0" cy="0"/>
-        </a:xfrm>
-      </p:grpSpPr>
-      <p:sp>
-        <p:nvSpPr>
-          <p:cNvPr id="2" name="Nadpis 1">
-            <a:extLst>
-              <a:ext uri="{FF2B5EF4-FFF2-40B4-BE49-F238E27FC236}">
-                <a16:creationId xmlns:a16="http://schemas.microsoft.com/office/drawing/2014/main" id="{29CB99E5-9986-576C-8894-71192D74DD8C}"/>
-              </a:ext>
-            </a:extLst>
-          </p:cNvPr>
-          <p:cNvSpPr>
-            <a:spLocks noGrp="1"/>
-          </p:cNvSpPr>
-          <p:nvPr>
-            <p:ph type="ctrTitle"/>
-          </p:nvPr>
-        </p:nvSpPr>
-        <p:spPr>
-          <a:xfrm>
-            <a:off x="1064904" y="122418"/>
-            <a:ext cx="6004538" cy="1507976"/>
-          </a:xfrm>
-        </p:spPr>
-        <p:txBody>
-          <a:bodyPr>
-            <a:normAutofit/>
-          </a:bodyPr>
-          <a:lstStyle/>
-          <a:p>
-            <a:pPr algn="ctr"/>
-            <a:r>
-              <a:rPr lang="cs-CZ" sz="3200" b="1" dirty="0">
-                <a:solidFill>
-                  <a:srgbClr val="FEFAC2"/>
-                </a:solidFill>
-                <a:latin typeface="Arial" panose="020B0604020202020204" pitchFamily="34" charset="0"/>
-                <a:cs typeface="Arial" panose="020B0604020202020204" pitchFamily="34" charset="0"/>
-              </a:rPr>
-              <a:t>Citace literatury:</a:t>
-            </a:r>
-          </a:p>
-        </p:txBody>
-      </p:sp>
-      <p:sp>
-        <p:nvSpPr>
-          <p:cNvPr id="3" name="Podnadpis 2">
-            <a:extLst>
-              <a:ext uri="{FF2B5EF4-FFF2-40B4-BE49-F238E27FC236}">
-                <a16:creationId xmlns:a16="http://schemas.microsoft.com/office/drawing/2014/main" id="{40BDE16B-3EE9-6453-FB6A-C1A83B805F10}"/>
-              </a:ext>
-            </a:extLst>
-          </p:cNvPr>
-          <p:cNvSpPr>
-            <a:spLocks noGrp="1"/>
-          </p:cNvSpPr>
-          <p:nvPr>
-            <p:ph type="subTitle" idx="1"/>
-          </p:nvPr>
-        </p:nvSpPr>
-        <p:spPr>
-          <a:xfrm>
-            <a:off x="1712163" y="2549075"/>
-            <a:ext cx="8208216" cy="2212705"/>
-          </a:xfrm>
-        </p:spPr>
-        <p:txBody>
-          <a:bodyPr>
-            <a:normAutofit/>
-          </a:bodyPr>
-          <a:lstStyle/>
-          <a:p>
-            <a:r>
-              <a:rPr lang="cs-CZ" sz="1400" b="0" i="0" dirty="0">
-                <a:solidFill>
-                  <a:srgbClr val="212529"/>
-                </a:solidFill>
-                <a:effectLst/>
-                <a:latin typeface="Open Sans" panose="020B0606030504020204" pitchFamily="34" charset="0"/>
-              </a:rPr>
-              <a:t>Internet věcí. In: </a:t>
-            </a:r>
-            <a:r>
-              <a:rPr lang="cs-CZ" sz="1400" b="0" i="1" dirty="0">
-                <a:solidFill>
-                  <a:srgbClr val="212529"/>
-                </a:solidFill>
-                <a:effectLst/>
-                <a:latin typeface="Open Sans" panose="020B0606030504020204" pitchFamily="34" charset="0"/>
-              </a:rPr>
-              <a:t>Wikipedia: </a:t>
-            </a:r>
-            <a:r>
-              <a:rPr lang="cs-CZ" sz="1400" b="0" i="1" dirty="0" err="1">
-                <a:solidFill>
-                  <a:srgbClr val="212529"/>
-                </a:solidFill>
-                <a:effectLst/>
-                <a:latin typeface="Open Sans" panose="020B0606030504020204" pitchFamily="34" charset="0"/>
-              </a:rPr>
-              <a:t>the</a:t>
-            </a:r>
-            <a:r>
-              <a:rPr lang="cs-CZ" sz="1400" b="0" i="1" dirty="0">
-                <a:solidFill>
-                  <a:srgbClr val="212529"/>
-                </a:solidFill>
-                <a:effectLst/>
-                <a:latin typeface="Open Sans" panose="020B0606030504020204" pitchFamily="34" charset="0"/>
-              </a:rPr>
-              <a:t> free </a:t>
-            </a:r>
-            <a:r>
-              <a:rPr lang="cs-CZ" sz="1400" b="0" i="1" dirty="0" err="1">
-                <a:solidFill>
-                  <a:srgbClr val="212529"/>
-                </a:solidFill>
-                <a:effectLst/>
-                <a:latin typeface="Open Sans" panose="020B0606030504020204" pitchFamily="34" charset="0"/>
-              </a:rPr>
-              <a:t>encyclopedia</a:t>
-            </a:r>
-            <a:r>
-              <a:rPr lang="cs-CZ" sz="1400" b="0" i="0" dirty="0">
-                <a:solidFill>
-                  <a:srgbClr val="212529"/>
-                </a:solidFill>
-                <a:effectLst/>
-                <a:latin typeface="Open Sans" panose="020B0606030504020204" pitchFamily="34" charset="0"/>
-              </a:rPr>
-              <a:t> [online]. San Francisco (CA): </a:t>
-            </a:r>
-            <a:r>
-              <a:rPr lang="cs-CZ" sz="1400" b="0" i="0" dirty="0" err="1">
-                <a:solidFill>
-                  <a:srgbClr val="212529"/>
-                </a:solidFill>
-                <a:effectLst/>
-                <a:latin typeface="Open Sans" panose="020B0606030504020204" pitchFamily="34" charset="0"/>
-              </a:rPr>
-              <a:t>Wikimedia</a:t>
-            </a:r>
-            <a:r>
-              <a:rPr lang="cs-CZ" sz="1400" b="0" i="0" dirty="0">
-                <a:solidFill>
-                  <a:srgbClr val="212529"/>
-                </a:solidFill>
-                <a:effectLst/>
-                <a:latin typeface="Open Sans" panose="020B0606030504020204" pitchFamily="34" charset="0"/>
-              </a:rPr>
-              <a:t> </a:t>
-            </a:r>
-            <a:r>
-              <a:rPr lang="cs-CZ" sz="1400" b="0" i="0" dirty="0" err="1">
-                <a:solidFill>
-                  <a:srgbClr val="212529"/>
-                </a:solidFill>
-                <a:effectLst/>
-                <a:latin typeface="Open Sans" panose="020B0606030504020204" pitchFamily="34" charset="0"/>
-              </a:rPr>
-              <a:t>Foundation</a:t>
-            </a:r>
-            <a:r>
-              <a:rPr lang="cs-CZ" sz="1400" b="0" i="0" dirty="0">
-                <a:solidFill>
-                  <a:srgbClr val="212529"/>
-                </a:solidFill>
-                <a:effectLst/>
-                <a:latin typeface="Open Sans" panose="020B0606030504020204" pitchFamily="34" charset="0"/>
-              </a:rPr>
-              <a:t>, 2001-, 8.5. 2022 [cit. 2023-01-15]. Dostupné z: https://cs.wikipedia.org/wiki/Internet_v%C4%9Bc%C3%AD</a:t>
-            </a:r>
-          </a:p>
-        </p:txBody>
-      </p:sp>
-    </p:spTree>
-    <p:extLst>
-      <p:ext uri="{BB962C8B-B14F-4D97-AF65-F5344CB8AC3E}">
-        <p14:creationId xmlns:p14="http://schemas.microsoft.com/office/powerpoint/2010/main" val="1295130196"/>
-      </p:ext>
-    </p:extLst>
-  </p:cSld>
-  <p:clrMapOvr>
-    <a:masterClrMapping/>
-  </p:clrMapOvr>
   <mc:AlternateContent xmlns:mc="http://schemas.openxmlformats.org/markup-compatibility/2006">
     <mc:Choice xmlns:p14="http://schemas.microsoft.com/office/powerpoint/2010/main" Requires="p14">
-      <p:transition spd="med" p14:dur="700">
+      <p:transition spd="med" p14:dur="700" advTm="5000">
         <p:fade/>
       </p:transition>
     </mc:Choice>
     <mc:Fallback>
-      <p:transition spd="med">
+      <p:transition spd="med" advTm="5000">
         <p:fade/>
       </p:transition>
     </mc:Fallback>
@@ -14909,113 +16130,6 @@
         </p:nvSpPr>
         <p:spPr>
           <a:xfrm>
-            <a:off x="2811658" y="1312862"/>
-            <a:ext cx="6082903" cy="1498174"/>
-          </a:xfrm>
-        </p:spPr>
-        <p:txBody>
-          <a:bodyPr>
-            <a:normAutofit/>
-          </a:bodyPr>
-          <a:lstStyle/>
-          <a:p>
-            <a:pPr algn="ctr"/>
-            <a:endParaRPr lang="cs-CZ" sz="4000" b="1" dirty="0">
-              <a:solidFill>
-                <a:srgbClr val="FEFAC2"/>
-              </a:solidFill>
-              <a:latin typeface="Arial" panose="020B0604020202020204" pitchFamily="34" charset="0"/>
-              <a:cs typeface="Arial" panose="020B0604020202020204" pitchFamily="34" charset="0"/>
-            </a:endParaRPr>
-          </a:p>
-        </p:txBody>
-      </p:sp>
-      <p:sp>
-        <p:nvSpPr>
-          <p:cNvPr id="3" name="Podnadpis 2">
-            <a:extLst>
-              <a:ext uri="{FF2B5EF4-FFF2-40B4-BE49-F238E27FC236}">
-                <a16:creationId xmlns:a16="http://schemas.microsoft.com/office/drawing/2014/main" id="{40BDE16B-3EE9-6453-FB6A-C1A83B805F10}"/>
-              </a:ext>
-            </a:extLst>
-          </p:cNvPr>
-          <p:cNvSpPr>
-            <a:spLocks noGrp="1"/>
-          </p:cNvSpPr>
-          <p:nvPr>
-            <p:ph type="subTitle" idx="1"/>
-          </p:nvPr>
-        </p:nvSpPr>
-        <p:spPr>
-          <a:xfrm>
-            <a:off x="4067173" y="3687763"/>
-            <a:ext cx="8791575" cy="1655762"/>
-          </a:xfrm>
-        </p:spPr>
-        <p:txBody>
-          <a:bodyPr/>
-          <a:lstStyle/>
-          <a:p>
-            <a:endParaRPr lang="cs-CZ" dirty="0"/>
-          </a:p>
-        </p:txBody>
-      </p:sp>
-    </p:spTree>
-    <p:extLst>
-      <p:ext uri="{BB962C8B-B14F-4D97-AF65-F5344CB8AC3E}">
-        <p14:creationId xmlns:p14="http://schemas.microsoft.com/office/powerpoint/2010/main" val="4081342080"/>
-      </p:ext>
-    </p:extLst>
-  </p:cSld>
-  <p:clrMapOvr>
-    <a:masterClrMapping/>
-  </p:clrMapOvr>
-</p:sld>
-</file>
-
-<file path=ppt/slides/slide3.xml><?xml version="1.0" encoding="utf-8"?>
-<p:sld xmlns:a="http://schemas.openxmlformats.org/drawingml/2006/main" xmlns:r="http://schemas.openxmlformats.org/officeDocument/2006/relationships" xmlns:p="http://schemas.openxmlformats.org/presentationml/2006/main">
-  <p:cSld>
-    <p:bg>
-      <p:bgPr>
-        <a:solidFill>
-          <a:srgbClr val="23268F"/>
-        </a:solidFill>
-        <a:effectLst/>
-      </p:bgPr>
-    </p:bg>
-    <p:spTree>
-      <p:nvGrpSpPr>
-        <p:cNvPr id="1" name=""/>
-        <p:cNvGrpSpPr/>
-        <p:nvPr/>
-      </p:nvGrpSpPr>
-      <p:grpSpPr>
-        <a:xfrm>
-          <a:off x="0" y="0"/>
-          <a:ext cx="0" cy="0"/>
-          <a:chOff x="0" y="0"/>
-          <a:chExt cx="0" cy="0"/>
-        </a:xfrm>
-      </p:grpSpPr>
-      <p:sp>
-        <p:nvSpPr>
-          <p:cNvPr id="2" name="Nadpis 1">
-            <a:extLst>
-              <a:ext uri="{FF2B5EF4-FFF2-40B4-BE49-F238E27FC236}">
-                <a16:creationId xmlns:a16="http://schemas.microsoft.com/office/drawing/2014/main" id="{29CB99E5-9986-576C-8894-71192D74DD8C}"/>
-              </a:ext>
-            </a:extLst>
-          </p:cNvPr>
-          <p:cNvSpPr>
-            <a:spLocks noGrp="1"/>
-          </p:cNvSpPr>
-          <p:nvPr>
-            <p:ph type="ctrTitle"/>
-          </p:nvPr>
-        </p:nvSpPr>
-        <p:spPr>
-          <a:xfrm>
             <a:off x="1901701" y="49396"/>
             <a:ext cx="6082903" cy="1498174"/>
           </a:xfrm>
@@ -15219,7 +16333,7 @@
           <p:nvPr/>
         </p:nvPicPr>
         <p:blipFill>
-          <a:blip r:embed="rId2">
+          <a:blip r:embed="rId3">
             <a:extLst>
               <a:ext uri="{28A0092B-C50C-407E-A947-70E740481C1C}">
                 <a14:useLocalDpi xmlns:a14="http://schemas.microsoft.com/office/drawing/2010/main" val="0"/>
@@ -15263,12 +16377,12 @@
   </p:clrMapOvr>
   <mc:AlternateContent xmlns:mc="http://schemas.openxmlformats.org/markup-compatibility/2006">
     <mc:Choice xmlns:p14="http://schemas.microsoft.com/office/powerpoint/2010/main" Requires="p14">
-      <p:transition spd="med" p14:dur="700">
+      <p:transition spd="med" p14:dur="700" advTm="30000">
         <p:fade/>
       </p:transition>
     </mc:Choice>
     <mc:Fallback>
-      <p:transition spd="med">
+      <p:transition spd="med" advTm="30000">
         <p:fade/>
       </p:transition>
     </mc:Fallback>
@@ -15276,7 +16390,7 @@
 </p:sld>
 </file>
 
-<file path=ppt/slides/slide4.xml><?xml version="1.0" encoding="utf-8"?>
+<file path=ppt/slides/slide3.xml><?xml version="1.0" encoding="utf-8"?>
 <p:sld xmlns:a="http://schemas.openxmlformats.org/drawingml/2006/main" xmlns:r="http://schemas.openxmlformats.org/officeDocument/2006/relationships" xmlns:p="http://schemas.openxmlformats.org/presentationml/2006/main">
   <p:cSld>
     <p:bg>
@@ -15319,878 +16433,6 @@
         </p:nvSpPr>
         <p:spPr>
           <a:xfrm>
-            <a:off x="934443" y="68369"/>
-            <a:ext cx="6082903" cy="1498174"/>
-          </a:xfrm>
-        </p:spPr>
-        <p:txBody>
-          <a:bodyPr>
-            <a:normAutofit/>
-          </a:bodyPr>
-          <a:lstStyle/>
-          <a:p>
-            <a:pPr algn="ctr"/>
-            <a:r>
-              <a:rPr lang="cs-CZ" sz="3200" b="1" dirty="0">
-                <a:solidFill>
-                  <a:srgbClr val="FEFAC2"/>
-                </a:solidFill>
-                <a:latin typeface="Arial" panose="020B0604020202020204" pitchFamily="34" charset="0"/>
-                <a:cs typeface="Arial" panose="020B0604020202020204" pitchFamily="34" charset="0"/>
-              </a:rPr>
-              <a:t>Jak funguje I</a:t>
-            </a:r>
-            <a:r>
-              <a:rPr lang="cs-CZ" sz="2000" b="1" dirty="0">
-                <a:solidFill>
-                  <a:srgbClr val="FEFAC2"/>
-                </a:solidFill>
-                <a:latin typeface="Arial" panose="020B0604020202020204" pitchFamily="34" charset="0"/>
-                <a:cs typeface="Arial" panose="020B0604020202020204" pitchFamily="34" charset="0"/>
-              </a:rPr>
-              <a:t>o</a:t>
-            </a:r>
-            <a:r>
-              <a:rPr lang="cs-CZ" sz="3200" b="1" dirty="0">
-                <a:solidFill>
-                  <a:srgbClr val="FEFAC2"/>
-                </a:solidFill>
-                <a:latin typeface="Arial" panose="020B0604020202020204" pitchFamily="34" charset="0"/>
-                <a:cs typeface="Arial" panose="020B0604020202020204" pitchFamily="34" charset="0"/>
-              </a:rPr>
-              <a:t>t?</a:t>
-            </a:r>
-          </a:p>
-        </p:txBody>
-      </p:sp>
-      <p:sp>
-        <p:nvSpPr>
-          <p:cNvPr id="3" name="Podnadpis 2">
-            <a:extLst>
-              <a:ext uri="{FF2B5EF4-FFF2-40B4-BE49-F238E27FC236}">
-                <a16:creationId xmlns:a16="http://schemas.microsoft.com/office/drawing/2014/main" id="{40BDE16B-3EE9-6453-FB6A-C1A83B805F10}"/>
-              </a:ext>
-            </a:extLst>
-          </p:cNvPr>
-          <p:cNvSpPr>
-            <a:spLocks noGrp="1"/>
-          </p:cNvSpPr>
-          <p:nvPr>
-            <p:ph type="subTitle" idx="1"/>
-          </p:nvPr>
-        </p:nvSpPr>
-        <p:spPr>
-          <a:xfrm>
-            <a:off x="1907575" y="2601119"/>
-            <a:ext cx="8791575" cy="1655762"/>
-          </a:xfrm>
-        </p:spPr>
-        <p:txBody>
-          <a:bodyPr/>
-          <a:lstStyle/>
-          <a:p>
-            <a:endParaRPr lang="cs-CZ" dirty="0"/>
-          </a:p>
-        </p:txBody>
-      </p:sp>
-      <p:sp>
-        <p:nvSpPr>
-          <p:cNvPr id="4" name="TextovéPole 3">
-            <a:extLst>
-              <a:ext uri="{FF2B5EF4-FFF2-40B4-BE49-F238E27FC236}">
-                <a16:creationId xmlns:a16="http://schemas.microsoft.com/office/drawing/2014/main" id="{7786A9CE-F619-6533-F4AB-DCF28CA52EF1}"/>
-              </a:ext>
-            </a:extLst>
-          </p:cNvPr>
-          <p:cNvSpPr txBox="1"/>
-          <p:nvPr/>
-        </p:nvSpPr>
-        <p:spPr>
-          <a:xfrm>
-            <a:off x="2017523" y="2146392"/>
-            <a:ext cx="6245525" cy="1938992"/>
-          </a:xfrm>
-          <a:prstGeom prst="rect">
-            <a:avLst/>
-          </a:prstGeom>
-          <a:noFill/>
-        </p:spPr>
-        <p:txBody>
-          <a:bodyPr wrap="square" rtlCol="0">
-            <a:spAutoFit/>
-          </a:bodyPr>
-          <a:lstStyle/>
-          <a:p>
-            <a:r>
-              <a:rPr lang="cs-CZ" sz="2400" dirty="0">
-                <a:latin typeface="Arial" panose="020B0604020202020204" pitchFamily="34" charset="0"/>
-                <a:cs typeface="Arial" panose="020B0604020202020204" pitchFamily="34" charset="0"/>
-              </a:rPr>
-              <a:t>Obsahuje software, senzory, určitou síťovou konektivitu (Wi-Fi, </a:t>
-            </a:r>
-            <a:r>
-              <a:rPr lang="cs-CZ" sz="2400" dirty="0" err="1">
-                <a:latin typeface="Arial" panose="020B0604020202020204" pitchFamily="34" charset="0"/>
-                <a:cs typeface="Arial" panose="020B0604020202020204" pitchFamily="34" charset="0"/>
-              </a:rPr>
-              <a:t>BlueTooth</a:t>
-            </a:r>
-            <a:r>
-              <a:rPr lang="cs-CZ" sz="2400" dirty="0">
-                <a:latin typeface="Arial" panose="020B0604020202020204" pitchFamily="34" charset="0"/>
-                <a:cs typeface="Arial" panose="020B0604020202020204" pitchFamily="34" charset="0"/>
-              </a:rPr>
-              <a:t>, USB,…)</a:t>
-            </a:r>
-          </a:p>
-          <a:p>
-            <a:endParaRPr lang="cs-CZ" sz="2400" dirty="0">
-              <a:latin typeface="Arial" panose="020B0604020202020204" pitchFamily="34" charset="0"/>
-              <a:cs typeface="Arial" panose="020B0604020202020204" pitchFamily="34" charset="0"/>
-            </a:endParaRPr>
-          </a:p>
-          <a:p>
-            <a:r>
-              <a:rPr lang="cs-CZ" sz="2400" dirty="0">
-                <a:latin typeface="Arial" panose="020B0604020202020204" pitchFamily="34" charset="0"/>
-                <a:cs typeface="Arial" panose="020B0604020202020204" pitchFamily="34" charset="0"/>
-              </a:rPr>
-              <a:t>Pomocí konektivity komunikace mezi spárovanými zařízeními.  </a:t>
-            </a:r>
-          </a:p>
-        </p:txBody>
-      </p:sp>
-    </p:spTree>
-    <p:extLst>
-      <p:ext uri="{BB962C8B-B14F-4D97-AF65-F5344CB8AC3E}">
-        <p14:creationId xmlns:p14="http://schemas.microsoft.com/office/powerpoint/2010/main" val="914366573"/>
-      </p:ext>
-    </p:extLst>
-  </p:cSld>
-  <p:clrMapOvr>
-    <a:masterClrMapping/>
-  </p:clrMapOvr>
-  <mc:AlternateContent xmlns:mc="http://schemas.openxmlformats.org/markup-compatibility/2006">
-    <mc:Choice xmlns:p14="http://schemas.microsoft.com/office/powerpoint/2010/main" Requires="p14">
-      <p:transition spd="med" p14:dur="700">
-        <p:fade/>
-      </p:transition>
-    </mc:Choice>
-    <mc:Fallback>
-      <p:transition spd="med">
-        <p:fade/>
-      </p:transition>
-    </mc:Fallback>
-  </mc:AlternateContent>
-</p:sld>
-</file>
-
-<file path=ppt/slides/slide5.xml><?xml version="1.0" encoding="utf-8"?>
-<p:sld xmlns:a="http://schemas.openxmlformats.org/drawingml/2006/main" xmlns:r="http://schemas.openxmlformats.org/officeDocument/2006/relationships" xmlns:p="http://schemas.openxmlformats.org/presentationml/2006/main">
-  <p:cSld>
-    <p:bg>
-      <p:bgPr>
-        <a:solidFill>
-          <a:srgbClr val="23268F"/>
-        </a:solidFill>
-        <a:effectLst/>
-      </p:bgPr>
-    </p:bg>
-    <p:spTree>
-      <p:nvGrpSpPr>
-        <p:cNvPr id="1" name=""/>
-        <p:cNvGrpSpPr/>
-        <p:nvPr/>
-      </p:nvGrpSpPr>
-      <p:grpSpPr>
-        <a:xfrm>
-          <a:off x="0" y="0"/>
-          <a:ext cx="0" cy="0"/>
-          <a:chOff x="0" y="0"/>
-          <a:chExt cx="0" cy="0"/>
-        </a:xfrm>
-      </p:grpSpPr>
-      <p:sp>
-        <p:nvSpPr>
-          <p:cNvPr id="2" name="Nadpis 1">
-            <a:extLst>
-              <a:ext uri="{FF2B5EF4-FFF2-40B4-BE49-F238E27FC236}">
-                <a16:creationId xmlns:a16="http://schemas.microsoft.com/office/drawing/2014/main" id="{29CB99E5-9986-576C-8894-71192D74DD8C}"/>
-              </a:ext>
-            </a:extLst>
-          </p:cNvPr>
-          <p:cNvSpPr>
-            <a:spLocks noGrp="1"/>
-          </p:cNvSpPr>
-          <p:nvPr>
-            <p:ph type="ctrTitle"/>
-          </p:nvPr>
-        </p:nvSpPr>
-        <p:spPr>
-          <a:xfrm>
-            <a:off x="1042973" y="67842"/>
-            <a:ext cx="6082903" cy="1498174"/>
-          </a:xfrm>
-        </p:spPr>
-        <p:txBody>
-          <a:bodyPr>
-            <a:normAutofit/>
-          </a:bodyPr>
-          <a:lstStyle/>
-          <a:p>
-            <a:pPr algn="ctr"/>
-            <a:r>
-              <a:rPr lang="cs-CZ" sz="3200" b="1" dirty="0">
-                <a:solidFill>
-                  <a:srgbClr val="FEFAC2"/>
-                </a:solidFill>
-                <a:latin typeface="Arial" panose="020B0604020202020204" pitchFamily="34" charset="0"/>
-                <a:cs typeface="Arial" panose="020B0604020202020204" pitchFamily="34" charset="0"/>
-              </a:rPr>
-              <a:t>Příklady a využití:</a:t>
-            </a:r>
-          </a:p>
-        </p:txBody>
-      </p:sp>
-      <p:sp>
-        <p:nvSpPr>
-          <p:cNvPr id="3" name="Podnadpis 2">
-            <a:extLst>
-              <a:ext uri="{FF2B5EF4-FFF2-40B4-BE49-F238E27FC236}">
-                <a16:creationId xmlns:a16="http://schemas.microsoft.com/office/drawing/2014/main" id="{40BDE16B-3EE9-6453-FB6A-C1A83B805F10}"/>
-              </a:ext>
-            </a:extLst>
-          </p:cNvPr>
-          <p:cNvSpPr>
-            <a:spLocks noGrp="1"/>
-          </p:cNvSpPr>
-          <p:nvPr>
-            <p:ph type="subTitle" idx="1"/>
-          </p:nvPr>
-        </p:nvSpPr>
-        <p:spPr>
-          <a:xfrm>
-            <a:off x="4084425" y="4835076"/>
-            <a:ext cx="8791575" cy="1655762"/>
-          </a:xfrm>
-        </p:spPr>
-        <p:txBody>
-          <a:bodyPr/>
-          <a:lstStyle/>
-          <a:p>
-            <a:endParaRPr lang="cs-CZ" dirty="0"/>
-          </a:p>
-        </p:txBody>
-      </p:sp>
-      <p:sp>
-        <p:nvSpPr>
-          <p:cNvPr id="5" name="TextovéPole 4">
-            <a:extLst>
-              <a:ext uri="{FF2B5EF4-FFF2-40B4-BE49-F238E27FC236}">
-                <a16:creationId xmlns:a16="http://schemas.microsoft.com/office/drawing/2014/main" id="{9621ED40-9E16-7A3B-D787-20634E294FC3}"/>
-              </a:ext>
-            </a:extLst>
-          </p:cNvPr>
-          <p:cNvSpPr txBox="1"/>
-          <p:nvPr/>
-        </p:nvSpPr>
-        <p:spPr>
-          <a:xfrm>
-            <a:off x="1933043" y="2013638"/>
-            <a:ext cx="4752428" cy="5262979"/>
-          </a:xfrm>
-          <a:prstGeom prst="rect">
-            <a:avLst/>
-          </a:prstGeom>
-          <a:noFill/>
-        </p:spPr>
-        <p:txBody>
-          <a:bodyPr wrap="square" rtlCol="0">
-            <a:spAutoFit/>
-          </a:bodyPr>
-          <a:lstStyle/>
-          <a:p>
-            <a:r>
-              <a:rPr lang="cs-CZ" sz="2400" dirty="0">
-                <a:latin typeface="Arial" panose="020B0604020202020204" pitchFamily="34" charset="0"/>
-                <a:cs typeface="Arial" panose="020B0604020202020204" pitchFamily="34" charset="0"/>
-              </a:rPr>
-              <a:t>Cílem zlepšení života a </a:t>
-            </a:r>
-            <a:r>
-              <a:rPr lang="cs-CZ" sz="2400" dirty="0" err="1">
-                <a:latin typeface="Arial" panose="020B0604020202020204" pitchFamily="34" charset="0"/>
-                <a:cs typeface="Arial" panose="020B0604020202020204" pitchFamily="34" charset="0"/>
-              </a:rPr>
-              <a:t>zeefektivnění</a:t>
-            </a:r>
-            <a:r>
-              <a:rPr lang="cs-CZ" sz="2400" dirty="0">
-                <a:latin typeface="Arial" panose="020B0604020202020204" pitchFamily="34" charset="0"/>
-                <a:cs typeface="Arial" panose="020B0604020202020204" pitchFamily="34" charset="0"/>
-              </a:rPr>
-              <a:t> běžné činnosti.</a:t>
-            </a:r>
-          </a:p>
-          <a:p>
-            <a:endParaRPr lang="cs-CZ" sz="2400" dirty="0">
-              <a:latin typeface="Arial" panose="020B0604020202020204" pitchFamily="34" charset="0"/>
-              <a:cs typeface="Arial" panose="020B0604020202020204" pitchFamily="34" charset="0"/>
-            </a:endParaRPr>
-          </a:p>
-          <a:p>
-            <a:r>
-              <a:rPr lang="cs-CZ" sz="2400" dirty="0">
-                <a:latin typeface="Arial" panose="020B0604020202020204" pitchFamily="34" charset="0"/>
-                <a:cs typeface="Arial" panose="020B0604020202020204" pitchFamily="34" charset="0"/>
-              </a:rPr>
-              <a:t>Např.</a:t>
-            </a:r>
-          </a:p>
-          <a:p>
-            <a:r>
-              <a:rPr lang="cs-CZ" sz="2400" b="1" dirty="0">
-                <a:latin typeface="Arial" panose="020B0604020202020204" pitchFamily="34" charset="0"/>
-                <a:cs typeface="Arial" panose="020B0604020202020204" pitchFamily="34" charset="0"/>
-              </a:rPr>
-              <a:t>Zákaznický servis                                                </a:t>
-            </a:r>
-          </a:p>
-          <a:p>
-            <a:endParaRPr lang="cs-CZ" sz="2400" dirty="0">
-              <a:latin typeface="Arial" panose="020B0604020202020204" pitchFamily="34" charset="0"/>
-              <a:cs typeface="Arial" panose="020B0604020202020204" pitchFamily="34" charset="0"/>
-            </a:endParaRPr>
-          </a:p>
-          <a:p>
-            <a:r>
-              <a:rPr lang="cs-CZ" sz="2400" b="1" dirty="0">
-                <a:latin typeface="Arial" panose="020B0604020202020204" pitchFamily="34" charset="0"/>
-                <a:cs typeface="Arial" panose="020B0604020202020204" pitchFamily="34" charset="0"/>
-              </a:rPr>
-              <a:t>Konzumní elektronika </a:t>
-            </a:r>
-          </a:p>
-          <a:p>
-            <a:endParaRPr lang="cs-CZ" sz="2400" dirty="0">
-              <a:latin typeface="Arial" panose="020B0604020202020204" pitchFamily="34" charset="0"/>
-              <a:cs typeface="Arial" panose="020B0604020202020204" pitchFamily="34" charset="0"/>
-            </a:endParaRPr>
-          </a:p>
-          <a:p>
-            <a:r>
-              <a:rPr lang="cs-CZ" sz="2400" b="1" dirty="0">
-                <a:latin typeface="Arial" panose="020B0604020202020204" pitchFamily="34" charset="0"/>
-                <a:cs typeface="Arial" panose="020B0604020202020204" pitchFamily="34" charset="0"/>
-              </a:rPr>
-              <a:t>Zdravotnictví </a:t>
-            </a:r>
-          </a:p>
-          <a:p>
-            <a:endParaRPr lang="cs-CZ" sz="2400" dirty="0">
-              <a:latin typeface="Arial" panose="020B0604020202020204" pitchFamily="34" charset="0"/>
-              <a:cs typeface="Arial" panose="020B0604020202020204" pitchFamily="34" charset="0"/>
-            </a:endParaRPr>
-          </a:p>
-          <a:p>
-            <a:r>
-              <a:rPr lang="cs-CZ" sz="2400" dirty="0">
-                <a:latin typeface="Arial" panose="020B0604020202020204" pitchFamily="34" charset="0"/>
-                <a:cs typeface="Arial" panose="020B0604020202020204" pitchFamily="34" charset="0"/>
-              </a:rPr>
-              <a:t> </a:t>
-            </a:r>
-          </a:p>
-          <a:p>
-            <a:endParaRPr lang="cs-CZ" sz="2400" dirty="0">
-              <a:latin typeface="Arial" panose="020B0604020202020204" pitchFamily="34" charset="0"/>
-              <a:cs typeface="Arial" panose="020B0604020202020204" pitchFamily="34" charset="0"/>
-            </a:endParaRPr>
-          </a:p>
-          <a:p>
-            <a:endParaRPr lang="cs-CZ" sz="2400" dirty="0">
-              <a:latin typeface="Arial" panose="020B0604020202020204" pitchFamily="34" charset="0"/>
-              <a:cs typeface="Arial" panose="020B0604020202020204" pitchFamily="34" charset="0"/>
-            </a:endParaRPr>
-          </a:p>
-          <a:p>
-            <a:endParaRPr lang="cs-CZ" sz="2400" dirty="0">
-              <a:latin typeface="Arial" panose="020B0604020202020204" pitchFamily="34" charset="0"/>
-              <a:cs typeface="Arial" panose="020B0604020202020204" pitchFamily="34" charset="0"/>
-            </a:endParaRPr>
-          </a:p>
-        </p:txBody>
-      </p:sp>
-      <p:sp>
-        <p:nvSpPr>
-          <p:cNvPr id="6" name="TextovéPole 5">
-            <a:extLst>
-              <a:ext uri="{FF2B5EF4-FFF2-40B4-BE49-F238E27FC236}">
-                <a16:creationId xmlns:a16="http://schemas.microsoft.com/office/drawing/2014/main" id="{9F6CD40B-E763-1EE9-5E0C-C701C5F2B33E}"/>
-              </a:ext>
-            </a:extLst>
-          </p:cNvPr>
-          <p:cNvSpPr txBox="1"/>
-          <p:nvPr/>
-        </p:nvSpPr>
-        <p:spPr>
-          <a:xfrm>
-            <a:off x="6685471" y="3429000"/>
-            <a:ext cx="4408098" cy="2677656"/>
-          </a:xfrm>
-          <a:prstGeom prst="rect">
-            <a:avLst/>
-          </a:prstGeom>
-          <a:noFill/>
-        </p:spPr>
-        <p:txBody>
-          <a:bodyPr wrap="square" rtlCol="0">
-            <a:spAutoFit/>
-          </a:bodyPr>
-          <a:lstStyle/>
-          <a:p>
-            <a:r>
-              <a:rPr lang="cs-CZ" sz="2400" b="1" dirty="0">
-                <a:latin typeface="Arial" panose="020B0604020202020204" pitchFamily="34" charset="0"/>
-                <a:cs typeface="Arial" panose="020B0604020202020204" pitchFamily="34" charset="0"/>
-              </a:rPr>
-              <a:t>Průmysl </a:t>
-            </a:r>
-          </a:p>
-          <a:p>
-            <a:endParaRPr lang="cs-CZ" sz="2400" dirty="0">
-              <a:latin typeface="Arial" panose="020B0604020202020204" pitchFamily="34" charset="0"/>
-              <a:cs typeface="Arial" panose="020B0604020202020204" pitchFamily="34" charset="0"/>
-            </a:endParaRPr>
-          </a:p>
-          <a:p>
-            <a:r>
-              <a:rPr lang="cs-CZ" sz="2400" b="1" dirty="0">
-                <a:latin typeface="Arial" panose="020B0604020202020204" pitchFamily="34" charset="0"/>
-                <a:cs typeface="Arial" panose="020B0604020202020204" pitchFamily="34" charset="0"/>
-              </a:rPr>
-              <a:t>Automobily </a:t>
-            </a:r>
-          </a:p>
-          <a:p>
-            <a:endParaRPr lang="cs-CZ" sz="2400" dirty="0">
-              <a:latin typeface="Arial" panose="020B0604020202020204" pitchFamily="34" charset="0"/>
-              <a:cs typeface="Arial" panose="020B0604020202020204" pitchFamily="34" charset="0"/>
-            </a:endParaRPr>
-          </a:p>
-          <a:p>
-            <a:r>
-              <a:rPr lang="cs-CZ" sz="2400" b="1" dirty="0">
-                <a:latin typeface="Arial" panose="020B0604020202020204" pitchFamily="34" charset="0"/>
-                <a:cs typeface="Arial" panose="020B0604020202020204" pitchFamily="34" charset="0"/>
-              </a:rPr>
-              <a:t>Finančnictví</a:t>
-            </a:r>
-          </a:p>
-          <a:p>
-            <a:r>
-              <a:rPr lang="cs-CZ" sz="2400" dirty="0">
-                <a:latin typeface="Arial" panose="020B0604020202020204" pitchFamily="34" charset="0"/>
-                <a:cs typeface="Arial" panose="020B0604020202020204" pitchFamily="34" charset="0"/>
-              </a:rPr>
-              <a:t>…</a:t>
-            </a:r>
-          </a:p>
-          <a:p>
-            <a:r>
-              <a:rPr lang="cs-CZ" sz="2400" dirty="0">
-                <a:latin typeface="Arial" panose="020B0604020202020204" pitchFamily="34" charset="0"/>
-                <a:cs typeface="Arial" panose="020B0604020202020204" pitchFamily="34" charset="0"/>
-              </a:rPr>
-              <a:t> </a:t>
-            </a:r>
-          </a:p>
-        </p:txBody>
-      </p:sp>
-    </p:spTree>
-    <p:extLst>
-      <p:ext uri="{BB962C8B-B14F-4D97-AF65-F5344CB8AC3E}">
-        <p14:creationId xmlns:p14="http://schemas.microsoft.com/office/powerpoint/2010/main" val="3827974101"/>
-      </p:ext>
-    </p:extLst>
-  </p:cSld>
-  <p:clrMapOvr>
-    <a:masterClrMapping/>
-  </p:clrMapOvr>
-  <mc:AlternateContent xmlns:mc="http://schemas.openxmlformats.org/markup-compatibility/2006">
-    <mc:Choice xmlns:p14="http://schemas.microsoft.com/office/powerpoint/2010/main" Requires="p14">
-      <p:transition spd="med" p14:dur="700">
-        <p:fade/>
-      </p:transition>
-    </mc:Choice>
-    <mc:Fallback>
-      <p:transition spd="med">
-        <p:fade/>
-      </p:transition>
-    </mc:Fallback>
-  </mc:AlternateContent>
-</p:sld>
-</file>
-
-<file path=ppt/slides/slide6.xml><?xml version="1.0" encoding="utf-8"?>
-<p:sld xmlns:a="http://schemas.openxmlformats.org/drawingml/2006/main" xmlns:r="http://schemas.openxmlformats.org/officeDocument/2006/relationships" xmlns:p="http://schemas.openxmlformats.org/presentationml/2006/main">
-  <p:cSld>
-    <p:bg>
-      <p:bgPr>
-        <a:solidFill>
-          <a:srgbClr val="23268F"/>
-        </a:solidFill>
-        <a:effectLst/>
-      </p:bgPr>
-    </p:bg>
-    <p:spTree>
-      <p:nvGrpSpPr>
-        <p:cNvPr id="1" name=""/>
-        <p:cNvGrpSpPr/>
-        <p:nvPr/>
-      </p:nvGrpSpPr>
-      <p:grpSpPr>
-        <a:xfrm>
-          <a:off x="0" y="0"/>
-          <a:ext cx="0" cy="0"/>
-          <a:chOff x="0" y="0"/>
-          <a:chExt cx="0" cy="0"/>
-        </a:xfrm>
-      </p:grpSpPr>
-      <p:sp>
-        <p:nvSpPr>
-          <p:cNvPr id="2" name="Nadpis 1">
-            <a:extLst>
-              <a:ext uri="{FF2B5EF4-FFF2-40B4-BE49-F238E27FC236}">
-                <a16:creationId xmlns:a16="http://schemas.microsoft.com/office/drawing/2014/main" id="{29CB99E5-9986-576C-8894-71192D74DD8C}"/>
-              </a:ext>
-            </a:extLst>
-          </p:cNvPr>
-          <p:cNvSpPr>
-            <a:spLocks noGrp="1"/>
-          </p:cNvSpPr>
-          <p:nvPr>
-            <p:ph type="ctrTitle"/>
-          </p:nvPr>
-        </p:nvSpPr>
-        <p:spPr>
-          <a:xfrm>
-            <a:off x="71862" y="86502"/>
-            <a:ext cx="6082903" cy="1498174"/>
-          </a:xfrm>
-        </p:spPr>
-        <p:txBody>
-          <a:bodyPr>
-            <a:normAutofit/>
-          </a:bodyPr>
-          <a:lstStyle/>
-          <a:p>
-            <a:pPr algn="ctr"/>
-            <a:r>
-              <a:rPr lang="cs-CZ" sz="3200" b="1" dirty="0">
-                <a:solidFill>
-                  <a:srgbClr val="FEFAC2"/>
-                </a:solidFill>
-                <a:latin typeface="Arial" panose="020B0604020202020204" pitchFamily="34" charset="0"/>
-                <a:cs typeface="Arial" panose="020B0604020202020204" pitchFamily="34" charset="0"/>
-              </a:rPr>
-              <a:t>Nevýhody:</a:t>
-            </a:r>
-          </a:p>
-        </p:txBody>
-      </p:sp>
-      <p:sp>
-        <p:nvSpPr>
-          <p:cNvPr id="3" name="Podnadpis 2">
-            <a:extLst>
-              <a:ext uri="{FF2B5EF4-FFF2-40B4-BE49-F238E27FC236}">
-                <a16:creationId xmlns:a16="http://schemas.microsoft.com/office/drawing/2014/main" id="{40BDE16B-3EE9-6453-FB6A-C1A83B805F10}"/>
-              </a:ext>
-            </a:extLst>
-          </p:cNvPr>
-          <p:cNvSpPr>
-            <a:spLocks noGrp="1"/>
-          </p:cNvSpPr>
-          <p:nvPr>
-            <p:ph type="subTitle" idx="1"/>
-          </p:nvPr>
-        </p:nvSpPr>
-        <p:spPr>
-          <a:xfrm>
-            <a:off x="4067173" y="3687763"/>
-            <a:ext cx="8791575" cy="1655762"/>
-          </a:xfrm>
-        </p:spPr>
-        <p:txBody>
-          <a:bodyPr/>
-          <a:lstStyle/>
-          <a:p>
-            <a:endParaRPr lang="cs-CZ" dirty="0"/>
-          </a:p>
-        </p:txBody>
-      </p:sp>
-      <p:sp>
-        <p:nvSpPr>
-          <p:cNvPr id="4" name="TextovéPole 3">
-            <a:extLst>
-              <a:ext uri="{FF2B5EF4-FFF2-40B4-BE49-F238E27FC236}">
-                <a16:creationId xmlns:a16="http://schemas.microsoft.com/office/drawing/2014/main" id="{BBC1352D-FD90-C1BD-37C4-DEE71193082B}"/>
-              </a:ext>
-            </a:extLst>
-          </p:cNvPr>
-          <p:cNvSpPr txBox="1"/>
-          <p:nvPr/>
-        </p:nvSpPr>
-        <p:spPr>
-          <a:xfrm>
-            <a:off x="1920815" y="2068820"/>
-            <a:ext cx="4175185" cy="4893647"/>
-          </a:xfrm>
-          <a:prstGeom prst="rect">
-            <a:avLst/>
-          </a:prstGeom>
-          <a:noFill/>
-        </p:spPr>
-        <p:txBody>
-          <a:bodyPr wrap="square" rtlCol="0">
-            <a:spAutoFit/>
-          </a:bodyPr>
-          <a:lstStyle/>
-          <a:p>
-            <a:r>
-              <a:rPr lang="cs-CZ" sz="2400" dirty="0">
-                <a:latin typeface="Arial" panose="020B0604020202020204" pitchFamily="34" charset="0"/>
-                <a:cs typeface="Arial" panose="020B0604020202020204" pitchFamily="34" charset="0"/>
-              </a:rPr>
-              <a:t>Např.</a:t>
-            </a:r>
-          </a:p>
-          <a:p>
-            <a:r>
-              <a:rPr lang="cs-CZ" sz="2400" b="1" dirty="0">
-                <a:latin typeface="Arial" panose="020B0604020202020204" pitchFamily="34" charset="0"/>
-                <a:cs typeface="Arial" panose="020B0604020202020204" pitchFamily="34" charset="0"/>
-              </a:rPr>
-              <a:t>Zneužití dat:</a:t>
-            </a:r>
-          </a:p>
-          <a:p>
-            <a:r>
-              <a:rPr lang="cs-CZ" sz="2400" dirty="0">
-                <a:latin typeface="Arial" panose="020B0604020202020204" pitchFamily="34" charset="0"/>
-                <a:cs typeface="Arial" panose="020B0604020202020204" pitchFamily="34" charset="0"/>
-              </a:rPr>
-              <a:t>Ztráta či odcizení chytrých hodinek.</a:t>
-            </a:r>
-          </a:p>
-          <a:p>
-            <a:endParaRPr lang="cs-CZ" sz="2400" dirty="0">
-              <a:latin typeface="Arial" panose="020B0604020202020204" pitchFamily="34" charset="0"/>
-              <a:cs typeface="Arial" panose="020B0604020202020204" pitchFamily="34" charset="0"/>
-            </a:endParaRPr>
-          </a:p>
-          <a:p>
-            <a:r>
-              <a:rPr lang="cs-CZ" sz="2400" b="1" dirty="0">
-                <a:latin typeface="Arial" panose="020B0604020202020204" pitchFamily="34" charset="0"/>
-                <a:cs typeface="Arial" panose="020B0604020202020204" pitchFamily="34" charset="0"/>
-              </a:rPr>
-              <a:t>Prostor </a:t>
-            </a:r>
-            <a:r>
-              <a:rPr lang="cs-CZ" sz="2400" b="1" dirty="0" err="1">
-                <a:latin typeface="Arial" panose="020B0604020202020204" pitchFamily="34" charset="0"/>
-                <a:cs typeface="Arial" panose="020B0604020202020204" pitchFamily="34" charset="0"/>
-              </a:rPr>
-              <a:t>hackrům</a:t>
-            </a:r>
-            <a:r>
-              <a:rPr lang="cs-CZ" sz="2400" b="1" dirty="0">
-                <a:latin typeface="Arial" panose="020B0604020202020204" pitchFamily="34" charset="0"/>
-                <a:cs typeface="Arial" panose="020B0604020202020204" pitchFamily="34" charset="0"/>
-              </a:rPr>
-              <a:t>:</a:t>
-            </a:r>
-          </a:p>
-          <a:p>
-            <a:r>
-              <a:rPr lang="cs-CZ" sz="2400" dirty="0">
-                <a:latin typeface="Arial" panose="020B0604020202020204" pitchFamily="34" charset="0"/>
-                <a:cs typeface="Arial" panose="020B0604020202020204" pitchFamily="34" charset="0"/>
-              </a:rPr>
-              <a:t>Vykradení domu s </a:t>
-            </a:r>
-            <a:r>
-              <a:rPr lang="cs-CZ" sz="2400" dirty="0" err="1">
-                <a:latin typeface="Arial" panose="020B0604020202020204" pitchFamily="34" charset="0"/>
-                <a:cs typeface="Arial" panose="020B0604020202020204" pitchFamily="34" charset="0"/>
-              </a:rPr>
-              <a:t>IoT</a:t>
-            </a:r>
-            <a:r>
-              <a:rPr lang="cs-CZ" sz="2400" dirty="0">
-                <a:latin typeface="Arial" panose="020B0604020202020204" pitchFamily="34" charset="0"/>
-                <a:cs typeface="Arial" panose="020B0604020202020204" pitchFamily="34" charset="0"/>
-              </a:rPr>
-              <a:t>- zasílání informací o domu </a:t>
-            </a:r>
-            <a:r>
-              <a:rPr lang="cs-CZ" sz="2400" dirty="0" err="1">
-                <a:latin typeface="Arial" panose="020B0604020202020204" pitchFamily="34" charset="0"/>
-                <a:cs typeface="Arial" panose="020B0604020202020204" pitchFamily="34" charset="0"/>
-              </a:rPr>
-              <a:t>hackrovi</a:t>
-            </a:r>
-            <a:r>
-              <a:rPr lang="cs-CZ" sz="2400" dirty="0">
-                <a:latin typeface="Arial" panose="020B0604020202020204" pitchFamily="34" charset="0"/>
-                <a:cs typeface="Arial" panose="020B0604020202020204" pitchFamily="34" charset="0"/>
-              </a:rPr>
-              <a:t>.</a:t>
-            </a:r>
-          </a:p>
-          <a:p>
-            <a:endParaRPr lang="cs-CZ" sz="2400" dirty="0">
-              <a:latin typeface="Arial" panose="020B0604020202020204" pitchFamily="34" charset="0"/>
-              <a:cs typeface="Arial" panose="020B0604020202020204" pitchFamily="34" charset="0"/>
-            </a:endParaRPr>
-          </a:p>
-          <a:p>
-            <a:endParaRPr lang="cs-CZ" sz="2400" dirty="0">
-              <a:latin typeface="Arial" panose="020B0604020202020204" pitchFamily="34" charset="0"/>
-              <a:cs typeface="Arial" panose="020B0604020202020204" pitchFamily="34" charset="0"/>
-            </a:endParaRPr>
-          </a:p>
-          <a:p>
-            <a:endParaRPr lang="cs-CZ" sz="2400" dirty="0">
-              <a:latin typeface="Arial" panose="020B0604020202020204" pitchFamily="34" charset="0"/>
-              <a:cs typeface="Arial" panose="020B0604020202020204" pitchFamily="34" charset="0"/>
-            </a:endParaRPr>
-          </a:p>
-          <a:p>
-            <a:r>
-              <a:rPr lang="cs-CZ" sz="2400" dirty="0">
-                <a:latin typeface="Arial" panose="020B0604020202020204" pitchFamily="34" charset="0"/>
-                <a:cs typeface="Arial" panose="020B0604020202020204" pitchFamily="34" charset="0"/>
-              </a:rPr>
-              <a:t> </a:t>
-            </a:r>
-          </a:p>
-        </p:txBody>
-      </p:sp>
-      <p:sp>
-        <p:nvSpPr>
-          <p:cNvPr id="5" name="TextovéPole 4">
-            <a:extLst>
-              <a:ext uri="{FF2B5EF4-FFF2-40B4-BE49-F238E27FC236}">
-                <a16:creationId xmlns:a16="http://schemas.microsoft.com/office/drawing/2014/main" id="{C5FA6D0F-27B3-F749-E1FC-6A5FEE2F5C1A}"/>
-              </a:ext>
-            </a:extLst>
-          </p:cNvPr>
-          <p:cNvSpPr txBox="1"/>
-          <p:nvPr/>
-        </p:nvSpPr>
-        <p:spPr>
-          <a:xfrm>
-            <a:off x="6987396" y="3315315"/>
-            <a:ext cx="3957412" cy="1200329"/>
-          </a:xfrm>
-          <a:prstGeom prst="rect">
-            <a:avLst/>
-          </a:prstGeom>
-          <a:noFill/>
-        </p:spPr>
-        <p:txBody>
-          <a:bodyPr wrap="square" rtlCol="0">
-            <a:spAutoFit/>
-          </a:bodyPr>
-          <a:lstStyle/>
-          <a:p>
-            <a:r>
-              <a:rPr lang="cs-CZ" sz="2400" b="1" dirty="0">
-                <a:latin typeface="Arial" panose="020B0604020202020204" pitchFamily="34" charset="0"/>
-                <a:cs typeface="Arial" panose="020B0604020202020204" pitchFamily="34" charset="0"/>
-              </a:rPr>
-              <a:t>Udržování aktuálního OS: </a:t>
-            </a:r>
-            <a:r>
-              <a:rPr lang="cs-CZ" sz="2400" dirty="0">
-                <a:latin typeface="Arial" panose="020B0604020202020204" pitchFamily="34" charset="0"/>
-                <a:cs typeface="Arial" panose="020B0604020202020204" pitchFamily="34" charset="0"/>
-              </a:rPr>
-              <a:t>mnohdy řeší mezery v zabezpečení.</a:t>
-            </a:r>
-          </a:p>
-        </p:txBody>
-      </p:sp>
-    </p:spTree>
-    <p:extLst>
-      <p:ext uri="{BB962C8B-B14F-4D97-AF65-F5344CB8AC3E}">
-        <p14:creationId xmlns:p14="http://schemas.microsoft.com/office/powerpoint/2010/main" val="2887409316"/>
-      </p:ext>
-    </p:extLst>
-  </p:cSld>
-  <p:clrMapOvr>
-    <a:masterClrMapping/>
-  </p:clrMapOvr>
-  <mc:AlternateContent xmlns:mc="http://schemas.openxmlformats.org/markup-compatibility/2006">
-    <mc:Choice xmlns:p14="http://schemas.microsoft.com/office/powerpoint/2010/main" Requires="p14">
-      <p:transition spd="med" p14:dur="700">
-        <p:fade/>
-      </p:transition>
-    </mc:Choice>
-    <mc:Fallback>
-      <p:transition spd="med">
-        <p:fade/>
-      </p:transition>
-    </mc:Fallback>
-  </mc:AlternateContent>
-</p:sld>
-</file>
-
-<file path=ppt/slides/slide7.xml><?xml version="1.0" encoding="utf-8"?>
-<p:sld xmlns:a="http://schemas.openxmlformats.org/drawingml/2006/main" xmlns:r="http://schemas.openxmlformats.org/officeDocument/2006/relationships" xmlns:p="http://schemas.openxmlformats.org/presentationml/2006/main">
-  <p:cSld>
-    <p:bg>
-      <p:bgPr>
-        <a:solidFill>
-          <a:srgbClr val="23268F"/>
-        </a:solidFill>
-        <a:effectLst/>
-      </p:bgPr>
-    </p:bg>
-    <p:spTree>
-      <p:nvGrpSpPr>
-        <p:cNvPr id="1" name=""/>
-        <p:cNvGrpSpPr/>
-        <p:nvPr/>
-      </p:nvGrpSpPr>
-      <p:grpSpPr>
-        <a:xfrm>
-          <a:off x="0" y="0"/>
-          <a:ext cx="0" cy="0"/>
-          <a:chOff x="0" y="0"/>
-          <a:chExt cx="0" cy="0"/>
-        </a:xfrm>
-      </p:grpSpPr>
-      <p:sp>
-        <p:nvSpPr>
-          <p:cNvPr id="2" name="Nadpis 1">
-            <a:extLst>
-              <a:ext uri="{FF2B5EF4-FFF2-40B4-BE49-F238E27FC236}">
-                <a16:creationId xmlns:a16="http://schemas.microsoft.com/office/drawing/2014/main" id="{29CB99E5-9986-576C-8894-71192D74DD8C}"/>
-              </a:ext>
-            </a:extLst>
-          </p:cNvPr>
-          <p:cNvSpPr>
-            <a:spLocks noGrp="1"/>
-          </p:cNvSpPr>
-          <p:nvPr>
-            <p:ph type="ctrTitle"/>
-          </p:nvPr>
-        </p:nvSpPr>
-        <p:spPr>
-          <a:xfrm>
             <a:off x="439394" y="79285"/>
             <a:ext cx="6082903" cy="1498174"/>
           </a:xfrm>
@@ -16345,7 +16587,7 @@
           <p:nvPr/>
         </p:nvPicPr>
         <p:blipFill>
-          <a:blip r:embed="rId2">
+          <a:blip r:embed="rId3">
             <a:extLst>
               <a:ext uri="{28A0092B-C50C-407E-A947-70E740481C1C}">
                 <a14:useLocalDpi xmlns:a14="http://schemas.microsoft.com/office/drawing/2010/main" val="0"/>
@@ -16389,12 +16631,1114 @@
   </p:clrMapOvr>
   <mc:AlternateContent xmlns:mc="http://schemas.openxmlformats.org/markup-compatibility/2006">
     <mc:Choice xmlns:p14="http://schemas.microsoft.com/office/powerpoint/2010/main" Requires="p14">
-      <p:transition spd="med" p14:dur="700">
+      <p:transition spd="med" p14:dur="700" advTm="15000">
         <p:fade/>
       </p:transition>
     </mc:Choice>
     <mc:Fallback>
-      <p:transition spd="med">
+      <p:transition spd="med" advTm="15000">
+        <p:fade/>
+      </p:transition>
+    </mc:Fallback>
+  </mc:AlternateContent>
+</p:sld>
+</file>
+
+<file path=ppt/slides/slide4.xml><?xml version="1.0" encoding="utf-8"?>
+<p:sld xmlns:a="http://schemas.openxmlformats.org/drawingml/2006/main" xmlns:r="http://schemas.openxmlformats.org/officeDocument/2006/relationships" xmlns:p="http://schemas.openxmlformats.org/presentationml/2006/main">
+  <p:cSld>
+    <p:bg>
+      <p:bgPr>
+        <a:solidFill>
+          <a:srgbClr val="23268F"/>
+        </a:solidFill>
+        <a:effectLst/>
+      </p:bgPr>
+    </p:bg>
+    <p:spTree>
+      <p:nvGrpSpPr>
+        <p:cNvPr id="1" name=""/>
+        <p:cNvGrpSpPr/>
+        <p:nvPr/>
+      </p:nvGrpSpPr>
+      <p:grpSpPr>
+        <a:xfrm>
+          <a:off x="0" y="0"/>
+          <a:ext cx="0" cy="0"/>
+          <a:chOff x="0" y="0"/>
+          <a:chExt cx="0" cy="0"/>
+        </a:xfrm>
+      </p:grpSpPr>
+      <p:sp>
+        <p:nvSpPr>
+          <p:cNvPr id="2" name="Nadpis 1">
+            <a:extLst>
+              <a:ext uri="{FF2B5EF4-FFF2-40B4-BE49-F238E27FC236}">
+                <a16:creationId xmlns:a16="http://schemas.microsoft.com/office/drawing/2014/main" id="{29CB99E5-9986-576C-8894-71192D74DD8C}"/>
+              </a:ext>
+            </a:extLst>
+          </p:cNvPr>
+          <p:cNvSpPr>
+            <a:spLocks noGrp="1"/>
+          </p:cNvSpPr>
+          <p:nvPr>
+            <p:ph type="ctrTitle"/>
+          </p:nvPr>
+        </p:nvSpPr>
+        <p:spPr>
+          <a:xfrm>
+            <a:off x="934443" y="68369"/>
+            <a:ext cx="6082903" cy="1498174"/>
+          </a:xfrm>
+        </p:spPr>
+        <p:txBody>
+          <a:bodyPr>
+            <a:normAutofit/>
+          </a:bodyPr>
+          <a:lstStyle/>
+          <a:p>
+            <a:pPr algn="ctr"/>
+            <a:r>
+              <a:rPr lang="cs-CZ" sz="3200" b="1" dirty="0">
+                <a:solidFill>
+                  <a:srgbClr val="FEFAC2"/>
+                </a:solidFill>
+                <a:latin typeface="Arial" panose="020B0604020202020204" pitchFamily="34" charset="0"/>
+                <a:cs typeface="Arial" panose="020B0604020202020204" pitchFamily="34" charset="0"/>
+              </a:rPr>
+              <a:t>Jak funguje I</a:t>
+            </a:r>
+            <a:r>
+              <a:rPr lang="cs-CZ" sz="2000" b="1" dirty="0">
+                <a:solidFill>
+                  <a:srgbClr val="FEFAC2"/>
+                </a:solidFill>
+                <a:latin typeface="Arial" panose="020B0604020202020204" pitchFamily="34" charset="0"/>
+                <a:cs typeface="Arial" panose="020B0604020202020204" pitchFamily="34" charset="0"/>
+              </a:rPr>
+              <a:t>o</a:t>
+            </a:r>
+            <a:r>
+              <a:rPr lang="cs-CZ" sz="3200" b="1" dirty="0">
+                <a:solidFill>
+                  <a:srgbClr val="FEFAC2"/>
+                </a:solidFill>
+                <a:latin typeface="Arial" panose="020B0604020202020204" pitchFamily="34" charset="0"/>
+                <a:cs typeface="Arial" panose="020B0604020202020204" pitchFamily="34" charset="0"/>
+              </a:rPr>
+              <a:t>t?</a:t>
+            </a:r>
+          </a:p>
+        </p:txBody>
+      </p:sp>
+      <p:sp>
+        <p:nvSpPr>
+          <p:cNvPr id="3" name="Podnadpis 2">
+            <a:extLst>
+              <a:ext uri="{FF2B5EF4-FFF2-40B4-BE49-F238E27FC236}">
+                <a16:creationId xmlns:a16="http://schemas.microsoft.com/office/drawing/2014/main" id="{40BDE16B-3EE9-6453-FB6A-C1A83B805F10}"/>
+              </a:ext>
+            </a:extLst>
+          </p:cNvPr>
+          <p:cNvSpPr>
+            <a:spLocks noGrp="1"/>
+          </p:cNvSpPr>
+          <p:nvPr>
+            <p:ph type="subTitle" idx="1"/>
+          </p:nvPr>
+        </p:nvSpPr>
+        <p:spPr>
+          <a:xfrm>
+            <a:off x="1907575" y="2601119"/>
+            <a:ext cx="8791575" cy="1655762"/>
+          </a:xfrm>
+        </p:spPr>
+        <p:txBody>
+          <a:bodyPr/>
+          <a:lstStyle/>
+          <a:p>
+            <a:endParaRPr lang="cs-CZ" dirty="0"/>
+          </a:p>
+        </p:txBody>
+      </p:sp>
+      <p:sp>
+        <p:nvSpPr>
+          <p:cNvPr id="4" name="TextovéPole 3">
+            <a:extLst>
+              <a:ext uri="{FF2B5EF4-FFF2-40B4-BE49-F238E27FC236}">
+                <a16:creationId xmlns:a16="http://schemas.microsoft.com/office/drawing/2014/main" id="{7786A9CE-F619-6533-F4AB-DCF28CA52EF1}"/>
+              </a:ext>
+            </a:extLst>
+          </p:cNvPr>
+          <p:cNvSpPr txBox="1"/>
+          <p:nvPr/>
+        </p:nvSpPr>
+        <p:spPr>
+          <a:xfrm>
+            <a:off x="2017523" y="2146392"/>
+            <a:ext cx="6245525" cy="1938992"/>
+          </a:xfrm>
+          <a:prstGeom prst="rect">
+            <a:avLst/>
+          </a:prstGeom>
+          <a:noFill/>
+        </p:spPr>
+        <p:txBody>
+          <a:bodyPr wrap="square" rtlCol="0">
+            <a:spAutoFit/>
+          </a:bodyPr>
+          <a:lstStyle/>
+          <a:p>
+            <a:r>
+              <a:rPr lang="cs-CZ" sz="2400" dirty="0">
+                <a:latin typeface="Arial" panose="020B0604020202020204" pitchFamily="34" charset="0"/>
+                <a:cs typeface="Arial" panose="020B0604020202020204" pitchFamily="34" charset="0"/>
+              </a:rPr>
+              <a:t>Obsahuje software, senzory, určitou síťovou konektivitu (Wi-Fi, </a:t>
+            </a:r>
+            <a:r>
+              <a:rPr lang="cs-CZ" sz="2400" dirty="0" err="1">
+                <a:latin typeface="Arial" panose="020B0604020202020204" pitchFamily="34" charset="0"/>
+                <a:cs typeface="Arial" panose="020B0604020202020204" pitchFamily="34" charset="0"/>
+              </a:rPr>
+              <a:t>BlueTooth</a:t>
+            </a:r>
+            <a:r>
+              <a:rPr lang="cs-CZ" sz="2400" dirty="0">
+                <a:latin typeface="Arial" panose="020B0604020202020204" pitchFamily="34" charset="0"/>
+                <a:cs typeface="Arial" panose="020B0604020202020204" pitchFamily="34" charset="0"/>
+              </a:rPr>
+              <a:t>, USB,…)</a:t>
+            </a:r>
+          </a:p>
+          <a:p>
+            <a:endParaRPr lang="cs-CZ" sz="2400" dirty="0">
+              <a:latin typeface="Arial" panose="020B0604020202020204" pitchFamily="34" charset="0"/>
+              <a:cs typeface="Arial" panose="020B0604020202020204" pitchFamily="34" charset="0"/>
+            </a:endParaRPr>
+          </a:p>
+          <a:p>
+            <a:r>
+              <a:rPr lang="cs-CZ" sz="2400" dirty="0">
+                <a:latin typeface="Arial" panose="020B0604020202020204" pitchFamily="34" charset="0"/>
+                <a:cs typeface="Arial" panose="020B0604020202020204" pitchFamily="34" charset="0"/>
+              </a:rPr>
+              <a:t>Pomocí konektivity komunikace mezi spárovanými zařízeními.  </a:t>
+            </a:r>
+          </a:p>
+        </p:txBody>
+      </p:sp>
+    </p:spTree>
+    <p:extLst>
+      <p:ext uri="{BB962C8B-B14F-4D97-AF65-F5344CB8AC3E}">
+        <p14:creationId xmlns:p14="http://schemas.microsoft.com/office/powerpoint/2010/main" val="914366573"/>
+      </p:ext>
+    </p:extLst>
+  </p:cSld>
+  <p:clrMapOvr>
+    <a:masterClrMapping/>
+  </p:clrMapOvr>
+  <mc:AlternateContent xmlns:mc="http://schemas.openxmlformats.org/markup-compatibility/2006">
+    <mc:Choice xmlns:p14="http://schemas.microsoft.com/office/powerpoint/2010/main" Requires="p14">
+      <p:transition spd="med" p14:dur="700" advTm="35000">
+        <p:fade/>
+      </p:transition>
+    </mc:Choice>
+    <mc:Fallback>
+      <p:transition spd="med" advTm="35000">
+        <p:fade/>
+      </p:transition>
+    </mc:Fallback>
+  </mc:AlternateContent>
+</p:sld>
+</file>
+
+<file path=ppt/slides/slide5.xml><?xml version="1.0" encoding="utf-8"?>
+<p:sld xmlns:a="http://schemas.openxmlformats.org/drawingml/2006/main" xmlns:r="http://schemas.openxmlformats.org/officeDocument/2006/relationships" xmlns:p="http://schemas.openxmlformats.org/presentationml/2006/main">
+  <p:cSld>
+    <p:bg>
+      <p:bgPr>
+        <a:solidFill>
+          <a:srgbClr val="23268F"/>
+        </a:solidFill>
+        <a:effectLst/>
+      </p:bgPr>
+    </p:bg>
+    <p:spTree>
+      <p:nvGrpSpPr>
+        <p:cNvPr id="1" name=""/>
+        <p:cNvGrpSpPr/>
+        <p:nvPr/>
+      </p:nvGrpSpPr>
+      <p:grpSpPr>
+        <a:xfrm>
+          <a:off x="0" y="0"/>
+          <a:ext cx="0" cy="0"/>
+          <a:chOff x="0" y="0"/>
+          <a:chExt cx="0" cy="0"/>
+        </a:xfrm>
+      </p:grpSpPr>
+      <p:sp>
+        <p:nvSpPr>
+          <p:cNvPr id="2" name="Nadpis 1">
+            <a:extLst>
+              <a:ext uri="{FF2B5EF4-FFF2-40B4-BE49-F238E27FC236}">
+                <a16:creationId xmlns:a16="http://schemas.microsoft.com/office/drawing/2014/main" id="{29CB99E5-9986-576C-8894-71192D74DD8C}"/>
+              </a:ext>
+            </a:extLst>
+          </p:cNvPr>
+          <p:cNvSpPr>
+            <a:spLocks noGrp="1"/>
+          </p:cNvSpPr>
+          <p:nvPr>
+            <p:ph type="ctrTitle"/>
+          </p:nvPr>
+        </p:nvSpPr>
+        <p:spPr>
+          <a:xfrm>
+            <a:off x="1042973" y="67842"/>
+            <a:ext cx="6082903" cy="1498174"/>
+          </a:xfrm>
+        </p:spPr>
+        <p:txBody>
+          <a:bodyPr>
+            <a:normAutofit/>
+          </a:bodyPr>
+          <a:lstStyle/>
+          <a:p>
+            <a:pPr algn="ctr"/>
+            <a:r>
+              <a:rPr lang="cs-CZ" sz="3200" b="1" dirty="0">
+                <a:solidFill>
+                  <a:srgbClr val="FEFAC2"/>
+                </a:solidFill>
+                <a:latin typeface="Arial" panose="020B0604020202020204" pitchFamily="34" charset="0"/>
+                <a:cs typeface="Arial" panose="020B0604020202020204" pitchFamily="34" charset="0"/>
+              </a:rPr>
+              <a:t>Příklady a využití:</a:t>
+            </a:r>
+          </a:p>
+        </p:txBody>
+      </p:sp>
+      <p:sp>
+        <p:nvSpPr>
+          <p:cNvPr id="3" name="Podnadpis 2">
+            <a:extLst>
+              <a:ext uri="{FF2B5EF4-FFF2-40B4-BE49-F238E27FC236}">
+                <a16:creationId xmlns:a16="http://schemas.microsoft.com/office/drawing/2014/main" id="{40BDE16B-3EE9-6453-FB6A-C1A83B805F10}"/>
+              </a:ext>
+            </a:extLst>
+          </p:cNvPr>
+          <p:cNvSpPr>
+            <a:spLocks noGrp="1"/>
+          </p:cNvSpPr>
+          <p:nvPr>
+            <p:ph type="subTitle" idx="1"/>
+          </p:nvPr>
+        </p:nvSpPr>
+        <p:spPr>
+          <a:xfrm>
+            <a:off x="4084425" y="4835076"/>
+            <a:ext cx="8791575" cy="1655762"/>
+          </a:xfrm>
+        </p:spPr>
+        <p:txBody>
+          <a:bodyPr/>
+          <a:lstStyle/>
+          <a:p>
+            <a:endParaRPr lang="cs-CZ" dirty="0"/>
+          </a:p>
+        </p:txBody>
+      </p:sp>
+      <p:sp>
+        <p:nvSpPr>
+          <p:cNvPr id="5" name="TextovéPole 4">
+            <a:extLst>
+              <a:ext uri="{FF2B5EF4-FFF2-40B4-BE49-F238E27FC236}">
+                <a16:creationId xmlns:a16="http://schemas.microsoft.com/office/drawing/2014/main" id="{9621ED40-9E16-7A3B-D787-20634E294FC3}"/>
+              </a:ext>
+            </a:extLst>
+          </p:cNvPr>
+          <p:cNvSpPr txBox="1"/>
+          <p:nvPr/>
+        </p:nvSpPr>
+        <p:spPr>
+          <a:xfrm>
+            <a:off x="1933043" y="2013638"/>
+            <a:ext cx="4752428" cy="5262979"/>
+          </a:xfrm>
+          <a:prstGeom prst="rect">
+            <a:avLst/>
+          </a:prstGeom>
+          <a:noFill/>
+        </p:spPr>
+        <p:txBody>
+          <a:bodyPr wrap="square" rtlCol="0">
+            <a:spAutoFit/>
+          </a:bodyPr>
+          <a:lstStyle/>
+          <a:p>
+            <a:r>
+              <a:rPr lang="cs-CZ" sz="2400" dirty="0">
+                <a:latin typeface="Arial" panose="020B0604020202020204" pitchFamily="34" charset="0"/>
+                <a:cs typeface="Arial" panose="020B0604020202020204" pitchFamily="34" charset="0"/>
+              </a:rPr>
+              <a:t>Cílem zlepšení života a </a:t>
+            </a:r>
+            <a:r>
+              <a:rPr lang="cs-CZ" sz="2400" dirty="0" err="1">
+                <a:latin typeface="Arial" panose="020B0604020202020204" pitchFamily="34" charset="0"/>
+                <a:cs typeface="Arial" panose="020B0604020202020204" pitchFamily="34" charset="0"/>
+              </a:rPr>
+              <a:t>zeefektivnění</a:t>
+            </a:r>
+            <a:r>
+              <a:rPr lang="cs-CZ" sz="2400" dirty="0">
+                <a:latin typeface="Arial" panose="020B0604020202020204" pitchFamily="34" charset="0"/>
+                <a:cs typeface="Arial" panose="020B0604020202020204" pitchFamily="34" charset="0"/>
+              </a:rPr>
+              <a:t> běžné činnosti.</a:t>
+            </a:r>
+          </a:p>
+          <a:p>
+            <a:endParaRPr lang="cs-CZ" sz="2400" dirty="0">
+              <a:latin typeface="Arial" panose="020B0604020202020204" pitchFamily="34" charset="0"/>
+              <a:cs typeface="Arial" panose="020B0604020202020204" pitchFamily="34" charset="0"/>
+            </a:endParaRPr>
+          </a:p>
+          <a:p>
+            <a:r>
+              <a:rPr lang="cs-CZ" sz="2400" dirty="0">
+                <a:latin typeface="Arial" panose="020B0604020202020204" pitchFamily="34" charset="0"/>
+                <a:cs typeface="Arial" panose="020B0604020202020204" pitchFamily="34" charset="0"/>
+              </a:rPr>
+              <a:t>Např.</a:t>
+            </a:r>
+          </a:p>
+          <a:p>
+            <a:r>
+              <a:rPr lang="cs-CZ" sz="2400" b="1" dirty="0">
+                <a:latin typeface="Arial" panose="020B0604020202020204" pitchFamily="34" charset="0"/>
+                <a:cs typeface="Arial" panose="020B0604020202020204" pitchFamily="34" charset="0"/>
+              </a:rPr>
+              <a:t>Zákaznický servis                                                </a:t>
+            </a:r>
+          </a:p>
+          <a:p>
+            <a:endParaRPr lang="cs-CZ" sz="2400" dirty="0">
+              <a:latin typeface="Arial" panose="020B0604020202020204" pitchFamily="34" charset="0"/>
+              <a:cs typeface="Arial" panose="020B0604020202020204" pitchFamily="34" charset="0"/>
+            </a:endParaRPr>
+          </a:p>
+          <a:p>
+            <a:r>
+              <a:rPr lang="cs-CZ" sz="2400" b="1" dirty="0">
+                <a:latin typeface="Arial" panose="020B0604020202020204" pitchFamily="34" charset="0"/>
+                <a:cs typeface="Arial" panose="020B0604020202020204" pitchFamily="34" charset="0"/>
+              </a:rPr>
+              <a:t>Konzumní elektronika </a:t>
+            </a:r>
+          </a:p>
+          <a:p>
+            <a:endParaRPr lang="cs-CZ" sz="2400" dirty="0">
+              <a:latin typeface="Arial" panose="020B0604020202020204" pitchFamily="34" charset="0"/>
+              <a:cs typeface="Arial" panose="020B0604020202020204" pitchFamily="34" charset="0"/>
+            </a:endParaRPr>
+          </a:p>
+          <a:p>
+            <a:r>
+              <a:rPr lang="cs-CZ" sz="2400" b="1" dirty="0">
+                <a:latin typeface="Arial" panose="020B0604020202020204" pitchFamily="34" charset="0"/>
+                <a:cs typeface="Arial" panose="020B0604020202020204" pitchFamily="34" charset="0"/>
+              </a:rPr>
+              <a:t>Zdravotnictví </a:t>
+            </a:r>
+          </a:p>
+          <a:p>
+            <a:endParaRPr lang="cs-CZ" sz="2400" dirty="0">
+              <a:latin typeface="Arial" panose="020B0604020202020204" pitchFamily="34" charset="0"/>
+              <a:cs typeface="Arial" panose="020B0604020202020204" pitchFamily="34" charset="0"/>
+            </a:endParaRPr>
+          </a:p>
+          <a:p>
+            <a:r>
+              <a:rPr lang="cs-CZ" sz="2400" dirty="0">
+                <a:latin typeface="Arial" panose="020B0604020202020204" pitchFamily="34" charset="0"/>
+                <a:cs typeface="Arial" panose="020B0604020202020204" pitchFamily="34" charset="0"/>
+              </a:rPr>
+              <a:t> </a:t>
+            </a:r>
+          </a:p>
+          <a:p>
+            <a:endParaRPr lang="cs-CZ" sz="2400" dirty="0">
+              <a:latin typeface="Arial" panose="020B0604020202020204" pitchFamily="34" charset="0"/>
+              <a:cs typeface="Arial" panose="020B0604020202020204" pitchFamily="34" charset="0"/>
+            </a:endParaRPr>
+          </a:p>
+          <a:p>
+            <a:endParaRPr lang="cs-CZ" sz="2400" dirty="0">
+              <a:latin typeface="Arial" panose="020B0604020202020204" pitchFamily="34" charset="0"/>
+              <a:cs typeface="Arial" panose="020B0604020202020204" pitchFamily="34" charset="0"/>
+            </a:endParaRPr>
+          </a:p>
+          <a:p>
+            <a:endParaRPr lang="cs-CZ" sz="2400" dirty="0">
+              <a:latin typeface="Arial" panose="020B0604020202020204" pitchFamily="34" charset="0"/>
+              <a:cs typeface="Arial" panose="020B0604020202020204" pitchFamily="34" charset="0"/>
+            </a:endParaRPr>
+          </a:p>
+        </p:txBody>
+      </p:sp>
+      <p:sp>
+        <p:nvSpPr>
+          <p:cNvPr id="6" name="TextovéPole 5">
+            <a:extLst>
+              <a:ext uri="{FF2B5EF4-FFF2-40B4-BE49-F238E27FC236}">
+                <a16:creationId xmlns:a16="http://schemas.microsoft.com/office/drawing/2014/main" id="{9F6CD40B-E763-1EE9-5E0C-C701C5F2B33E}"/>
+              </a:ext>
+            </a:extLst>
+          </p:cNvPr>
+          <p:cNvSpPr txBox="1"/>
+          <p:nvPr/>
+        </p:nvSpPr>
+        <p:spPr>
+          <a:xfrm>
+            <a:off x="6685471" y="3429000"/>
+            <a:ext cx="4408098" cy="2677656"/>
+          </a:xfrm>
+          <a:prstGeom prst="rect">
+            <a:avLst/>
+          </a:prstGeom>
+          <a:noFill/>
+        </p:spPr>
+        <p:txBody>
+          <a:bodyPr wrap="square" rtlCol="0">
+            <a:spAutoFit/>
+          </a:bodyPr>
+          <a:lstStyle/>
+          <a:p>
+            <a:r>
+              <a:rPr lang="cs-CZ" sz="2400" b="1" dirty="0">
+                <a:latin typeface="Arial" panose="020B0604020202020204" pitchFamily="34" charset="0"/>
+                <a:cs typeface="Arial" panose="020B0604020202020204" pitchFamily="34" charset="0"/>
+              </a:rPr>
+              <a:t>Průmysl </a:t>
+            </a:r>
+          </a:p>
+          <a:p>
+            <a:endParaRPr lang="cs-CZ" sz="2400" dirty="0">
+              <a:latin typeface="Arial" panose="020B0604020202020204" pitchFamily="34" charset="0"/>
+              <a:cs typeface="Arial" panose="020B0604020202020204" pitchFamily="34" charset="0"/>
+            </a:endParaRPr>
+          </a:p>
+          <a:p>
+            <a:r>
+              <a:rPr lang="cs-CZ" sz="2400" b="1" dirty="0">
+                <a:latin typeface="Arial" panose="020B0604020202020204" pitchFamily="34" charset="0"/>
+                <a:cs typeface="Arial" panose="020B0604020202020204" pitchFamily="34" charset="0"/>
+              </a:rPr>
+              <a:t>Automobily </a:t>
+            </a:r>
+          </a:p>
+          <a:p>
+            <a:endParaRPr lang="cs-CZ" sz="2400" dirty="0">
+              <a:latin typeface="Arial" panose="020B0604020202020204" pitchFamily="34" charset="0"/>
+              <a:cs typeface="Arial" panose="020B0604020202020204" pitchFamily="34" charset="0"/>
+            </a:endParaRPr>
+          </a:p>
+          <a:p>
+            <a:r>
+              <a:rPr lang="cs-CZ" sz="2400" b="1" dirty="0">
+                <a:latin typeface="Arial" panose="020B0604020202020204" pitchFamily="34" charset="0"/>
+                <a:cs typeface="Arial" panose="020B0604020202020204" pitchFamily="34" charset="0"/>
+              </a:rPr>
+              <a:t>Finančnictví</a:t>
+            </a:r>
+          </a:p>
+          <a:p>
+            <a:r>
+              <a:rPr lang="cs-CZ" sz="2400" dirty="0">
+                <a:latin typeface="Arial" panose="020B0604020202020204" pitchFamily="34" charset="0"/>
+                <a:cs typeface="Arial" panose="020B0604020202020204" pitchFamily="34" charset="0"/>
+              </a:rPr>
+              <a:t>…</a:t>
+            </a:r>
+          </a:p>
+          <a:p>
+            <a:r>
+              <a:rPr lang="cs-CZ" sz="2400" dirty="0">
+                <a:latin typeface="Arial" panose="020B0604020202020204" pitchFamily="34" charset="0"/>
+                <a:cs typeface="Arial" panose="020B0604020202020204" pitchFamily="34" charset="0"/>
+              </a:rPr>
+              <a:t> </a:t>
+            </a:r>
+          </a:p>
+        </p:txBody>
+      </p:sp>
+    </p:spTree>
+    <p:extLst>
+      <p:ext uri="{BB962C8B-B14F-4D97-AF65-F5344CB8AC3E}">
+        <p14:creationId xmlns:p14="http://schemas.microsoft.com/office/powerpoint/2010/main" val="3827974101"/>
+      </p:ext>
+    </p:extLst>
+  </p:cSld>
+  <p:clrMapOvr>
+    <a:masterClrMapping/>
+  </p:clrMapOvr>
+  <mc:AlternateContent xmlns:mc="http://schemas.openxmlformats.org/markup-compatibility/2006">
+    <mc:Choice xmlns:p14="http://schemas.microsoft.com/office/powerpoint/2010/main" Requires="p14">
+      <p:transition spd="med" p14:dur="700" advTm="60000">
+        <p:fade/>
+      </p:transition>
+    </mc:Choice>
+    <mc:Fallback>
+      <p:transition spd="med" advTm="60000">
+        <p:fade/>
+      </p:transition>
+    </mc:Fallback>
+  </mc:AlternateContent>
+</p:sld>
+</file>
+
+<file path=ppt/slides/slide6.xml><?xml version="1.0" encoding="utf-8"?>
+<p:sld xmlns:a="http://schemas.openxmlformats.org/drawingml/2006/main" xmlns:r="http://schemas.openxmlformats.org/officeDocument/2006/relationships" xmlns:p="http://schemas.openxmlformats.org/presentationml/2006/main">
+  <p:cSld>
+    <p:bg>
+      <p:bgPr>
+        <a:solidFill>
+          <a:srgbClr val="23268F"/>
+        </a:solidFill>
+        <a:effectLst/>
+      </p:bgPr>
+    </p:bg>
+    <p:spTree>
+      <p:nvGrpSpPr>
+        <p:cNvPr id="1" name=""/>
+        <p:cNvGrpSpPr/>
+        <p:nvPr/>
+      </p:nvGrpSpPr>
+      <p:grpSpPr>
+        <a:xfrm>
+          <a:off x="0" y="0"/>
+          <a:ext cx="0" cy="0"/>
+          <a:chOff x="0" y="0"/>
+          <a:chExt cx="0" cy="0"/>
+        </a:xfrm>
+      </p:grpSpPr>
+      <p:sp>
+        <p:nvSpPr>
+          <p:cNvPr id="2" name="Nadpis 1">
+            <a:extLst>
+              <a:ext uri="{FF2B5EF4-FFF2-40B4-BE49-F238E27FC236}">
+                <a16:creationId xmlns:a16="http://schemas.microsoft.com/office/drawing/2014/main" id="{29CB99E5-9986-576C-8894-71192D74DD8C}"/>
+              </a:ext>
+            </a:extLst>
+          </p:cNvPr>
+          <p:cNvSpPr>
+            <a:spLocks noGrp="1"/>
+          </p:cNvSpPr>
+          <p:nvPr>
+            <p:ph type="ctrTitle"/>
+          </p:nvPr>
+        </p:nvSpPr>
+        <p:spPr>
+          <a:xfrm>
+            <a:off x="71862" y="86502"/>
+            <a:ext cx="6082903" cy="1498174"/>
+          </a:xfrm>
+        </p:spPr>
+        <p:txBody>
+          <a:bodyPr>
+            <a:normAutofit/>
+          </a:bodyPr>
+          <a:lstStyle/>
+          <a:p>
+            <a:pPr algn="ctr"/>
+            <a:r>
+              <a:rPr lang="cs-CZ" sz="3200" b="1" dirty="0">
+                <a:solidFill>
+                  <a:srgbClr val="FEFAC2"/>
+                </a:solidFill>
+                <a:latin typeface="Arial" panose="020B0604020202020204" pitchFamily="34" charset="0"/>
+                <a:cs typeface="Arial" panose="020B0604020202020204" pitchFamily="34" charset="0"/>
+              </a:rPr>
+              <a:t>Nevýhody:</a:t>
+            </a:r>
+          </a:p>
+        </p:txBody>
+      </p:sp>
+      <p:sp>
+        <p:nvSpPr>
+          <p:cNvPr id="3" name="Podnadpis 2">
+            <a:extLst>
+              <a:ext uri="{FF2B5EF4-FFF2-40B4-BE49-F238E27FC236}">
+                <a16:creationId xmlns:a16="http://schemas.microsoft.com/office/drawing/2014/main" id="{40BDE16B-3EE9-6453-FB6A-C1A83B805F10}"/>
+              </a:ext>
+            </a:extLst>
+          </p:cNvPr>
+          <p:cNvSpPr>
+            <a:spLocks noGrp="1"/>
+          </p:cNvSpPr>
+          <p:nvPr>
+            <p:ph type="subTitle" idx="1"/>
+          </p:nvPr>
+        </p:nvSpPr>
+        <p:spPr>
+          <a:xfrm>
+            <a:off x="4067173" y="3687763"/>
+            <a:ext cx="8791575" cy="1655762"/>
+          </a:xfrm>
+        </p:spPr>
+        <p:txBody>
+          <a:bodyPr/>
+          <a:lstStyle/>
+          <a:p>
+            <a:endParaRPr lang="cs-CZ" dirty="0"/>
+          </a:p>
+        </p:txBody>
+      </p:sp>
+      <p:sp>
+        <p:nvSpPr>
+          <p:cNvPr id="4" name="TextovéPole 3">
+            <a:extLst>
+              <a:ext uri="{FF2B5EF4-FFF2-40B4-BE49-F238E27FC236}">
+                <a16:creationId xmlns:a16="http://schemas.microsoft.com/office/drawing/2014/main" id="{BBC1352D-FD90-C1BD-37C4-DEE71193082B}"/>
+              </a:ext>
+            </a:extLst>
+          </p:cNvPr>
+          <p:cNvSpPr txBox="1"/>
+          <p:nvPr/>
+        </p:nvSpPr>
+        <p:spPr>
+          <a:xfrm>
+            <a:off x="1920815" y="2068820"/>
+            <a:ext cx="4175185" cy="4893647"/>
+          </a:xfrm>
+          <a:prstGeom prst="rect">
+            <a:avLst/>
+          </a:prstGeom>
+          <a:noFill/>
+        </p:spPr>
+        <p:txBody>
+          <a:bodyPr wrap="square" rtlCol="0">
+            <a:spAutoFit/>
+          </a:bodyPr>
+          <a:lstStyle/>
+          <a:p>
+            <a:r>
+              <a:rPr lang="cs-CZ" sz="2400" dirty="0">
+                <a:latin typeface="Arial" panose="020B0604020202020204" pitchFamily="34" charset="0"/>
+                <a:cs typeface="Arial" panose="020B0604020202020204" pitchFamily="34" charset="0"/>
+              </a:rPr>
+              <a:t>Např.</a:t>
+            </a:r>
+          </a:p>
+          <a:p>
+            <a:r>
+              <a:rPr lang="cs-CZ" sz="2400" b="1" dirty="0">
+                <a:latin typeface="Arial" panose="020B0604020202020204" pitchFamily="34" charset="0"/>
+                <a:cs typeface="Arial" panose="020B0604020202020204" pitchFamily="34" charset="0"/>
+              </a:rPr>
+              <a:t>Zneužití dat:</a:t>
+            </a:r>
+          </a:p>
+          <a:p>
+            <a:r>
+              <a:rPr lang="cs-CZ" sz="2400" dirty="0">
+                <a:latin typeface="Arial" panose="020B0604020202020204" pitchFamily="34" charset="0"/>
+                <a:cs typeface="Arial" panose="020B0604020202020204" pitchFamily="34" charset="0"/>
+              </a:rPr>
+              <a:t>Ztráta či odcizení chytrých hodinek.</a:t>
+            </a:r>
+          </a:p>
+          <a:p>
+            <a:endParaRPr lang="cs-CZ" sz="2400" dirty="0">
+              <a:latin typeface="Arial" panose="020B0604020202020204" pitchFamily="34" charset="0"/>
+              <a:cs typeface="Arial" panose="020B0604020202020204" pitchFamily="34" charset="0"/>
+            </a:endParaRPr>
+          </a:p>
+          <a:p>
+            <a:r>
+              <a:rPr lang="cs-CZ" sz="2400" b="1" dirty="0">
+                <a:latin typeface="Arial" panose="020B0604020202020204" pitchFamily="34" charset="0"/>
+                <a:cs typeface="Arial" panose="020B0604020202020204" pitchFamily="34" charset="0"/>
+              </a:rPr>
+              <a:t>Prostor </a:t>
+            </a:r>
+            <a:r>
+              <a:rPr lang="cs-CZ" sz="2400" b="1" dirty="0" err="1">
+                <a:latin typeface="Arial" panose="020B0604020202020204" pitchFamily="34" charset="0"/>
+                <a:cs typeface="Arial" panose="020B0604020202020204" pitchFamily="34" charset="0"/>
+              </a:rPr>
+              <a:t>hackrům</a:t>
+            </a:r>
+            <a:r>
+              <a:rPr lang="cs-CZ" sz="2400" b="1" dirty="0">
+                <a:latin typeface="Arial" panose="020B0604020202020204" pitchFamily="34" charset="0"/>
+                <a:cs typeface="Arial" panose="020B0604020202020204" pitchFamily="34" charset="0"/>
+              </a:rPr>
+              <a:t>:</a:t>
+            </a:r>
+          </a:p>
+          <a:p>
+            <a:r>
+              <a:rPr lang="cs-CZ" sz="2400" dirty="0">
+                <a:latin typeface="Arial" panose="020B0604020202020204" pitchFamily="34" charset="0"/>
+                <a:cs typeface="Arial" panose="020B0604020202020204" pitchFamily="34" charset="0"/>
+              </a:rPr>
+              <a:t>Vykradení domu s </a:t>
+            </a:r>
+            <a:r>
+              <a:rPr lang="cs-CZ" sz="2400" dirty="0" err="1">
+                <a:latin typeface="Arial" panose="020B0604020202020204" pitchFamily="34" charset="0"/>
+                <a:cs typeface="Arial" panose="020B0604020202020204" pitchFamily="34" charset="0"/>
+              </a:rPr>
+              <a:t>IoT</a:t>
+            </a:r>
+            <a:r>
+              <a:rPr lang="cs-CZ" sz="2400" dirty="0">
+                <a:latin typeface="Arial" panose="020B0604020202020204" pitchFamily="34" charset="0"/>
+                <a:cs typeface="Arial" panose="020B0604020202020204" pitchFamily="34" charset="0"/>
+              </a:rPr>
+              <a:t>- zasílání informací o domu </a:t>
+            </a:r>
+            <a:r>
+              <a:rPr lang="cs-CZ" sz="2400" dirty="0" err="1">
+                <a:latin typeface="Arial" panose="020B0604020202020204" pitchFamily="34" charset="0"/>
+                <a:cs typeface="Arial" panose="020B0604020202020204" pitchFamily="34" charset="0"/>
+              </a:rPr>
+              <a:t>hackrovi</a:t>
+            </a:r>
+            <a:r>
+              <a:rPr lang="cs-CZ" sz="2400" dirty="0">
+                <a:latin typeface="Arial" panose="020B0604020202020204" pitchFamily="34" charset="0"/>
+                <a:cs typeface="Arial" panose="020B0604020202020204" pitchFamily="34" charset="0"/>
+              </a:rPr>
+              <a:t>.</a:t>
+            </a:r>
+          </a:p>
+          <a:p>
+            <a:endParaRPr lang="cs-CZ" sz="2400" dirty="0">
+              <a:latin typeface="Arial" panose="020B0604020202020204" pitchFamily="34" charset="0"/>
+              <a:cs typeface="Arial" panose="020B0604020202020204" pitchFamily="34" charset="0"/>
+            </a:endParaRPr>
+          </a:p>
+          <a:p>
+            <a:endParaRPr lang="cs-CZ" sz="2400" dirty="0">
+              <a:latin typeface="Arial" panose="020B0604020202020204" pitchFamily="34" charset="0"/>
+              <a:cs typeface="Arial" panose="020B0604020202020204" pitchFamily="34" charset="0"/>
+            </a:endParaRPr>
+          </a:p>
+          <a:p>
+            <a:endParaRPr lang="cs-CZ" sz="2400" dirty="0">
+              <a:latin typeface="Arial" panose="020B0604020202020204" pitchFamily="34" charset="0"/>
+              <a:cs typeface="Arial" panose="020B0604020202020204" pitchFamily="34" charset="0"/>
+            </a:endParaRPr>
+          </a:p>
+          <a:p>
+            <a:r>
+              <a:rPr lang="cs-CZ" sz="2400" dirty="0">
+                <a:latin typeface="Arial" panose="020B0604020202020204" pitchFamily="34" charset="0"/>
+                <a:cs typeface="Arial" panose="020B0604020202020204" pitchFamily="34" charset="0"/>
+              </a:rPr>
+              <a:t> </a:t>
+            </a:r>
+          </a:p>
+        </p:txBody>
+      </p:sp>
+      <p:sp>
+        <p:nvSpPr>
+          <p:cNvPr id="5" name="TextovéPole 4">
+            <a:extLst>
+              <a:ext uri="{FF2B5EF4-FFF2-40B4-BE49-F238E27FC236}">
+                <a16:creationId xmlns:a16="http://schemas.microsoft.com/office/drawing/2014/main" id="{C5FA6D0F-27B3-F749-E1FC-6A5FEE2F5C1A}"/>
+              </a:ext>
+            </a:extLst>
+          </p:cNvPr>
+          <p:cNvSpPr txBox="1"/>
+          <p:nvPr/>
+        </p:nvSpPr>
+        <p:spPr>
+          <a:xfrm>
+            <a:off x="6987396" y="3315315"/>
+            <a:ext cx="3957412" cy="1200329"/>
+          </a:xfrm>
+          <a:prstGeom prst="rect">
+            <a:avLst/>
+          </a:prstGeom>
+          <a:noFill/>
+        </p:spPr>
+        <p:txBody>
+          <a:bodyPr wrap="square" rtlCol="0">
+            <a:spAutoFit/>
+          </a:bodyPr>
+          <a:lstStyle/>
+          <a:p>
+            <a:r>
+              <a:rPr lang="cs-CZ" sz="2400" b="1" dirty="0">
+                <a:latin typeface="Arial" panose="020B0604020202020204" pitchFamily="34" charset="0"/>
+                <a:cs typeface="Arial" panose="020B0604020202020204" pitchFamily="34" charset="0"/>
+              </a:rPr>
+              <a:t>Udržování aktuálního OS: </a:t>
+            </a:r>
+            <a:r>
+              <a:rPr lang="cs-CZ" sz="2400" dirty="0">
+                <a:latin typeface="Arial" panose="020B0604020202020204" pitchFamily="34" charset="0"/>
+                <a:cs typeface="Arial" panose="020B0604020202020204" pitchFamily="34" charset="0"/>
+              </a:rPr>
+              <a:t>mnohdy řeší mezery v zabezpečení.</a:t>
+            </a:r>
+          </a:p>
+        </p:txBody>
+      </p:sp>
+    </p:spTree>
+    <p:extLst>
+      <p:ext uri="{BB962C8B-B14F-4D97-AF65-F5344CB8AC3E}">
+        <p14:creationId xmlns:p14="http://schemas.microsoft.com/office/powerpoint/2010/main" val="2887409316"/>
+      </p:ext>
+    </p:extLst>
+  </p:cSld>
+  <p:clrMapOvr>
+    <a:masterClrMapping/>
+  </p:clrMapOvr>
+  <mc:AlternateContent xmlns:mc="http://schemas.openxmlformats.org/markup-compatibility/2006">
+    <mc:Choice xmlns:p14="http://schemas.microsoft.com/office/powerpoint/2010/main" Requires="p14">
+      <p:transition spd="med" p14:dur="700" advTm="45000">
+        <p:fade/>
+      </p:transition>
+    </mc:Choice>
+    <mc:Fallback>
+      <p:transition spd="med" advTm="45000">
+        <p:fade/>
+      </p:transition>
+    </mc:Fallback>
+  </mc:AlternateContent>
+</p:sld>
+</file>
+
+<file path=ppt/slides/slide7.xml><?xml version="1.0" encoding="utf-8"?>
+<p:sld xmlns:a="http://schemas.openxmlformats.org/drawingml/2006/main" xmlns:r="http://schemas.openxmlformats.org/officeDocument/2006/relationships" xmlns:p="http://schemas.openxmlformats.org/presentationml/2006/main">
+  <p:cSld>
+    <p:bg>
+      <p:bgPr>
+        <a:solidFill>
+          <a:srgbClr val="23268F"/>
+        </a:solidFill>
+        <a:effectLst/>
+      </p:bgPr>
+    </p:bg>
+    <p:spTree>
+      <p:nvGrpSpPr>
+        <p:cNvPr id="1" name=""/>
+        <p:cNvGrpSpPr/>
+        <p:nvPr/>
+      </p:nvGrpSpPr>
+      <p:grpSpPr>
+        <a:xfrm>
+          <a:off x="0" y="0"/>
+          <a:ext cx="0" cy="0"/>
+          <a:chOff x="0" y="0"/>
+          <a:chExt cx="0" cy="0"/>
+        </a:xfrm>
+      </p:grpSpPr>
+      <p:sp>
+        <p:nvSpPr>
+          <p:cNvPr id="2" name="Nadpis 1">
+            <a:extLst>
+              <a:ext uri="{FF2B5EF4-FFF2-40B4-BE49-F238E27FC236}">
+                <a16:creationId xmlns:a16="http://schemas.microsoft.com/office/drawing/2014/main" id="{29CB99E5-9986-576C-8894-71192D74DD8C}"/>
+              </a:ext>
+            </a:extLst>
+          </p:cNvPr>
+          <p:cNvSpPr>
+            <a:spLocks noGrp="1"/>
+          </p:cNvSpPr>
+          <p:nvPr>
+            <p:ph type="ctrTitle"/>
+          </p:nvPr>
+        </p:nvSpPr>
+        <p:spPr>
+          <a:xfrm>
+            <a:off x="767198" y="122417"/>
+            <a:ext cx="6082903" cy="1498174"/>
+          </a:xfrm>
+        </p:spPr>
+        <p:txBody>
+          <a:bodyPr>
+            <a:normAutofit/>
+          </a:bodyPr>
+          <a:lstStyle/>
+          <a:p>
+            <a:pPr algn="ctr"/>
+            <a:r>
+              <a:rPr lang="cs-CZ" sz="3200" b="1" dirty="0">
+                <a:solidFill>
+                  <a:srgbClr val="FEFAC2"/>
+                </a:solidFill>
+                <a:latin typeface="Arial" panose="020B0604020202020204" pitchFamily="34" charset="0"/>
+                <a:cs typeface="Arial" panose="020B0604020202020204" pitchFamily="34" charset="0"/>
+              </a:rPr>
+              <a:t>Budoucnost I</a:t>
+            </a:r>
+            <a:r>
+              <a:rPr lang="cs-CZ" sz="2000" b="1" dirty="0">
+                <a:solidFill>
+                  <a:srgbClr val="FEFAC2"/>
+                </a:solidFill>
+                <a:latin typeface="Arial" panose="020B0604020202020204" pitchFamily="34" charset="0"/>
+                <a:cs typeface="Arial" panose="020B0604020202020204" pitchFamily="34" charset="0"/>
+              </a:rPr>
+              <a:t>o</a:t>
+            </a:r>
+            <a:r>
+              <a:rPr lang="cs-CZ" sz="3200" b="1" dirty="0">
+                <a:solidFill>
+                  <a:srgbClr val="FEFAC2"/>
+                </a:solidFill>
+                <a:latin typeface="Arial" panose="020B0604020202020204" pitchFamily="34" charset="0"/>
+                <a:cs typeface="Arial" panose="020B0604020202020204" pitchFamily="34" charset="0"/>
+              </a:rPr>
+              <a:t>t:</a:t>
+            </a:r>
+          </a:p>
+        </p:txBody>
+      </p:sp>
+      <p:sp>
+        <p:nvSpPr>
+          <p:cNvPr id="3" name="Podnadpis 2">
+            <a:extLst>
+              <a:ext uri="{FF2B5EF4-FFF2-40B4-BE49-F238E27FC236}">
+                <a16:creationId xmlns:a16="http://schemas.microsoft.com/office/drawing/2014/main" id="{40BDE16B-3EE9-6453-FB6A-C1A83B805F10}"/>
+              </a:ext>
+            </a:extLst>
+          </p:cNvPr>
+          <p:cNvSpPr>
+            <a:spLocks noGrp="1"/>
+          </p:cNvSpPr>
+          <p:nvPr>
+            <p:ph type="subTitle" idx="1"/>
+          </p:nvPr>
+        </p:nvSpPr>
+        <p:spPr>
+          <a:xfrm>
+            <a:off x="4067173" y="3687763"/>
+            <a:ext cx="8791575" cy="1655762"/>
+          </a:xfrm>
+        </p:spPr>
+        <p:txBody>
+          <a:bodyPr/>
+          <a:lstStyle/>
+          <a:p>
+            <a:endParaRPr lang="cs-CZ" dirty="0"/>
+          </a:p>
+        </p:txBody>
+      </p:sp>
+      <p:sp>
+        <p:nvSpPr>
+          <p:cNvPr id="4" name="TextovéPole 3">
+            <a:extLst>
+              <a:ext uri="{FF2B5EF4-FFF2-40B4-BE49-F238E27FC236}">
+                <a16:creationId xmlns:a16="http://schemas.microsoft.com/office/drawing/2014/main" id="{97B33B09-C71B-1489-01D6-46555C62E1CC}"/>
+              </a:ext>
+            </a:extLst>
+          </p:cNvPr>
+          <p:cNvSpPr txBox="1"/>
+          <p:nvPr/>
+        </p:nvSpPr>
+        <p:spPr>
+          <a:xfrm>
+            <a:off x="2018581" y="2216989"/>
+            <a:ext cx="5098211" cy="1938992"/>
+          </a:xfrm>
+          <a:prstGeom prst="rect">
+            <a:avLst/>
+          </a:prstGeom>
+          <a:noFill/>
+        </p:spPr>
+        <p:txBody>
+          <a:bodyPr wrap="square" rtlCol="0">
+            <a:spAutoFit/>
+          </a:bodyPr>
+          <a:lstStyle/>
+          <a:p>
+            <a:r>
+              <a:rPr lang="cs-CZ" sz="2400" dirty="0">
+                <a:latin typeface="Arial" panose="020B0604020202020204" pitchFamily="34" charset="0"/>
+                <a:cs typeface="Arial" panose="020B0604020202020204" pitchFamily="34" charset="0"/>
+              </a:rPr>
+              <a:t>Budoucnost je digitální a bezdrátová.</a:t>
+            </a:r>
+          </a:p>
+          <a:p>
+            <a:endParaRPr lang="cs-CZ" sz="2400" dirty="0">
+              <a:latin typeface="Arial" panose="020B0604020202020204" pitchFamily="34" charset="0"/>
+              <a:cs typeface="Arial" panose="020B0604020202020204" pitchFamily="34" charset="0"/>
+            </a:endParaRPr>
+          </a:p>
+          <a:p>
+            <a:r>
+              <a:rPr lang="cs-CZ" sz="2400" dirty="0" err="1">
+                <a:latin typeface="Arial" panose="020B0604020202020204" pitchFamily="34" charset="0"/>
+                <a:cs typeface="Arial" panose="020B0604020202020204" pitchFamily="34" charset="0"/>
+              </a:rPr>
+              <a:t>IoT</a:t>
+            </a:r>
+            <a:r>
+              <a:rPr lang="cs-CZ" sz="2400" dirty="0">
+                <a:latin typeface="Arial" panose="020B0604020202020204" pitchFamily="34" charset="0"/>
+                <a:cs typeface="Arial" panose="020B0604020202020204" pitchFamily="34" charset="0"/>
+              </a:rPr>
+              <a:t> </a:t>
+            </a:r>
+            <a:r>
+              <a:rPr lang="cs-CZ" sz="2400" dirty="0" err="1">
+                <a:latin typeface="Arial" panose="020B0604020202020204" pitchFamily="34" charset="0"/>
+                <a:cs typeface="Arial" panose="020B0604020202020204" pitchFamily="34" charset="0"/>
+              </a:rPr>
+              <a:t>SmartHome</a:t>
+            </a:r>
+            <a:r>
+              <a:rPr lang="cs-CZ" sz="2400" dirty="0">
+                <a:latin typeface="Arial" panose="020B0604020202020204" pitchFamily="34" charset="0"/>
+                <a:cs typeface="Arial" panose="020B0604020202020204" pitchFamily="34" charset="0"/>
+              </a:rPr>
+              <a:t> normou, postupně až ve </a:t>
+            </a:r>
+            <a:r>
+              <a:rPr lang="cs-CZ" sz="2400" dirty="0" err="1">
+                <a:latin typeface="Arial" panose="020B0604020202020204" pitchFamily="34" charset="0"/>
+                <a:cs typeface="Arial" panose="020B0604020202020204" pitchFamily="34" charset="0"/>
+              </a:rPr>
+              <a:t>SmartCities</a:t>
+            </a:r>
+            <a:r>
+              <a:rPr lang="cs-CZ" sz="2400" dirty="0">
+                <a:latin typeface="Arial" panose="020B0604020202020204" pitchFamily="34" charset="0"/>
+                <a:cs typeface="Arial" panose="020B0604020202020204" pitchFamily="34" charset="0"/>
+              </a:rPr>
+              <a:t>.</a:t>
+            </a:r>
+          </a:p>
+        </p:txBody>
+      </p:sp>
+    </p:spTree>
+    <p:extLst>
+      <p:ext uri="{BB962C8B-B14F-4D97-AF65-F5344CB8AC3E}">
+        <p14:creationId xmlns:p14="http://schemas.microsoft.com/office/powerpoint/2010/main" val="1279449404"/>
+      </p:ext>
+    </p:extLst>
+  </p:cSld>
+  <p:clrMapOvr>
+    <a:masterClrMapping/>
+  </p:clrMapOvr>
+  <mc:AlternateContent xmlns:mc="http://schemas.openxmlformats.org/markup-compatibility/2006">
+    <mc:Choice xmlns:p14="http://schemas.microsoft.com/office/powerpoint/2010/main" Requires="p14">
+      <p:transition spd="med" p14:dur="700" advTm="20000">
+        <p:fade/>
+      </p:transition>
+    </mc:Choice>
+    <mc:Fallback>
+      <p:transition spd="med" advTm="20000">
         <p:fade/>
       </p:transition>
     </mc:Fallback>
@@ -16445,236 +17789,6 @@
         </p:nvSpPr>
         <p:spPr>
           <a:xfrm>
-            <a:off x="767198" y="122417"/>
-            <a:ext cx="6082903" cy="1498174"/>
-          </a:xfrm>
-        </p:spPr>
-        <p:txBody>
-          <a:bodyPr>
-            <a:normAutofit/>
-          </a:bodyPr>
-          <a:lstStyle/>
-          <a:p>
-            <a:pPr algn="ctr"/>
-            <a:r>
-              <a:rPr lang="cs-CZ" sz="3200" b="1" dirty="0">
-                <a:solidFill>
-                  <a:srgbClr val="FEFAC2"/>
-                </a:solidFill>
-                <a:latin typeface="Arial" panose="020B0604020202020204" pitchFamily="34" charset="0"/>
-                <a:cs typeface="Arial" panose="020B0604020202020204" pitchFamily="34" charset="0"/>
-              </a:rPr>
-              <a:t>Budoucnost I</a:t>
-            </a:r>
-            <a:r>
-              <a:rPr lang="cs-CZ" sz="2000" b="1" dirty="0">
-                <a:solidFill>
-                  <a:srgbClr val="FEFAC2"/>
-                </a:solidFill>
-                <a:latin typeface="Arial" panose="020B0604020202020204" pitchFamily="34" charset="0"/>
-                <a:cs typeface="Arial" panose="020B0604020202020204" pitchFamily="34" charset="0"/>
-              </a:rPr>
-              <a:t>o</a:t>
-            </a:r>
-            <a:r>
-              <a:rPr lang="cs-CZ" sz="3200" b="1" dirty="0">
-                <a:solidFill>
-                  <a:srgbClr val="FEFAC2"/>
-                </a:solidFill>
-                <a:latin typeface="Arial" panose="020B0604020202020204" pitchFamily="34" charset="0"/>
-                <a:cs typeface="Arial" panose="020B0604020202020204" pitchFamily="34" charset="0"/>
-              </a:rPr>
-              <a:t>t:</a:t>
-            </a:r>
-          </a:p>
-        </p:txBody>
-      </p:sp>
-      <p:sp>
-        <p:nvSpPr>
-          <p:cNvPr id="3" name="Podnadpis 2">
-            <a:extLst>
-              <a:ext uri="{FF2B5EF4-FFF2-40B4-BE49-F238E27FC236}">
-                <a16:creationId xmlns:a16="http://schemas.microsoft.com/office/drawing/2014/main" id="{40BDE16B-3EE9-6453-FB6A-C1A83B805F10}"/>
-              </a:ext>
-            </a:extLst>
-          </p:cNvPr>
-          <p:cNvSpPr>
-            <a:spLocks noGrp="1"/>
-          </p:cNvSpPr>
-          <p:nvPr>
-            <p:ph type="subTitle" idx="1"/>
-          </p:nvPr>
-        </p:nvSpPr>
-        <p:spPr>
-          <a:xfrm>
-            <a:off x="4067173" y="3687763"/>
-            <a:ext cx="8791575" cy="1655762"/>
-          </a:xfrm>
-        </p:spPr>
-        <p:txBody>
-          <a:bodyPr/>
-          <a:lstStyle/>
-          <a:p>
-            <a:endParaRPr lang="cs-CZ" dirty="0"/>
-          </a:p>
-        </p:txBody>
-      </p:sp>
-      <p:sp>
-        <p:nvSpPr>
-          <p:cNvPr id="4" name="TextovéPole 3">
-            <a:extLst>
-              <a:ext uri="{FF2B5EF4-FFF2-40B4-BE49-F238E27FC236}">
-                <a16:creationId xmlns:a16="http://schemas.microsoft.com/office/drawing/2014/main" id="{97B33B09-C71B-1489-01D6-46555C62E1CC}"/>
-              </a:ext>
-            </a:extLst>
-          </p:cNvPr>
-          <p:cNvSpPr txBox="1"/>
-          <p:nvPr/>
-        </p:nvSpPr>
-        <p:spPr>
-          <a:xfrm>
-            <a:off x="2018581" y="2216989"/>
-            <a:ext cx="5098211" cy="1938992"/>
-          </a:xfrm>
-          <a:prstGeom prst="rect">
-            <a:avLst/>
-          </a:prstGeom>
-          <a:noFill/>
-        </p:spPr>
-        <p:txBody>
-          <a:bodyPr wrap="square" rtlCol="0">
-            <a:spAutoFit/>
-          </a:bodyPr>
-          <a:lstStyle/>
-          <a:p>
-            <a:r>
-              <a:rPr lang="cs-CZ" sz="2400" dirty="0">
-                <a:latin typeface="Arial" panose="020B0604020202020204" pitchFamily="34" charset="0"/>
-                <a:cs typeface="Arial" panose="020B0604020202020204" pitchFamily="34" charset="0"/>
-              </a:rPr>
-              <a:t>Budoucnost je digitální a bezdrátová.</a:t>
-            </a:r>
-          </a:p>
-          <a:p>
-            <a:endParaRPr lang="cs-CZ" sz="2400" dirty="0">
-              <a:latin typeface="Arial" panose="020B0604020202020204" pitchFamily="34" charset="0"/>
-              <a:cs typeface="Arial" panose="020B0604020202020204" pitchFamily="34" charset="0"/>
-            </a:endParaRPr>
-          </a:p>
-          <a:p>
-            <a:r>
-              <a:rPr lang="cs-CZ" sz="2400" dirty="0" err="1">
-                <a:latin typeface="Arial" panose="020B0604020202020204" pitchFamily="34" charset="0"/>
-                <a:cs typeface="Arial" panose="020B0604020202020204" pitchFamily="34" charset="0"/>
-              </a:rPr>
-              <a:t>IoT</a:t>
-            </a:r>
-            <a:r>
-              <a:rPr lang="cs-CZ" sz="2400" dirty="0">
-                <a:latin typeface="Arial" panose="020B0604020202020204" pitchFamily="34" charset="0"/>
-                <a:cs typeface="Arial" panose="020B0604020202020204" pitchFamily="34" charset="0"/>
-              </a:rPr>
-              <a:t> </a:t>
-            </a:r>
-            <a:r>
-              <a:rPr lang="cs-CZ" sz="2400" dirty="0" err="1">
-                <a:latin typeface="Arial" panose="020B0604020202020204" pitchFamily="34" charset="0"/>
-                <a:cs typeface="Arial" panose="020B0604020202020204" pitchFamily="34" charset="0"/>
-              </a:rPr>
-              <a:t>SmartHome</a:t>
-            </a:r>
-            <a:r>
-              <a:rPr lang="cs-CZ" sz="2400" dirty="0">
-                <a:latin typeface="Arial" panose="020B0604020202020204" pitchFamily="34" charset="0"/>
-                <a:cs typeface="Arial" panose="020B0604020202020204" pitchFamily="34" charset="0"/>
-              </a:rPr>
-              <a:t> normou, postupně až ve </a:t>
-            </a:r>
-            <a:r>
-              <a:rPr lang="cs-CZ" sz="2400" dirty="0" err="1">
-                <a:latin typeface="Arial" panose="020B0604020202020204" pitchFamily="34" charset="0"/>
-                <a:cs typeface="Arial" panose="020B0604020202020204" pitchFamily="34" charset="0"/>
-              </a:rPr>
-              <a:t>SmartCities</a:t>
-            </a:r>
-            <a:r>
-              <a:rPr lang="cs-CZ" sz="2400" dirty="0">
-                <a:latin typeface="Arial" panose="020B0604020202020204" pitchFamily="34" charset="0"/>
-                <a:cs typeface="Arial" panose="020B0604020202020204" pitchFamily="34" charset="0"/>
-              </a:rPr>
-              <a:t>.</a:t>
-            </a:r>
-          </a:p>
-        </p:txBody>
-      </p:sp>
-    </p:spTree>
-    <p:extLst>
-      <p:ext uri="{BB962C8B-B14F-4D97-AF65-F5344CB8AC3E}">
-        <p14:creationId xmlns:p14="http://schemas.microsoft.com/office/powerpoint/2010/main" val="1279449404"/>
-      </p:ext>
-    </p:extLst>
-  </p:cSld>
-  <p:clrMapOvr>
-    <a:masterClrMapping/>
-  </p:clrMapOvr>
-  <mc:AlternateContent xmlns:mc="http://schemas.openxmlformats.org/markup-compatibility/2006">
-    <mc:Choice xmlns:p14="http://schemas.microsoft.com/office/powerpoint/2010/main" Requires="p14">
-      <p:transition spd="med" p14:dur="700">
-        <p:fade/>
-      </p:transition>
-    </mc:Choice>
-    <mc:Fallback>
-      <p:transition spd="med">
-        <p:fade/>
-      </p:transition>
-    </mc:Fallback>
-  </mc:AlternateContent>
-</p:sld>
-</file>
-
-<file path=ppt/slides/slide9.xml><?xml version="1.0" encoding="utf-8"?>
-<p:sld xmlns:a="http://schemas.openxmlformats.org/drawingml/2006/main" xmlns:r="http://schemas.openxmlformats.org/officeDocument/2006/relationships" xmlns:p="http://schemas.openxmlformats.org/presentationml/2006/main">
-  <p:cSld>
-    <p:bg>
-      <p:bgPr>
-        <a:solidFill>
-          <a:srgbClr val="23268F"/>
-        </a:solidFill>
-        <a:effectLst/>
-      </p:bgPr>
-    </p:bg>
-    <p:spTree>
-      <p:nvGrpSpPr>
-        <p:cNvPr id="1" name=""/>
-        <p:cNvGrpSpPr/>
-        <p:nvPr/>
-      </p:nvGrpSpPr>
-      <p:grpSpPr>
-        <a:xfrm>
-          <a:off x="0" y="0"/>
-          <a:ext cx="0" cy="0"/>
-          <a:chOff x="0" y="0"/>
-          <a:chExt cx="0" cy="0"/>
-        </a:xfrm>
-      </p:grpSpPr>
-      <p:sp>
-        <p:nvSpPr>
-          <p:cNvPr id="2" name="Nadpis 1">
-            <a:extLst>
-              <a:ext uri="{FF2B5EF4-FFF2-40B4-BE49-F238E27FC236}">
-                <a16:creationId xmlns:a16="http://schemas.microsoft.com/office/drawing/2014/main" id="{29CB99E5-9986-576C-8894-71192D74DD8C}"/>
-              </a:ext>
-            </a:extLst>
-          </p:cNvPr>
-          <p:cNvSpPr>
-            <a:spLocks noGrp="1"/>
-          </p:cNvSpPr>
-          <p:nvPr>
-            <p:ph type="ctrTitle"/>
-          </p:nvPr>
-        </p:nvSpPr>
-        <p:spPr>
-          <a:xfrm>
             <a:off x="1414178" y="458793"/>
             <a:ext cx="6082903" cy="1498174"/>
           </a:xfrm>
@@ -16835,7 +17949,7 @@
           <p:nvPr/>
         </p:nvPicPr>
         <p:blipFill>
-          <a:blip r:embed="rId2">
+          <a:blip r:embed="rId3">
             <a:extLst>
               <a:ext uri="{28A0092B-C50C-407E-A947-70E740481C1C}">
                 <a14:useLocalDpi xmlns:a14="http://schemas.microsoft.com/office/drawing/2010/main" val="0"/>
@@ -16879,12 +17993,240 @@
   </p:clrMapOvr>
   <mc:AlternateContent xmlns:mc="http://schemas.openxmlformats.org/markup-compatibility/2006">
     <mc:Choice xmlns:p14="http://schemas.microsoft.com/office/powerpoint/2010/main" Requires="p14">
-      <p:transition spd="med" p14:dur="700">
+      <p:transition spd="med" p14:dur="700" advTm="35000">
         <p:fade/>
       </p:transition>
     </mc:Choice>
     <mc:Fallback>
-      <p:transition spd="med">
+      <p:transition spd="med" advTm="35000">
+        <p:fade/>
+      </p:transition>
+    </mc:Fallback>
+  </mc:AlternateContent>
+</p:sld>
+</file>
+
+<file path=ppt/slides/slide9.xml><?xml version="1.0" encoding="utf-8"?>
+<p:sld xmlns:a="http://schemas.openxmlformats.org/drawingml/2006/main" xmlns:r="http://schemas.openxmlformats.org/officeDocument/2006/relationships" xmlns:p="http://schemas.openxmlformats.org/presentationml/2006/main">
+  <p:cSld>
+    <p:bg>
+      <p:bgPr>
+        <a:solidFill>
+          <a:srgbClr val="23268F"/>
+        </a:solidFill>
+        <a:effectLst/>
+      </p:bgPr>
+    </p:bg>
+    <p:spTree>
+      <p:nvGrpSpPr>
+        <p:cNvPr id="1" name=""/>
+        <p:cNvGrpSpPr/>
+        <p:nvPr/>
+      </p:nvGrpSpPr>
+      <p:grpSpPr>
+        <a:xfrm>
+          <a:off x="0" y="0"/>
+          <a:ext cx="0" cy="0"/>
+          <a:chOff x="0" y="0"/>
+          <a:chExt cx="0" cy="0"/>
+        </a:xfrm>
+      </p:grpSpPr>
+      <p:sp>
+        <p:nvSpPr>
+          <p:cNvPr id="2" name="Nadpis 1">
+            <a:extLst>
+              <a:ext uri="{FF2B5EF4-FFF2-40B4-BE49-F238E27FC236}">
+                <a16:creationId xmlns:a16="http://schemas.microsoft.com/office/drawing/2014/main" id="{29CB99E5-9986-576C-8894-71192D74DD8C}"/>
+              </a:ext>
+            </a:extLst>
+          </p:cNvPr>
+          <p:cNvSpPr>
+            <a:spLocks noGrp="1"/>
+          </p:cNvSpPr>
+          <p:nvPr>
+            <p:ph type="ctrTitle"/>
+          </p:nvPr>
+        </p:nvSpPr>
+        <p:spPr>
+          <a:xfrm>
+            <a:off x="439394" y="87911"/>
+            <a:ext cx="6082903" cy="1498174"/>
+          </a:xfrm>
+        </p:spPr>
+        <p:txBody>
+          <a:bodyPr>
+            <a:normAutofit/>
+          </a:bodyPr>
+          <a:lstStyle/>
+          <a:p>
+            <a:pPr algn="ctr"/>
+            <a:r>
+              <a:rPr lang="cs-CZ" sz="3200" b="1" dirty="0">
+                <a:solidFill>
+                  <a:srgbClr val="FEFAC2"/>
+                </a:solidFill>
+                <a:latin typeface="Arial" panose="020B0604020202020204" pitchFamily="34" charset="0"/>
+                <a:cs typeface="Arial" panose="020B0604020202020204" pitchFamily="34" charset="0"/>
+              </a:rPr>
+              <a:t>Co je cílem?</a:t>
+            </a:r>
+          </a:p>
+        </p:txBody>
+      </p:sp>
+      <p:sp>
+        <p:nvSpPr>
+          <p:cNvPr id="3" name="Podnadpis 2">
+            <a:extLst>
+              <a:ext uri="{FF2B5EF4-FFF2-40B4-BE49-F238E27FC236}">
+                <a16:creationId xmlns:a16="http://schemas.microsoft.com/office/drawing/2014/main" id="{40BDE16B-3EE9-6453-FB6A-C1A83B805F10}"/>
+              </a:ext>
+            </a:extLst>
+          </p:cNvPr>
+          <p:cNvSpPr>
+            <a:spLocks noGrp="1"/>
+          </p:cNvSpPr>
+          <p:nvPr>
+            <p:ph type="subTitle" idx="1"/>
+          </p:nvPr>
+        </p:nvSpPr>
+        <p:spPr>
+          <a:xfrm>
+            <a:off x="4067173" y="3687763"/>
+            <a:ext cx="8791575" cy="1655762"/>
+          </a:xfrm>
+        </p:spPr>
+        <p:txBody>
+          <a:bodyPr/>
+          <a:lstStyle/>
+          <a:p>
+            <a:endParaRPr lang="cs-CZ" dirty="0"/>
+          </a:p>
+        </p:txBody>
+      </p:sp>
+      <p:sp>
+        <p:nvSpPr>
+          <p:cNvPr id="5" name="TextovéPole 4">
+            <a:extLst>
+              <a:ext uri="{FF2B5EF4-FFF2-40B4-BE49-F238E27FC236}">
+                <a16:creationId xmlns:a16="http://schemas.microsoft.com/office/drawing/2014/main" id="{2D3B6C45-FDF8-6CBB-0EE1-833B543C58C5}"/>
+              </a:ext>
+            </a:extLst>
+          </p:cNvPr>
+          <p:cNvSpPr txBox="1"/>
+          <p:nvPr/>
+        </p:nvSpPr>
+        <p:spPr>
+          <a:xfrm>
+            <a:off x="1880557" y="2334905"/>
+            <a:ext cx="10146602" cy="3046988"/>
+          </a:xfrm>
+          <a:prstGeom prst="rect">
+            <a:avLst/>
+          </a:prstGeom>
+          <a:noFill/>
+        </p:spPr>
+        <p:txBody>
+          <a:bodyPr wrap="square" rtlCol="0">
+            <a:spAutoFit/>
+          </a:bodyPr>
+          <a:lstStyle/>
+          <a:p>
+            <a:r>
+              <a:rPr lang="cs-CZ" sz="2400" b="1" dirty="0">
+                <a:latin typeface="Arial" panose="020B0604020202020204" pitchFamily="34" charset="0"/>
+                <a:cs typeface="Arial" panose="020B0604020202020204" pitchFamily="34" charset="0"/>
+              </a:rPr>
+              <a:t>Příjemné podmínky pro život </a:t>
+            </a:r>
+          </a:p>
+          <a:p>
+            <a:r>
+              <a:rPr lang="cs-CZ" sz="2400" b="1" dirty="0">
+                <a:latin typeface="Arial" panose="020B0604020202020204" pitchFamily="34" charset="0"/>
+                <a:cs typeface="Arial" panose="020B0604020202020204" pitchFamily="34" charset="0"/>
+              </a:rPr>
+              <a:t>místních obyvatel.</a:t>
+            </a:r>
+          </a:p>
+          <a:p>
+            <a:endParaRPr lang="cs-CZ" sz="2400" dirty="0">
+              <a:latin typeface="Arial" panose="020B0604020202020204" pitchFamily="34" charset="0"/>
+              <a:cs typeface="Arial" panose="020B0604020202020204" pitchFamily="34" charset="0"/>
+            </a:endParaRPr>
+          </a:p>
+          <a:p>
+            <a:r>
+              <a:rPr lang="cs-CZ" sz="2400" b="1" dirty="0">
+                <a:latin typeface="Arial" panose="020B0604020202020204" pitchFamily="34" charset="0"/>
+                <a:cs typeface="Arial" panose="020B0604020202020204" pitchFamily="34" charset="0"/>
+              </a:rPr>
+              <a:t>Doprava a parkování                 Odpadové hospodářství                          </a:t>
+            </a:r>
+          </a:p>
+          <a:p>
+            <a:endParaRPr lang="cs-CZ" sz="2400" dirty="0">
+              <a:latin typeface="Arial" panose="020B0604020202020204" pitchFamily="34" charset="0"/>
+              <a:cs typeface="Arial" panose="020B0604020202020204" pitchFamily="34" charset="0"/>
+            </a:endParaRPr>
+          </a:p>
+          <a:p>
+            <a:r>
+              <a:rPr lang="cs-CZ" sz="2400" b="1" dirty="0">
+                <a:latin typeface="Arial" panose="020B0604020202020204" pitchFamily="34" charset="0"/>
+                <a:cs typeface="Arial" panose="020B0604020202020204" pitchFamily="34" charset="0"/>
+              </a:rPr>
+              <a:t>Energie  </a:t>
+            </a:r>
+            <a:r>
+              <a:rPr lang="cs-CZ" sz="2400" dirty="0">
+                <a:latin typeface="Arial" panose="020B0604020202020204" pitchFamily="34" charset="0"/>
+                <a:cs typeface="Arial" panose="020B0604020202020204" pitchFamily="34" charset="0"/>
+              </a:rPr>
+              <a:t>                                      </a:t>
+            </a:r>
+            <a:r>
+              <a:rPr lang="cs-CZ" sz="2400" b="1" dirty="0">
+                <a:latin typeface="Arial" panose="020B0604020202020204" pitchFamily="34" charset="0"/>
+                <a:cs typeface="Arial" panose="020B0604020202020204" pitchFamily="34" charset="0"/>
+              </a:rPr>
+              <a:t>Rozšíření městské zeleně</a:t>
+            </a:r>
+          </a:p>
+          <a:p>
+            <a:endParaRPr lang="cs-CZ" sz="2400" dirty="0">
+              <a:latin typeface="Arial" panose="020B0604020202020204" pitchFamily="34" charset="0"/>
+              <a:cs typeface="Arial" panose="020B0604020202020204" pitchFamily="34" charset="0"/>
+            </a:endParaRPr>
+          </a:p>
+          <a:p>
+            <a:r>
+              <a:rPr lang="cs-CZ" sz="2400" b="1" dirty="0">
+                <a:latin typeface="Arial" panose="020B0604020202020204" pitchFamily="34" charset="0"/>
+                <a:cs typeface="Arial" panose="020B0604020202020204" pitchFamily="34" charset="0"/>
+              </a:rPr>
+              <a:t>Veřejné osvětlení                        Lepší úroveň služeb pro občany</a:t>
+            </a:r>
+          </a:p>
+        </p:txBody>
+      </p:sp>
+    </p:spTree>
+    <p:extLst>
+      <p:ext uri="{BB962C8B-B14F-4D97-AF65-F5344CB8AC3E}">
+        <p14:creationId xmlns:p14="http://schemas.microsoft.com/office/powerpoint/2010/main" val="3927950764"/>
+      </p:ext>
+    </p:extLst>
+  </p:cSld>
+  <p:clrMapOvr>
+    <a:masterClrMapping/>
+  </p:clrMapOvr>
+  <mc:AlternateContent xmlns:mc="http://schemas.openxmlformats.org/markup-compatibility/2006">
+    <mc:Choice xmlns:p14="http://schemas.microsoft.com/office/powerpoint/2010/main" Requires="p14">
+      <p:transition spd="med" p14:dur="700" advTm="80000">
+        <p:fade/>
+      </p:transition>
+    </mc:Choice>
+    <mc:Fallback>
+      <p:transition spd="med" advTm="80000">
         <p:fade/>
       </p:transition>
     </mc:Fallback>
@@ -17141,4 +18483,299 @@
     </a:ext>
   </a:extLst>
 </a:theme>
+</file>
+
+<file path=ppt/theme/theme2.xml><?xml version="1.0" encoding="utf-8"?>
+<a:theme xmlns:a="http://schemas.openxmlformats.org/drawingml/2006/main" name="Motiv Office">
+  <a:themeElements>
+    <a:clrScheme name="Office">
+      <a:dk1>
+        <a:sysClr val="windowText" lastClr="000000"/>
+      </a:dk1>
+      <a:lt1>
+        <a:sysClr val="window" lastClr="FFFFFF"/>
+      </a:lt1>
+      <a:dk2>
+        <a:srgbClr val="44546A"/>
+      </a:dk2>
+      <a:lt2>
+        <a:srgbClr val="E7E6E6"/>
+      </a:lt2>
+      <a:accent1>
+        <a:srgbClr val="4472C4"/>
+      </a:accent1>
+      <a:accent2>
+        <a:srgbClr val="ED7D31"/>
+      </a:accent2>
+      <a:accent3>
+        <a:srgbClr val="A5A5A5"/>
+      </a:accent3>
+      <a:accent4>
+        <a:srgbClr val="FFC000"/>
+      </a:accent4>
+      <a:accent5>
+        <a:srgbClr val="5B9BD5"/>
+      </a:accent5>
+      <a:accent6>
+        <a:srgbClr val="70AD47"/>
+      </a:accent6>
+      <a:hlink>
+        <a:srgbClr val="0563C1"/>
+      </a:hlink>
+      <a:folHlink>
+        <a:srgbClr val="954F72"/>
+      </a:folHlink>
+    </a:clrScheme>
+    <a:fontScheme name="Office">
+      <a:majorFont>
+        <a:latin typeface="Calibri Light" panose="020F0302020204030204"/>
+        <a:ea typeface=""/>
+        <a:cs typeface=""/>
+        <a:font script="Jpan" typeface="游ゴシック Light"/>
+        <a:font script="Hang" typeface="맑은 고딕"/>
+        <a:font script="Hans" typeface="等线 Light"/>
+        <a:font script="Hant" typeface="新細明體"/>
+        <a:font script="Arab" typeface="Times New Roman"/>
+        <a:font script="Hebr" typeface="Times New Roman"/>
+        <a:font script="Thai" typeface="Angsana New"/>
+        <a:font script="Ethi" typeface="Nyala"/>
+        <a:font script="Beng" typeface="Vrinda"/>
+        <a:font script="Gujr" typeface="Shruti"/>
+        <a:font script="Khmr" typeface="MoolBoran"/>
+        <a:font script="Knda" typeface="Tunga"/>
+        <a:font script="Guru" typeface="Raavi"/>
+        <a:font script="Cans" typeface="Euphemia"/>
+        <a:font script="Cher" typeface="Plantagenet Cherokee"/>
+        <a:font script="Yiii" typeface="Microsoft Yi Baiti"/>
+        <a:font script="Tibt" typeface="Microsoft Himalaya"/>
+        <a:font script="Thaa" typeface="MV Boli"/>
+        <a:font script="Deva" typeface="Mangal"/>
+        <a:font script="Telu" typeface="Gautami"/>
+        <a:font script="Taml" typeface="Latha"/>
+        <a:font script="Syrc" typeface="Estrangelo Edessa"/>
+        <a:font script="Orya" typeface="Kalinga"/>
+        <a:font script="Mlym" typeface="Kartika"/>
+        <a:font script="Laoo" typeface="DokChampa"/>
+        <a:font script="Sinh" typeface="Iskoola Pota"/>
+        <a:font script="Mong" typeface="Mongolian Baiti"/>
+        <a:font script="Viet" typeface="Times New Roman"/>
+        <a:font script="Uigh" typeface="Microsoft Uighur"/>
+        <a:font script="Geor" typeface="Sylfaen"/>
+        <a:font script="Armn" typeface="Arial"/>
+        <a:font script="Bugi" typeface="Leelawadee UI"/>
+        <a:font script="Bopo" typeface="Microsoft JhengHei"/>
+        <a:font script="Java" typeface="Javanese Text"/>
+        <a:font script="Lisu" typeface="Segoe UI"/>
+        <a:font script="Mymr" typeface="Myanmar Text"/>
+        <a:font script="Nkoo" typeface="Ebrima"/>
+        <a:font script="Olck" typeface="Nirmala UI"/>
+        <a:font script="Osma" typeface="Ebrima"/>
+        <a:font script="Phag" typeface="Phagspa"/>
+        <a:font script="Syrn" typeface="Estrangelo Edessa"/>
+        <a:font script="Syrj" typeface="Estrangelo Edessa"/>
+        <a:font script="Syre" typeface="Estrangelo Edessa"/>
+        <a:font script="Sora" typeface="Nirmala UI"/>
+        <a:font script="Tale" typeface="Microsoft Tai Le"/>
+        <a:font script="Talu" typeface="Microsoft New Tai Lue"/>
+        <a:font script="Tfng" typeface="Ebrima"/>
+      </a:majorFont>
+      <a:minorFont>
+        <a:latin typeface="Calibri" panose="020F0502020204030204"/>
+        <a:ea typeface=""/>
+        <a:cs typeface=""/>
+        <a:font script="Jpan" typeface="游ゴシック"/>
+        <a:font script="Hang" typeface="맑은 고딕"/>
+        <a:font script="Hans" typeface="等线"/>
+        <a:font script="Hant" typeface="新細明體"/>
+        <a:font script="Arab" typeface="Arial"/>
+        <a:font script="Hebr" typeface="Arial"/>
+        <a:font script="Thai" typeface="Cordia New"/>
+        <a:font script="Ethi" typeface="Nyala"/>
+        <a:font script="Beng" typeface="Vrinda"/>
+        <a:font script="Gujr" typeface="Shruti"/>
+        <a:font script="Khmr" typeface="DaunPenh"/>
+        <a:font script="Knda" typeface="Tunga"/>
+        <a:font script="Guru" typeface="Raavi"/>
+        <a:font script="Cans" typeface="Euphemia"/>
+        <a:font script="Cher" typeface="Plantagenet Cherokee"/>
+        <a:font script="Yiii" typeface="Microsoft Yi Baiti"/>
+        <a:font script="Tibt" typeface="Microsoft Himalaya"/>
+        <a:font script="Thaa" typeface="MV Boli"/>
+        <a:font script="Deva" typeface="Mangal"/>
+        <a:font script="Telu" typeface="Gautami"/>
+        <a:font script="Taml" typeface="Latha"/>
+        <a:font script="Syrc" typeface="Estrangelo Edessa"/>
+        <a:font script="Orya" typeface="Kalinga"/>
+        <a:font script="Mlym" typeface="Kartika"/>
+        <a:font script="Laoo" typeface="DokChampa"/>
+        <a:font script="Sinh" typeface="Iskoola Pota"/>
+        <a:font script="Mong" typeface="Mongolian Baiti"/>
+        <a:font script="Viet" typeface="Arial"/>
+        <a:font script="Uigh" typeface="Microsoft Uighur"/>
+        <a:font script="Geor" typeface="Sylfaen"/>
+        <a:font script="Armn" typeface="Arial"/>
+        <a:font script="Bugi" typeface="Leelawadee UI"/>
+        <a:font script="Bopo" typeface="Microsoft JhengHei"/>
+        <a:font script="Java" typeface="Javanese Text"/>
+        <a:font script="Lisu" typeface="Segoe UI"/>
+        <a:font script="Mymr" typeface="Myanmar Text"/>
+        <a:font script="Nkoo" typeface="Ebrima"/>
+        <a:font script="Olck" typeface="Nirmala UI"/>
+        <a:font script="Osma" typeface="Ebrima"/>
+        <a:font script="Phag" typeface="Phagspa"/>
+        <a:font script="Syrn" typeface="Estrangelo Edessa"/>
+        <a:font script="Syrj" typeface="Estrangelo Edessa"/>
+        <a:font script="Syre" typeface="Estrangelo Edessa"/>
+        <a:font script="Sora" typeface="Nirmala UI"/>
+        <a:font script="Tale" typeface="Microsoft Tai Le"/>
+        <a:font script="Talu" typeface="Microsoft New Tai Lue"/>
+        <a:font script="Tfng" typeface="Ebrima"/>
+      </a:minorFont>
+    </a:fontScheme>
+    <a:fmtScheme name="Office">
+      <a:fillStyleLst>
+        <a:solidFill>
+          <a:schemeClr val="phClr"/>
+        </a:solidFill>
+        <a:gradFill rotWithShape="1">
+          <a:gsLst>
+            <a:gs pos="0">
+              <a:schemeClr val="phClr">
+                <a:lumMod val="110000"/>
+                <a:satMod val="105000"/>
+                <a:tint val="67000"/>
+              </a:schemeClr>
+            </a:gs>
+            <a:gs pos="50000">
+              <a:schemeClr val="phClr">
+                <a:lumMod val="105000"/>
+                <a:satMod val="103000"/>
+                <a:tint val="73000"/>
+              </a:schemeClr>
+            </a:gs>
+            <a:gs pos="100000">
+              <a:schemeClr val="phClr">
+                <a:lumMod val="105000"/>
+                <a:satMod val="109000"/>
+                <a:tint val="81000"/>
+              </a:schemeClr>
+            </a:gs>
+          </a:gsLst>
+          <a:lin ang="5400000" scaled="0"/>
+        </a:gradFill>
+        <a:gradFill rotWithShape="1">
+          <a:gsLst>
+            <a:gs pos="0">
+              <a:schemeClr val="phClr">
+                <a:satMod val="103000"/>
+                <a:lumMod val="102000"/>
+                <a:tint val="94000"/>
+              </a:schemeClr>
+            </a:gs>
+            <a:gs pos="50000">
+              <a:schemeClr val="phClr">
+                <a:satMod val="110000"/>
+                <a:lumMod val="100000"/>
+                <a:shade val="100000"/>
+              </a:schemeClr>
+            </a:gs>
+            <a:gs pos="100000">
+              <a:schemeClr val="phClr">
+                <a:lumMod val="99000"/>
+                <a:satMod val="120000"/>
+                <a:shade val="78000"/>
+              </a:schemeClr>
+            </a:gs>
+          </a:gsLst>
+          <a:lin ang="5400000" scaled="0"/>
+        </a:gradFill>
+      </a:fillStyleLst>
+      <a:lnStyleLst>
+        <a:ln w="6350" cap="flat" cmpd="sng" algn="ctr">
+          <a:solidFill>
+            <a:schemeClr val="phClr"/>
+          </a:solidFill>
+          <a:prstDash val="solid"/>
+          <a:miter lim="800000"/>
+        </a:ln>
+        <a:ln w="12700" cap="flat" cmpd="sng" algn="ctr">
+          <a:solidFill>
+            <a:schemeClr val="phClr"/>
+          </a:solidFill>
+          <a:prstDash val="solid"/>
+          <a:miter lim="800000"/>
+        </a:ln>
+        <a:ln w="19050" cap="flat" cmpd="sng" algn="ctr">
+          <a:solidFill>
+            <a:schemeClr val="phClr"/>
+          </a:solidFill>
+          <a:prstDash val="solid"/>
+          <a:miter lim="800000"/>
+        </a:ln>
+      </a:lnStyleLst>
+      <a:effectStyleLst>
+        <a:effectStyle>
+          <a:effectLst/>
+        </a:effectStyle>
+        <a:effectStyle>
+          <a:effectLst/>
+        </a:effectStyle>
+        <a:effectStyle>
+          <a:effectLst>
+            <a:outerShdw blurRad="57150" dist="19050" dir="5400000" algn="ctr" rotWithShape="0">
+              <a:srgbClr val="000000">
+                <a:alpha val="63000"/>
+              </a:srgbClr>
+            </a:outerShdw>
+          </a:effectLst>
+        </a:effectStyle>
+      </a:effectStyleLst>
+      <a:bgFillStyleLst>
+        <a:solidFill>
+          <a:schemeClr val="phClr"/>
+        </a:solidFill>
+        <a:solidFill>
+          <a:schemeClr val="phClr">
+            <a:tint val="95000"/>
+            <a:satMod val="170000"/>
+          </a:schemeClr>
+        </a:solidFill>
+        <a:gradFill rotWithShape="1">
+          <a:gsLst>
+            <a:gs pos="0">
+              <a:schemeClr val="phClr">
+                <a:tint val="93000"/>
+                <a:satMod val="150000"/>
+                <a:shade val="98000"/>
+                <a:lumMod val="102000"/>
+              </a:schemeClr>
+            </a:gs>
+            <a:gs pos="50000">
+              <a:schemeClr val="phClr">
+                <a:tint val="98000"/>
+                <a:satMod val="130000"/>
+                <a:shade val="90000"/>
+                <a:lumMod val="103000"/>
+              </a:schemeClr>
+            </a:gs>
+            <a:gs pos="100000">
+              <a:schemeClr val="phClr">
+                <a:shade val="63000"/>
+                <a:satMod val="120000"/>
+              </a:schemeClr>
+            </a:gs>
+          </a:gsLst>
+          <a:lin ang="5400000" scaled="0"/>
+        </a:gradFill>
+      </a:bgFillStyleLst>
+    </a:fmtScheme>
+  </a:themeElements>
+  <a:objectDefaults/>
+  <a:extraClrSchemeLst/>
+  <a:extLst>
+    <a:ext uri="{05A4C25C-085E-4340-85A3-A5531E510DB2}">
+      <thm15:themeFamily xmlns:thm15="http://schemas.microsoft.com/office/thememl/2012/main" name="Office Theme 2013 - 2022" id="{62F939B6-93AF-4DB8-9C6B-D6C7DFDC589F}" vid="{4A3C46E8-61CC-4603-A589-7422A47A8E4A}"/>
+    </a:ext>
+  </a:extLst>
+</a:theme>
 </file>